--- a/TPDL 2022 Paper Updates.pptx
+++ b/TPDL 2022 Paper Updates.pptx
@@ -7,6 +7,19 @@
   <p:sldIdLst>
     <p:sldId id="256" r:id="rId5"/>
     <p:sldId id="257" r:id="rId6"/>
+    <p:sldId id="258" r:id="rId7"/>
+    <p:sldId id="259" r:id="rId8"/>
+    <p:sldId id="270" r:id="rId9"/>
+    <p:sldId id="260" r:id="rId10"/>
+    <p:sldId id="261" r:id="rId11"/>
+    <p:sldId id="263" r:id="rId12"/>
+    <p:sldId id="264" r:id="rId13"/>
+    <p:sldId id="266" r:id="rId14"/>
+    <p:sldId id="267" r:id="rId15"/>
+    <p:sldId id="268" r:id="rId16"/>
+    <p:sldId id="269" r:id="rId17"/>
+    <p:sldId id="265" r:id="rId18"/>
+    <p:sldId id="271" r:id="rId19"/>
   </p:sldIdLst>
   <p:sldSz cx="12192000" cy="6858000"/>
   <p:notesSz cx="6858000" cy="9144000"/>
@@ -260,7 +273,7 @@
           <a:p>
             <a:fld id="{262ADD7D-9AC9-427E-9EE9-A3B073E45964}" type="datetimeFigureOut">
               <a:rPr lang="en-US" smtClean="0"/>
-              <a:t>3/27/2022</a:t>
+              <a:t>3/30/2022</a:t>
             </a:fld>
             <a:endParaRPr lang="en-US"/>
           </a:p>
@@ -458,7 +471,7 @@
           <a:p>
             <a:fld id="{262ADD7D-9AC9-427E-9EE9-A3B073E45964}" type="datetimeFigureOut">
               <a:rPr lang="en-US" smtClean="0"/>
-              <a:t>3/27/2022</a:t>
+              <a:t>3/30/2022</a:t>
             </a:fld>
             <a:endParaRPr lang="en-US"/>
           </a:p>
@@ -666,7 +679,7 @@
           <a:p>
             <a:fld id="{262ADD7D-9AC9-427E-9EE9-A3B073E45964}" type="datetimeFigureOut">
               <a:rPr lang="en-US" smtClean="0"/>
-              <a:t>3/27/2022</a:t>
+              <a:t>3/30/2022</a:t>
             </a:fld>
             <a:endParaRPr lang="en-US"/>
           </a:p>
@@ -864,7 +877,7 @@
           <a:p>
             <a:fld id="{262ADD7D-9AC9-427E-9EE9-A3B073E45964}" type="datetimeFigureOut">
               <a:rPr lang="en-US" smtClean="0"/>
-              <a:t>3/27/2022</a:t>
+              <a:t>3/30/2022</a:t>
             </a:fld>
             <a:endParaRPr lang="en-US"/>
           </a:p>
@@ -1139,7 +1152,7 @@
           <a:p>
             <a:fld id="{262ADD7D-9AC9-427E-9EE9-A3B073E45964}" type="datetimeFigureOut">
               <a:rPr lang="en-US" smtClean="0"/>
-              <a:t>3/27/2022</a:t>
+              <a:t>3/30/2022</a:t>
             </a:fld>
             <a:endParaRPr lang="en-US"/>
           </a:p>
@@ -1404,7 +1417,7 @@
           <a:p>
             <a:fld id="{262ADD7D-9AC9-427E-9EE9-A3B073E45964}" type="datetimeFigureOut">
               <a:rPr lang="en-US" smtClean="0"/>
-              <a:t>3/27/2022</a:t>
+              <a:t>3/30/2022</a:t>
             </a:fld>
             <a:endParaRPr lang="en-US"/>
           </a:p>
@@ -1816,7 +1829,7 @@
           <a:p>
             <a:fld id="{262ADD7D-9AC9-427E-9EE9-A3B073E45964}" type="datetimeFigureOut">
               <a:rPr lang="en-US" smtClean="0"/>
-              <a:t>3/27/2022</a:t>
+              <a:t>3/30/2022</a:t>
             </a:fld>
             <a:endParaRPr lang="en-US"/>
           </a:p>
@@ -1957,7 +1970,7 @@
           <a:p>
             <a:fld id="{262ADD7D-9AC9-427E-9EE9-A3B073E45964}" type="datetimeFigureOut">
               <a:rPr lang="en-US" smtClean="0"/>
-              <a:t>3/27/2022</a:t>
+              <a:t>3/30/2022</a:t>
             </a:fld>
             <a:endParaRPr lang="en-US"/>
           </a:p>
@@ -2070,7 +2083,7 @@
           <a:p>
             <a:fld id="{262ADD7D-9AC9-427E-9EE9-A3B073E45964}" type="datetimeFigureOut">
               <a:rPr lang="en-US" smtClean="0"/>
-              <a:t>3/27/2022</a:t>
+              <a:t>3/30/2022</a:t>
             </a:fld>
             <a:endParaRPr lang="en-US"/>
           </a:p>
@@ -2381,7 +2394,7 @@
           <a:p>
             <a:fld id="{262ADD7D-9AC9-427E-9EE9-A3B073E45964}" type="datetimeFigureOut">
               <a:rPr lang="en-US" smtClean="0"/>
-              <a:t>3/27/2022</a:t>
+              <a:t>3/30/2022</a:t>
             </a:fld>
             <a:endParaRPr lang="en-US"/>
           </a:p>
@@ -2669,7 +2682,7 @@
           <a:p>
             <a:fld id="{262ADD7D-9AC9-427E-9EE9-A3B073E45964}" type="datetimeFigureOut">
               <a:rPr lang="en-US" smtClean="0"/>
-              <a:t>3/27/2022</a:t>
+              <a:t>3/30/2022</a:t>
             </a:fld>
             <a:endParaRPr lang="en-US"/>
           </a:p>
@@ -2910,7 +2923,7 @@
           <a:p>
             <a:fld id="{262ADD7D-9AC9-427E-9EE9-A3B073E45964}" type="datetimeFigureOut">
               <a:rPr lang="en-US" smtClean="0"/>
-              <a:t>3/27/2022</a:t>
+              <a:t>3/30/2022</a:t>
             </a:fld>
             <a:endParaRPr lang="en-US"/>
           </a:p>
@@ -3376,7 +3389,10 @@
           <a:bodyPr/>
           <a:lstStyle/>
           <a:p>
-            <a:endParaRPr lang="en-US" dirty="0"/>
+            <a:r>
+              <a:rPr lang="en-US" dirty="0"/>
+              <a:t>Updates include codebase, related work, and paper writing</a:t>
+            </a:r>
           </a:p>
         </p:txBody>
       </p:sp>
@@ -3384,6 +3400,824 @@
     <p:extLst>
       <p:ext uri="{BB962C8B-B14F-4D97-AF65-F5344CB8AC3E}">
         <p14:creationId xmlns:p14="http://schemas.microsoft.com/office/powerpoint/2010/main" val="424575943"/>
+      </p:ext>
+    </p:extLst>
+  </p:cSld>
+  <p:clrMapOvr>
+    <a:masterClrMapping/>
+  </p:clrMapOvr>
+</p:sld>
+</file>
+
+<file path=ppt/slides/slide10.xml><?xml version="1.0" encoding="utf-8"?>
+<p:sld xmlns:a="http://schemas.openxmlformats.org/drawingml/2006/main" xmlns:r="http://schemas.openxmlformats.org/officeDocument/2006/relationships" xmlns:p="http://schemas.openxmlformats.org/presentationml/2006/main">
+  <p:cSld>
+    <p:spTree>
+      <p:nvGrpSpPr>
+        <p:cNvPr id="1" name=""/>
+        <p:cNvGrpSpPr/>
+        <p:nvPr/>
+      </p:nvGrpSpPr>
+      <p:grpSpPr>
+        <a:xfrm>
+          <a:off x="0" y="0"/>
+          <a:ext cx="0" cy="0"/>
+          <a:chOff x="0" y="0"/>
+          <a:chExt cx="0" cy="0"/>
+        </a:xfrm>
+      </p:grpSpPr>
+      <p:sp>
+        <p:nvSpPr>
+          <p:cNvPr id="2" name="Title 1">
+            <a:extLst>
+              <a:ext uri="{FF2B5EF4-FFF2-40B4-BE49-F238E27FC236}">
+                <a16:creationId xmlns:a16="http://schemas.microsoft.com/office/drawing/2014/main" id="{F71B79FD-0FA2-4793-84FE-A0D4AF52FF90}"/>
+              </a:ext>
+            </a:extLst>
+          </p:cNvPr>
+          <p:cNvSpPr>
+            <a:spLocks noGrp="1"/>
+          </p:cNvSpPr>
+          <p:nvPr>
+            <p:ph type="title"/>
+          </p:nvPr>
+        </p:nvSpPr>
+        <p:spPr>
+          <a:xfrm>
+            <a:off x="681135" y="365125"/>
+            <a:ext cx="11206065" cy="1325563"/>
+          </a:xfrm>
+        </p:spPr>
+        <p:txBody>
+          <a:bodyPr/>
+          <a:lstStyle/>
+          <a:p>
+            <a:r>
+              <a:rPr lang="en-US" dirty="0"/>
+              <a:t>Related Work: 3. Docs/News Similarity</a:t>
+            </a:r>
+          </a:p>
+        </p:txBody>
+      </p:sp>
+      <p:sp>
+        <p:nvSpPr>
+          <p:cNvPr id="3" name="Content Placeholder 2">
+            <a:extLst>
+              <a:ext uri="{FF2B5EF4-FFF2-40B4-BE49-F238E27FC236}">
+                <a16:creationId xmlns:a16="http://schemas.microsoft.com/office/drawing/2014/main" id="{12D94D22-8A38-4CB6-AA07-18FB6B3033DA}"/>
+              </a:ext>
+            </a:extLst>
+          </p:cNvPr>
+          <p:cNvSpPr>
+            <a:spLocks noGrp="1"/>
+          </p:cNvSpPr>
+          <p:nvPr>
+            <p:ph idx="1"/>
+          </p:nvPr>
+        </p:nvSpPr>
+        <p:spPr>
+          <a:xfrm>
+            <a:off x="838200" y="1576873"/>
+            <a:ext cx="10515600" cy="5150498"/>
+          </a:xfrm>
+        </p:spPr>
+        <p:txBody>
+          <a:bodyPr>
+            <a:normAutofit lnSpcReduction="10000"/>
+          </a:bodyPr>
+          <a:lstStyle/>
+          <a:p>
+            <a:r>
+              <a:rPr lang="en-US" dirty="0"/>
+              <a:t>(</a:t>
+            </a:r>
+            <a:r>
+              <a:rPr lang="en-US" dirty="0" err="1"/>
+              <a:t>Awajan</a:t>
+            </a:r>
+            <a:r>
+              <a:rPr lang="en-US" dirty="0"/>
+              <a:t> 2015): Semantic similarity based approach for reducing Arabic texts dimensionality (full text is not available)</a:t>
+            </a:r>
+          </a:p>
+          <a:p>
+            <a:r>
+              <a:rPr lang="en-US" dirty="0"/>
+              <a:t>The purpose is to summarize a large document</a:t>
+            </a:r>
+          </a:p>
+          <a:p>
+            <a:r>
+              <a:rPr lang="en-US" dirty="0"/>
+              <a:t>The proposed method uses the distributional semantics to build the word-context matrix representing the distribution of words across contexts and to transform the text into a vector space model representation based on word semantic similarity. The linguistic features of the Arabic language, in addition to the semantic information extracted from different lexical-semantic resources such as Arabic WordNet and named entities’ gazetteers are used to improve the text representation and to create word clusters of similar and related words. Distributional similarity measures have been used to capture the words’ semantic similarity and to create clusters of similar words.</a:t>
+            </a:r>
+            <a:endParaRPr lang="en-US" b="0" i="0" dirty="0">
+              <a:solidFill>
+                <a:srgbClr val="333333"/>
+              </a:solidFill>
+              <a:effectLst/>
+              <a:latin typeface="Georgia" panose="02040502050405020303" pitchFamily="18" charset="0"/>
+            </a:endParaRPr>
+          </a:p>
+          <a:p>
+            <a:endParaRPr lang="en-US" dirty="0"/>
+          </a:p>
+          <a:p>
+            <a:pPr marL="0" indent="0">
+              <a:buNone/>
+            </a:pPr>
+            <a:endParaRPr lang="en-US" dirty="0"/>
+          </a:p>
+        </p:txBody>
+      </p:sp>
+    </p:spTree>
+    <p:extLst>
+      <p:ext uri="{BB962C8B-B14F-4D97-AF65-F5344CB8AC3E}">
+        <p14:creationId xmlns:p14="http://schemas.microsoft.com/office/powerpoint/2010/main" val="2255522199"/>
+      </p:ext>
+    </p:extLst>
+  </p:cSld>
+  <p:clrMapOvr>
+    <a:masterClrMapping/>
+  </p:clrMapOvr>
+</p:sld>
+</file>
+
+<file path=ppt/slides/slide11.xml><?xml version="1.0" encoding="utf-8"?>
+<p:sld xmlns:a="http://schemas.openxmlformats.org/drawingml/2006/main" xmlns:r="http://schemas.openxmlformats.org/officeDocument/2006/relationships" xmlns:p="http://schemas.openxmlformats.org/presentationml/2006/main">
+  <p:cSld>
+    <p:spTree>
+      <p:nvGrpSpPr>
+        <p:cNvPr id="1" name=""/>
+        <p:cNvGrpSpPr/>
+        <p:nvPr/>
+      </p:nvGrpSpPr>
+      <p:grpSpPr>
+        <a:xfrm>
+          <a:off x="0" y="0"/>
+          <a:ext cx="0" cy="0"/>
+          <a:chOff x="0" y="0"/>
+          <a:chExt cx="0" cy="0"/>
+        </a:xfrm>
+      </p:grpSpPr>
+      <p:sp>
+        <p:nvSpPr>
+          <p:cNvPr id="2" name="Title 1">
+            <a:extLst>
+              <a:ext uri="{FF2B5EF4-FFF2-40B4-BE49-F238E27FC236}">
+                <a16:creationId xmlns:a16="http://schemas.microsoft.com/office/drawing/2014/main" id="{F71B79FD-0FA2-4793-84FE-A0D4AF52FF90}"/>
+              </a:ext>
+            </a:extLst>
+          </p:cNvPr>
+          <p:cNvSpPr>
+            <a:spLocks noGrp="1"/>
+          </p:cNvSpPr>
+          <p:nvPr>
+            <p:ph type="title"/>
+          </p:nvPr>
+        </p:nvSpPr>
+        <p:spPr>
+          <a:xfrm>
+            <a:off x="681135" y="365125"/>
+            <a:ext cx="11206065" cy="1325563"/>
+          </a:xfrm>
+        </p:spPr>
+        <p:txBody>
+          <a:bodyPr/>
+          <a:lstStyle/>
+          <a:p>
+            <a:r>
+              <a:rPr lang="en-US" dirty="0"/>
+              <a:t>Related Work: 3. Docs/News Similarity</a:t>
+            </a:r>
+          </a:p>
+        </p:txBody>
+      </p:sp>
+      <p:sp>
+        <p:nvSpPr>
+          <p:cNvPr id="3" name="Content Placeholder 2">
+            <a:extLst>
+              <a:ext uri="{FF2B5EF4-FFF2-40B4-BE49-F238E27FC236}">
+                <a16:creationId xmlns:a16="http://schemas.microsoft.com/office/drawing/2014/main" id="{12D94D22-8A38-4CB6-AA07-18FB6B3033DA}"/>
+              </a:ext>
+            </a:extLst>
+          </p:cNvPr>
+          <p:cNvSpPr>
+            <a:spLocks noGrp="1"/>
+          </p:cNvSpPr>
+          <p:nvPr>
+            <p:ph idx="1"/>
+          </p:nvPr>
+        </p:nvSpPr>
+        <p:spPr>
+          <a:xfrm>
+            <a:off x="838200" y="1576873"/>
+            <a:ext cx="10515600" cy="5150498"/>
+          </a:xfrm>
+        </p:spPr>
+        <p:txBody>
+          <a:bodyPr>
+            <a:normAutofit/>
+          </a:bodyPr>
+          <a:lstStyle/>
+          <a:p>
+            <a:r>
+              <a:rPr lang="en-US" dirty="0"/>
+              <a:t>(Soori et. al. 2013): Text Similarity Based on Data Compression in Arabic</a:t>
+            </a:r>
+          </a:p>
+          <a:p>
+            <a:r>
+              <a:rPr lang="en-US" dirty="0"/>
+              <a:t>Uses Lempel Ziv comparison algorithm</a:t>
+            </a:r>
+          </a:p>
+          <a:p>
+            <a:r>
+              <a:rPr lang="en-US" dirty="0"/>
+              <a:t>The text itself is the dictionary.</a:t>
+            </a:r>
+          </a:p>
+          <a:p>
+            <a:r>
+              <a:rPr lang="en-US" dirty="0"/>
+              <a:t>Later occurrences of a string are replaced by numbers indicating where it occurred before and its length.</a:t>
+            </a:r>
+          </a:p>
+          <a:p>
+            <a:r>
+              <a:rPr lang="en-US" dirty="0"/>
+              <a:t>Stop words are removed</a:t>
+            </a:r>
+          </a:p>
+          <a:p>
+            <a:r>
+              <a:rPr lang="en-US" dirty="0"/>
+              <a:t>K-gram based (K is the threshold for words’ sequences matching)</a:t>
+            </a:r>
+          </a:p>
+          <a:p>
+            <a:r>
+              <a:rPr lang="en-US" dirty="0"/>
+              <a:t>Only operates on Arabic docs</a:t>
+            </a:r>
+          </a:p>
+          <a:p>
+            <a:endParaRPr lang="en-US" dirty="0"/>
+          </a:p>
+        </p:txBody>
+      </p:sp>
+    </p:spTree>
+    <p:extLst>
+      <p:ext uri="{BB962C8B-B14F-4D97-AF65-F5344CB8AC3E}">
+        <p14:creationId xmlns:p14="http://schemas.microsoft.com/office/powerpoint/2010/main" val="1640308326"/>
+      </p:ext>
+    </p:extLst>
+  </p:cSld>
+  <p:clrMapOvr>
+    <a:masterClrMapping/>
+  </p:clrMapOvr>
+</p:sld>
+</file>
+
+<file path=ppt/slides/slide12.xml><?xml version="1.0" encoding="utf-8"?>
+<p:sld xmlns:a="http://schemas.openxmlformats.org/drawingml/2006/main" xmlns:r="http://schemas.openxmlformats.org/officeDocument/2006/relationships" xmlns:p="http://schemas.openxmlformats.org/presentationml/2006/main">
+  <p:cSld>
+    <p:spTree>
+      <p:nvGrpSpPr>
+        <p:cNvPr id="1" name=""/>
+        <p:cNvGrpSpPr/>
+        <p:nvPr/>
+      </p:nvGrpSpPr>
+      <p:grpSpPr>
+        <a:xfrm>
+          <a:off x="0" y="0"/>
+          <a:ext cx="0" cy="0"/>
+          <a:chOff x="0" y="0"/>
+          <a:chExt cx="0" cy="0"/>
+        </a:xfrm>
+      </p:grpSpPr>
+      <p:sp>
+        <p:nvSpPr>
+          <p:cNvPr id="2" name="Title 1">
+            <a:extLst>
+              <a:ext uri="{FF2B5EF4-FFF2-40B4-BE49-F238E27FC236}">
+                <a16:creationId xmlns:a16="http://schemas.microsoft.com/office/drawing/2014/main" id="{F71B79FD-0FA2-4793-84FE-A0D4AF52FF90}"/>
+              </a:ext>
+            </a:extLst>
+          </p:cNvPr>
+          <p:cNvSpPr>
+            <a:spLocks noGrp="1"/>
+          </p:cNvSpPr>
+          <p:nvPr>
+            <p:ph type="title"/>
+          </p:nvPr>
+        </p:nvSpPr>
+        <p:spPr>
+          <a:xfrm>
+            <a:off x="681135" y="365125"/>
+            <a:ext cx="11206065" cy="1325563"/>
+          </a:xfrm>
+        </p:spPr>
+        <p:txBody>
+          <a:bodyPr/>
+          <a:lstStyle/>
+          <a:p>
+            <a:r>
+              <a:rPr lang="en-US" dirty="0"/>
+              <a:t>Related Work: 3. Docs/News Similarity</a:t>
+            </a:r>
+          </a:p>
+        </p:txBody>
+      </p:sp>
+      <p:sp>
+        <p:nvSpPr>
+          <p:cNvPr id="3" name="Content Placeholder 2">
+            <a:extLst>
+              <a:ext uri="{FF2B5EF4-FFF2-40B4-BE49-F238E27FC236}">
+                <a16:creationId xmlns:a16="http://schemas.microsoft.com/office/drawing/2014/main" id="{12D94D22-8A38-4CB6-AA07-18FB6B3033DA}"/>
+              </a:ext>
+            </a:extLst>
+          </p:cNvPr>
+          <p:cNvSpPr>
+            <a:spLocks noGrp="1"/>
+          </p:cNvSpPr>
+          <p:nvPr>
+            <p:ph idx="1"/>
+          </p:nvPr>
+        </p:nvSpPr>
+        <p:spPr>
+          <a:xfrm>
+            <a:off x="838200" y="1576873"/>
+            <a:ext cx="10515600" cy="5150498"/>
+          </a:xfrm>
+        </p:spPr>
+        <p:txBody>
+          <a:bodyPr>
+            <a:normAutofit lnSpcReduction="10000"/>
+          </a:bodyPr>
+          <a:lstStyle/>
+          <a:p>
+            <a:r>
+              <a:rPr lang="en-US" dirty="0"/>
+              <a:t>(Al-</a:t>
+            </a:r>
+            <a:r>
+              <a:rPr lang="en-US" dirty="0" err="1"/>
+              <a:t>Radaideh</a:t>
+            </a:r>
+            <a:r>
+              <a:rPr lang="en-US" dirty="0"/>
+              <a:t> and </a:t>
+            </a:r>
+            <a:r>
+              <a:rPr lang="en-US" dirty="0" err="1"/>
+              <a:t>Afif</a:t>
+            </a:r>
+            <a:r>
+              <a:rPr lang="en-US" dirty="0"/>
+              <a:t>  2009): ARABIC TEXT SUMMARIZATION USING AGGREGATE SIMILARITY</a:t>
+            </a:r>
+          </a:p>
+          <a:p>
+            <a:r>
+              <a:rPr lang="en-US" dirty="0"/>
+              <a:t>Divide the document into sentences then tokenize.</a:t>
+            </a:r>
+          </a:p>
+          <a:p>
+            <a:r>
+              <a:rPr lang="en-US" dirty="0"/>
+              <a:t>Extract nouns</a:t>
+            </a:r>
+          </a:p>
+          <a:p>
+            <a:r>
+              <a:rPr lang="en-US" dirty="0"/>
+              <a:t>Compute the similarity between each sentence and the whole document based on the similarity between the noun frequency in the sentence and the document using the Inner Product.</a:t>
+            </a:r>
+          </a:p>
+          <a:p>
+            <a:r>
+              <a:rPr lang="en-US" dirty="0"/>
+              <a:t>The summation of all similarities of every sentence (for all nouns in it) represents an Aggregate similarity</a:t>
+            </a:r>
+          </a:p>
+          <a:p>
+            <a:r>
+              <a:rPr lang="en-US" dirty="0"/>
+              <a:t>Based on a user-defined threshold, select the sentences that will be the summary.</a:t>
+            </a:r>
+          </a:p>
+          <a:p>
+            <a:r>
+              <a:rPr lang="en-US" dirty="0"/>
+              <a:t>Works on Arabic docs</a:t>
+            </a:r>
+          </a:p>
+        </p:txBody>
+      </p:sp>
+    </p:spTree>
+    <p:extLst>
+      <p:ext uri="{BB962C8B-B14F-4D97-AF65-F5344CB8AC3E}">
+        <p14:creationId xmlns:p14="http://schemas.microsoft.com/office/powerpoint/2010/main" val="1538710970"/>
+      </p:ext>
+    </p:extLst>
+  </p:cSld>
+  <p:clrMapOvr>
+    <a:masterClrMapping/>
+  </p:clrMapOvr>
+</p:sld>
+</file>
+
+<file path=ppt/slides/slide13.xml><?xml version="1.0" encoding="utf-8"?>
+<p:sld xmlns:a="http://schemas.openxmlformats.org/drawingml/2006/main" xmlns:r="http://schemas.openxmlformats.org/officeDocument/2006/relationships" xmlns:p="http://schemas.openxmlformats.org/presentationml/2006/main">
+  <p:cSld>
+    <p:spTree>
+      <p:nvGrpSpPr>
+        <p:cNvPr id="1" name=""/>
+        <p:cNvGrpSpPr/>
+        <p:nvPr/>
+      </p:nvGrpSpPr>
+      <p:grpSpPr>
+        <a:xfrm>
+          <a:off x="0" y="0"/>
+          <a:ext cx="0" cy="0"/>
+          <a:chOff x="0" y="0"/>
+          <a:chExt cx="0" cy="0"/>
+        </a:xfrm>
+      </p:grpSpPr>
+      <p:sp>
+        <p:nvSpPr>
+          <p:cNvPr id="2" name="Title 1">
+            <a:extLst>
+              <a:ext uri="{FF2B5EF4-FFF2-40B4-BE49-F238E27FC236}">
+                <a16:creationId xmlns:a16="http://schemas.microsoft.com/office/drawing/2014/main" id="{F71B79FD-0FA2-4793-84FE-A0D4AF52FF90}"/>
+              </a:ext>
+            </a:extLst>
+          </p:cNvPr>
+          <p:cNvSpPr>
+            <a:spLocks noGrp="1"/>
+          </p:cNvSpPr>
+          <p:nvPr>
+            <p:ph type="title"/>
+          </p:nvPr>
+        </p:nvSpPr>
+        <p:spPr>
+          <a:xfrm>
+            <a:off x="681135" y="365125"/>
+            <a:ext cx="11206065" cy="1325563"/>
+          </a:xfrm>
+        </p:spPr>
+        <p:txBody>
+          <a:bodyPr/>
+          <a:lstStyle/>
+          <a:p>
+            <a:r>
+              <a:rPr lang="en-US" dirty="0"/>
+              <a:t>Related Work: 3. Docs/News Similarity</a:t>
+            </a:r>
+          </a:p>
+        </p:txBody>
+      </p:sp>
+      <p:sp>
+        <p:nvSpPr>
+          <p:cNvPr id="3" name="Content Placeholder 2">
+            <a:extLst>
+              <a:ext uri="{FF2B5EF4-FFF2-40B4-BE49-F238E27FC236}">
+                <a16:creationId xmlns:a16="http://schemas.microsoft.com/office/drawing/2014/main" id="{12D94D22-8A38-4CB6-AA07-18FB6B3033DA}"/>
+              </a:ext>
+            </a:extLst>
+          </p:cNvPr>
+          <p:cNvSpPr>
+            <a:spLocks noGrp="1"/>
+          </p:cNvSpPr>
+          <p:nvPr>
+            <p:ph idx="1"/>
+          </p:nvPr>
+        </p:nvSpPr>
+        <p:spPr>
+          <a:xfrm>
+            <a:off x="838200" y="1576873"/>
+            <a:ext cx="10515600" cy="5150498"/>
+          </a:xfrm>
+        </p:spPr>
+        <p:txBody>
+          <a:bodyPr>
+            <a:normAutofit/>
+          </a:bodyPr>
+          <a:lstStyle/>
+          <a:p>
+            <a:r>
+              <a:rPr lang="en-US" dirty="0">
+                <a:solidFill>
+                  <a:srgbClr val="FF0000"/>
+                </a:solidFill>
+              </a:rPr>
+              <a:t>(</a:t>
+            </a:r>
+            <a:r>
+              <a:rPr lang="en-US" dirty="0" err="1">
+                <a:solidFill>
+                  <a:srgbClr val="FF0000"/>
+                </a:solidFill>
+              </a:rPr>
+              <a:t>Zweigenbaum</a:t>
+            </a:r>
+            <a:r>
+              <a:rPr lang="en-US" dirty="0">
+                <a:solidFill>
+                  <a:srgbClr val="FF0000"/>
+                </a:solidFill>
+              </a:rPr>
+              <a:t> et. al. 2018) </a:t>
+            </a:r>
+            <a:r>
+              <a:rPr lang="en-US" dirty="0"/>
+              <a:t>Overview of the Third BUCC Shared Task: Spotting Parallel Sentences in Comparable Corpora</a:t>
+            </a:r>
+          </a:p>
+          <a:p>
+            <a:r>
+              <a:rPr lang="en-US" dirty="0"/>
+              <a:t>Arabic isn’t one of the 5 selected languages (English, Chinese, German, French, and Russian)</a:t>
+            </a:r>
+          </a:p>
+          <a:p>
+            <a:r>
+              <a:rPr lang="en-US" dirty="0">
+                <a:solidFill>
+                  <a:srgbClr val="FF0000"/>
+                </a:solidFill>
+              </a:rPr>
+              <a:t>(Saad et. al. 2013) </a:t>
+            </a:r>
+            <a:r>
+              <a:rPr lang="en-US" b="0" i="0" dirty="0">
+                <a:solidFill>
+                  <a:srgbClr val="111111"/>
+                </a:solidFill>
+                <a:effectLst/>
+                <a:latin typeface="Roboto" panose="02000000000000000000" pitchFamily="2" charset="0"/>
+              </a:rPr>
+              <a:t>Extracting Comparable Articles from Wikipedia and Measuring their </a:t>
+            </a:r>
+            <a:r>
+              <a:rPr lang="en-US" b="0" i="0" dirty="0" err="1">
+                <a:solidFill>
+                  <a:srgbClr val="111111"/>
+                </a:solidFill>
+                <a:effectLst/>
+                <a:latin typeface="Roboto" panose="02000000000000000000" pitchFamily="2" charset="0"/>
+              </a:rPr>
+              <a:t>Comparabilities</a:t>
+            </a:r>
+            <a:endParaRPr lang="en-US" b="0" i="0" dirty="0">
+              <a:solidFill>
+                <a:srgbClr val="111111"/>
+              </a:solidFill>
+              <a:effectLst/>
+              <a:latin typeface="Roboto" panose="02000000000000000000" pitchFamily="2" charset="0"/>
+            </a:endParaRPr>
+          </a:p>
+          <a:p>
+            <a:r>
+              <a:rPr lang="en-US" dirty="0"/>
+              <a:t>Basically, the same as his PhD thesis</a:t>
+            </a:r>
+          </a:p>
+          <a:p>
+            <a:r>
+              <a:rPr lang="en-US" dirty="0"/>
+              <a:t>Multilingual document representation model based on </a:t>
+            </a:r>
+            <a:r>
+              <a:rPr lang="en-US" dirty="0" err="1"/>
+              <a:t>wordNet</a:t>
+            </a:r>
+            <a:r>
+              <a:rPr lang="en-US" dirty="0"/>
+              <a:t> dictionary. We also apply Latent Semantic Indexing (LSI)</a:t>
+            </a:r>
+          </a:p>
+          <a:p>
+            <a:r>
+              <a:rPr lang="en-US" dirty="0"/>
+              <a:t>Binary and cosine similarity</a:t>
+            </a:r>
+          </a:p>
+        </p:txBody>
+      </p:sp>
+    </p:spTree>
+    <p:extLst>
+      <p:ext uri="{BB962C8B-B14F-4D97-AF65-F5344CB8AC3E}">
+        <p14:creationId xmlns:p14="http://schemas.microsoft.com/office/powerpoint/2010/main" val="753362141"/>
+      </p:ext>
+    </p:extLst>
+  </p:cSld>
+  <p:clrMapOvr>
+    <a:masterClrMapping/>
+  </p:clrMapOvr>
+</p:sld>
+</file>
+
+<file path=ppt/slides/slide14.xml><?xml version="1.0" encoding="utf-8"?>
+<p:sld xmlns:a="http://schemas.openxmlformats.org/drawingml/2006/main" xmlns:r="http://schemas.openxmlformats.org/officeDocument/2006/relationships" xmlns:p="http://schemas.openxmlformats.org/presentationml/2006/main">
+  <p:cSld>
+    <p:spTree>
+      <p:nvGrpSpPr>
+        <p:cNvPr id="1" name=""/>
+        <p:cNvGrpSpPr/>
+        <p:nvPr/>
+      </p:nvGrpSpPr>
+      <p:grpSpPr>
+        <a:xfrm>
+          <a:off x="0" y="0"/>
+          <a:ext cx="0" cy="0"/>
+          <a:chOff x="0" y="0"/>
+          <a:chExt cx="0" cy="0"/>
+        </a:xfrm>
+      </p:grpSpPr>
+      <p:sp>
+        <p:nvSpPr>
+          <p:cNvPr id="2" name="Title 1">
+            <a:extLst>
+              <a:ext uri="{FF2B5EF4-FFF2-40B4-BE49-F238E27FC236}">
+                <a16:creationId xmlns:a16="http://schemas.microsoft.com/office/drawing/2014/main" id="{F71B79FD-0FA2-4793-84FE-A0D4AF52FF90}"/>
+              </a:ext>
+            </a:extLst>
+          </p:cNvPr>
+          <p:cNvSpPr>
+            <a:spLocks noGrp="1"/>
+          </p:cNvSpPr>
+          <p:nvPr>
+            <p:ph type="title"/>
+          </p:nvPr>
+        </p:nvSpPr>
+        <p:spPr>
+          <a:xfrm>
+            <a:off x="681135" y="365125"/>
+            <a:ext cx="11206065" cy="1325563"/>
+          </a:xfrm>
+        </p:spPr>
+        <p:txBody>
+          <a:bodyPr/>
+          <a:lstStyle/>
+          <a:p>
+            <a:r>
+              <a:rPr lang="en-US" dirty="0"/>
+              <a:t>Related Work: 3. Docs/News Similarity</a:t>
+            </a:r>
+          </a:p>
+        </p:txBody>
+      </p:sp>
+      <p:sp>
+        <p:nvSpPr>
+          <p:cNvPr id="3" name="Content Placeholder 2">
+            <a:extLst>
+              <a:ext uri="{FF2B5EF4-FFF2-40B4-BE49-F238E27FC236}">
+                <a16:creationId xmlns:a16="http://schemas.microsoft.com/office/drawing/2014/main" id="{12D94D22-8A38-4CB6-AA07-18FB6B3033DA}"/>
+              </a:ext>
+            </a:extLst>
+          </p:cNvPr>
+          <p:cNvSpPr>
+            <a:spLocks noGrp="1"/>
+          </p:cNvSpPr>
+          <p:nvPr>
+            <p:ph idx="1"/>
+          </p:nvPr>
+        </p:nvSpPr>
+        <p:spPr>
+          <a:xfrm>
+            <a:off x="838200" y="1576873"/>
+            <a:ext cx="10515600" cy="5150498"/>
+          </a:xfrm>
+        </p:spPr>
+        <p:txBody>
+          <a:bodyPr>
+            <a:normAutofit/>
+          </a:bodyPr>
+          <a:lstStyle/>
+          <a:p>
+            <a:r>
+              <a:rPr lang="en-US" dirty="0"/>
+              <a:t>(</a:t>
+            </a:r>
+            <a:r>
+              <a:rPr lang="en-US" dirty="0" err="1"/>
+              <a:t>Alian</a:t>
+            </a:r>
+            <a:r>
+              <a:rPr lang="en-US" dirty="0"/>
+              <a:t> and </a:t>
+            </a:r>
+            <a:r>
+              <a:rPr lang="en-US" dirty="0" err="1"/>
+              <a:t>Awajan</a:t>
+            </a:r>
+            <a:r>
+              <a:rPr lang="en-US" dirty="0"/>
+              <a:t> 2018): Arabic Semantic Similarity Approaches – Review</a:t>
+            </a:r>
+          </a:p>
+          <a:p>
+            <a:endParaRPr lang="en-US" dirty="0"/>
+          </a:p>
+          <a:p>
+            <a:r>
+              <a:rPr lang="en-US" dirty="0"/>
+              <a:t>Have not read this paper yet.</a:t>
+            </a:r>
+          </a:p>
+        </p:txBody>
+      </p:sp>
+    </p:spTree>
+    <p:extLst>
+      <p:ext uri="{BB962C8B-B14F-4D97-AF65-F5344CB8AC3E}">
+        <p14:creationId xmlns:p14="http://schemas.microsoft.com/office/powerpoint/2010/main" val="2407600856"/>
+      </p:ext>
+    </p:extLst>
+  </p:cSld>
+  <p:clrMapOvr>
+    <a:masterClrMapping/>
+  </p:clrMapOvr>
+</p:sld>
+</file>
+
+<file path=ppt/slides/slide15.xml><?xml version="1.0" encoding="utf-8"?>
+<p:sld xmlns:a="http://schemas.openxmlformats.org/drawingml/2006/main" xmlns:r="http://schemas.openxmlformats.org/officeDocument/2006/relationships" xmlns:p="http://schemas.openxmlformats.org/presentationml/2006/main">
+  <p:cSld>
+    <p:spTree>
+      <p:nvGrpSpPr>
+        <p:cNvPr id="1" name=""/>
+        <p:cNvGrpSpPr/>
+        <p:nvPr/>
+      </p:nvGrpSpPr>
+      <p:grpSpPr>
+        <a:xfrm>
+          <a:off x="0" y="0"/>
+          <a:ext cx="0" cy="0"/>
+          <a:chOff x="0" y="0"/>
+          <a:chExt cx="0" cy="0"/>
+        </a:xfrm>
+      </p:grpSpPr>
+      <p:sp>
+        <p:nvSpPr>
+          <p:cNvPr id="2" name="Title 1">
+            <a:extLst>
+              <a:ext uri="{FF2B5EF4-FFF2-40B4-BE49-F238E27FC236}">
+                <a16:creationId xmlns:a16="http://schemas.microsoft.com/office/drawing/2014/main" id="{19EC342C-AA3C-4648-98BE-FD6C7F164C39}"/>
+              </a:ext>
+            </a:extLst>
+          </p:cNvPr>
+          <p:cNvSpPr>
+            <a:spLocks noGrp="1"/>
+          </p:cNvSpPr>
+          <p:nvPr>
+            <p:ph type="title"/>
+          </p:nvPr>
+        </p:nvSpPr>
+        <p:spPr/>
+        <p:txBody>
+          <a:bodyPr/>
+          <a:lstStyle/>
+          <a:p>
+            <a:r>
+              <a:rPr lang="en-US" dirty="0"/>
+              <a:t>Next</a:t>
+            </a:r>
+          </a:p>
+        </p:txBody>
+      </p:sp>
+      <p:sp>
+        <p:nvSpPr>
+          <p:cNvPr id="3" name="Content Placeholder 2">
+            <a:extLst>
+              <a:ext uri="{FF2B5EF4-FFF2-40B4-BE49-F238E27FC236}">
+                <a16:creationId xmlns:a16="http://schemas.microsoft.com/office/drawing/2014/main" id="{5767A250-7175-4F3F-8FB6-89C751B09A20}"/>
+              </a:ext>
+            </a:extLst>
+          </p:cNvPr>
+          <p:cNvSpPr>
+            <a:spLocks noGrp="1"/>
+          </p:cNvSpPr>
+          <p:nvPr>
+            <p:ph idx="1"/>
+          </p:nvPr>
+        </p:nvSpPr>
+        <p:spPr/>
+        <p:txBody>
+          <a:bodyPr/>
+          <a:lstStyle/>
+          <a:p>
+            <a:endParaRPr lang="en-US" dirty="0"/>
+          </a:p>
+        </p:txBody>
+      </p:sp>
+    </p:spTree>
+    <p:extLst>
+      <p:ext uri="{BB962C8B-B14F-4D97-AF65-F5344CB8AC3E}">
+        <p14:creationId xmlns:p14="http://schemas.microsoft.com/office/powerpoint/2010/main" val="2923181437"/>
       </p:ext>
     </p:extLst>
   </p:cSld>
@@ -3531,6 +4365,1083 @@
     <p:extLst>
       <p:ext uri="{BB962C8B-B14F-4D97-AF65-F5344CB8AC3E}">
         <p14:creationId xmlns:p14="http://schemas.microsoft.com/office/powerpoint/2010/main" val="2164070000"/>
+      </p:ext>
+    </p:extLst>
+  </p:cSld>
+  <p:clrMapOvr>
+    <a:masterClrMapping/>
+  </p:clrMapOvr>
+</p:sld>
+</file>
+
+<file path=ppt/slides/slide3.xml><?xml version="1.0" encoding="utf-8"?>
+<p:sld xmlns:a="http://schemas.openxmlformats.org/drawingml/2006/main" xmlns:r="http://schemas.openxmlformats.org/officeDocument/2006/relationships" xmlns:p="http://schemas.openxmlformats.org/presentationml/2006/main">
+  <p:cSld>
+    <p:spTree>
+      <p:nvGrpSpPr>
+        <p:cNvPr id="1" name=""/>
+        <p:cNvGrpSpPr/>
+        <p:nvPr/>
+      </p:nvGrpSpPr>
+      <p:grpSpPr>
+        <a:xfrm>
+          <a:off x="0" y="0"/>
+          <a:ext cx="0" cy="0"/>
+          <a:chOff x="0" y="0"/>
+          <a:chExt cx="0" cy="0"/>
+        </a:xfrm>
+      </p:grpSpPr>
+      <p:sp>
+        <p:nvSpPr>
+          <p:cNvPr id="2" name="Title 1">
+            <a:extLst>
+              <a:ext uri="{FF2B5EF4-FFF2-40B4-BE49-F238E27FC236}">
+                <a16:creationId xmlns:a16="http://schemas.microsoft.com/office/drawing/2014/main" id="{F71B79FD-0FA2-4793-84FE-A0D4AF52FF90}"/>
+              </a:ext>
+            </a:extLst>
+          </p:cNvPr>
+          <p:cNvSpPr>
+            <a:spLocks noGrp="1"/>
+          </p:cNvSpPr>
+          <p:nvPr>
+            <p:ph type="title"/>
+          </p:nvPr>
+        </p:nvSpPr>
+        <p:spPr/>
+        <p:txBody>
+          <a:bodyPr/>
+          <a:lstStyle/>
+          <a:p>
+            <a:r>
+              <a:rPr lang="en-US" dirty="0"/>
+              <a:t>Related Work Updates</a:t>
+            </a:r>
+          </a:p>
+        </p:txBody>
+      </p:sp>
+      <p:sp>
+        <p:nvSpPr>
+          <p:cNvPr id="3" name="Content Placeholder 2">
+            <a:extLst>
+              <a:ext uri="{FF2B5EF4-FFF2-40B4-BE49-F238E27FC236}">
+                <a16:creationId xmlns:a16="http://schemas.microsoft.com/office/drawing/2014/main" id="{12D94D22-8A38-4CB6-AA07-18FB6B3033DA}"/>
+              </a:ext>
+            </a:extLst>
+          </p:cNvPr>
+          <p:cNvSpPr>
+            <a:spLocks noGrp="1"/>
+          </p:cNvSpPr>
+          <p:nvPr>
+            <p:ph idx="1"/>
+          </p:nvPr>
+        </p:nvSpPr>
+        <p:spPr/>
+        <p:txBody>
+          <a:bodyPr/>
+          <a:lstStyle/>
+          <a:p>
+            <a:r>
+              <a:rPr lang="en-US" dirty="0"/>
+              <a:t>Divided by topic in following slides</a:t>
+            </a:r>
+          </a:p>
+        </p:txBody>
+      </p:sp>
+    </p:spTree>
+    <p:extLst>
+      <p:ext uri="{BB962C8B-B14F-4D97-AF65-F5344CB8AC3E}">
+        <p14:creationId xmlns:p14="http://schemas.microsoft.com/office/powerpoint/2010/main" val="4093827415"/>
+      </p:ext>
+    </p:extLst>
+  </p:cSld>
+  <p:clrMapOvr>
+    <a:masterClrMapping/>
+  </p:clrMapOvr>
+</p:sld>
+</file>
+
+<file path=ppt/slides/slide4.xml><?xml version="1.0" encoding="utf-8"?>
+<p:sld xmlns:a="http://schemas.openxmlformats.org/drawingml/2006/main" xmlns:r="http://schemas.openxmlformats.org/officeDocument/2006/relationships" xmlns:p="http://schemas.openxmlformats.org/presentationml/2006/main">
+  <p:cSld>
+    <p:spTree>
+      <p:nvGrpSpPr>
+        <p:cNvPr id="1" name=""/>
+        <p:cNvGrpSpPr/>
+        <p:nvPr/>
+      </p:nvGrpSpPr>
+      <p:grpSpPr>
+        <a:xfrm>
+          <a:off x="0" y="0"/>
+          <a:ext cx="0" cy="0"/>
+          <a:chOff x="0" y="0"/>
+          <a:chExt cx="0" cy="0"/>
+        </a:xfrm>
+      </p:grpSpPr>
+      <p:sp>
+        <p:nvSpPr>
+          <p:cNvPr id="2" name="Title 1">
+            <a:extLst>
+              <a:ext uri="{FF2B5EF4-FFF2-40B4-BE49-F238E27FC236}">
+                <a16:creationId xmlns:a16="http://schemas.microsoft.com/office/drawing/2014/main" id="{F71B79FD-0FA2-4793-84FE-A0D4AF52FF90}"/>
+              </a:ext>
+            </a:extLst>
+          </p:cNvPr>
+          <p:cNvSpPr>
+            <a:spLocks noGrp="1"/>
+          </p:cNvSpPr>
+          <p:nvPr>
+            <p:ph type="title"/>
+          </p:nvPr>
+        </p:nvSpPr>
+        <p:spPr/>
+        <p:txBody>
+          <a:bodyPr/>
+          <a:lstStyle/>
+          <a:p>
+            <a:r>
+              <a:rPr lang="en-US" dirty="0"/>
+              <a:t>Related Work: 1. Arabic NERC</a:t>
+            </a:r>
+          </a:p>
+        </p:txBody>
+      </p:sp>
+      <p:sp>
+        <p:nvSpPr>
+          <p:cNvPr id="3" name="Content Placeholder 2">
+            <a:extLst>
+              <a:ext uri="{FF2B5EF4-FFF2-40B4-BE49-F238E27FC236}">
+                <a16:creationId xmlns:a16="http://schemas.microsoft.com/office/drawing/2014/main" id="{12D94D22-8A38-4CB6-AA07-18FB6B3033DA}"/>
+              </a:ext>
+            </a:extLst>
+          </p:cNvPr>
+          <p:cNvSpPr>
+            <a:spLocks noGrp="1"/>
+          </p:cNvSpPr>
+          <p:nvPr>
+            <p:ph idx="1"/>
+          </p:nvPr>
+        </p:nvSpPr>
+        <p:spPr/>
+        <p:txBody>
+          <a:bodyPr/>
+          <a:lstStyle/>
+          <a:p>
+            <a:r>
+              <a:rPr lang="en-US" dirty="0">
+                <a:solidFill>
+                  <a:srgbClr val="FF0000"/>
+                </a:solidFill>
+              </a:rPr>
+              <a:t>(</a:t>
+            </a:r>
+            <a:r>
+              <a:rPr lang="en-US" dirty="0" err="1">
+                <a:solidFill>
+                  <a:srgbClr val="FF0000"/>
+                </a:solidFill>
+              </a:rPr>
+              <a:t>Shaalan</a:t>
+            </a:r>
+            <a:r>
+              <a:rPr lang="en-US" dirty="0">
+                <a:solidFill>
+                  <a:srgbClr val="FF0000"/>
+                </a:solidFill>
+              </a:rPr>
+              <a:t> et. al. 2009) NERA</a:t>
+            </a:r>
+          </a:p>
+          <a:p>
+            <a:r>
+              <a:rPr lang="en-US" dirty="0"/>
+              <a:t>Rule-based</a:t>
+            </a:r>
+          </a:p>
+          <a:p>
+            <a:r>
+              <a:rPr lang="en-US" dirty="0"/>
+              <a:t>Whitelist of </a:t>
+            </a:r>
+            <a:r>
+              <a:rPr lang="en-US" dirty="0" err="1"/>
+              <a:t>nes</a:t>
+            </a:r>
+            <a:r>
+              <a:rPr lang="en-US" dirty="0"/>
+              <a:t> and grammar (dictionary) and regex</a:t>
+            </a:r>
+          </a:p>
+          <a:p>
+            <a:endParaRPr lang="en-US" dirty="0"/>
+          </a:p>
+          <a:p>
+            <a:r>
+              <a:rPr lang="en-US" dirty="0">
+                <a:solidFill>
+                  <a:srgbClr val="FF0000"/>
+                </a:solidFill>
+              </a:rPr>
+              <a:t>(</a:t>
+            </a:r>
+            <a:r>
+              <a:rPr lang="en-US" dirty="0" err="1">
+                <a:solidFill>
+                  <a:srgbClr val="FF0000"/>
+                </a:solidFill>
+              </a:rPr>
+              <a:t>Shaalan</a:t>
+            </a:r>
+            <a:r>
+              <a:rPr lang="en-US" dirty="0">
+                <a:solidFill>
+                  <a:srgbClr val="FF0000"/>
+                </a:solidFill>
+              </a:rPr>
+              <a:t> and </a:t>
+            </a:r>
+            <a:r>
+              <a:rPr lang="en-US" dirty="0" err="1">
+                <a:solidFill>
+                  <a:srgbClr val="FF0000"/>
+                </a:solidFill>
+              </a:rPr>
+              <a:t>Oudah</a:t>
+            </a:r>
+            <a:r>
+              <a:rPr lang="en-US" dirty="0">
+                <a:solidFill>
+                  <a:srgbClr val="FF0000"/>
+                </a:solidFill>
+              </a:rPr>
+              <a:t> 2013) A hybrid approach to Arabic named entity recognition</a:t>
+            </a:r>
+          </a:p>
+          <a:p>
+            <a:r>
+              <a:rPr lang="en-US" dirty="0"/>
+              <a:t>Uses Rule-based and ML-based</a:t>
+            </a:r>
+          </a:p>
+          <a:p>
+            <a:r>
+              <a:rPr lang="en-US" dirty="0"/>
+              <a:t>Uses Decision trees, SVM, and logistic regression classifiers </a:t>
+            </a:r>
+          </a:p>
+          <a:p>
+            <a:endParaRPr lang="en-US" dirty="0"/>
+          </a:p>
+        </p:txBody>
+      </p:sp>
+    </p:spTree>
+    <p:extLst>
+      <p:ext uri="{BB962C8B-B14F-4D97-AF65-F5344CB8AC3E}">
+        <p14:creationId xmlns:p14="http://schemas.microsoft.com/office/powerpoint/2010/main" val="2777535063"/>
+      </p:ext>
+    </p:extLst>
+  </p:cSld>
+  <p:clrMapOvr>
+    <a:masterClrMapping/>
+  </p:clrMapOvr>
+</p:sld>
+</file>
+
+<file path=ppt/slides/slide5.xml><?xml version="1.0" encoding="utf-8"?>
+<p:sld xmlns:a="http://schemas.openxmlformats.org/drawingml/2006/main" xmlns:r="http://schemas.openxmlformats.org/officeDocument/2006/relationships" xmlns:p="http://schemas.openxmlformats.org/presentationml/2006/main">
+  <p:cSld>
+    <p:spTree>
+      <p:nvGrpSpPr>
+        <p:cNvPr id="1" name=""/>
+        <p:cNvGrpSpPr/>
+        <p:nvPr/>
+      </p:nvGrpSpPr>
+      <p:grpSpPr>
+        <a:xfrm>
+          <a:off x="0" y="0"/>
+          <a:ext cx="0" cy="0"/>
+          <a:chOff x="0" y="0"/>
+          <a:chExt cx="0" cy="0"/>
+        </a:xfrm>
+      </p:grpSpPr>
+      <p:sp>
+        <p:nvSpPr>
+          <p:cNvPr id="2" name="Title 1">
+            <a:extLst>
+              <a:ext uri="{FF2B5EF4-FFF2-40B4-BE49-F238E27FC236}">
+                <a16:creationId xmlns:a16="http://schemas.microsoft.com/office/drawing/2014/main" id="{F71B79FD-0FA2-4793-84FE-A0D4AF52FF90}"/>
+              </a:ext>
+            </a:extLst>
+          </p:cNvPr>
+          <p:cNvSpPr>
+            <a:spLocks noGrp="1"/>
+          </p:cNvSpPr>
+          <p:nvPr>
+            <p:ph type="title"/>
+          </p:nvPr>
+        </p:nvSpPr>
+        <p:spPr/>
+        <p:txBody>
+          <a:bodyPr/>
+          <a:lstStyle/>
+          <a:p>
+            <a:r>
+              <a:rPr lang="en-US" dirty="0"/>
+              <a:t>Related Work: 1. Arabic NERC</a:t>
+            </a:r>
+          </a:p>
+        </p:txBody>
+      </p:sp>
+      <p:sp>
+        <p:nvSpPr>
+          <p:cNvPr id="3" name="Content Placeholder 2">
+            <a:extLst>
+              <a:ext uri="{FF2B5EF4-FFF2-40B4-BE49-F238E27FC236}">
+                <a16:creationId xmlns:a16="http://schemas.microsoft.com/office/drawing/2014/main" id="{12D94D22-8A38-4CB6-AA07-18FB6B3033DA}"/>
+              </a:ext>
+            </a:extLst>
+          </p:cNvPr>
+          <p:cNvSpPr>
+            <a:spLocks noGrp="1"/>
+          </p:cNvSpPr>
+          <p:nvPr>
+            <p:ph idx="1"/>
+          </p:nvPr>
+        </p:nvSpPr>
+        <p:spPr/>
+        <p:txBody>
+          <a:bodyPr/>
+          <a:lstStyle/>
+          <a:p>
+            <a:r>
+              <a:rPr lang="en-US" dirty="0">
+                <a:solidFill>
+                  <a:srgbClr val="FF0000"/>
+                </a:solidFill>
+              </a:rPr>
+              <a:t>(Lin et. al. 2019) </a:t>
+            </a:r>
+            <a:r>
+              <a:rPr lang="en-US" dirty="0"/>
+              <a:t>Arabic Named Entity Recognition: What Works and What’s Next </a:t>
+            </a:r>
+          </a:p>
+          <a:p>
+            <a:r>
+              <a:rPr lang="en-US" dirty="0">
+                <a:hlinkClick r:id="rId2">
+                  <a:extLst>
+                    <a:ext uri="{A12FA001-AC4F-418D-AE19-62706E023703}">
+                      <ahyp:hlinkClr xmlns:ahyp="http://schemas.microsoft.com/office/drawing/2018/hyperlinkcolor" val="tx"/>
+                    </a:ext>
+                  </a:extLst>
+                </a:hlinkClick>
+              </a:rPr>
+              <a:t>https://github.com/LiyuanLucasLiu/ArabicNER</a:t>
+            </a:r>
+            <a:endParaRPr lang="en-US" dirty="0"/>
+          </a:p>
+          <a:p>
+            <a:r>
+              <a:rPr lang="en-US" dirty="0"/>
+              <a:t>F1 of 75.82% on the AQMAR dataset</a:t>
+            </a:r>
+          </a:p>
+          <a:p>
+            <a:r>
+              <a:rPr lang="en-US" dirty="0">
+                <a:solidFill>
+                  <a:srgbClr val="FF0000"/>
+                </a:solidFill>
+              </a:rPr>
+              <a:t>Fixed annotation mistakes in the dataset</a:t>
+            </a:r>
+          </a:p>
+          <a:p>
+            <a:r>
+              <a:rPr lang="en-US" dirty="0"/>
+              <a:t>Representation learning, feature engineering, sequence labeling, deep learning, and ensemble learning.</a:t>
+            </a:r>
+            <a:endParaRPr lang="en-US" dirty="0">
+              <a:solidFill>
+                <a:srgbClr val="FF0000"/>
+              </a:solidFill>
+            </a:endParaRPr>
+          </a:p>
+          <a:p>
+            <a:r>
+              <a:rPr lang="en-US" dirty="0"/>
+              <a:t>Built for Arabic documents</a:t>
+            </a:r>
+          </a:p>
+        </p:txBody>
+      </p:sp>
+    </p:spTree>
+    <p:extLst>
+      <p:ext uri="{BB962C8B-B14F-4D97-AF65-F5344CB8AC3E}">
+        <p14:creationId xmlns:p14="http://schemas.microsoft.com/office/powerpoint/2010/main" val="2418910341"/>
+      </p:ext>
+    </p:extLst>
+  </p:cSld>
+  <p:clrMapOvr>
+    <a:masterClrMapping/>
+  </p:clrMapOvr>
+</p:sld>
+</file>
+
+<file path=ppt/slides/slide6.xml><?xml version="1.0" encoding="utf-8"?>
+<p:sld xmlns:a="http://schemas.openxmlformats.org/drawingml/2006/main" xmlns:r="http://schemas.openxmlformats.org/officeDocument/2006/relationships" xmlns:p="http://schemas.openxmlformats.org/presentationml/2006/main">
+  <p:cSld>
+    <p:spTree>
+      <p:nvGrpSpPr>
+        <p:cNvPr id="1" name=""/>
+        <p:cNvGrpSpPr/>
+        <p:nvPr/>
+      </p:nvGrpSpPr>
+      <p:grpSpPr>
+        <a:xfrm>
+          <a:off x="0" y="0"/>
+          <a:ext cx="0" cy="0"/>
+          <a:chOff x="0" y="0"/>
+          <a:chExt cx="0" cy="0"/>
+        </a:xfrm>
+      </p:grpSpPr>
+      <p:sp>
+        <p:nvSpPr>
+          <p:cNvPr id="2" name="Title 1">
+            <a:extLst>
+              <a:ext uri="{FF2B5EF4-FFF2-40B4-BE49-F238E27FC236}">
+                <a16:creationId xmlns:a16="http://schemas.microsoft.com/office/drawing/2014/main" id="{F71B79FD-0FA2-4793-84FE-A0D4AF52FF90}"/>
+              </a:ext>
+            </a:extLst>
+          </p:cNvPr>
+          <p:cNvSpPr>
+            <a:spLocks noGrp="1"/>
+          </p:cNvSpPr>
+          <p:nvPr>
+            <p:ph type="title"/>
+          </p:nvPr>
+        </p:nvSpPr>
+        <p:spPr/>
+        <p:txBody>
+          <a:bodyPr/>
+          <a:lstStyle/>
+          <a:p>
+            <a:r>
+              <a:rPr lang="en-US" dirty="0"/>
+              <a:t>Related Work: 2. Arabic Names Normalization</a:t>
+            </a:r>
+          </a:p>
+        </p:txBody>
+      </p:sp>
+      <p:sp>
+        <p:nvSpPr>
+          <p:cNvPr id="3" name="Content Placeholder 2">
+            <a:extLst>
+              <a:ext uri="{FF2B5EF4-FFF2-40B4-BE49-F238E27FC236}">
+                <a16:creationId xmlns:a16="http://schemas.microsoft.com/office/drawing/2014/main" id="{12D94D22-8A38-4CB6-AA07-18FB6B3033DA}"/>
+              </a:ext>
+            </a:extLst>
+          </p:cNvPr>
+          <p:cNvSpPr>
+            <a:spLocks noGrp="1"/>
+          </p:cNvSpPr>
+          <p:nvPr>
+            <p:ph idx="1"/>
+          </p:nvPr>
+        </p:nvSpPr>
+        <p:spPr>
+          <a:xfrm>
+            <a:off x="494522" y="1825625"/>
+            <a:ext cx="11448662" cy="4351338"/>
+          </a:xfrm>
+        </p:spPr>
+        <p:txBody>
+          <a:bodyPr>
+            <a:normAutofit fontScale="92500" lnSpcReduction="20000"/>
+          </a:bodyPr>
+          <a:lstStyle/>
+          <a:p>
+            <a:r>
+              <a:rPr lang="en-US" dirty="0">
+                <a:solidFill>
+                  <a:srgbClr val="FF0000"/>
+                </a:solidFill>
+              </a:rPr>
+              <a:t>(</a:t>
+            </a:r>
+            <a:r>
+              <a:rPr lang="en-US" dirty="0" err="1">
+                <a:solidFill>
+                  <a:srgbClr val="FF0000"/>
+                </a:solidFill>
+              </a:rPr>
+              <a:t>Jijkoun</a:t>
+            </a:r>
+            <a:r>
+              <a:rPr lang="en-US" dirty="0">
+                <a:solidFill>
+                  <a:srgbClr val="FF0000"/>
+                </a:solidFill>
+              </a:rPr>
+              <a:t> et. al. 2020) </a:t>
+            </a:r>
+            <a:r>
+              <a:rPr lang="en-US" dirty="0"/>
+              <a:t>Named Entity Normalization in User Generated Content </a:t>
+            </a:r>
+          </a:p>
+          <a:p>
+            <a:r>
+              <a:rPr lang="en-US" dirty="0"/>
+              <a:t>Baseline is Wikipedia</a:t>
+            </a:r>
+          </a:p>
+          <a:p>
+            <a:r>
+              <a:rPr lang="en-US" dirty="0"/>
+              <a:t>The approach uses within-document reference resolution manipulating (Mr., Mrs., </a:t>
+            </a:r>
+            <a:r>
+              <a:rPr lang="en-US" dirty="0" err="1"/>
+              <a:t>fname</a:t>
+            </a:r>
+            <a:r>
+              <a:rPr lang="en-US" dirty="0"/>
+              <a:t>, </a:t>
+            </a:r>
+            <a:r>
+              <a:rPr lang="en-US" dirty="0" err="1"/>
+              <a:t>lname</a:t>
+            </a:r>
+            <a:r>
+              <a:rPr lang="en-US" dirty="0"/>
+              <a:t>, </a:t>
+            </a:r>
+            <a:r>
+              <a:rPr lang="en-US" dirty="0" err="1"/>
+              <a:t>etc</a:t>
+            </a:r>
+            <a:r>
+              <a:rPr lang="en-US" dirty="0"/>
+              <a:t>)</a:t>
+            </a:r>
+          </a:p>
+          <a:p>
+            <a:pPr algn="l"/>
+            <a:r>
+              <a:rPr lang="en-US" dirty="0">
+                <a:solidFill>
+                  <a:srgbClr val="FF0000"/>
+                </a:solidFill>
+              </a:rPr>
+              <a:t>(Magdy et al. 2007) </a:t>
+            </a:r>
+            <a:r>
+              <a:rPr lang="en-US" b="0" i="0" dirty="0">
+                <a:solidFill>
+                  <a:srgbClr val="111111"/>
+                </a:solidFill>
+                <a:effectLst/>
+                <a:latin typeface="Roboto" panose="02000000000000000000" pitchFamily="2" charset="0"/>
+              </a:rPr>
+              <a:t>Arabic cross-document person name normalization</a:t>
+            </a:r>
+          </a:p>
+          <a:p>
+            <a:r>
+              <a:rPr lang="en-US" dirty="0">
+                <a:solidFill>
+                  <a:srgbClr val="333333"/>
+                </a:solidFill>
+                <a:latin typeface="Roboto" panose="02000000000000000000" pitchFamily="2" charset="0"/>
+              </a:rPr>
+              <a:t>M</a:t>
+            </a:r>
+            <a:r>
+              <a:rPr lang="en-US" b="0" i="0" dirty="0">
+                <a:solidFill>
+                  <a:srgbClr val="333333"/>
+                </a:solidFill>
+                <a:effectLst/>
+                <a:latin typeface="Roboto" panose="02000000000000000000" pitchFamily="2" charset="0"/>
+              </a:rPr>
+              <a:t>achine learning (SVM classifier).</a:t>
+            </a:r>
+          </a:p>
+          <a:p>
+            <a:r>
+              <a:rPr lang="en-US" b="0" i="0" dirty="0">
+                <a:solidFill>
+                  <a:srgbClr val="333333"/>
+                </a:solidFill>
+                <a:effectLst/>
+                <a:latin typeface="Roboto" panose="02000000000000000000" pitchFamily="2" charset="0"/>
+              </a:rPr>
+              <a:t>Preprocessing rules for cross-document named entity normalization.</a:t>
+            </a:r>
+          </a:p>
+          <a:p>
+            <a:r>
+              <a:rPr lang="en-US" b="0" i="0" dirty="0">
+                <a:solidFill>
+                  <a:srgbClr val="333333"/>
+                </a:solidFill>
+                <a:effectLst/>
+                <a:latin typeface="Roboto" panose="02000000000000000000" pitchFamily="2" charset="0"/>
+              </a:rPr>
+              <a:t>The classifier uses lexical, orthographic, phonetic, and morphological features.</a:t>
+            </a:r>
+          </a:p>
+          <a:p>
+            <a:r>
+              <a:rPr lang="en-US" dirty="0">
+                <a:solidFill>
+                  <a:srgbClr val="555555"/>
+                </a:solidFill>
+                <a:latin typeface="Roboto" panose="02000000000000000000" pitchFamily="2" charset="0"/>
+              </a:rPr>
+              <a:t>Built for</a:t>
+            </a:r>
+            <a:r>
+              <a:rPr lang="en-US" b="0" i="0" dirty="0">
+                <a:solidFill>
+                  <a:srgbClr val="555555"/>
+                </a:solidFill>
+                <a:effectLst/>
+                <a:latin typeface="Roboto" panose="02000000000000000000" pitchFamily="2" charset="0"/>
+              </a:rPr>
+              <a:t> Arabic names written in Arabic (very sophisticated and detailed)</a:t>
+            </a:r>
+            <a:br>
+              <a:rPr lang="en-US" b="0" i="0" dirty="0">
+                <a:solidFill>
+                  <a:srgbClr val="555555"/>
+                </a:solidFill>
+                <a:effectLst/>
+                <a:latin typeface="Roboto" panose="02000000000000000000" pitchFamily="2" charset="0"/>
+              </a:rPr>
+            </a:br>
+            <a:endParaRPr lang="en-US" dirty="0"/>
+          </a:p>
+        </p:txBody>
+      </p:sp>
+    </p:spTree>
+    <p:extLst>
+      <p:ext uri="{BB962C8B-B14F-4D97-AF65-F5344CB8AC3E}">
+        <p14:creationId xmlns:p14="http://schemas.microsoft.com/office/powerpoint/2010/main" val="67508447"/>
+      </p:ext>
+    </p:extLst>
+  </p:cSld>
+  <p:clrMapOvr>
+    <a:masterClrMapping/>
+  </p:clrMapOvr>
+</p:sld>
+</file>
+
+<file path=ppt/slides/slide7.xml><?xml version="1.0" encoding="utf-8"?>
+<p:sld xmlns:a="http://schemas.openxmlformats.org/drawingml/2006/main" xmlns:r="http://schemas.openxmlformats.org/officeDocument/2006/relationships" xmlns:p="http://schemas.openxmlformats.org/presentationml/2006/main">
+  <p:cSld>
+    <p:spTree>
+      <p:nvGrpSpPr>
+        <p:cNvPr id="1" name=""/>
+        <p:cNvGrpSpPr/>
+        <p:nvPr/>
+      </p:nvGrpSpPr>
+      <p:grpSpPr>
+        <a:xfrm>
+          <a:off x="0" y="0"/>
+          <a:ext cx="0" cy="0"/>
+          <a:chOff x="0" y="0"/>
+          <a:chExt cx="0" cy="0"/>
+        </a:xfrm>
+      </p:grpSpPr>
+      <p:sp>
+        <p:nvSpPr>
+          <p:cNvPr id="2" name="Title 1">
+            <a:extLst>
+              <a:ext uri="{FF2B5EF4-FFF2-40B4-BE49-F238E27FC236}">
+                <a16:creationId xmlns:a16="http://schemas.microsoft.com/office/drawing/2014/main" id="{F71B79FD-0FA2-4793-84FE-A0D4AF52FF90}"/>
+              </a:ext>
+            </a:extLst>
+          </p:cNvPr>
+          <p:cNvSpPr>
+            <a:spLocks noGrp="1"/>
+          </p:cNvSpPr>
+          <p:nvPr>
+            <p:ph type="title"/>
+          </p:nvPr>
+        </p:nvSpPr>
+        <p:spPr>
+          <a:xfrm>
+            <a:off x="681135" y="365125"/>
+            <a:ext cx="11206065" cy="1325563"/>
+          </a:xfrm>
+        </p:spPr>
+        <p:txBody>
+          <a:bodyPr/>
+          <a:lstStyle/>
+          <a:p>
+            <a:r>
+              <a:rPr lang="en-US" dirty="0"/>
+              <a:t>Related Work: 3. Docs/News Similarity</a:t>
+            </a:r>
+          </a:p>
+        </p:txBody>
+      </p:sp>
+      <p:sp>
+        <p:nvSpPr>
+          <p:cNvPr id="3" name="Content Placeholder 2">
+            <a:extLst>
+              <a:ext uri="{FF2B5EF4-FFF2-40B4-BE49-F238E27FC236}">
+                <a16:creationId xmlns:a16="http://schemas.microsoft.com/office/drawing/2014/main" id="{12D94D22-8A38-4CB6-AA07-18FB6B3033DA}"/>
+              </a:ext>
+            </a:extLst>
+          </p:cNvPr>
+          <p:cNvSpPr>
+            <a:spLocks noGrp="1"/>
+          </p:cNvSpPr>
+          <p:nvPr>
+            <p:ph idx="1"/>
+          </p:nvPr>
+        </p:nvSpPr>
+        <p:spPr/>
+        <p:txBody>
+          <a:bodyPr/>
+          <a:lstStyle/>
+          <a:p>
+            <a:r>
+              <a:rPr lang="en-US" dirty="0"/>
+              <a:t>(</a:t>
+            </a:r>
+            <a:r>
+              <a:rPr lang="en-US" dirty="0" err="1"/>
+              <a:t>Alsmadi</a:t>
+            </a:r>
+            <a:r>
+              <a:rPr lang="en-US" dirty="0"/>
+              <a:t> et. al. 2017) Paraphrase identification and semantic text similarity analysis in Arabic news tweets using lexical, syntactic, and semantic features.</a:t>
+            </a:r>
+          </a:p>
+          <a:p>
+            <a:r>
+              <a:rPr lang="en-US" dirty="0"/>
+              <a:t>Uses features extraction, text classification.</a:t>
+            </a:r>
+          </a:p>
+          <a:p>
+            <a:r>
+              <a:rPr lang="en-US" dirty="0"/>
+              <a:t>Maximum Entropy (</a:t>
+            </a:r>
+            <a:r>
+              <a:rPr lang="en-US" dirty="0" err="1"/>
+              <a:t>MaxEnt</a:t>
+            </a:r>
+            <a:r>
+              <a:rPr lang="en-US" dirty="0"/>
+              <a:t>) and Support Vector Regression (SVR) classifiers are used.</a:t>
+            </a:r>
+          </a:p>
+          <a:p>
+            <a:endParaRPr lang="en-US" dirty="0"/>
+          </a:p>
+        </p:txBody>
+      </p:sp>
+    </p:spTree>
+    <p:extLst>
+      <p:ext uri="{BB962C8B-B14F-4D97-AF65-F5344CB8AC3E}">
+        <p14:creationId xmlns:p14="http://schemas.microsoft.com/office/powerpoint/2010/main" val="1065778610"/>
+      </p:ext>
+    </p:extLst>
+  </p:cSld>
+  <p:clrMapOvr>
+    <a:masterClrMapping/>
+  </p:clrMapOvr>
+</p:sld>
+</file>
+
+<file path=ppt/slides/slide8.xml><?xml version="1.0" encoding="utf-8"?>
+<p:sld xmlns:a="http://schemas.openxmlformats.org/drawingml/2006/main" xmlns:r="http://schemas.openxmlformats.org/officeDocument/2006/relationships" xmlns:p="http://schemas.openxmlformats.org/presentationml/2006/main">
+  <p:cSld>
+    <p:spTree>
+      <p:nvGrpSpPr>
+        <p:cNvPr id="1" name=""/>
+        <p:cNvGrpSpPr/>
+        <p:nvPr/>
+      </p:nvGrpSpPr>
+      <p:grpSpPr>
+        <a:xfrm>
+          <a:off x="0" y="0"/>
+          <a:ext cx="0" cy="0"/>
+          <a:chOff x="0" y="0"/>
+          <a:chExt cx="0" cy="0"/>
+        </a:xfrm>
+      </p:grpSpPr>
+      <p:sp>
+        <p:nvSpPr>
+          <p:cNvPr id="2" name="Title 1">
+            <a:extLst>
+              <a:ext uri="{FF2B5EF4-FFF2-40B4-BE49-F238E27FC236}">
+                <a16:creationId xmlns:a16="http://schemas.microsoft.com/office/drawing/2014/main" id="{F71B79FD-0FA2-4793-84FE-A0D4AF52FF90}"/>
+              </a:ext>
+            </a:extLst>
+          </p:cNvPr>
+          <p:cNvSpPr>
+            <a:spLocks noGrp="1"/>
+          </p:cNvSpPr>
+          <p:nvPr>
+            <p:ph type="title"/>
+          </p:nvPr>
+        </p:nvSpPr>
+        <p:spPr>
+          <a:xfrm>
+            <a:off x="681135" y="365125"/>
+            <a:ext cx="11206065" cy="1325563"/>
+          </a:xfrm>
+        </p:spPr>
+        <p:txBody>
+          <a:bodyPr/>
+          <a:lstStyle/>
+          <a:p>
+            <a:r>
+              <a:rPr lang="en-US" dirty="0"/>
+              <a:t>Related Work: 3. Docs/News Similarity</a:t>
+            </a:r>
+          </a:p>
+        </p:txBody>
+      </p:sp>
+      <p:sp>
+        <p:nvSpPr>
+          <p:cNvPr id="3" name="Content Placeholder 2">
+            <a:extLst>
+              <a:ext uri="{FF2B5EF4-FFF2-40B4-BE49-F238E27FC236}">
+                <a16:creationId xmlns:a16="http://schemas.microsoft.com/office/drawing/2014/main" id="{12D94D22-8A38-4CB6-AA07-18FB6B3033DA}"/>
+              </a:ext>
+            </a:extLst>
+          </p:cNvPr>
+          <p:cNvSpPr>
+            <a:spLocks noGrp="1"/>
+          </p:cNvSpPr>
+          <p:nvPr>
+            <p:ph idx="1"/>
+          </p:nvPr>
+        </p:nvSpPr>
+        <p:spPr>
+          <a:xfrm>
+            <a:off x="838200" y="1576873"/>
+            <a:ext cx="10515600" cy="5150498"/>
+          </a:xfrm>
+        </p:spPr>
+        <p:txBody>
+          <a:bodyPr>
+            <a:normAutofit fontScale="92500" lnSpcReduction="10000"/>
+          </a:bodyPr>
+          <a:lstStyle/>
+          <a:p>
+            <a:r>
+              <a:rPr lang="en-US" dirty="0">
+                <a:solidFill>
+                  <a:srgbClr val="FF0000"/>
+                </a:solidFill>
+              </a:rPr>
+              <a:t>(Langlois et. al. 2018) </a:t>
+            </a:r>
+            <a:r>
+              <a:rPr lang="en-US" dirty="0"/>
+              <a:t>Alignment of comparable documents: Comparison of similarity measures on French–English–Arabic data</a:t>
+            </a:r>
+          </a:p>
+          <a:p>
+            <a:r>
+              <a:rPr lang="en-US" dirty="0"/>
+              <a:t>LSI model trained on comparable documents from Wikipedia and </a:t>
+            </a:r>
+            <a:r>
+              <a:rPr lang="en-US" dirty="0" err="1"/>
+              <a:t>Euronews</a:t>
+            </a:r>
+            <a:r>
+              <a:rPr lang="en-US" dirty="0"/>
+              <a:t>. It uses (CL-LSI Littman et. al. 1998) and (CL-LSI Saad 2015)</a:t>
+            </a:r>
+          </a:p>
+          <a:p>
+            <a:r>
+              <a:rPr lang="en-US" dirty="0"/>
+              <a:t>Multilingual semantic space, Leverages terms and concepts from documents.</a:t>
+            </a:r>
+          </a:p>
+          <a:p>
+            <a:r>
+              <a:rPr lang="en-US" dirty="0">
+                <a:solidFill>
+                  <a:srgbClr val="FF0000"/>
+                </a:solidFill>
+              </a:rPr>
+              <a:t>(Saad 2015 PhD thesis) </a:t>
+            </a:r>
+            <a:r>
+              <a:rPr lang="en-US" dirty="0"/>
+              <a:t>CL-LSI approach needs a parallel or comparable corpus for training.</a:t>
+            </a:r>
+          </a:p>
+          <a:p>
+            <a:r>
+              <a:rPr lang="en-US" dirty="0"/>
+              <a:t>Dataset is from 2013</a:t>
+            </a:r>
+          </a:p>
+          <a:p>
+            <a:r>
+              <a:rPr lang="en-US" dirty="0"/>
+              <a:t>Downloaded the dataset from Dr. Saad’s link and </a:t>
+            </a:r>
+            <a:r>
+              <a:rPr lang="en-US" dirty="0" err="1"/>
+              <a:t>Github</a:t>
+            </a:r>
+            <a:r>
+              <a:rPr lang="en-US" dirty="0"/>
+              <a:t> account.</a:t>
+            </a:r>
+          </a:p>
+          <a:p>
+            <a:r>
+              <a:rPr lang="en-US" dirty="0"/>
+              <a:t>Only 2 of the dataset files were not corrupted. They are from Wikipedia dumps. The code isn’t available to run on my dataset.</a:t>
+            </a:r>
+          </a:p>
+          <a:p>
+            <a:r>
+              <a:rPr lang="en-US" dirty="0"/>
+              <a:t>305 pairs of documents annotated by hand.</a:t>
+            </a:r>
+          </a:p>
+          <a:p>
+            <a:endParaRPr lang="en-US" dirty="0"/>
+          </a:p>
+        </p:txBody>
+      </p:sp>
+    </p:spTree>
+    <p:extLst>
+      <p:ext uri="{BB962C8B-B14F-4D97-AF65-F5344CB8AC3E}">
+        <p14:creationId xmlns:p14="http://schemas.microsoft.com/office/powerpoint/2010/main" val="3217132442"/>
+      </p:ext>
+    </p:extLst>
+  </p:cSld>
+  <p:clrMapOvr>
+    <a:masterClrMapping/>
+  </p:clrMapOvr>
+</p:sld>
+</file>
+
+<file path=ppt/slides/slide9.xml><?xml version="1.0" encoding="utf-8"?>
+<p:sld xmlns:a="http://schemas.openxmlformats.org/drawingml/2006/main" xmlns:r="http://schemas.openxmlformats.org/officeDocument/2006/relationships" xmlns:p="http://schemas.openxmlformats.org/presentationml/2006/main">
+  <p:cSld>
+    <p:spTree>
+      <p:nvGrpSpPr>
+        <p:cNvPr id="1" name=""/>
+        <p:cNvGrpSpPr/>
+        <p:nvPr/>
+      </p:nvGrpSpPr>
+      <p:grpSpPr>
+        <a:xfrm>
+          <a:off x="0" y="0"/>
+          <a:ext cx="0" cy="0"/>
+          <a:chOff x="0" y="0"/>
+          <a:chExt cx="0" cy="0"/>
+        </a:xfrm>
+      </p:grpSpPr>
+      <p:sp>
+        <p:nvSpPr>
+          <p:cNvPr id="2" name="Title 1">
+            <a:extLst>
+              <a:ext uri="{FF2B5EF4-FFF2-40B4-BE49-F238E27FC236}">
+                <a16:creationId xmlns:a16="http://schemas.microsoft.com/office/drawing/2014/main" id="{F71B79FD-0FA2-4793-84FE-A0D4AF52FF90}"/>
+              </a:ext>
+            </a:extLst>
+          </p:cNvPr>
+          <p:cNvSpPr>
+            <a:spLocks noGrp="1"/>
+          </p:cNvSpPr>
+          <p:nvPr>
+            <p:ph type="title"/>
+          </p:nvPr>
+        </p:nvSpPr>
+        <p:spPr>
+          <a:xfrm>
+            <a:off x="681135" y="365125"/>
+            <a:ext cx="11206065" cy="1325563"/>
+          </a:xfrm>
+        </p:spPr>
+        <p:txBody>
+          <a:bodyPr/>
+          <a:lstStyle/>
+          <a:p>
+            <a:r>
+              <a:rPr lang="en-US" dirty="0"/>
+              <a:t>Related Work: 3. Docs/News Similarity</a:t>
+            </a:r>
+          </a:p>
+        </p:txBody>
+      </p:sp>
+      <p:sp>
+        <p:nvSpPr>
+          <p:cNvPr id="3" name="Content Placeholder 2">
+            <a:extLst>
+              <a:ext uri="{FF2B5EF4-FFF2-40B4-BE49-F238E27FC236}">
+                <a16:creationId xmlns:a16="http://schemas.microsoft.com/office/drawing/2014/main" id="{12D94D22-8A38-4CB6-AA07-18FB6B3033DA}"/>
+              </a:ext>
+            </a:extLst>
+          </p:cNvPr>
+          <p:cNvSpPr>
+            <a:spLocks noGrp="1"/>
+          </p:cNvSpPr>
+          <p:nvPr>
+            <p:ph idx="1"/>
+          </p:nvPr>
+        </p:nvSpPr>
+        <p:spPr>
+          <a:xfrm>
+            <a:off x="838200" y="1576873"/>
+            <a:ext cx="10515600" cy="5150498"/>
+          </a:xfrm>
+        </p:spPr>
+        <p:txBody>
+          <a:bodyPr>
+            <a:normAutofit/>
+          </a:bodyPr>
+          <a:lstStyle/>
+          <a:p>
+            <a:r>
+              <a:rPr lang="en-US" dirty="0"/>
+              <a:t>(Morin et. al. 2015) LINA: Identifying Comparable Documents from Wikipedia</a:t>
+            </a:r>
+          </a:p>
+          <a:p>
+            <a:r>
+              <a:rPr lang="en-US" dirty="0"/>
+              <a:t>Hapax words are words that occur only once in the document</a:t>
+            </a:r>
+          </a:p>
+          <a:p>
+            <a:r>
+              <a:rPr lang="en-US" dirty="0"/>
+              <a:t>Simple approach: Documents that share the largest amount of hapax words are parallel.</a:t>
+            </a:r>
+          </a:p>
+          <a:p>
+            <a:r>
+              <a:rPr lang="en-US" dirty="0"/>
+              <a:t>The notion is that most hapax words are in practice proper nouns or numerical entities, which are often cognates.</a:t>
+            </a:r>
+          </a:p>
+        </p:txBody>
+      </p:sp>
+    </p:spTree>
+    <p:extLst>
+      <p:ext uri="{BB962C8B-B14F-4D97-AF65-F5344CB8AC3E}">
+        <p14:creationId xmlns:p14="http://schemas.microsoft.com/office/powerpoint/2010/main" val="1595877634"/>
       </p:ext>
     </p:extLst>
   </p:cSld>
@@ -3982,18 +5893,18 @@
 </file>
 
 <file path=customXml/item2.xml><?xml version="1.0" encoding="utf-8"?>
+<p:properties xmlns:p="http://schemas.microsoft.com/office/2006/metadata/properties" xmlns:xsi="http://www.w3.org/2001/XMLSchema-instance" xmlns:pc="http://schemas.microsoft.com/office/infopath/2007/PartnerControls">
+  <documentManagement/>
+</p:properties>
+</file>
+
+<file path=customXml/item3.xml><?xml version="1.0" encoding="utf-8"?>
 <?mso-contentType ?>
 <FormTemplates xmlns="http://schemas.microsoft.com/sharepoint/v3/contenttype/forms">
   <Display>DocumentLibraryForm</Display>
   <Edit>DocumentLibraryForm</Edit>
   <New>DocumentLibraryForm</New>
 </FormTemplates>
-</file>
-
-<file path=customXml/item3.xml><?xml version="1.0" encoding="utf-8"?>
-<p:properties xmlns:p="http://schemas.microsoft.com/office/2006/metadata/properties" xmlns:xsi="http://www.w3.org/2001/XMLSchema-instance" xmlns:pc="http://schemas.microsoft.com/office/infopath/2007/PartnerControls">
-  <documentManagement/>
-</p:properties>
 </file>
 
 <file path=customXml/itemProps1.xml><?xml version="1.0" encoding="utf-8"?>
@@ -4015,14 +5926,6 @@
 </file>
 
 <file path=customXml/itemProps2.xml><?xml version="1.0" encoding="utf-8"?>
-<ds:datastoreItem xmlns:ds="http://schemas.openxmlformats.org/officeDocument/2006/customXml" ds:itemID="{76019AA6-1587-4CBD-B078-2ECC0C894026}">
-  <ds:schemaRefs>
-    <ds:schemaRef ds:uri="http://schemas.microsoft.com/sharepoint/v3/contenttype/forms"/>
-  </ds:schemaRefs>
-</ds:datastoreItem>
-</file>
-
-<file path=customXml/itemProps3.xml><?xml version="1.0" encoding="utf-8"?>
 <ds:datastoreItem xmlns:ds="http://schemas.openxmlformats.org/officeDocument/2006/customXml" ds:itemID="{E4FAC22A-FB6D-46FD-B5BD-06CA060952F4}">
   <ds:schemaRefs>
     <ds:schemaRef ds:uri="http://purl.org/dc/dcmitype/"/>
@@ -4036,4 +5939,12 @@
     <ds:schemaRef ds:uri="http://www.w3.org/XML/1998/namespace"/>
   </ds:schemaRefs>
 </ds:datastoreItem>
+</file>
+
+<file path=customXml/itemProps3.xml><?xml version="1.0" encoding="utf-8"?>
+<ds:datastoreItem xmlns:ds="http://schemas.openxmlformats.org/officeDocument/2006/customXml" ds:itemID="{76019AA6-1587-4CBD-B078-2ECC0C894026}">
+  <ds:schemaRefs>
+    <ds:schemaRef ds:uri="http://schemas.microsoft.com/sharepoint/v3/contenttype/forms"/>
+  </ds:schemaRefs>
+</ds:datastoreItem>
 </file>
--- a/TPDL 2022 Paper Updates.pptx
+++ b/TPDL 2022 Paper Updates.pptx
@@ -18,8 +18,11 @@
     <p:sldId id="267" r:id="rId15"/>
     <p:sldId id="268" r:id="rId16"/>
     <p:sldId id="269" r:id="rId17"/>
-    <p:sldId id="265" r:id="rId18"/>
+    <p:sldId id="272" r:id="rId18"/>
     <p:sldId id="271" r:id="rId19"/>
+    <p:sldId id="265" r:id="rId20"/>
+    <p:sldId id="274" r:id="rId21"/>
+    <p:sldId id="273" r:id="rId22"/>
   </p:sldIdLst>
   <p:sldSz cx="12192000" cy="6858000"/>
   <p:notesSz cx="6858000" cy="9144000"/>
@@ -273,7 +276,7 @@
           <a:p>
             <a:fld id="{262ADD7D-9AC9-427E-9EE9-A3B073E45964}" type="datetimeFigureOut">
               <a:rPr lang="en-US" smtClean="0"/>
-              <a:t>3/30/2022</a:t>
+              <a:t>4/6/2022</a:t>
             </a:fld>
             <a:endParaRPr lang="en-US"/>
           </a:p>
@@ -471,7 +474,7 @@
           <a:p>
             <a:fld id="{262ADD7D-9AC9-427E-9EE9-A3B073E45964}" type="datetimeFigureOut">
               <a:rPr lang="en-US" smtClean="0"/>
-              <a:t>3/30/2022</a:t>
+              <a:t>4/6/2022</a:t>
             </a:fld>
             <a:endParaRPr lang="en-US"/>
           </a:p>
@@ -679,7 +682,7 @@
           <a:p>
             <a:fld id="{262ADD7D-9AC9-427E-9EE9-A3B073E45964}" type="datetimeFigureOut">
               <a:rPr lang="en-US" smtClean="0"/>
-              <a:t>3/30/2022</a:t>
+              <a:t>4/6/2022</a:t>
             </a:fld>
             <a:endParaRPr lang="en-US"/>
           </a:p>
@@ -877,7 +880,7 @@
           <a:p>
             <a:fld id="{262ADD7D-9AC9-427E-9EE9-A3B073E45964}" type="datetimeFigureOut">
               <a:rPr lang="en-US" smtClean="0"/>
-              <a:t>3/30/2022</a:t>
+              <a:t>4/6/2022</a:t>
             </a:fld>
             <a:endParaRPr lang="en-US"/>
           </a:p>
@@ -1152,7 +1155,7 @@
           <a:p>
             <a:fld id="{262ADD7D-9AC9-427E-9EE9-A3B073E45964}" type="datetimeFigureOut">
               <a:rPr lang="en-US" smtClean="0"/>
-              <a:t>3/30/2022</a:t>
+              <a:t>4/6/2022</a:t>
             </a:fld>
             <a:endParaRPr lang="en-US"/>
           </a:p>
@@ -1417,7 +1420,7 @@
           <a:p>
             <a:fld id="{262ADD7D-9AC9-427E-9EE9-A3B073E45964}" type="datetimeFigureOut">
               <a:rPr lang="en-US" smtClean="0"/>
-              <a:t>3/30/2022</a:t>
+              <a:t>4/6/2022</a:t>
             </a:fld>
             <a:endParaRPr lang="en-US"/>
           </a:p>
@@ -1829,7 +1832,7 @@
           <a:p>
             <a:fld id="{262ADD7D-9AC9-427E-9EE9-A3B073E45964}" type="datetimeFigureOut">
               <a:rPr lang="en-US" smtClean="0"/>
-              <a:t>3/30/2022</a:t>
+              <a:t>4/6/2022</a:t>
             </a:fld>
             <a:endParaRPr lang="en-US"/>
           </a:p>
@@ -1970,7 +1973,7 @@
           <a:p>
             <a:fld id="{262ADD7D-9AC9-427E-9EE9-A3B073E45964}" type="datetimeFigureOut">
               <a:rPr lang="en-US" smtClean="0"/>
-              <a:t>3/30/2022</a:t>
+              <a:t>4/6/2022</a:t>
             </a:fld>
             <a:endParaRPr lang="en-US"/>
           </a:p>
@@ -2083,7 +2086,7 @@
           <a:p>
             <a:fld id="{262ADD7D-9AC9-427E-9EE9-A3B073E45964}" type="datetimeFigureOut">
               <a:rPr lang="en-US" smtClean="0"/>
-              <a:t>3/30/2022</a:t>
+              <a:t>4/6/2022</a:t>
             </a:fld>
             <a:endParaRPr lang="en-US"/>
           </a:p>
@@ -2394,7 +2397,7 @@
           <a:p>
             <a:fld id="{262ADD7D-9AC9-427E-9EE9-A3B073E45964}" type="datetimeFigureOut">
               <a:rPr lang="en-US" smtClean="0"/>
-              <a:t>3/30/2022</a:t>
+              <a:t>4/6/2022</a:t>
             </a:fld>
             <a:endParaRPr lang="en-US"/>
           </a:p>
@@ -2682,7 +2685,7 @@
           <a:p>
             <a:fld id="{262ADD7D-9AC9-427E-9EE9-A3B073E45964}" type="datetimeFigureOut">
               <a:rPr lang="en-US" smtClean="0"/>
-              <a:t>3/30/2022</a:t>
+              <a:t>4/6/2022</a:t>
             </a:fld>
             <a:endParaRPr lang="en-US"/>
           </a:p>
@@ -2923,7 +2926,7 @@
           <a:p>
             <a:fld id="{262ADD7D-9AC9-427E-9EE9-A3B073E45964}" type="datetimeFigureOut">
               <a:rPr lang="en-US" smtClean="0"/>
-              <a:t>3/30/2022</a:t>
+              <a:t>4/6/2022</a:t>
             </a:fld>
             <a:endParaRPr lang="en-US"/>
           </a:p>
@@ -4095,46 +4098,112 @@
         </p:spPr>
         <p:txBody>
           <a:bodyPr>
-            <a:normAutofit/>
+            <a:normAutofit fontScale="92500" lnSpcReduction="10000"/>
           </a:bodyPr>
           <a:lstStyle/>
           <a:p>
             <a:r>
-              <a:rPr lang="en-US" dirty="0"/>
-              <a:t>(</a:t>
+              <a:rPr lang="en-US" dirty="0">
+                <a:solidFill>
+                  <a:srgbClr val="FF0000"/>
+                </a:solidFill>
+              </a:rPr>
+              <a:t>(Fouad and </a:t>
+            </a:r>
+            <a:r>
+              <a:rPr lang="en-US" dirty="0" err="1">
+                <a:solidFill>
+                  <a:srgbClr val="FF0000"/>
+                </a:solidFill>
+              </a:rPr>
+              <a:t>Atyah</a:t>
+            </a:r>
+            <a:r>
+              <a:rPr lang="en-US" dirty="0">
+                <a:solidFill>
+                  <a:srgbClr val="FF0000"/>
+                </a:solidFill>
+              </a:rPr>
+              <a:t> 2018) </a:t>
+            </a:r>
+            <a:r>
+              <a:rPr lang="en-US" dirty="0"/>
+              <a:t>Efficient Topic Detection System for Online Arabic News</a:t>
+            </a:r>
+          </a:p>
+          <a:p>
+            <a:r>
+              <a:rPr lang="en-US" dirty="0"/>
+              <a:t>Uses different classification methods. Utilizing the Information Gain, for feature selection and the Naïve Bayes algorithm produced the best results. </a:t>
+            </a:r>
+          </a:p>
+          <a:p>
+            <a:r>
+              <a:rPr lang="en-US" dirty="0"/>
+              <a:t>The aim is to automate the work in the news agencies</a:t>
+            </a:r>
+          </a:p>
+          <a:p>
+            <a:r>
+              <a:rPr lang="en-US" dirty="0">
+                <a:solidFill>
+                  <a:srgbClr val="FF0000"/>
+                </a:solidFill>
+              </a:rPr>
+              <a:t>(Thompson and Bowerman 2017) </a:t>
+            </a:r>
+            <a:r>
+              <a:rPr lang="en-US" dirty="0"/>
+              <a:t>Detecting Cross-Lingual Plagiarism Using Simulated Word Embeddings</a:t>
+            </a:r>
+          </a:p>
+          <a:p>
+            <a:r>
+              <a:rPr lang="en-US" dirty="0"/>
+              <a:t>Does it by predicting an Internet Translator output (with </a:t>
             </a:r>
             <a:r>
               <a:rPr lang="en-US" dirty="0" err="1"/>
-              <a:t>Alian</a:t>
-            </a:r>
-            <a:r>
-              <a:rPr lang="en-US" dirty="0"/>
-              <a:t> and </a:t>
-            </a:r>
-            <a:r>
-              <a:rPr lang="en-US" dirty="0" err="1"/>
-              <a:t>Awajan</a:t>
-            </a:r>
-            <a:r>
-              <a:rPr lang="en-US" dirty="0"/>
-              <a:t> 2018): Arabic Semantic Similarity Approaches – Review</a:t>
+              <a:t>Synnonyms</a:t>
+            </a:r>
+            <a:r>
+              <a:rPr lang="en-US" dirty="0"/>
+              <a:t>)</a:t>
+            </a:r>
+          </a:p>
+          <a:p>
+            <a:r>
+              <a:rPr lang="en-US" dirty="0"/>
+              <a:t>Does not require a parallel/comparable corpus or an internet translator</a:t>
+            </a:r>
+          </a:p>
+          <a:p>
+            <a:r>
+              <a:rPr lang="en-US" dirty="0"/>
+              <a:t>Uses Google Translate to build a dictionary, then build an offline MTM</a:t>
+            </a:r>
+          </a:p>
+          <a:p>
+            <a:r>
+              <a:rPr lang="en-US" dirty="0"/>
+              <a:t>Uses Word2vec and BOW</a:t>
+            </a:r>
+          </a:p>
+          <a:p>
+            <a:r>
+              <a:rPr lang="en-US" dirty="0"/>
+              <a:t>https://arxiv.org/ftp/arxiv/papers/1712/1712.10190.pdf</a:t>
             </a:r>
           </a:p>
           <a:p>
             <a:endParaRPr lang="en-US" dirty="0"/>
-          </a:p>
-          <a:p>
-            <a:r>
-              <a:rPr lang="en-US" dirty="0"/>
-              <a:t>Have not read this paper yet.</a:t>
-            </a:r>
           </a:p>
         </p:txBody>
       </p:sp>
     </p:spTree>
     <p:extLst>
       <p:ext uri="{BB962C8B-B14F-4D97-AF65-F5344CB8AC3E}">
-        <p14:creationId xmlns:p14="http://schemas.microsoft.com/office/powerpoint/2010/main" val="2407600856"/>
+        <p14:creationId xmlns:p14="http://schemas.microsoft.com/office/powerpoint/2010/main" val="2949273229"/>
       </p:ext>
     </p:extLst>
   </p:cSld>
@@ -4184,7 +4253,7 @@
           <a:p>
             <a:r>
               <a:rPr lang="en-US" dirty="0"/>
-              <a:t>Next</a:t>
+              <a:t>Related Work: 3. Docs/News Similarity</a:t>
             </a:r>
           </a:p>
         </p:txBody>
@@ -4205,10 +4274,117 @@
             <p:ph idx="1"/>
           </p:nvPr>
         </p:nvSpPr>
-        <p:spPr/>
-        <p:txBody>
-          <a:bodyPr/>
-          <a:lstStyle/>
+        <p:spPr>
+          <a:xfrm>
+            <a:off x="345233" y="1408922"/>
+            <a:ext cx="11336694" cy="5169160"/>
+          </a:xfrm>
+        </p:spPr>
+        <p:txBody>
+          <a:bodyPr>
+            <a:normAutofit lnSpcReduction="10000"/>
+          </a:bodyPr>
+          <a:lstStyle/>
+          <a:p>
+            <a:r>
+              <a:rPr lang="en-US" dirty="0">
+                <a:solidFill>
+                  <a:srgbClr val="FF0000"/>
+                </a:solidFill>
+              </a:rPr>
+              <a:t>(</a:t>
+            </a:r>
+            <a:r>
+              <a:rPr lang="en-US" dirty="0" err="1">
+                <a:solidFill>
+                  <a:srgbClr val="FF0000"/>
+                </a:solidFill>
+              </a:rPr>
+              <a:t>Kanan</a:t>
+            </a:r>
+            <a:r>
+              <a:rPr lang="en-US" dirty="0">
+                <a:solidFill>
+                  <a:srgbClr val="FF0000"/>
+                </a:solidFill>
+              </a:rPr>
+              <a:t> 2015 Ph.D. Dissertation) </a:t>
+            </a:r>
+            <a:r>
+              <a:rPr lang="en-US" b="0" i="0" dirty="0">
+                <a:solidFill>
+                  <a:srgbClr val="111111"/>
+                </a:solidFill>
+                <a:effectLst/>
+                <a:latin typeface="Roboto" panose="02000000000000000000" pitchFamily="2" charset="0"/>
+              </a:rPr>
+              <a:t>Arabic News Text Classification and Summarization: A Case of the Electronic Library Institute </a:t>
+            </a:r>
+            <a:r>
+              <a:rPr lang="en-US" b="0" i="0" dirty="0" err="1">
+                <a:solidFill>
+                  <a:srgbClr val="111111"/>
+                </a:solidFill>
+                <a:effectLst/>
+                <a:latin typeface="Roboto" panose="02000000000000000000" pitchFamily="2" charset="0"/>
+              </a:rPr>
+              <a:t>SeerQ</a:t>
+            </a:r>
+            <a:r>
+              <a:rPr lang="en-US" b="0" i="0" dirty="0">
+                <a:solidFill>
+                  <a:srgbClr val="111111"/>
+                </a:solidFill>
+                <a:effectLst/>
+                <a:latin typeface="Roboto" panose="02000000000000000000" pitchFamily="2" charset="0"/>
+              </a:rPr>
+              <a:t> (ELISQ)</a:t>
+            </a:r>
+          </a:p>
+          <a:p>
+            <a:r>
+              <a:rPr lang="en-US" dirty="0"/>
+              <a:t>Introduced a new light stemmer for Arabic</a:t>
+            </a:r>
+          </a:p>
+          <a:p>
+            <a:r>
+              <a:rPr lang="en-US" dirty="0"/>
+              <a:t>Built a taxonomy for Arabic news</a:t>
+            </a:r>
+          </a:p>
+          <a:p>
+            <a:r>
+              <a:rPr lang="en-US" dirty="0"/>
+              <a:t>Automatic classification (Binary SVM produced best results)</a:t>
+            </a:r>
+          </a:p>
+          <a:p>
+            <a:r>
+              <a:rPr lang="en-US" dirty="0"/>
+              <a:t>Add labels to articles from taxonomy (metadata)</a:t>
+            </a:r>
+          </a:p>
+          <a:p>
+            <a:r>
+              <a:rPr lang="en-US" dirty="0"/>
+              <a:t>Due to the lack of high quality Arabic NER tools, two new tools were constructed: </a:t>
+            </a:r>
+            <a:r>
+              <a:rPr lang="en-US" dirty="0" err="1"/>
+              <a:t>RenA</a:t>
+            </a:r>
+            <a:r>
+              <a:rPr lang="en-US" dirty="0"/>
+              <a:t> for Arabic NER, and ALDA for Arabic topic extraction (using the Latent Dirichlet Algorithm)</a:t>
+            </a:r>
+          </a:p>
+          <a:p>
+            <a:r>
+              <a:rPr lang="en-US" dirty="0"/>
+              <a:t>https://www.proquest.com/openview/891d08260d65ff8175ab3582c219398a/1?pq-origsite=gscholar&amp;cbl=18750</a:t>
+            </a:r>
+          </a:p>
           <a:p>
             <a:endParaRPr lang="en-US" dirty="0"/>
           </a:p>
@@ -4218,6 +4394,505 @@
     <p:extLst>
       <p:ext uri="{BB962C8B-B14F-4D97-AF65-F5344CB8AC3E}">
         <p14:creationId xmlns:p14="http://schemas.microsoft.com/office/powerpoint/2010/main" val="2923181437"/>
+      </p:ext>
+    </p:extLst>
+  </p:cSld>
+  <p:clrMapOvr>
+    <a:masterClrMapping/>
+  </p:clrMapOvr>
+</p:sld>
+</file>
+
+<file path=ppt/slides/slide16.xml><?xml version="1.0" encoding="utf-8"?>
+<p:sld xmlns:a="http://schemas.openxmlformats.org/drawingml/2006/main" xmlns:r="http://schemas.openxmlformats.org/officeDocument/2006/relationships" xmlns:p="http://schemas.openxmlformats.org/presentationml/2006/main">
+  <p:cSld>
+    <p:spTree>
+      <p:nvGrpSpPr>
+        <p:cNvPr id="1" name=""/>
+        <p:cNvGrpSpPr/>
+        <p:nvPr/>
+      </p:nvGrpSpPr>
+      <p:grpSpPr>
+        <a:xfrm>
+          <a:off x="0" y="0"/>
+          <a:ext cx="0" cy="0"/>
+          <a:chOff x="0" y="0"/>
+          <a:chExt cx="0" cy="0"/>
+        </a:xfrm>
+      </p:grpSpPr>
+      <p:sp>
+        <p:nvSpPr>
+          <p:cNvPr id="2" name="Title 1">
+            <a:extLst>
+              <a:ext uri="{FF2B5EF4-FFF2-40B4-BE49-F238E27FC236}">
+                <a16:creationId xmlns:a16="http://schemas.microsoft.com/office/drawing/2014/main" id="{F71B79FD-0FA2-4793-84FE-A0D4AF52FF90}"/>
+              </a:ext>
+            </a:extLst>
+          </p:cNvPr>
+          <p:cNvSpPr>
+            <a:spLocks noGrp="1"/>
+          </p:cNvSpPr>
+          <p:nvPr>
+            <p:ph type="title"/>
+          </p:nvPr>
+        </p:nvSpPr>
+        <p:spPr>
+          <a:xfrm>
+            <a:off x="681135" y="365125"/>
+            <a:ext cx="11206065" cy="1325563"/>
+          </a:xfrm>
+        </p:spPr>
+        <p:txBody>
+          <a:bodyPr/>
+          <a:lstStyle/>
+          <a:p>
+            <a:r>
+              <a:rPr lang="en-US" dirty="0"/>
+              <a:t>Related Work: 3. Docs/News Similarity</a:t>
+            </a:r>
+          </a:p>
+        </p:txBody>
+      </p:sp>
+      <p:sp>
+        <p:nvSpPr>
+          <p:cNvPr id="3" name="Content Placeholder 2">
+            <a:extLst>
+              <a:ext uri="{FF2B5EF4-FFF2-40B4-BE49-F238E27FC236}">
+                <a16:creationId xmlns:a16="http://schemas.microsoft.com/office/drawing/2014/main" id="{12D94D22-8A38-4CB6-AA07-18FB6B3033DA}"/>
+              </a:ext>
+            </a:extLst>
+          </p:cNvPr>
+          <p:cNvSpPr>
+            <a:spLocks noGrp="1"/>
+          </p:cNvSpPr>
+          <p:nvPr>
+            <p:ph idx="1"/>
+          </p:nvPr>
+        </p:nvSpPr>
+        <p:spPr>
+          <a:xfrm>
+            <a:off x="550505" y="1576872"/>
+            <a:ext cx="11206065" cy="5281127"/>
+          </a:xfrm>
+        </p:spPr>
+        <p:txBody>
+          <a:bodyPr>
+            <a:normAutofit fontScale="92500" lnSpcReduction="10000"/>
+          </a:bodyPr>
+          <a:lstStyle/>
+          <a:p>
+            <a:r>
+              <a:rPr lang="en-US" dirty="0"/>
+              <a:t>(</a:t>
+            </a:r>
+            <a:r>
+              <a:rPr lang="en-US" dirty="0" err="1"/>
+              <a:t>Alian</a:t>
+            </a:r>
+            <a:r>
+              <a:rPr lang="en-US" dirty="0"/>
+              <a:t> and </a:t>
+            </a:r>
+            <a:r>
+              <a:rPr lang="en-US" dirty="0" err="1"/>
+              <a:t>Awajan</a:t>
+            </a:r>
+            <a:r>
+              <a:rPr lang="en-US" dirty="0"/>
+              <a:t> 2018): Arabic Semantic Similarity Approaches – Review</a:t>
+            </a:r>
+          </a:p>
+          <a:p>
+            <a:r>
+              <a:rPr lang="en-US" dirty="0"/>
+              <a:t>Have not read these papers yet.</a:t>
+            </a:r>
+          </a:p>
+          <a:p>
+            <a:r>
+              <a:rPr lang="en-US" dirty="0">
+                <a:solidFill>
+                  <a:srgbClr val="FF0000"/>
+                </a:solidFill>
+              </a:rPr>
+              <a:t>(Ehsan et al., 2016) </a:t>
+            </a:r>
+            <a:r>
+              <a:rPr lang="en-US" dirty="0"/>
+              <a:t>Using a dictionary and n-gram alignment to improve fine-grained cross-language plagiarism detection</a:t>
+            </a:r>
+          </a:p>
+          <a:p>
+            <a:r>
+              <a:rPr lang="en-US" dirty="0"/>
+              <a:t>https://dl.acm.org/doi/pdf/10.1145/2960811.2960817</a:t>
+            </a:r>
+          </a:p>
+          <a:p>
+            <a:endParaRPr lang="en-US" dirty="0"/>
+          </a:p>
+          <a:p>
+            <a:r>
+              <a:rPr lang="en-US" dirty="0">
+                <a:solidFill>
+                  <a:srgbClr val="FF0000"/>
+                </a:solidFill>
+              </a:rPr>
+              <a:t>(Ferrero et al., 2017) </a:t>
+            </a:r>
+            <a:r>
+              <a:rPr lang="en-US" dirty="0"/>
+              <a:t>Using Word Embedding for Cross Language Plagiarism Detection</a:t>
+            </a:r>
+          </a:p>
+          <a:p>
+            <a:r>
+              <a:rPr lang="en-US" dirty="0"/>
+              <a:t>Uses Machine Translation to construct part of the dataset</a:t>
+            </a:r>
+          </a:p>
+          <a:p>
+            <a:r>
+              <a:rPr lang="en-US" dirty="0">
+                <a:solidFill>
+                  <a:srgbClr val="FF0000"/>
+                </a:solidFill>
+              </a:rPr>
+              <a:t>(</a:t>
+            </a:r>
+            <a:r>
+              <a:rPr lang="en-US" dirty="0" err="1">
+                <a:solidFill>
+                  <a:srgbClr val="FF0000"/>
+                </a:solidFill>
+              </a:rPr>
+              <a:t>Barrón</a:t>
+            </a:r>
+            <a:r>
+              <a:rPr lang="en-US" dirty="0">
+                <a:solidFill>
+                  <a:srgbClr val="FF0000"/>
+                </a:solidFill>
+              </a:rPr>
+              <a:t>-Cedeño et al., 2013) </a:t>
+            </a:r>
+            <a:r>
+              <a:rPr lang="en-US" dirty="0"/>
+              <a:t>Plagiarism Meets Paraphrasing: Insights for the Next Generation in Automatic Plagiarism Detection</a:t>
+            </a:r>
+          </a:p>
+          <a:p>
+            <a:r>
+              <a:rPr lang="en-US" dirty="0"/>
+              <a:t>Using Machine Translation (Google Translate) outperformed all other plagiarism detection methods</a:t>
+            </a:r>
+          </a:p>
+        </p:txBody>
+      </p:sp>
+    </p:spTree>
+    <p:extLst>
+      <p:ext uri="{BB962C8B-B14F-4D97-AF65-F5344CB8AC3E}">
+        <p14:creationId xmlns:p14="http://schemas.microsoft.com/office/powerpoint/2010/main" val="2407600856"/>
+      </p:ext>
+    </p:extLst>
+  </p:cSld>
+  <p:clrMapOvr>
+    <a:masterClrMapping/>
+  </p:clrMapOvr>
+</p:sld>
+</file>
+
+<file path=ppt/slides/slide17.xml><?xml version="1.0" encoding="utf-8"?>
+<p:sld xmlns:a="http://schemas.openxmlformats.org/drawingml/2006/main" xmlns:r="http://schemas.openxmlformats.org/officeDocument/2006/relationships" xmlns:p="http://schemas.openxmlformats.org/presentationml/2006/main">
+  <p:cSld>
+    <p:spTree>
+      <p:nvGrpSpPr>
+        <p:cNvPr id="1" name=""/>
+        <p:cNvGrpSpPr/>
+        <p:nvPr/>
+      </p:nvGrpSpPr>
+      <p:grpSpPr>
+        <a:xfrm>
+          <a:off x="0" y="0"/>
+          <a:ext cx="0" cy="0"/>
+          <a:chOff x="0" y="0"/>
+          <a:chExt cx="0" cy="0"/>
+        </a:xfrm>
+      </p:grpSpPr>
+      <p:sp>
+        <p:nvSpPr>
+          <p:cNvPr id="2" name="Title 1">
+            <a:extLst>
+              <a:ext uri="{FF2B5EF4-FFF2-40B4-BE49-F238E27FC236}">
+                <a16:creationId xmlns:a16="http://schemas.microsoft.com/office/drawing/2014/main" id="{F71B79FD-0FA2-4793-84FE-A0D4AF52FF90}"/>
+              </a:ext>
+            </a:extLst>
+          </p:cNvPr>
+          <p:cNvSpPr>
+            <a:spLocks noGrp="1"/>
+          </p:cNvSpPr>
+          <p:nvPr>
+            <p:ph type="title"/>
+          </p:nvPr>
+        </p:nvSpPr>
+        <p:spPr>
+          <a:xfrm>
+            <a:off x="681135" y="365125"/>
+            <a:ext cx="11206065" cy="1325563"/>
+          </a:xfrm>
+        </p:spPr>
+        <p:txBody>
+          <a:bodyPr/>
+          <a:lstStyle/>
+          <a:p>
+            <a:r>
+              <a:rPr lang="en-US" dirty="0"/>
+              <a:t>Related Work: 3. Docs/News Similarity</a:t>
+            </a:r>
+          </a:p>
+        </p:txBody>
+      </p:sp>
+      <p:sp>
+        <p:nvSpPr>
+          <p:cNvPr id="3" name="Content Placeholder 2">
+            <a:extLst>
+              <a:ext uri="{FF2B5EF4-FFF2-40B4-BE49-F238E27FC236}">
+                <a16:creationId xmlns:a16="http://schemas.microsoft.com/office/drawing/2014/main" id="{12D94D22-8A38-4CB6-AA07-18FB6B3033DA}"/>
+              </a:ext>
+            </a:extLst>
+          </p:cNvPr>
+          <p:cNvSpPr>
+            <a:spLocks noGrp="1"/>
+          </p:cNvSpPr>
+          <p:nvPr>
+            <p:ph idx="1"/>
+          </p:nvPr>
+        </p:nvSpPr>
+        <p:spPr>
+          <a:xfrm>
+            <a:off x="838200" y="1576873"/>
+            <a:ext cx="10515600" cy="5150498"/>
+          </a:xfrm>
+        </p:spPr>
+        <p:txBody>
+          <a:bodyPr>
+            <a:normAutofit/>
+          </a:bodyPr>
+          <a:lstStyle/>
+          <a:p>
+            <a:r>
+              <a:rPr lang="en-US" b="0" i="0" dirty="0">
+                <a:solidFill>
+                  <a:srgbClr val="FF0000"/>
+                </a:solidFill>
+                <a:effectLst/>
+                <a:latin typeface="NexusSerif"/>
+              </a:rPr>
+              <a:t>(</a:t>
+            </a:r>
+            <a:r>
+              <a:rPr lang="en-US" b="0" i="0" dirty="0" err="1">
+                <a:solidFill>
+                  <a:srgbClr val="FF0000"/>
+                </a:solidFill>
+                <a:effectLst/>
+                <a:latin typeface="NexusSans"/>
+              </a:rPr>
+              <a:t>Sree</a:t>
+            </a:r>
+            <a:r>
+              <a:rPr lang="en-US" b="0" i="0" dirty="0">
+                <a:solidFill>
+                  <a:srgbClr val="FF0000"/>
+                </a:solidFill>
+                <a:effectLst/>
+                <a:latin typeface="NexusSans"/>
+              </a:rPr>
+              <a:t> Ram Kiran Nag et. al. 2021) </a:t>
+            </a:r>
+            <a:r>
+              <a:rPr lang="en-US" b="0" i="0" dirty="0">
+                <a:solidFill>
+                  <a:srgbClr val="505050"/>
+                </a:solidFill>
+                <a:effectLst/>
+                <a:latin typeface="NexusSerif"/>
+              </a:rPr>
+              <a:t>Comparative and experimental study in identifying the similarity between languages for plagiarism detection and efficient language translation</a:t>
+            </a:r>
+          </a:p>
+          <a:p>
+            <a:r>
+              <a:rPr lang="en-US" dirty="0">
+                <a:solidFill>
+                  <a:srgbClr val="505050"/>
+                </a:solidFill>
+                <a:latin typeface="NexusSerif"/>
+              </a:rPr>
+              <a:t>Full text: file:///C:/Users/hhallak/Desktop/kirannag2021.pdf</a:t>
+            </a:r>
+          </a:p>
+          <a:p>
+            <a:r>
+              <a:rPr lang="en-US" b="0" i="0" dirty="0">
+                <a:solidFill>
+                  <a:srgbClr val="FF0000"/>
+                </a:solidFill>
+                <a:effectLst/>
+                <a:latin typeface="NexusSerif"/>
+              </a:rPr>
+              <a:t>(</a:t>
+            </a:r>
+            <a:r>
+              <a:rPr lang="en-US" b="0" i="0" dirty="0">
+                <a:solidFill>
+                  <a:srgbClr val="FF0000"/>
+                </a:solidFill>
+                <a:effectLst/>
+                <a:latin typeface="Arial" panose="020B0604020202020204" pitchFamily="34" charset="0"/>
+              </a:rPr>
+              <a:t>Abu </a:t>
+            </a:r>
+            <a:r>
+              <a:rPr lang="en-US" b="0" i="0" dirty="0" err="1">
+                <a:solidFill>
+                  <a:srgbClr val="FF0000"/>
+                </a:solidFill>
+                <a:effectLst/>
+                <a:latin typeface="Arial" panose="020B0604020202020204" pitchFamily="34" charset="0"/>
+              </a:rPr>
+              <a:t>Kwaik</a:t>
+            </a:r>
+            <a:r>
+              <a:rPr lang="en-US" b="0" i="0" dirty="0">
+                <a:solidFill>
+                  <a:srgbClr val="FF0000"/>
+                </a:solidFill>
+                <a:effectLst/>
+                <a:latin typeface="NexusSerif"/>
+              </a:rPr>
+              <a:t> 20</a:t>
+            </a:r>
+            <a:r>
+              <a:rPr lang="en-US" dirty="0">
+                <a:solidFill>
+                  <a:srgbClr val="FF0000"/>
+                </a:solidFill>
+                <a:latin typeface="NexusSerif"/>
+              </a:rPr>
+              <a:t>20) </a:t>
+            </a:r>
+            <a:r>
+              <a:rPr lang="en-US" dirty="0">
+                <a:solidFill>
+                  <a:srgbClr val="505050"/>
+                </a:solidFill>
+                <a:latin typeface="NexusSerif"/>
+              </a:rPr>
+              <a:t>An Arabic Tweets Sentiment Analysis Dataset (ATSAD) using Distant Supervision and Self Training</a:t>
+            </a:r>
+          </a:p>
+          <a:p>
+            <a:r>
+              <a:rPr lang="en-US" b="0" i="0" dirty="0">
+                <a:solidFill>
+                  <a:srgbClr val="505050"/>
+                </a:solidFill>
+                <a:effectLst/>
+                <a:latin typeface="NexusSerif"/>
+              </a:rPr>
+              <a:t>Might be good for future work (identifying positive and negative news articles).</a:t>
+            </a:r>
+          </a:p>
+          <a:p>
+            <a:endParaRPr lang="en-US" dirty="0"/>
+          </a:p>
+        </p:txBody>
+      </p:sp>
+    </p:spTree>
+    <p:extLst>
+      <p:ext uri="{BB962C8B-B14F-4D97-AF65-F5344CB8AC3E}">
+        <p14:creationId xmlns:p14="http://schemas.microsoft.com/office/powerpoint/2010/main" val="1932319547"/>
+      </p:ext>
+    </p:extLst>
+  </p:cSld>
+  <p:clrMapOvr>
+    <a:masterClrMapping/>
+  </p:clrMapOvr>
+</p:sld>
+</file>
+
+<file path=ppt/slides/slide18.xml><?xml version="1.0" encoding="utf-8"?>
+<p:sld xmlns:a="http://schemas.openxmlformats.org/drawingml/2006/main" xmlns:r="http://schemas.openxmlformats.org/officeDocument/2006/relationships" xmlns:p="http://schemas.openxmlformats.org/presentationml/2006/main">
+  <p:cSld>
+    <p:spTree>
+      <p:nvGrpSpPr>
+        <p:cNvPr id="1" name=""/>
+        <p:cNvGrpSpPr/>
+        <p:nvPr/>
+      </p:nvGrpSpPr>
+      <p:grpSpPr>
+        <a:xfrm>
+          <a:off x="0" y="0"/>
+          <a:ext cx="0" cy="0"/>
+          <a:chOff x="0" y="0"/>
+          <a:chExt cx="0" cy="0"/>
+        </a:xfrm>
+      </p:grpSpPr>
+      <p:sp>
+        <p:nvSpPr>
+          <p:cNvPr id="2" name="Title 1">
+            <a:extLst>
+              <a:ext uri="{FF2B5EF4-FFF2-40B4-BE49-F238E27FC236}">
+                <a16:creationId xmlns:a16="http://schemas.microsoft.com/office/drawing/2014/main" id="{3A86496D-E279-49AF-A52A-6FB73B341038}"/>
+              </a:ext>
+            </a:extLst>
+          </p:cNvPr>
+          <p:cNvSpPr>
+            <a:spLocks noGrp="1"/>
+          </p:cNvSpPr>
+          <p:nvPr>
+            <p:ph type="title"/>
+          </p:nvPr>
+        </p:nvSpPr>
+        <p:spPr/>
+        <p:txBody>
+          <a:bodyPr/>
+          <a:lstStyle/>
+          <a:p>
+            <a:endParaRPr lang="en-US" dirty="0"/>
+          </a:p>
+        </p:txBody>
+      </p:sp>
+      <p:sp>
+        <p:nvSpPr>
+          <p:cNvPr id="7" name="Content Placeholder 6">
+            <a:extLst>
+              <a:ext uri="{FF2B5EF4-FFF2-40B4-BE49-F238E27FC236}">
+                <a16:creationId xmlns:a16="http://schemas.microsoft.com/office/drawing/2014/main" id="{1791AAA2-14E1-4D5D-A97D-205492CBD8CD}"/>
+              </a:ext>
+            </a:extLst>
+          </p:cNvPr>
+          <p:cNvSpPr>
+            <a:spLocks noGrp="1"/>
+          </p:cNvSpPr>
+          <p:nvPr>
+            <p:ph idx="1"/>
+          </p:nvPr>
+        </p:nvSpPr>
+        <p:spPr/>
+        <p:txBody>
+          <a:bodyPr/>
+          <a:lstStyle/>
+          <a:p>
+            <a:endParaRPr lang="en-US"/>
+          </a:p>
+        </p:txBody>
+      </p:sp>
+    </p:spTree>
+    <p:extLst>
+      <p:ext uri="{BB962C8B-B14F-4D97-AF65-F5344CB8AC3E}">
+        <p14:creationId xmlns:p14="http://schemas.microsoft.com/office/powerpoint/2010/main" val="2987297751"/>
       </p:ext>
     </p:extLst>
   </p:cSld>
@@ -5747,6 +6422,21 @@
 </file>
 
 <file path=customXml/item1.xml><?xml version="1.0" encoding="utf-8"?>
+<?mso-contentType ?>
+<FormTemplates xmlns="http://schemas.microsoft.com/sharepoint/v3/contenttype/forms">
+  <Display>DocumentLibraryForm</Display>
+  <Edit>DocumentLibraryForm</Edit>
+  <New>DocumentLibraryForm</New>
+</FormTemplates>
+</file>
+
+<file path=customXml/item2.xml><?xml version="1.0" encoding="utf-8"?>
+<p:properties xmlns:p="http://schemas.microsoft.com/office/2006/metadata/properties" xmlns:xsi="http://www.w3.org/2001/XMLSchema-instance" xmlns:pc="http://schemas.microsoft.com/office/infopath/2007/PartnerControls">
+  <documentManagement/>
+</p:properties>
+</file>
+
+<file path=customXml/item3.xml><?xml version="1.0" encoding="utf-8"?>
 <ct:contentTypeSchema xmlns:ct="http://schemas.microsoft.com/office/2006/metadata/contentType" xmlns:ma="http://schemas.microsoft.com/office/2006/metadata/properties/metaAttributes" ct:_="" ma:_="" ma:contentTypeName="Document" ma:contentTypeID="0x01010004C3F8400CC5404D9942C3D2BC8BC1AB" ma:contentTypeVersion="4" ma:contentTypeDescription="Create a new document." ma:contentTypeScope="" ma:versionID="71d26f7c8883baeea37a747ce5f5e451">
   <xsd:schema xmlns:xsd="http://www.w3.org/2001/XMLSchema" xmlns:xs="http://www.w3.org/2001/XMLSchema" xmlns:p="http://schemas.microsoft.com/office/2006/metadata/properties" xmlns:ns3="aa32075b-1e88-4829-a2bc-3855f047b83d" targetNamespace="http://schemas.microsoft.com/office/2006/metadata/properties" ma:root="true" ma:fieldsID="c25db40ac8a98218e4889caad6c13d3b" ns3:_="">
     <xsd:import namespace="aa32075b-1e88-4829-a2bc-3855f047b83d"/>
@@ -5892,35 +6582,10 @@
 </ct:contentTypeSchema>
 </file>
 
-<file path=customXml/item2.xml><?xml version="1.0" encoding="utf-8"?>
-<p:properties xmlns:p="http://schemas.microsoft.com/office/2006/metadata/properties" xmlns:xsi="http://www.w3.org/2001/XMLSchema-instance" xmlns:pc="http://schemas.microsoft.com/office/infopath/2007/PartnerControls">
-  <documentManagement/>
-</p:properties>
-</file>
-
-<file path=customXml/item3.xml><?xml version="1.0" encoding="utf-8"?>
-<?mso-contentType ?>
-<FormTemplates xmlns="http://schemas.microsoft.com/sharepoint/v3/contenttype/forms">
-  <Display>DocumentLibraryForm</Display>
-  <Edit>DocumentLibraryForm</Edit>
-  <New>DocumentLibraryForm</New>
-</FormTemplates>
-</file>
-
 <file path=customXml/itemProps1.xml><?xml version="1.0" encoding="utf-8"?>
-<ds:datastoreItem xmlns:ds="http://schemas.openxmlformats.org/officeDocument/2006/customXml" ds:itemID="{B46BF919-8AAC-4A31-A2A6-B9DC79163B78}">
+<ds:datastoreItem xmlns:ds="http://schemas.openxmlformats.org/officeDocument/2006/customXml" ds:itemID="{76019AA6-1587-4CBD-B078-2ECC0C894026}">
   <ds:schemaRefs>
-    <ds:schemaRef ds:uri="http://schemas.microsoft.com/office/2006/metadata/contentType"/>
-    <ds:schemaRef ds:uri="http://schemas.microsoft.com/office/2006/metadata/properties/metaAttributes"/>
-    <ds:schemaRef ds:uri="http://www.w3.org/2001/XMLSchema"/>
-    <ds:schemaRef ds:uri="http://schemas.microsoft.com/office/2006/metadata/properties"/>
-    <ds:schemaRef ds:uri="aa32075b-1e88-4829-a2bc-3855f047b83d"/>
-    <ds:schemaRef ds:uri="http://schemas.microsoft.com/office/2006/documentManagement/types"/>
-    <ds:schemaRef ds:uri="http://schemas.microsoft.com/office/infopath/2007/PartnerControls"/>
-    <ds:schemaRef ds:uri="http://schemas.openxmlformats.org/package/2006/metadata/core-properties"/>
-    <ds:schemaRef ds:uri="http://purl.org/dc/elements/1.1/"/>
-    <ds:schemaRef ds:uri="http://purl.org/dc/terms/"/>
-    <ds:schemaRef ds:uri="http://schemas.microsoft.com/internal/obd"/>
+    <ds:schemaRef ds:uri="http://schemas.microsoft.com/sharepoint/v3/contenttype/forms"/>
   </ds:schemaRefs>
 </ds:datastoreItem>
 </file>
@@ -5942,9 +6607,19 @@
 </file>
 
 <file path=customXml/itemProps3.xml><?xml version="1.0" encoding="utf-8"?>
-<ds:datastoreItem xmlns:ds="http://schemas.openxmlformats.org/officeDocument/2006/customXml" ds:itemID="{76019AA6-1587-4CBD-B078-2ECC0C894026}">
+<ds:datastoreItem xmlns:ds="http://schemas.openxmlformats.org/officeDocument/2006/customXml" ds:itemID="{B46BF919-8AAC-4A31-A2A6-B9DC79163B78}">
   <ds:schemaRefs>
-    <ds:schemaRef ds:uri="http://schemas.microsoft.com/sharepoint/v3/contenttype/forms"/>
+    <ds:schemaRef ds:uri="http://schemas.microsoft.com/office/2006/metadata/contentType"/>
+    <ds:schemaRef ds:uri="http://schemas.microsoft.com/office/2006/metadata/properties/metaAttributes"/>
+    <ds:schemaRef ds:uri="http://www.w3.org/2001/XMLSchema"/>
+    <ds:schemaRef ds:uri="http://schemas.microsoft.com/office/2006/metadata/properties"/>
+    <ds:schemaRef ds:uri="aa32075b-1e88-4829-a2bc-3855f047b83d"/>
+    <ds:schemaRef ds:uri="http://schemas.microsoft.com/office/2006/documentManagement/types"/>
+    <ds:schemaRef ds:uri="http://schemas.microsoft.com/office/infopath/2007/PartnerControls"/>
+    <ds:schemaRef ds:uri="http://schemas.openxmlformats.org/package/2006/metadata/core-properties"/>
+    <ds:schemaRef ds:uri="http://purl.org/dc/elements/1.1/"/>
+    <ds:schemaRef ds:uri="http://purl.org/dc/terms/"/>
+    <ds:schemaRef ds:uri="http://schemas.microsoft.com/internal/obd"/>
   </ds:schemaRefs>
 </ds:datastoreItem>
 </file>
--- a/TPDL 2022 Paper Updates.pptx
+++ b/TPDL 2022 Paper Updates.pptx
@@ -11,18 +11,24 @@
     <p:sldId id="259" r:id="rId8"/>
     <p:sldId id="270" r:id="rId9"/>
     <p:sldId id="260" r:id="rId10"/>
-    <p:sldId id="261" r:id="rId11"/>
-    <p:sldId id="263" r:id="rId12"/>
-    <p:sldId id="264" r:id="rId13"/>
-    <p:sldId id="266" r:id="rId14"/>
-    <p:sldId id="267" r:id="rId15"/>
-    <p:sldId id="268" r:id="rId16"/>
-    <p:sldId id="269" r:id="rId17"/>
-    <p:sldId id="272" r:id="rId18"/>
-    <p:sldId id="271" r:id="rId19"/>
-    <p:sldId id="265" r:id="rId20"/>
-    <p:sldId id="274" r:id="rId21"/>
-    <p:sldId id="273" r:id="rId22"/>
+    <p:sldId id="277" r:id="rId11"/>
+    <p:sldId id="261" r:id="rId12"/>
+    <p:sldId id="263" r:id="rId13"/>
+    <p:sldId id="264" r:id="rId14"/>
+    <p:sldId id="266" r:id="rId15"/>
+    <p:sldId id="267" r:id="rId16"/>
+    <p:sldId id="268" r:id="rId17"/>
+    <p:sldId id="269" r:id="rId18"/>
+    <p:sldId id="272" r:id="rId19"/>
+    <p:sldId id="271" r:id="rId20"/>
+    <p:sldId id="265" r:id="rId21"/>
+    <p:sldId id="274" r:id="rId22"/>
+    <p:sldId id="275" r:id="rId23"/>
+    <p:sldId id="276" r:id="rId24"/>
+    <p:sldId id="278" r:id="rId25"/>
+    <p:sldId id="279" r:id="rId26"/>
+    <p:sldId id="280" r:id="rId27"/>
+    <p:sldId id="273" r:id="rId28"/>
   </p:sldIdLst>
   <p:sldSz cx="12192000" cy="6858000"/>
   <p:notesSz cx="6858000" cy="9144000"/>
@@ -276,7 +282,7 @@
           <a:p>
             <a:fld id="{262ADD7D-9AC9-427E-9EE9-A3B073E45964}" type="datetimeFigureOut">
               <a:rPr lang="en-US" smtClean="0"/>
-              <a:t>4/6/2022</a:t>
+              <a:t>4/13/2022</a:t>
             </a:fld>
             <a:endParaRPr lang="en-US"/>
           </a:p>
@@ -474,7 +480,7 @@
           <a:p>
             <a:fld id="{262ADD7D-9AC9-427E-9EE9-A3B073E45964}" type="datetimeFigureOut">
               <a:rPr lang="en-US" smtClean="0"/>
-              <a:t>4/6/2022</a:t>
+              <a:t>4/13/2022</a:t>
             </a:fld>
             <a:endParaRPr lang="en-US"/>
           </a:p>
@@ -682,7 +688,7 @@
           <a:p>
             <a:fld id="{262ADD7D-9AC9-427E-9EE9-A3B073E45964}" type="datetimeFigureOut">
               <a:rPr lang="en-US" smtClean="0"/>
-              <a:t>4/6/2022</a:t>
+              <a:t>4/13/2022</a:t>
             </a:fld>
             <a:endParaRPr lang="en-US"/>
           </a:p>
@@ -880,7 +886,7 @@
           <a:p>
             <a:fld id="{262ADD7D-9AC9-427E-9EE9-A3B073E45964}" type="datetimeFigureOut">
               <a:rPr lang="en-US" smtClean="0"/>
-              <a:t>4/6/2022</a:t>
+              <a:t>4/13/2022</a:t>
             </a:fld>
             <a:endParaRPr lang="en-US"/>
           </a:p>
@@ -1155,7 +1161,7 @@
           <a:p>
             <a:fld id="{262ADD7D-9AC9-427E-9EE9-A3B073E45964}" type="datetimeFigureOut">
               <a:rPr lang="en-US" smtClean="0"/>
-              <a:t>4/6/2022</a:t>
+              <a:t>4/13/2022</a:t>
             </a:fld>
             <a:endParaRPr lang="en-US"/>
           </a:p>
@@ -1420,7 +1426,7 @@
           <a:p>
             <a:fld id="{262ADD7D-9AC9-427E-9EE9-A3B073E45964}" type="datetimeFigureOut">
               <a:rPr lang="en-US" smtClean="0"/>
-              <a:t>4/6/2022</a:t>
+              <a:t>4/13/2022</a:t>
             </a:fld>
             <a:endParaRPr lang="en-US"/>
           </a:p>
@@ -1832,7 +1838,7 @@
           <a:p>
             <a:fld id="{262ADD7D-9AC9-427E-9EE9-A3B073E45964}" type="datetimeFigureOut">
               <a:rPr lang="en-US" smtClean="0"/>
-              <a:t>4/6/2022</a:t>
+              <a:t>4/13/2022</a:t>
             </a:fld>
             <a:endParaRPr lang="en-US"/>
           </a:p>
@@ -1973,7 +1979,7 @@
           <a:p>
             <a:fld id="{262ADD7D-9AC9-427E-9EE9-A3B073E45964}" type="datetimeFigureOut">
               <a:rPr lang="en-US" smtClean="0"/>
-              <a:t>4/6/2022</a:t>
+              <a:t>4/13/2022</a:t>
             </a:fld>
             <a:endParaRPr lang="en-US"/>
           </a:p>
@@ -2086,7 +2092,7 @@
           <a:p>
             <a:fld id="{262ADD7D-9AC9-427E-9EE9-A3B073E45964}" type="datetimeFigureOut">
               <a:rPr lang="en-US" smtClean="0"/>
-              <a:t>4/6/2022</a:t>
+              <a:t>4/13/2022</a:t>
             </a:fld>
             <a:endParaRPr lang="en-US"/>
           </a:p>
@@ -2397,7 +2403,7 @@
           <a:p>
             <a:fld id="{262ADD7D-9AC9-427E-9EE9-A3B073E45964}" type="datetimeFigureOut">
               <a:rPr lang="en-US" smtClean="0"/>
-              <a:t>4/6/2022</a:t>
+              <a:t>4/13/2022</a:t>
             </a:fld>
             <a:endParaRPr lang="en-US"/>
           </a:p>
@@ -2685,7 +2691,7 @@
           <a:p>
             <a:fld id="{262ADD7D-9AC9-427E-9EE9-A3B073E45964}" type="datetimeFigureOut">
               <a:rPr lang="en-US" smtClean="0"/>
-              <a:t>4/6/2022</a:t>
+              <a:t>4/13/2022</a:t>
             </a:fld>
             <a:endParaRPr lang="en-US"/>
           </a:p>
@@ -2926,7 +2932,7 @@
           <a:p>
             <a:fld id="{262ADD7D-9AC9-427E-9EE9-A3B073E45964}" type="datetimeFigureOut">
               <a:rPr lang="en-US" smtClean="0"/>
-              <a:t>4/6/2022</a:t>
+              <a:t>4/13/2022</a:t>
             </a:fld>
             <a:endParaRPr lang="en-US"/>
           </a:p>
@@ -3486,57 +3492,47 @@
         </p:spPr>
         <p:txBody>
           <a:bodyPr>
-            <a:normAutofit lnSpcReduction="10000"/>
+            <a:normAutofit/>
           </a:bodyPr>
           <a:lstStyle/>
           <a:p>
             <a:r>
-              <a:rPr lang="en-US" dirty="0"/>
-              <a:t>(</a:t>
-            </a:r>
-            <a:r>
-              <a:rPr lang="en-US" dirty="0" err="1"/>
-              <a:t>Awajan</a:t>
-            </a:r>
-            <a:r>
-              <a:rPr lang="en-US" dirty="0"/>
-              <a:t> 2015): Semantic similarity based approach for reducing Arabic texts dimensionality (full text is not available)</a:t>
-            </a:r>
-          </a:p>
-          <a:p>
-            <a:r>
-              <a:rPr lang="en-US" dirty="0"/>
-              <a:t>The purpose is to summarize a large document</a:t>
-            </a:r>
-          </a:p>
-          <a:p>
-            <a:r>
-              <a:rPr lang="en-US" dirty="0"/>
-              <a:t>The proposed method uses the distributional semantics to build the word-context matrix representing the distribution of words across contexts and to transform the text into a vector space model representation based on word semantic similarity. The linguistic features of the Arabic language, in addition to the semantic information extracted from different lexical-semantic resources such as Arabic WordNet and named entities’ gazetteers are used to improve the text representation and to create word clusters of similar and related words. Distributional similarity measures have been used to capture the words’ semantic similarity and to create clusters of similar words.</a:t>
-            </a:r>
-            <a:endParaRPr lang="en-US" b="0" i="0" dirty="0">
-              <a:solidFill>
-                <a:srgbClr val="333333"/>
-              </a:solidFill>
-              <a:effectLst/>
-              <a:latin typeface="Georgia" panose="02040502050405020303" pitchFamily="18" charset="0"/>
-            </a:endParaRPr>
-          </a:p>
-          <a:p>
-            <a:endParaRPr lang="en-US" dirty="0"/>
-          </a:p>
-          <a:p>
-            <a:pPr marL="0" indent="0">
-              <a:buNone/>
-            </a:pPr>
-            <a:endParaRPr lang="en-US" dirty="0"/>
+              <a:rPr lang="en-US" dirty="0">
+                <a:solidFill>
+                  <a:srgbClr val="FF0000"/>
+                </a:solidFill>
+              </a:rPr>
+              <a:t>(Morin et. al. 2015) </a:t>
+            </a:r>
+            <a:r>
+              <a:rPr lang="en-US" dirty="0"/>
+              <a:t>LINA: Identifying Comparable Documents from Wikipedia</a:t>
+            </a:r>
+          </a:p>
+          <a:p>
+            <a:r>
+              <a:rPr lang="en-US" dirty="0"/>
+              <a:t>Hapax words are words that occur only once in the document</a:t>
+            </a:r>
+          </a:p>
+          <a:p>
+            <a:r>
+              <a:rPr lang="en-US" dirty="0"/>
+              <a:t>Simple approach: Documents that share the largest amount of hapax words are parallel.</a:t>
+            </a:r>
+          </a:p>
+          <a:p>
+            <a:r>
+              <a:rPr lang="en-US" dirty="0"/>
+              <a:t>The notion is that most hapax words are in practice proper nouns or numerical entities, which are often cognates.</a:t>
+            </a:r>
           </a:p>
         </p:txBody>
       </p:sp>
     </p:spTree>
     <p:extLst>
       <p:ext uri="{BB962C8B-B14F-4D97-AF65-F5344CB8AC3E}">
-        <p14:creationId xmlns:p14="http://schemas.microsoft.com/office/powerpoint/2010/main" val="2255522199"/>
+        <p14:creationId xmlns:p14="http://schemas.microsoft.com/office/powerpoint/2010/main" val="1595877634"/>
       </p:ext>
     </p:extLst>
   </p:cSld>
@@ -3625,26 +3621,50 @@
           <a:lstStyle/>
           <a:p>
             <a:r>
-              <a:rPr lang="en-US" dirty="0"/>
-              <a:t>(Soori et. al. 2013): Text Similarity Based on Data Compression in Arabic</a:t>
-            </a:r>
-          </a:p>
-          <a:p>
-            <a:r>
-              <a:rPr lang="en-US" dirty="0"/>
-              <a:t>Uses Lempel Ziv comparison algorithm</a:t>
-            </a:r>
-          </a:p>
-          <a:p>
-            <a:r>
-              <a:rPr lang="en-US" dirty="0"/>
-              <a:t>The text itself is the dictionary.</a:t>
-            </a:r>
-          </a:p>
-          <a:p>
-            <a:r>
-              <a:rPr lang="en-US" dirty="0"/>
-              <a:t>Later occurrences of a string are replaced by numbers indicating where it occurred before and its length.</a:t>
+              <a:rPr lang="en-US" dirty="0">
+                <a:solidFill>
+                  <a:srgbClr val="FF0000"/>
+                </a:solidFill>
+              </a:rPr>
+              <a:t>(</a:t>
+            </a:r>
+            <a:r>
+              <a:rPr lang="en-US" dirty="0" err="1">
+                <a:solidFill>
+                  <a:srgbClr val="FF0000"/>
+                </a:solidFill>
+              </a:rPr>
+              <a:t>Awajan</a:t>
+            </a:r>
+            <a:r>
+              <a:rPr lang="en-US" dirty="0">
+                <a:solidFill>
+                  <a:srgbClr val="FF0000"/>
+                </a:solidFill>
+              </a:rPr>
+              <a:t> 2015) </a:t>
+            </a:r>
+            <a:r>
+              <a:rPr lang="en-US" dirty="0"/>
+              <a:t>Semantic similarity-based approach for reducing Arabic texts dimensionality </a:t>
+            </a:r>
+          </a:p>
+          <a:p>
+            <a:r>
+              <a:rPr lang="en-US" dirty="0"/>
+              <a:t>file:///C:/Users/hhallak/Desktop/s10772-015-9284-6.pdf </a:t>
+            </a:r>
+          </a:p>
+          <a:p>
+            <a:r>
+              <a:rPr lang="en-US" dirty="0"/>
+              <a:t>The purpose is to summarize a large document</a:t>
+            </a:r>
+          </a:p>
+          <a:p>
+            <a:r>
+              <a:rPr lang="en-US" dirty="0"/>
+              <a:t>Nes extracted using a simple method (gazetteer)</a:t>
             </a:r>
           </a:p>
           <a:p>
@@ -3656,16 +3676,31 @@
           <a:p>
             <a:r>
               <a:rPr lang="en-US" dirty="0"/>
-              <a:t>K-gram based (K is the threshold for words’ sequences matching)</a:t>
-            </a:r>
-          </a:p>
-          <a:p>
-            <a:r>
-              <a:rPr lang="en-US" dirty="0"/>
-              <a:t>Only operates on Arabic docs</a:t>
-            </a:r>
-          </a:p>
-          <a:p>
+              <a:t>Distributional semantics is used to build word-context matrix representing the distribution of words across contexts</a:t>
+            </a:r>
+          </a:p>
+          <a:p>
+            <a:r>
+              <a:rPr lang="en-US" dirty="0"/>
+              <a:t>Convert text to a vector space model VSM</a:t>
+            </a:r>
+          </a:p>
+          <a:p>
+            <a:endParaRPr lang="en-US" b="0" i="0" dirty="0">
+              <a:solidFill>
+                <a:srgbClr val="333333"/>
+              </a:solidFill>
+              <a:effectLst/>
+              <a:latin typeface="Georgia" panose="02040502050405020303" pitchFamily="18" charset="0"/>
+            </a:endParaRPr>
+          </a:p>
+          <a:p>
+            <a:endParaRPr lang="en-US" dirty="0"/>
+          </a:p>
+          <a:p>
+            <a:pPr marL="0" indent="0">
+              <a:buNone/>
+            </a:pPr>
             <a:endParaRPr lang="en-US" dirty="0"/>
           </a:p>
         </p:txBody>
@@ -3673,7 +3708,7 @@
     </p:spTree>
     <p:extLst>
       <p:ext uri="{BB962C8B-B14F-4D97-AF65-F5344CB8AC3E}">
-        <p14:creationId xmlns:p14="http://schemas.microsoft.com/office/powerpoint/2010/main" val="1640308326"/>
+        <p14:creationId xmlns:p14="http://schemas.microsoft.com/office/powerpoint/2010/main" val="2255522199"/>
       </p:ext>
     </p:extLst>
   </p:cSld>
@@ -3757,73 +3792,68 @@
         </p:spPr>
         <p:txBody>
           <a:bodyPr>
-            <a:normAutofit lnSpcReduction="10000"/>
+            <a:normAutofit/>
           </a:bodyPr>
           <a:lstStyle/>
           <a:p>
             <a:r>
-              <a:rPr lang="en-US" dirty="0"/>
-              <a:t>(Al-</a:t>
-            </a:r>
-            <a:r>
-              <a:rPr lang="en-US" dirty="0" err="1"/>
-              <a:t>Radaideh</a:t>
-            </a:r>
-            <a:r>
-              <a:rPr lang="en-US" dirty="0"/>
-              <a:t> and </a:t>
-            </a:r>
-            <a:r>
-              <a:rPr lang="en-US" dirty="0" err="1"/>
-              <a:t>Afif</a:t>
-            </a:r>
-            <a:r>
-              <a:rPr lang="en-US" dirty="0"/>
-              <a:t>  2009): ARABIC TEXT SUMMARIZATION USING AGGREGATE SIMILARITY</a:t>
-            </a:r>
-          </a:p>
-          <a:p>
-            <a:r>
-              <a:rPr lang="en-US" dirty="0"/>
-              <a:t>Divide the document into sentences then tokenize.</a:t>
-            </a:r>
-          </a:p>
-          <a:p>
-            <a:r>
-              <a:rPr lang="en-US" dirty="0"/>
-              <a:t>Extract nouns</a:t>
-            </a:r>
-          </a:p>
-          <a:p>
-            <a:r>
-              <a:rPr lang="en-US" dirty="0"/>
-              <a:t>Compute the similarity between each sentence and the whole document based on the similarity between the noun frequency in the sentence and the document using the Inner Product.</a:t>
-            </a:r>
-          </a:p>
-          <a:p>
-            <a:r>
-              <a:rPr lang="en-US" dirty="0"/>
-              <a:t>The summation of all similarities of every sentence (for all nouns in it) represents an Aggregate similarity</a:t>
-            </a:r>
-          </a:p>
-          <a:p>
-            <a:r>
-              <a:rPr lang="en-US" dirty="0"/>
-              <a:t>Based on a user-defined threshold, select the sentences that will be the summary.</a:t>
-            </a:r>
-          </a:p>
-          <a:p>
-            <a:r>
-              <a:rPr lang="en-US" dirty="0"/>
-              <a:t>Works on Arabic docs</a:t>
-            </a:r>
+              <a:rPr lang="en-US" dirty="0">
+                <a:solidFill>
+                  <a:srgbClr val="FF0000"/>
+                </a:solidFill>
+              </a:rPr>
+              <a:t>(Soori et. al. 2013) </a:t>
+            </a:r>
+            <a:r>
+              <a:rPr lang="en-US" dirty="0"/>
+              <a:t>Text Similarity Based on Data Compression in Arabic</a:t>
+            </a:r>
+          </a:p>
+          <a:p>
+            <a:r>
+              <a:rPr lang="en-US" dirty="0"/>
+              <a:t>Uses Lempel Ziv comparison algorithm</a:t>
+            </a:r>
+          </a:p>
+          <a:p>
+            <a:r>
+              <a:rPr lang="en-US" dirty="0"/>
+              <a:t>The text itself is the dictionary.</a:t>
+            </a:r>
+          </a:p>
+          <a:p>
+            <a:r>
+              <a:rPr lang="en-US" dirty="0"/>
+              <a:t>Later occurrences of a string are replaced by numbers indicating where it occurred before and its length.</a:t>
+            </a:r>
+          </a:p>
+          <a:p>
+            <a:r>
+              <a:rPr lang="en-US" dirty="0"/>
+              <a:t>Stop words are removed</a:t>
+            </a:r>
+          </a:p>
+          <a:p>
+            <a:r>
+              <a:rPr lang="en-US" dirty="0"/>
+              <a:t>K-gram based (K is the threshold for words’ sequences matching)</a:t>
+            </a:r>
+          </a:p>
+          <a:p>
+            <a:r>
+              <a:rPr lang="en-US" dirty="0"/>
+              <a:t>Only operates on Arabic docs</a:t>
+            </a:r>
+          </a:p>
+          <a:p>
+            <a:endParaRPr lang="en-US" dirty="0"/>
           </a:p>
         </p:txBody>
       </p:sp>
     </p:spTree>
     <p:extLst>
       <p:ext uri="{BB962C8B-B14F-4D97-AF65-F5344CB8AC3E}">
-        <p14:creationId xmlns:p14="http://schemas.microsoft.com/office/powerpoint/2010/main" val="1538710970"/>
+        <p14:creationId xmlns:p14="http://schemas.microsoft.com/office/powerpoint/2010/main" val="1640308326"/>
       </p:ext>
     </p:extLst>
   </p:cSld>
@@ -3907,7 +3937,7 @@
         </p:spPr>
         <p:txBody>
           <a:bodyPr>
-            <a:normAutofit/>
+            <a:normAutofit lnSpcReduction="10000"/>
           </a:bodyPr>
           <a:lstStyle/>
           <a:p>
@@ -3917,7 +3947,7 @@
                   <a:srgbClr val="FF0000"/>
                 </a:solidFill>
               </a:rPr>
-              <a:t>(</a:t>
+              <a:t>(Al-</a:t>
             </a:r>
             <a:r>
               <a:rPr lang="en-US" dirty="0" err="1">
@@ -3925,88 +3955,71 @@
                   <a:srgbClr val="FF0000"/>
                 </a:solidFill>
               </a:rPr>
-              <a:t>Zweigenbaum</a:t>
-            </a:r>
-            <a:r>
-              <a:rPr lang="en-US" dirty="0">
-                <a:solidFill>
-                  <a:srgbClr val="FF0000"/>
-                </a:solidFill>
-              </a:rPr>
-              <a:t> et. al. 2018) </a:t>
-            </a:r>
-            <a:r>
-              <a:rPr lang="en-US" dirty="0"/>
-              <a:t>Overview of the Third BUCC Shared Task: Spotting Parallel Sentences in Comparable Corpora</a:t>
-            </a:r>
-          </a:p>
-          <a:p>
-            <a:r>
-              <a:rPr lang="en-US" dirty="0"/>
-              <a:t>Arabic isn’t one of the 5 selected languages (English, Chinese, German, French, and Russian)</a:t>
-            </a:r>
-          </a:p>
-          <a:p>
-            <a:r>
-              <a:rPr lang="en-US" dirty="0">
-                <a:solidFill>
-                  <a:srgbClr val="FF0000"/>
-                </a:solidFill>
-              </a:rPr>
-              <a:t>(Saad et. al. 2013) </a:t>
-            </a:r>
-            <a:r>
-              <a:rPr lang="en-US" b="0" i="0" dirty="0">
-                <a:solidFill>
-                  <a:srgbClr val="111111"/>
-                </a:solidFill>
-                <a:effectLst/>
-                <a:latin typeface="Roboto" panose="02000000000000000000" pitchFamily="2" charset="0"/>
-              </a:rPr>
-              <a:t>Extracting Comparable Articles from Wikipedia and Measuring their </a:t>
-            </a:r>
-            <a:r>
-              <a:rPr lang="en-US" b="0" i="0" dirty="0" err="1">
-                <a:solidFill>
-                  <a:srgbClr val="111111"/>
-                </a:solidFill>
-                <a:effectLst/>
-                <a:latin typeface="Roboto" panose="02000000000000000000" pitchFamily="2" charset="0"/>
-              </a:rPr>
-              <a:t>Comparabilities</a:t>
-            </a:r>
-            <a:endParaRPr lang="en-US" b="0" i="0" dirty="0">
-              <a:solidFill>
-                <a:srgbClr val="111111"/>
-              </a:solidFill>
-              <a:effectLst/>
-              <a:latin typeface="Roboto" panose="02000000000000000000" pitchFamily="2" charset="0"/>
-            </a:endParaRPr>
-          </a:p>
-          <a:p>
-            <a:r>
-              <a:rPr lang="en-US" dirty="0"/>
-              <a:t>Basically, the same as his PhD thesis</a:t>
-            </a:r>
-          </a:p>
-          <a:p>
-            <a:r>
-              <a:rPr lang="en-US" dirty="0"/>
-              <a:t>Multilingual document representation model based on </a:t>
-            </a:r>
-            <a:r>
-              <a:rPr lang="en-US" dirty="0" err="1"/>
-              <a:t>wordNet</a:t>
-            </a:r>
-            <a:r>
-              <a:rPr lang="en-US" dirty="0"/>
-              <a:t> dictionary. We also apply Latent Semantic Indexing (LSI)</a:t>
-            </a:r>
-          </a:p>
-          <a:p>
-            <a:r>
-              <a:rPr lang="en-US" dirty="0"/>
-              <a:t>Binary and cosine similarity</a:t>
+              <a:t>Radaideh</a:t>
+            </a:r>
+            <a:r>
+              <a:rPr lang="en-US" dirty="0">
+                <a:solidFill>
+                  <a:srgbClr val="FF0000"/>
+                </a:solidFill>
+              </a:rPr>
+              <a:t> and </a:t>
+            </a:r>
+            <a:r>
+              <a:rPr lang="en-US" dirty="0" err="1">
+                <a:solidFill>
+                  <a:srgbClr val="FF0000"/>
+                </a:solidFill>
+              </a:rPr>
+              <a:t>Afif</a:t>
+            </a:r>
+            <a:r>
+              <a:rPr lang="en-US" dirty="0">
+                <a:solidFill>
+                  <a:srgbClr val="FF0000"/>
+                </a:solidFill>
+              </a:rPr>
+              <a:t>  2009) </a:t>
+            </a:r>
+            <a:r>
+              <a:rPr lang="en-US" dirty="0"/>
+              <a:t>ARABIC TEXT SUMMARIZATION USING AGGREGATE SIMILARITY</a:t>
+            </a:r>
+          </a:p>
+          <a:p>
+            <a:r>
+              <a:rPr lang="en-US" dirty="0"/>
+              <a:t>Divide the document into sentences then tokenize.</a:t>
+            </a:r>
+          </a:p>
+          <a:p>
+            <a:r>
+              <a:rPr lang="en-US" dirty="0"/>
+              <a:t>Extract nouns</a:t>
+            </a:r>
+          </a:p>
+          <a:p>
+            <a:r>
+              <a:rPr lang="en-US" dirty="0"/>
+              <a:t>Compute the similarity between each sentence and the whole document based on the similarity between the noun frequency in the sentence and the document using the Inner Product.</a:t>
+            </a:r>
+          </a:p>
+          <a:p>
+            <a:r>
+              <a:rPr lang="en-US" dirty="0"/>
+              <a:t>The summation of all similarities of every sentence (for all nouns in it) represents an Aggregate similarity</a:t>
+            </a:r>
+          </a:p>
+          <a:p>
+            <a:r>
+              <a:rPr lang="en-US" dirty="0"/>
+              <a:t>Based on a user-defined threshold, select the sentences that will be the summary.</a:t>
+            </a:r>
+          </a:p>
+          <a:p>
+            <a:r>
+              <a:rPr lang="en-US" dirty="0"/>
+              <a:t>Works on Arabic docs</a:t>
             </a:r>
           </a:p>
         </p:txBody>
@@ -4014,7 +4027,7 @@
     </p:spTree>
     <p:extLst>
       <p:ext uri="{BB962C8B-B14F-4D97-AF65-F5344CB8AC3E}">
-        <p14:creationId xmlns:p14="http://schemas.microsoft.com/office/powerpoint/2010/main" val="753362141"/>
+        <p14:creationId xmlns:p14="http://schemas.microsoft.com/office/powerpoint/2010/main" val="1538710970"/>
       </p:ext>
     </p:extLst>
   </p:cSld>
@@ -4098,7 +4111,7 @@
         </p:spPr>
         <p:txBody>
           <a:bodyPr>
-            <a:normAutofit fontScale="92500" lnSpcReduction="10000"/>
+            <a:normAutofit/>
           </a:bodyPr>
           <a:lstStyle/>
           <a:p>
@@ -4108,7 +4121,7 @@
                   <a:srgbClr val="FF0000"/>
                 </a:solidFill>
               </a:rPr>
-              <a:t>(Fouad and </a:t>
+              <a:t>(</a:t>
             </a:r>
             <a:r>
               <a:rPr lang="en-US" dirty="0" err="1">
@@ -4116,94 +4129,96 @@
                   <a:srgbClr val="FF0000"/>
                 </a:solidFill>
               </a:rPr>
-              <a:t>Atyah</a:t>
-            </a:r>
-            <a:r>
-              <a:rPr lang="en-US" dirty="0">
-                <a:solidFill>
-                  <a:srgbClr val="FF0000"/>
-                </a:solidFill>
-              </a:rPr>
-              <a:t> 2018) </a:t>
-            </a:r>
-            <a:r>
-              <a:rPr lang="en-US" dirty="0"/>
-              <a:t>Efficient Topic Detection System for Online Arabic News</a:t>
-            </a:r>
-          </a:p>
-          <a:p>
-            <a:r>
-              <a:rPr lang="en-US" dirty="0"/>
-              <a:t>Uses different classification methods. Utilizing the Information Gain, for feature selection and the Naïve Bayes algorithm produced the best results. </a:t>
-            </a:r>
-          </a:p>
-          <a:p>
-            <a:r>
-              <a:rPr lang="en-US" dirty="0"/>
-              <a:t>The aim is to automate the work in the news agencies</a:t>
-            </a:r>
-          </a:p>
-          <a:p>
-            <a:r>
-              <a:rPr lang="en-US" dirty="0">
-                <a:solidFill>
-                  <a:srgbClr val="FF0000"/>
-                </a:solidFill>
-              </a:rPr>
-              <a:t>(Thompson and Bowerman 2017) </a:t>
-            </a:r>
-            <a:r>
-              <a:rPr lang="en-US" dirty="0"/>
-              <a:t>Detecting Cross-Lingual Plagiarism Using Simulated Word Embeddings</a:t>
-            </a:r>
-          </a:p>
-          <a:p>
-            <a:r>
-              <a:rPr lang="en-US" dirty="0"/>
-              <a:t>Does it by predicting an Internet Translator output (with </a:t>
+              <a:t>Zweigenbaum</a:t>
+            </a:r>
+            <a:r>
+              <a:rPr lang="en-US" dirty="0">
+                <a:solidFill>
+                  <a:srgbClr val="FF0000"/>
+                </a:solidFill>
+              </a:rPr>
+              <a:t> et. al. 2018) </a:t>
+            </a:r>
+            <a:r>
+              <a:rPr lang="en-US" dirty="0"/>
+              <a:t>Overview of the Third BUCC Shared Task: Spotting Parallel Sentences in Comparable Corpora</a:t>
+            </a:r>
+          </a:p>
+          <a:p>
+            <a:r>
+              <a:rPr lang="en-US" dirty="0"/>
+              <a:t>Arabic isn’t one of the 5 selected languages (English, Chinese, German, French, and Russian)</a:t>
+            </a:r>
+          </a:p>
+          <a:p>
+            <a:r>
+              <a:rPr lang="en-US" dirty="0">
+                <a:solidFill>
+                  <a:srgbClr val="FF0000"/>
+                </a:solidFill>
+              </a:rPr>
+              <a:t>(Saad et. al. 2013) </a:t>
+            </a:r>
+            <a:r>
+              <a:rPr lang="en-US" b="0" i="0" dirty="0">
+                <a:solidFill>
+                  <a:srgbClr val="111111"/>
+                </a:solidFill>
+                <a:effectLst/>
+                <a:latin typeface="Roboto" panose="02000000000000000000" pitchFamily="2" charset="0"/>
+              </a:rPr>
+              <a:t>Extracting Comparable Articles from Wikipedia and Measuring their </a:t>
+            </a:r>
+            <a:r>
+              <a:rPr lang="en-US" b="0" i="0" dirty="0" err="1">
+                <a:solidFill>
+                  <a:srgbClr val="111111"/>
+                </a:solidFill>
+                <a:effectLst/>
+                <a:latin typeface="Roboto" panose="02000000000000000000" pitchFamily="2" charset="0"/>
+              </a:rPr>
+              <a:t>Comparabilities</a:t>
+            </a:r>
+            <a:endParaRPr lang="en-US" b="0" i="0" dirty="0">
+              <a:solidFill>
+                <a:srgbClr val="111111"/>
+              </a:solidFill>
+              <a:effectLst/>
+              <a:latin typeface="Roboto" panose="02000000000000000000" pitchFamily="2" charset="0"/>
+            </a:endParaRPr>
+          </a:p>
+          <a:p>
+            <a:r>
+              <a:rPr lang="en-US" dirty="0"/>
+              <a:t>Basically, the same as his PhD thesis</a:t>
+            </a:r>
+          </a:p>
+          <a:p>
+            <a:r>
+              <a:rPr lang="en-US" dirty="0"/>
+              <a:t>Multilingual document representation model based on </a:t>
             </a:r>
             <a:r>
               <a:rPr lang="en-US" dirty="0" err="1"/>
-              <a:t>Synnonyms</a:t>
-            </a:r>
-            <a:r>
-              <a:rPr lang="en-US" dirty="0"/>
-              <a:t>)</a:t>
-            </a:r>
-          </a:p>
-          <a:p>
-            <a:r>
-              <a:rPr lang="en-US" dirty="0"/>
-              <a:t>Does not require a parallel/comparable corpus or an internet translator</a:t>
-            </a:r>
-          </a:p>
-          <a:p>
-            <a:r>
-              <a:rPr lang="en-US" dirty="0"/>
-              <a:t>Uses Google Translate to build a dictionary, then build an offline MTM</a:t>
-            </a:r>
-          </a:p>
-          <a:p>
-            <a:r>
-              <a:rPr lang="en-US" dirty="0"/>
-              <a:t>Uses Word2vec and BOW</a:t>
-            </a:r>
-          </a:p>
-          <a:p>
-            <a:r>
-              <a:rPr lang="en-US" dirty="0"/>
-              <a:t>https://arxiv.org/ftp/arxiv/papers/1712/1712.10190.pdf</a:t>
-            </a:r>
-          </a:p>
-          <a:p>
-            <a:endParaRPr lang="en-US" dirty="0"/>
+              <a:t>wordNet</a:t>
+            </a:r>
+            <a:r>
+              <a:rPr lang="en-US" dirty="0"/>
+              <a:t> dictionary. We also apply Latent Semantic Indexing (LSI)</a:t>
+            </a:r>
+          </a:p>
+          <a:p>
+            <a:r>
+              <a:rPr lang="en-US" dirty="0"/>
+              <a:t>Binary and cosine similarity</a:t>
+            </a:r>
           </a:p>
         </p:txBody>
       </p:sp>
     </p:spTree>
     <p:extLst>
       <p:ext uri="{BB962C8B-B14F-4D97-AF65-F5344CB8AC3E}">
-        <p14:creationId xmlns:p14="http://schemas.microsoft.com/office/powerpoint/2010/main" val="2949273229"/>
+        <p14:creationId xmlns:p14="http://schemas.microsoft.com/office/powerpoint/2010/main" val="753362141"/>
       </p:ext>
     </p:extLst>
   </p:cSld>
@@ -4235,7 +4250,7 @@
           <p:cNvPr id="2" name="Title 1">
             <a:extLst>
               <a:ext uri="{FF2B5EF4-FFF2-40B4-BE49-F238E27FC236}">
-                <a16:creationId xmlns:a16="http://schemas.microsoft.com/office/drawing/2014/main" id="{19EC342C-AA3C-4648-98BE-FD6C7F164C39}"/>
+                <a16:creationId xmlns:a16="http://schemas.microsoft.com/office/drawing/2014/main" id="{F71B79FD-0FA2-4793-84FE-A0D4AF52FF90}"/>
               </a:ext>
             </a:extLst>
           </p:cNvPr>
@@ -4244,45 +4259,50 @@
           </p:cNvSpPr>
           <p:nvPr>
             <p:ph type="title"/>
-          </p:nvPr>
-        </p:nvSpPr>
-        <p:spPr/>
-        <p:txBody>
-          <a:bodyPr/>
-          <a:lstStyle/>
-          <a:p>
-            <a:r>
-              <a:rPr lang="en-US" dirty="0"/>
-              <a:t>Related Work: 3. Docs/News Similarity</a:t>
-            </a:r>
-          </a:p>
-        </p:txBody>
-      </p:sp>
-      <p:sp>
-        <p:nvSpPr>
-          <p:cNvPr id="3" name="Content Placeholder 2">
-            <a:extLst>
-              <a:ext uri="{FF2B5EF4-FFF2-40B4-BE49-F238E27FC236}">
-                <a16:creationId xmlns:a16="http://schemas.microsoft.com/office/drawing/2014/main" id="{5767A250-7175-4F3F-8FB6-89C751B09A20}"/>
-              </a:ext>
-            </a:extLst>
-          </p:cNvPr>
-          <p:cNvSpPr>
-            <a:spLocks noGrp="1"/>
-          </p:cNvSpPr>
-          <p:nvPr>
-            <p:ph idx="1"/>
           </p:nvPr>
         </p:nvSpPr>
         <p:spPr>
           <a:xfrm>
-            <a:off x="345233" y="1408922"/>
-            <a:ext cx="11336694" cy="5169160"/>
+            <a:off x="681135" y="365125"/>
+            <a:ext cx="11206065" cy="1325563"/>
           </a:xfrm>
         </p:spPr>
         <p:txBody>
+          <a:bodyPr/>
+          <a:lstStyle/>
+          <a:p>
+            <a:r>
+              <a:rPr lang="en-US" dirty="0"/>
+              <a:t>Related Work: 3. Docs/News Similarity</a:t>
+            </a:r>
+          </a:p>
+        </p:txBody>
+      </p:sp>
+      <p:sp>
+        <p:nvSpPr>
+          <p:cNvPr id="3" name="Content Placeholder 2">
+            <a:extLst>
+              <a:ext uri="{FF2B5EF4-FFF2-40B4-BE49-F238E27FC236}">
+                <a16:creationId xmlns:a16="http://schemas.microsoft.com/office/drawing/2014/main" id="{12D94D22-8A38-4CB6-AA07-18FB6B3033DA}"/>
+              </a:ext>
+            </a:extLst>
+          </p:cNvPr>
+          <p:cNvSpPr>
+            <a:spLocks noGrp="1"/>
+          </p:cNvSpPr>
+          <p:nvPr>
+            <p:ph idx="1"/>
+          </p:nvPr>
+        </p:nvSpPr>
+        <p:spPr>
+          <a:xfrm>
+            <a:off x="838200" y="1576873"/>
+            <a:ext cx="10515600" cy="5150498"/>
+          </a:xfrm>
+        </p:spPr>
+        <p:txBody>
           <a:bodyPr>
-            <a:normAutofit lnSpcReduction="10000"/>
+            <a:normAutofit fontScale="92500" lnSpcReduction="10000"/>
           </a:bodyPr>
           <a:lstStyle/>
           <a:p>
@@ -4292,7 +4312,7 @@
                   <a:srgbClr val="FF0000"/>
                 </a:solidFill>
               </a:rPr>
-              <a:t>(</a:t>
+              <a:t>(Fouad and </a:t>
             </a:r>
             <a:r>
               <a:rPr lang="en-US" dirty="0" err="1">
@@ -4300,89 +4320,83 @@
                   <a:srgbClr val="FF0000"/>
                 </a:solidFill>
               </a:rPr>
-              <a:t>Kanan</a:t>
-            </a:r>
-            <a:r>
-              <a:rPr lang="en-US" dirty="0">
-                <a:solidFill>
-                  <a:srgbClr val="FF0000"/>
-                </a:solidFill>
-              </a:rPr>
-              <a:t> 2015 Ph.D. Dissertation) </a:t>
-            </a:r>
-            <a:r>
-              <a:rPr lang="en-US" b="0" i="0" dirty="0">
-                <a:solidFill>
-                  <a:srgbClr val="111111"/>
-                </a:solidFill>
-                <a:effectLst/>
-                <a:latin typeface="Roboto" panose="02000000000000000000" pitchFamily="2" charset="0"/>
-              </a:rPr>
-              <a:t>Arabic News Text Classification and Summarization: A Case of the Electronic Library Institute </a:t>
-            </a:r>
-            <a:r>
-              <a:rPr lang="en-US" b="0" i="0" dirty="0" err="1">
-                <a:solidFill>
-                  <a:srgbClr val="111111"/>
-                </a:solidFill>
-                <a:effectLst/>
-                <a:latin typeface="Roboto" panose="02000000000000000000" pitchFamily="2" charset="0"/>
-              </a:rPr>
-              <a:t>SeerQ</a:t>
-            </a:r>
-            <a:r>
-              <a:rPr lang="en-US" b="0" i="0" dirty="0">
-                <a:solidFill>
-                  <a:srgbClr val="111111"/>
-                </a:solidFill>
-                <a:effectLst/>
-                <a:latin typeface="Roboto" panose="02000000000000000000" pitchFamily="2" charset="0"/>
-              </a:rPr>
-              <a:t> (ELISQ)</a:t>
-            </a:r>
-          </a:p>
-          <a:p>
-            <a:r>
-              <a:rPr lang="en-US" dirty="0"/>
-              <a:t>Introduced a new light stemmer for Arabic</a:t>
-            </a:r>
-          </a:p>
-          <a:p>
-            <a:r>
-              <a:rPr lang="en-US" dirty="0"/>
-              <a:t>Built a taxonomy for Arabic news</a:t>
-            </a:r>
-          </a:p>
-          <a:p>
-            <a:r>
-              <a:rPr lang="en-US" dirty="0"/>
-              <a:t>Automatic classification (Binary SVM produced best results)</a:t>
-            </a:r>
-          </a:p>
-          <a:p>
-            <a:r>
-              <a:rPr lang="en-US" dirty="0"/>
-              <a:t>Add labels to articles from taxonomy (metadata)</a:t>
-            </a:r>
-          </a:p>
-          <a:p>
-            <a:r>
-              <a:rPr lang="en-US" dirty="0"/>
-              <a:t>Due to the lack of high quality Arabic NER tools, two new tools were constructed: </a:t>
+              <a:t>Atyah</a:t>
+            </a:r>
+            <a:r>
+              <a:rPr lang="en-US" dirty="0">
+                <a:solidFill>
+                  <a:srgbClr val="FF0000"/>
+                </a:solidFill>
+              </a:rPr>
+              <a:t> 2018) </a:t>
+            </a:r>
+            <a:r>
+              <a:rPr lang="en-US" dirty="0"/>
+              <a:t>Efficient Topic Detection System for Online Arabic News</a:t>
+            </a:r>
+          </a:p>
+          <a:p>
+            <a:r>
+              <a:rPr lang="en-US" dirty="0"/>
+              <a:t>Uses different classification methods. Utilizing the Information Gain, for feature selection and the Naïve Bayes algorithm produced the best results. </a:t>
+            </a:r>
+          </a:p>
+          <a:p>
+            <a:r>
+              <a:rPr lang="en-US" dirty="0"/>
+              <a:t>The aim is to automate the work in the news agencies</a:t>
+            </a:r>
+          </a:p>
+          <a:p>
+            <a:r>
+              <a:rPr lang="en-US" dirty="0">
+                <a:solidFill>
+                  <a:srgbClr val="FF0000"/>
+                </a:solidFill>
+              </a:rPr>
+              <a:t>(Thompson and Bowerman 2017) </a:t>
+            </a:r>
+            <a:r>
+              <a:rPr lang="en-US" dirty="0"/>
+              <a:t>Detecting Cross-Lingual Plagiarism Using Simulated Word Embeddings</a:t>
+            </a:r>
+          </a:p>
+          <a:p>
+            <a:r>
+              <a:rPr lang="en-US" dirty="0"/>
+              <a:t>Does it by predicting an Internet Translator output (with </a:t>
             </a:r>
             <a:r>
               <a:rPr lang="en-US" dirty="0" err="1"/>
-              <a:t>RenA</a:t>
-            </a:r>
-            <a:r>
-              <a:rPr lang="en-US" dirty="0"/>
-              <a:t> for Arabic NER, and ALDA for Arabic topic extraction (using the Latent Dirichlet Algorithm)</a:t>
-            </a:r>
-          </a:p>
-          <a:p>
-            <a:r>
-              <a:rPr lang="en-US" dirty="0"/>
-              <a:t>https://www.proquest.com/openview/891d08260d65ff8175ab3582c219398a/1?pq-origsite=gscholar&amp;cbl=18750</a:t>
+              <a:t>Synnonyms</a:t>
+            </a:r>
+            <a:r>
+              <a:rPr lang="en-US" dirty="0"/>
+              <a:t>)</a:t>
+            </a:r>
+          </a:p>
+          <a:p>
+            <a:r>
+              <a:rPr lang="en-US" dirty="0"/>
+              <a:t>Does not require a parallel/comparable corpus or an internet translator</a:t>
+            </a:r>
+          </a:p>
+          <a:p>
+            <a:r>
+              <a:rPr lang="en-US" dirty="0"/>
+              <a:t>Uses Google Translate to build a dictionary, then build an offline MTM</a:t>
+            </a:r>
+          </a:p>
+          <a:p>
+            <a:r>
+              <a:rPr lang="en-US" dirty="0"/>
+              <a:t>Uses Word2vec and BOW</a:t>
+            </a:r>
+          </a:p>
+          <a:p>
+            <a:r>
+              <a:rPr lang="en-US" dirty="0"/>
+              <a:t>https://arxiv.org/ftp/arxiv/papers/1712/1712.10190.pdf</a:t>
             </a:r>
           </a:p>
           <a:p>
@@ -4393,7 +4407,7 @@
     </p:spTree>
     <p:extLst>
       <p:ext uri="{BB962C8B-B14F-4D97-AF65-F5344CB8AC3E}">
-        <p14:creationId xmlns:p14="http://schemas.microsoft.com/office/powerpoint/2010/main" val="2923181437"/>
+        <p14:creationId xmlns:p14="http://schemas.microsoft.com/office/powerpoint/2010/main" val="2949273229"/>
       </p:ext>
     </p:extLst>
   </p:cSld>
@@ -4425,7 +4439,7 @@
           <p:cNvPr id="2" name="Title 1">
             <a:extLst>
               <a:ext uri="{FF2B5EF4-FFF2-40B4-BE49-F238E27FC236}">
-                <a16:creationId xmlns:a16="http://schemas.microsoft.com/office/drawing/2014/main" id="{F71B79FD-0FA2-4793-84FE-A0D4AF52FF90}"/>
+                <a16:creationId xmlns:a16="http://schemas.microsoft.com/office/drawing/2014/main" id="{19EC342C-AA3C-4648-98BE-FD6C7F164C39}"/>
               </a:ext>
             </a:extLst>
           </p:cNvPr>
@@ -4434,165 +4448,156 @@
           </p:cNvSpPr>
           <p:nvPr>
             <p:ph type="title"/>
+          </p:nvPr>
+        </p:nvSpPr>
+        <p:spPr/>
+        <p:txBody>
+          <a:bodyPr/>
+          <a:lstStyle/>
+          <a:p>
+            <a:r>
+              <a:rPr lang="en-US" dirty="0"/>
+              <a:t>Related Work: 3. Docs/News Similarity</a:t>
+            </a:r>
+          </a:p>
+        </p:txBody>
+      </p:sp>
+      <p:sp>
+        <p:nvSpPr>
+          <p:cNvPr id="3" name="Content Placeholder 2">
+            <a:extLst>
+              <a:ext uri="{FF2B5EF4-FFF2-40B4-BE49-F238E27FC236}">
+                <a16:creationId xmlns:a16="http://schemas.microsoft.com/office/drawing/2014/main" id="{5767A250-7175-4F3F-8FB6-89C751B09A20}"/>
+              </a:ext>
+            </a:extLst>
+          </p:cNvPr>
+          <p:cNvSpPr>
+            <a:spLocks noGrp="1"/>
+          </p:cNvSpPr>
+          <p:nvPr>
+            <p:ph idx="1"/>
           </p:nvPr>
         </p:nvSpPr>
         <p:spPr>
           <a:xfrm>
-            <a:off x="681135" y="365125"/>
-            <a:ext cx="11206065" cy="1325563"/>
+            <a:off x="345233" y="1408922"/>
+            <a:ext cx="11336694" cy="5169160"/>
           </a:xfrm>
         </p:spPr>
         <p:txBody>
-          <a:bodyPr/>
-          <a:lstStyle/>
-          <a:p>
-            <a:r>
-              <a:rPr lang="en-US" dirty="0"/>
-              <a:t>Related Work: 3. Docs/News Similarity</a:t>
-            </a:r>
-          </a:p>
-        </p:txBody>
-      </p:sp>
-      <p:sp>
-        <p:nvSpPr>
-          <p:cNvPr id="3" name="Content Placeholder 2">
-            <a:extLst>
-              <a:ext uri="{FF2B5EF4-FFF2-40B4-BE49-F238E27FC236}">
-                <a16:creationId xmlns:a16="http://schemas.microsoft.com/office/drawing/2014/main" id="{12D94D22-8A38-4CB6-AA07-18FB6B3033DA}"/>
-              </a:ext>
-            </a:extLst>
-          </p:cNvPr>
-          <p:cNvSpPr>
-            <a:spLocks noGrp="1"/>
-          </p:cNvSpPr>
-          <p:nvPr>
-            <p:ph idx="1"/>
-          </p:nvPr>
-        </p:nvSpPr>
-        <p:spPr>
-          <a:xfrm>
-            <a:off x="550505" y="1576872"/>
-            <a:ext cx="11206065" cy="5281127"/>
-          </a:xfrm>
-        </p:spPr>
-        <p:txBody>
           <a:bodyPr>
-            <a:normAutofit fontScale="92500" lnSpcReduction="10000"/>
+            <a:normAutofit lnSpcReduction="10000"/>
           </a:bodyPr>
           <a:lstStyle/>
           <a:p>
             <a:r>
-              <a:rPr lang="en-US" dirty="0"/>
+              <a:rPr lang="en-US" dirty="0">
+                <a:solidFill>
+                  <a:srgbClr val="FF0000"/>
+                </a:solidFill>
+              </a:rPr>
               <a:t>(</a:t>
             </a:r>
             <a:r>
+              <a:rPr lang="en-US" dirty="0" err="1">
+                <a:solidFill>
+                  <a:srgbClr val="FF0000"/>
+                </a:solidFill>
+              </a:rPr>
+              <a:t>Kanan</a:t>
+            </a:r>
+            <a:r>
+              <a:rPr lang="en-US" dirty="0">
+                <a:solidFill>
+                  <a:srgbClr val="FF0000"/>
+                </a:solidFill>
+              </a:rPr>
+              <a:t> 2015 Ph.D. Dissertation) </a:t>
+            </a:r>
+            <a:r>
+              <a:rPr lang="en-US" b="0" i="0" dirty="0">
+                <a:solidFill>
+                  <a:srgbClr val="111111"/>
+                </a:solidFill>
+                <a:effectLst/>
+                <a:latin typeface="Roboto" panose="02000000000000000000" pitchFamily="2" charset="0"/>
+              </a:rPr>
+              <a:t>Arabic News Text Classification and Summarization: A Case of the Electronic Library Institute </a:t>
+            </a:r>
+            <a:r>
+              <a:rPr lang="en-US" b="0" i="0" dirty="0" err="1">
+                <a:solidFill>
+                  <a:srgbClr val="111111"/>
+                </a:solidFill>
+                <a:effectLst/>
+                <a:latin typeface="Roboto" panose="02000000000000000000" pitchFamily="2" charset="0"/>
+              </a:rPr>
+              <a:t>SeerQ</a:t>
+            </a:r>
+            <a:r>
+              <a:rPr lang="en-US" b="0" i="0" dirty="0">
+                <a:solidFill>
+                  <a:srgbClr val="111111"/>
+                </a:solidFill>
+                <a:effectLst/>
+                <a:latin typeface="Roboto" panose="02000000000000000000" pitchFamily="2" charset="0"/>
+              </a:rPr>
+              <a:t> (ELISQ)</a:t>
+            </a:r>
+          </a:p>
+          <a:p>
+            <a:r>
+              <a:rPr lang="en-US" dirty="0"/>
+              <a:t>Introduced a new light stemmer for Arabic</a:t>
+            </a:r>
+          </a:p>
+          <a:p>
+            <a:r>
+              <a:rPr lang="en-US" dirty="0"/>
+              <a:t>Built a taxonomy for Arabic news</a:t>
+            </a:r>
+          </a:p>
+          <a:p>
+            <a:r>
+              <a:rPr lang="en-US" dirty="0"/>
+              <a:t>Automatic classification (Binary SVM produced best results)</a:t>
+            </a:r>
+          </a:p>
+          <a:p>
+            <a:r>
+              <a:rPr lang="en-US" dirty="0"/>
+              <a:t>Add labels to articles from taxonomy (metadata)</a:t>
+            </a:r>
+          </a:p>
+          <a:p>
+            <a:r>
+              <a:rPr lang="en-US" dirty="0"/>
+              <a:t>Due to the lack of high quality Arabic NER tools, two new tools were constructed: </a:t>
+            </a:r>
+            <a:r>
               <a:rPr lang="en-US" dirty="0" err="1"/>
-              <a:t>Alian</a:t>
-            </a:r>
-            <a:r>
-              <a:rPr lang="en-US" dirty="0"/>
-              <a:t> and </a:t>
-            </a:r>
-            <a:r>
-              <a:rPr lang="en-US" dirty="0" err="1"/>
-              <a:t>Awajan</a:t>
-            </a:r>
-            <a:r>
-              <a:rPr lang="en-US" dirty="0"/>
-              <a:t> 2018): Arabic Semantic Similarity Approaches – Review</a:t>
-            </a:r>
-          </a:p>
-          <a:p>
-            <a:r>
-              <a:rPr lang="en-US" dirty="0"/>
-              <a:t>Have not read these papers yet.</a:t>
-            </a:r>
-          </a:p>
-          <a:p>
-            <a:r>
-              <a:rPr lang="en-US" dirty="0">
-                <a:solidFill>
-                  <a:srgbClr val="FF0000"/>
-                </a:solidFill>
-              </a:rPr>
-              <a:t>(Ehsan et al., 2016) </a:t>
-            </a:r>
-            <a:r>
-              <a:rPr lang="en-US" dirty="0"/>
-              <a:t>Using a dictionary and n-gram alignment to improve fine-grained cross-language plagiarism detection</a:t>
-            </a:r>
-          </a:p>
-          <a:p>
-            <a:r>
-              <a:rPr lang="en-US" dirty="0"/>
-              <a:t>https://dl.acm.org/doi/pdf/10.1145/2960811.2960817</a:t>
+              <a:t>RenA</a:t>
+            </a:r>
+            <a:r>
+              <a:rPr lang="en-US" dirty="0"/>
+              <a:t> for Arabic NER, and ALDA for Arabic topic extraction (using the Latent Dirichlet Algorithm)</a:t>
+            </a:r>
+          </a:p>
+          <a:p>
+            <a:r>
+              <a:rPr lang="en-US" dirty="0"/>
+              <a:t>https://www.proquest.com/openview/891d08260d65ff8175ab3582c219398a/1?pq-origsite=gscholar&amp;cbl=18750</a:t>
             </a:r>
           </a:p>
           <a:p>
             <a:endParaRPr lang="en-US" dirty="0"/>
-          </a:p>
-          <a:p>
-            <a:r>
-              <a:rPr lang="en-US" dirty="0">
-                <a:solidFill>
-                  <a:srgbClr val="FF0000"/>
-                </a:solidFill>
-              </a:rPr>
-              <a:t>(Ferrero et al., 2017) </a:t>
-            </a:r>
-            <a:r>
-              <a:rPr lang="en-US" dirty="0"/>
-              <a:t>Using Word Embedding for Cross Language Plagiarism Detection</a:t>
-            </a:r>
-          </a:p>
-          <a:p>
-            <a:r>
-              <a:rPr lang="en-US" dirty="0"/>
-              <a:t>Uses Machine Translation to construct part of the dataset</a:t>
-            </a:r>
-          </a:p>
-          <a:p>
-            <a:r>
-              <a:rPr lang="en-US" dirty="0">
-                <a:solidFill>
-                  <a:srgbClr val="FF0000"/>
-                </a:solidFill>
-              </a:rPr>
-              <a:t>(</a:t>
-            </a:r>
-            <a:r>
-              <a:rPr lang="en-US" dirty="0" err="1">
-                <a:solidFill>
-                  <a:srgbClr val="FF0000"/>
-                </a:solidFill>
-              </a:rPr>
-              <a:t>Barrón</a:t>
-            </a:r>
-            <a:r>
-              <a:rPr lang="en-US" dirty="0">
-                <a:solidFill>
-                  <a:srgbClr val="FF0000"/>
-                </a:solidFill>
-              </a:rPr>
-              <a:t>-Cedeño et al., 2013) </a:t>
-            </a:r>
-            <a:r>
-              <a:rPr lang="en-US" dirty="0"/>
-              <a:t>Plagiarism Meets Paraphrasing: Insights for the Next Generation in Automatic Plagiarism Detection</a:t>
-            </a:r>
-          </a:p>
-          <a:p>
-            <a:r>
-              <a:rPr lang="en-US" dirty="0"/>
-              <a:t>Using Machine Translation (Google Translate) outperformed all other plagiarism detection methods</a:t>
-            </a:r>
           </a:p>
         </p:txBody>
       </p:sp>
     </p:spTree>
     <p:extLst>
       <p:ext uri="{BB962C8B-B14F-4D97-AF65-F5344CB8AC3E}">
-        <p14:creationId xmlns:p14="http://schemas.microsoft.com/office/powerpoint/2010/main" val="2407600856"/>
+        <p14:creationId xmlns:p14="http://schemas.microsoft.com/office/powerpoint/2010/main" val="2923181437"/>
       </p:ext>
     </p:extLst>
   </p:cSld>
@@ -4670,149 +4675,128 @@
         </p:nvSpPr>
         <p:spPr>
           <a:xfrm>
-            <a:off x="838200" y="1576873"/>
-            <a:ext cx="10515600" cy="5150498"/>
+            <a:off x="550505" y="1576872"/>
+            <a:ext cx="11206065" cy="5281127"/>
           </a:xfrm>
         </p:spPr>
         <p:txBody>
           <a:bodyPr>
-            <a:normAutofit/>
+            <a:normAutofit fontScale="92500" lnSpcReduction="20000"/>
           </a:bodyPr>
           <a:lstStyle/>
           <a:p>
             <a:r>
-              <a:rPr lang="en-US" b="0" i="0" dirty="0">
-                <a:solidFill>
-                  <a:srgbClr val="FF0000"/>
-                </a:solidFill>
-                <a:effectLst/>
-                <a:latin typeface="NexusSerif"/>
-              </a:rPr>
+              <a:rPr lang="en-US" dirty="0"/>
               <a:t>(</a:t>
             </a:r>
             <a:r>
-              <a:rPr lang="en-US" b="0" i="0" dirty="0" err="1">
-                <a:solidFill>
-                  <a:srgbClr val="FF0000"/>
-                </a:solidFill>
-                <a:effectLst/>
-                <a:latin typeface="NexusSans"/>
-              </a:rPr>
-              <a:t>Sree</a:t>
-            </a:r>
-            <a:r>
-              <a:rPr lang="en-US" b="0" i="0" dirty="0">
-                <a:solidFill>
-                  <a:srgbClr val="FF0000"/>
-                </a:solidFill>
-                <a:effectLst/>
-                <a:latin typeface="NexusSans"/>
-              </a:rPr>
-              <a:t> Ram Kiran Nag et. al. 2021) </a:t>
-            </a:r>
-            <a:r>
-              <a:rPr lang="en-US" b="0" i="0" dirty="0">
-                <a:solidFill>
-                  <a:srgbClr val="505050"/>
-                </a:solidFill>
-                <a:effectLst/>
-                <a:latin typeface="NexusSerif"/>
-              </a:rPr>
-              <a:t>Comparative and experimental study in identifying the similarity between languages for plagiarism detection and efficient language translation</a:t>
-            </a:r>
-          </a:p>
-          <a:p>
-            <a:r>
-              <a:rPr lang="en-US" dirty="0">
-                <a:solidFill>
-                  <a:srgbClr val="505050"/>
-                </a:solidFill>
-                <a:latin typeface="NexusSerif"/>
-              </a:rPr>
-              <a:t>Full text: file:///C:/Users/hhallak/Desktop/kirannag2021.pdf</a:t>
-            </a:r>
-          </a:p>
-          <a:p>
-            <a:r>
-              <a:rPr lang="en-US" b="0" i="0" dirty="0">
-                <a:solidFill>
-                  <a:srgbClr val="FF0000"/>
-                </a:solidFill>
-                <a:effectLst/>
-                <a:latin typeface="NexusSerif"/>
+              <a:rPr lang="en-US" dirty="0" err="1"/>
+              <a:t>Alian</a:t>
+            </a:r>
+            <a:r>
+              <a:rPr lang="en-US" dirty="0"/>
+              <a:t> and </a:t>
+            </a:r>
+            <a:r>
+              <a:rPr lang="en-US" dirty="0" err="1"/>
+              <a:t>Awajan</a:t>
+            </a:r>
+            <a:r>
+              <a:rPr lang="en-US" dirty="0"/>
+              <a:t> 2018): Arabic Semantic Similarity Approaches – Review</a:t>
+            </a:r>
+          </a:p>
+          <a:p>
+            <a:r>
+              <a:rPr lang="en-US" dirty="0"/>
+              <a:t>file:///C:/Users/hhallak/Downloads/arabicsemanticsimilarityapproaches-review%20(1).pdf</a:t>
+            </a:r>
+          </a:p>
+          <a:p>
+            <a:r>
+              <a:rPr lang="en-US" dirty="0">
+                <a:solidFill>
+                  <a:srgbClr val="FF0000"/>
+                </a:solidFill>
+              </a:rPr>
+              <a:t>(Ehsan et al., 2016) </a:t>
+            </a:r>
+            <a:r>
+              <a:rPr lang="en-US" dirty="0"/>
+              <a:t>Using a dictionary and n-gram alignment to improve fine-grained cross-language plagiarism detection</a:t>
+            </a:r>
+          </a:p>
+          <a:p>
+            <a:r>
+              <a:rPr lang="en-US" dirty="0"/>
+              <a:t>https://dl.acm.org/doi/pdf/10.1145/2960811.2960817</a:t>
+            </a:r>
+          </a:p>
+          <a:p>
+            <a:endParaRPr lang="en-US" dirty="0"/>
+          </a:p>
+          <a:p>
+            <a:r>
+              <a:rPr lang="en-US" dirty="0">
+                <a:solidFill>
+                  <a:srgbClr val="FF0000"/>
+                </a:solidFill>
+              </a:rPr>
+              <a:t>(Ferrero et al., 2017) </a:t>
+            </a:r>
+            <a:r>
+              <a:rPr lang="en-US" dirty="0"/>
+              <a:t>Using Word Embedding for Cross Language Plagiarism Detection</a:t>
+            </a:r>
+          </a:p>
+          <a:p>
+            <a:r>
+              <a:rPr lang="en-US" dirty="0"/>
+              <a:t>Uses Machine Translation to construct part of the dataset</a:t>
+            </a:r>
+          </a:p>
+          <a:p>
+            <a:r>
+              <a:rPr lang="en-US" dirty="0">
+                <a:solidFill>
+                  <a:srgbClr val="FF0000"/>
+                </a:solidFill>
               </a:rPr>
               <a:t>(</a:t>
             </a:r>
             <a:r>
-              <a:rPr lang="en-US" b="0" i="0" dirty="0">
-                <a:solidFill>
-                  <a:srgbClr val="FF0000"/>
-                </a:solidFill>
-                <a:effectLst/>
-                <a:latin typeface="Arial" panose="020B0604020202020204" pitchFamily="34" charset="0"/>
-              </a:rPr>
-              <a:t>Abu </a:t>
-            </a:r>
-            <a:r>
-              <a:rPr lang="en-US" b="0" i="0" dirty="0" err="1">
-                <a:solidFill>
-                  <a:srgbClr val="FF0000"/>
-                </a:solidFill>
-                <a:effectLst/>
-                <a:latin typeface="Arial" panose="020B0604020202020204" pitchFamily="34" charset="0"/>
-              </a:rPr>
-              <a:t>Kwaik</a:t>
-            </a:r>
-            <a:r>
-              <a:rPr lang="en-US" b="0" i="0" dirty="0">
-                <a:solidFill>
-                  <a:srgbClr val="FF0000"/>
-                </a:solidFill>
-                <a:effectLst/>
-                <a:latin typeface="NexusSerif"/>
-              </a:rPr>
-              <a:t> 20</a:t>
-            </a:r>
-            <a:r>
-              <a:rPr lang="en-US" dirty="0">
-                <a:solidFill>
-                  <a:srgbClr val="FF0000"/>
-                </a:solidFill>
-                <a:latin typeface="NexusSerif"/>
-              </a:rPr>
-              <a:t>20) </a:t>
-            </a:r>
-            <a:r>
-              <a:rPr lang="en-US" dirty="0">
-                <a:solidFill>
-                  <a:srgbClr val="505050"/>
-                </a:solidFill>
-                <a:latin typeface="NexusSerif"/>
-              </a:rPr>
-              <a:t>An Arabic Tweets Sentiment Analysis Dataset (ATSAD) using Distant Supervision and Self Training</a:t>
-            </a:r>
-          </a:p>
-          <a:p>
-            <a:r>
-              <a:rPr lang="en-US" b="0" i="0" dirty="0">
-                <a:solidFill>
-                  <a:srgbClr val="505050"/>
-                </a:solidFill>
-                <a:effectLst/>
-                <a:latin typeface="NexusSerif"/>
-              </a:rPr>
-              <a:t>Might be good for future work (identifying positive and negative news articles).</a:t>
-            </a:r>
-          </a:p>
-          <a:p>
-            <a:endParaRPr lang="en-US" dirty="0"/>
+              <a:rPr lang="en-US" dirty="0" err="1">
+                <a:solidFill>
+                  <a:srgbClr val="FF0000"/>
+                </a:solidFill>
+              </a:rPr>
+              <a:t>Barrón</a:t>
+            </a:r>
+            <a:r>
+              <a:rPr lang="en-US" dirty="0">
+                <a:solidFill>
+                  <a:srgbClr val="FF0000"/>
+                </a:solidFill>
+              </a:rPr>
+              <a:t>-Cedeño et al., 2013) </a:t>
+            </a:r>
+            <a:r>
+              <a:rPr lang="en-US" dirty="0"/>
+              <a:t>Plagiarism Meets Paraphrasing: Insights for the Next Generation in Automatic Plagiarism Detection</a:t>
+            </a:r>
+          </a:p>
+          <a:p>
+            <a:r>
+              <a:rPr lang="en-US" dirty="0"/>
+              <a:t>Using Machine Translation (Google Translate) outperformed all other plagiarism detection methods</a:t>
+            </a:r>
           </a:p>
         </p:txBody>
       </p:sp>
     </p:spTree>
     <p:extLst>
       <p:ext uri="{BB962C8B-B14F-4D97-AF65-F5344CB8AC3E}">
-        <p14:creationId xmlns:p14="http://schemas.microsoft.com/office/powerpoint/2010/main" val="1932319547"/>
+        <p14:creationId xmlns:p14="http://schemas.microsoft.com/office/powerpoint/2010/main" val="2407600856"/>
       </p:ext>
     </p:extLst>
   </p:cSld>
@@ -4844,7 +4828,7 @@
           <p:cNvPr id="2" name="Title 1">
             <a:extLst>
               <a:ext uri="{FF2B5EF4-FFF2-40B4-BE49-F238E27FC236}">
-                <a16:creationId xmlns:a16="http://schemas.microsoft.com/office/drawing/2014/main" id="{3A86496D-E279-49AF-A52A-6FB73B341038}"/>
+                <a16:creationId xmlns:a16="http://schemas.microsoft.com/office/drawing/2014/main" id="{F71B79FD-0FA2-4793-84FE-A0D4AF52FF90}"/>
               </a:ext>
             </a:extLst>
           </p:cNvPr>
@@ -4855,44 +4839,469 @@
             <p:ph type="title"/>
           </p:nvPr>
         </p:nvSpPr>
-        <p:spPr/>
+        <p:spPr>
+          <a:xfrm>
+            <a:off x="681135" y="365125"/>
+            <a:ext cx="11206065" cy="1325563"/>
+          </a:xfrm>
+        </p:spPr>
         <p:txBody>
           <a:bodyPr/>
           <a:lstStyle/>
           <a:p>
+            <a:r>
+              <a:rPr lang="en-US" dirty="0"/>
+              <a:t>Related Work: 3. Docs/News Similarity</a:t>
+            </a:r>
+          </a:p>
+        </p:txBody>
+      </p:sp>
+      <p:sp>
+        <p:nvSpPr>
+          <p:cNvPr id="3" name="Content Placeholder 2">
+            <a:extLst>
+              <a:ext uri="{FF2B5EF4-FFF2-40B4-BE49-F238E27FC236}">
+                <a16:creationId xmlns:a16="http://schemas.microsoft.com/office/drawing/2014/main" id="{12D94D22-8A38-4CB6-AA07-18FB6B3033DA}"/>
+              </a:ext>
+            </a:extLst>
+          </p:cNvPr>
+          <p:cNvSpPr>
+            <a:spLocks noGrp="1"/>
+          </p:cNvSpPr>
+          <p:nvPr>
+            <p:ph idx="1"/>
+          </p:nvPr>
+        </p:nvSpPr>
+        <p:spPr>
+          <a:xfrm>
+            <a:off x="838200" y="1576873"/>
+            <a:ext cx="10515600" cy="5150498"/>
+          </a:xfrm>
+        </p:spPr>
+        <p:txBody>
+          <a:bodyPr>
+            <a:normAutofit/>
+          </a:bodyPr>
+          <a:lstStyle/>
+          <a:p>
+            <a:r>
+              <a:rPr lang="en-US" b="0" i="0" dirty="0">
+                <a:solidFill>
+                  <a:srgbClr val="FF0000"/>
+                </a:solidFill>
+                <a:effectLst/>
+                <a:latin typeface="NexusSerif"/>
+              </a:rPr>
+              <a:t>(</a:t>
+            </a:r>
+            <a:r>
+              <a:rPr lang="en-US" b="0" i="0" dirty="0" err="1">
+                <a:solidFill>
+                  <a:srgbClr val="FF0000"/>
+                </a:solidFill>
+                <a:effectLst/>
+                <a:latin typeface="NexusSans"/>
+              </a:rPr>
+              <a:t>Sree</a:t>
+            </a:r>
+            <a:r>
+              <a:rPr lang="en-US" b="0" i="0" dirty="0">
+                <a:solidFill>
+                  <a:srgbClr val="FF0000"/>
+                </a:solidFill>
+                <a:effectLst/>
+                <a:latin typeface="NexusSans"/>
+              </a:rPr>
+              <a:t> Ram Kiran Nag et. al. 2021) </a:t>
+            </a:r>
+            <a:r>
+              <a:rPr lang="en-US" b="0" i="0" dirty="0">
+                <a:solidFill>
+                  <a:srgbClr val="505050"/>
+                </a:solidFill>
+                <a:effectLst/>
+                <a:latin typeface="NexusSerif"/>
+              </a:rPr>
+              <a:t>Comparative and experimental study in identifying the similarity between languages for plagiarism detection and efficient language translation</a:t>
+            </a:r>
+          </a:p>
+          <a:p>
+            <a:r>
+              <a:rPr lang="en-US" dirty="0">
+                <a:solidFill>
+                  <a:srgbClr val="505050"/>
+                </a:solidFill>
+                <a:latin typeface="NexusSerif"/>
+              </a:rPr>
+              <a:t>Full text: file:///C:/Users/hhallak/Desktop/kirannag2021.pdf</a:t>
+            </a:r>
+          </a:p>
+          <a:p>
+            <a:r>
+              <a:rPr lang="en-US" b="0" i="0" dirty="0">
+                <a:solidFill>
+                  <a:srgbClr val="FF0000"/>
+                </a:solidFill>
+                <a:effectLst/>
+                <a:latin typeface="NexusSerif"/>
+              </a:rPr>
+              <a:t>(</a:t>
+            </a:r>
+            <a:r>
+              <a:rPr lang="en-US" b="0" i="0" dirty="0">
+                <a:solidFill>
+                  <a:srgbClr val="FF0000"/>
+                </a:solidFill>
+                <a:effectLst/>
+                <a:latin typeface="Arial" panose="020B0604020202020204" pitchFamily="34" charset="0"/>
+              </a:rPr>
+              <a:t>Abu </a:t>
+            </a:r>
+            <a:r>
+              <a:rPr lang="en-US" b="0" i="0" dirty="0" err="1">
+                <a:solidFill>
+                  <a:srgbClr val="FF0000"/>
+                </a:solidFill>
+                <a:effectLst/>
+                <a:latin typeface="Arial" panose="020B0604020202020204" pitchFamily="34" charset="0"/>
+              </a:rPr>
+              <a:t>Kwaik</a:t>
+            </a:r>
+            <a:r>
+              <a:rPr lang="en-US" b="0" i="0" dirty="0">
+                <a:solidFill>
+                  <a:srgbClr val="FF0000"/>
+                </a:solidFill>
+                <a:effectLst/>
+                <a:latin typeface="NexusSerif"/>
+              </a:rPr>
+              <a:t> 20</a:t>
+            </a:r>
+            <a:r>
+              <a:rPr lang="en-US" dirty="0">
+                <a:solidFill>
+                  <a:srgbClr val="FF0000"/>
+                </a:solidFill>
+                <a:latin typeface="NexusSerif"/>
+              </a:rPr>
+              <a:t>20) </a:t>
+            </a:r>
+            <a:r>
+              <a:rPr lang="en-US" dirty="0">
+                <a:solidFill>
+                  <a:srgbClr val="505050"/>
+                </a:solidFill>
+                <a:latin typeface="NexusSerif"/>
+              </a:rPr>
+              <a:t>An Arabic Tweets Sentiment Analysis Dataset (ATSAD) using Distant Supervision and Self Training</a:t>
+            </a:r>
+          </a:p>
+          <a:p>
+            <a:r>
+              <a:rPr lang="en-US" b="0" i="0" dirty="0">
+                <a:solidFill>
+                  <a:srgbClr val="505050"/>
+                </a:solidFill>
+                <a:effectLst/>
+                <a:latin typeface="NexusSerif"/>
+              </a:rPr>
+              <a:t>Might be good for future work (identifying positive and negative news articles).</a:t>
+            </a:r>
+          </a:p>
+          <a:p>
             <a:endParaRPr lang="en-US" dirty="0"/>
-          </a:p>
-        </p:txBody>
-      </p:sp>
-      <p:sp>
-        <p:nvSpPr>
-          <p:cNvPr id="7" name="Content Placeholder 6">
-            <a:extLst>
-              <a:ext uri="{FF2B5EF4-FFF2-40B4-BE49-F238E27FC236}">
-                <a16:creationId xmlns:a16="http://schemas.microsoft.com/office/drawing/2014/main" id="{1791AAA2-14E1-4D5D-A97D-205492CBD8CD}"/>
-              </a:ext>
-            </a:extLst>
-          </p:cNvPr>
-          <p:cNvSpPr>
-            <a:spLocks noGrp="1"/>
-          </p:cNvSpPr>
-          <p:nvPr>
-            <p:ph idx="1"/>
-          </p:nvPr>
-        </p:nvSpPr>
-        <p:spPr/>
-        <p:txBody>
-          <a:bodyPr/>
-          <a:lstStyle/>
-          <a:p>
-            <a:endParaRPr lang="en-US"/>
           </a:p>
         </p:txBody>
       </p:sp>
     </p:spTree>
     <p:extLst>
       <p:ext uri="{BB962C8B-B14F-4D97-AF65-F5344CB8AC3E}">
-        <p14:creationId xmlns:p14="http://schemas.microsoft.com/office/powerpoint/2010/main" val="2987297751"/>
+        <p14:creationId xmlns:p14="http://schemas.microsoft.com/office/powerpoint/2010/main" val="1932319547"/>
+      </p:ext>
+    </p:extLst>
+  </p:cSld>
+  <p:clrMapOvr>
+    <a:masterClrMapping/>
+  </p:clrMapOvr>
+</p:sld>
+</file>
+
+<file path=ppt/slides/slide19.xml><?xml version="1.0" encoding="utf-8"?>
+<p:sld xmlns:a="http://schemas.openxmlformats.org/drawingml/2006/main" xmlns:r="http://schemas.openxmlformats.org/officeDocument/2006/relationships" xmlns:p="http://schemas.openxmlformats.org/presentationml/2006/main">
+  <p:cSld>
+    <p:spTree>
+      <p:nvGrpSpPr>
+        <p:cNvPr id="1" name=""/>
+        <p:cNvGrpSpPr/>
+        <p:nvPr/>
+      </p:nvGrpSpPr>
+      <p:grpSpPr>
+        <a:xfrm>
+          <a:off x="0" y="0"/>
+          <a:ext cx="0" cy="0"/>
+          <a:chOff x="0" y="0"/>
+          <a:chExt cx="0" cy="0"/>
+        </a:xfrm>
+      </p:grpSpPr>
+      <p:sp>
+        <p:nvSpPr>
+          <p:cNvPr id="2" name="Title 1">
+            <a:extLst>
+              <a:ext uri="{FF2B5EF4-FFF2-40B4-BE49-F238E27FC236}">
+                <a16:creationId xmlns:a16="http://schemas.microsoft.com/office/drawing/2014/main" id="{F71B79FD-0FA2-4793-84FE-A0D4AF52FF90}"/>
+              </a:ext>
+            </a:extLst>
+          </p:cNvPr>
+          <p:cNvSpPr>
+            <a:spLocks noGrp="1"/>
+          </p:cNvSpPr>
+          <p:nvPr>
+            <p:ph type="title"/>
+          </p:nvPr>
+        </p:nvSpPr>
+        <p:spPr>
+          <a:xfrm>
+            <a:off x="681135" y="365125"/>
+            <a:ext cx="11206065" cy="1325563"/>
+          </a:xfrm>
+        </p:spPr>
+        <p:txBody>
+          <a:bodyPr/>
+          <a:lstStyle/>
+          <a:p>
+            <a:r>
+              <a:rPr lang="en-US" dirty="0"/>
+              <a:t>Related Work: 3. Docs/News Similarity</a:t>
+            </a:r>
+          </a:p>
+        </p:txBody>
+      </p:sp>
+      <p:sp>
+        <p:nvSpPr>
+          <p:cNvPr id="3" name="Content Placeholder 2">
+            <a:extLst>
+              <a:ext uri="{FF2B5EF4-FFF2-40B4-BE49-F238E27FC236}">
+                <a16:creationId xmlns:a16="http://schemas.microsoft.com/office/drawing/2014/main" id="{12D94D22-8A38-4CB6-AA07-18FB6B3033DA}"/>
+              </a:ext>
+            </a:extLst>
+          </p:cNvPr>
+          <p:cNvSpPr>
+            <a:spLocks noGrp="1"/>
+          </p:cNvSpPr>
+          <p:nvPr>
+            <p:ph idx="1"/>
+          </p:nvPr>
+        </p:nvSpPr>
+        <p:spPr>
+          <a:xfrm>
+            <a:off x="838200" y="1576873"/>
+            <a:ext cx="10515600" cy="5150498"/>
+          </a:xfrm>
+        </p:spPr>
+        <p:txBody>
+          <a:bodyPr>
+            <a:normAutofit lnSpcReduction="10000"/>
+          </a:bodyPr>
+          <a:lstStyle/>
+          <a:p>
+            <a:pPr algn="l"/>
+            <a:r>
+              <a:rPr lang="en-US" b="0" i="0" dirty="0">
+                <a:solidFill>
+                  <a:srgbClr val="FF0000"/>
+                </a:solidFill>
+                <a:effectLst/>
+                <a:latin typeface="NexusSerif"/>
+              </a:rPr>
+              <a:t>(</a:t>
+            </a:r>
+            <a:r>
+              <a:rPr lang="en-US" dirty="0">
+                <a:solidFill>
+                  <a:srgbClr val="FF0000"/>
+                </a:solidFill>
+                <a:latin typeface="Arial" panose="020B0604020202020204" pitchFamily="34" charset="0"/>
+              </a:rPr>
+              <a:t>Al-</a:t>
+            </a:r>
+            <a:r>
+              <a:rPr lang="en-US" dirty="0" err="1">
+                <a:solidFill>
+                  <a:srgbClr val="FF0000"/>
+                </a:solidFill>
+                <a:latin typeface="Arial" panose="020B0604020202020204" pitchFamily="34" charset="0"/>
+              </a:rPr>
+              <a:t>Rahmani</a:t>
+            </a:r>
+            <a:r>
+              <a:rPr lang="en-US" dirty="0">
+                <a:solidFill>
+                  <a:srgbClr val="FF0000"/>
+                </a:solidFill>
+                <a:latin typeface="Arial" panose="020B0604020202020204" pitchFamily="34" charset="0"/>
+              </a:rPr>
+              <a:t> and Mustafa 2012)</a:t>
+            </a:r>
+            <a:r>
+              <a:rPr lang="en-US" sz="2800" b="0" i="0" u="none" strike="noStrike" baseline="0" dirty="0">
+                <a:latin typeface="TimesNewRoman"/>
+              </a:rPr>
+              <a:t>: </a:t>
+            </a:r>
+            <a:r>
+              <a:rPr lang="en-US" dirty="0">
+                <a:solidFill>
+                  <a:srgbClr val="505050"/>
+                </a:solidFill>
+                <a:latin typeface="NexusSerif"/>
+              </a:rPr>
+              <a:t>N-Gram-Based Techniques for Arabic Text Document Matching; Case Study: Courses Accreditation</a:t>
+            </a:r>
+          </a:p>
+          <a:p>
+            <a:pPr algn="l"/>
+            <a:r>
+              <a:rPr lang="en-US" dirty="0">
+                <a:solidFill>
+                  <a:srgbClr val="505050"/>
+                </a:solidFill>
+                <a:latin typeface="NexusSerif"/>
+              </a:rPr>
+              <a:t>Dice’s similarity, bi-gram word-based and document-based</a:t>
+            </a:r>
+          </a:p>
+          <a:p>
+            <a:pPr algn="l"/>
+            <a:r>
+              <a:rPr lang="en-US" dirty="0">
+                <a:solidFill>
+                  <a:srgbClr val="505050"/>
+                </a:solidFill>
+                <a:latin typeface="NexusSerif"/>
+              </a:rPr>
+              <a:t>104 course descriptions and 30 course descriptions</a:t>
+            </a:r>
+          </a:p>
+          <a:p>
+            <a:pPr algn="l"/>
+            <a:r>
+              <a:rPr lang="en-US" dirty="0">
+                <a:solidFill>
+                  <a:srgbClr val="505050"/>
+                </a:solidFill>
+                <a:latin typeface="NexusSerif"/>
+              </a:rPr>
+              <a:t>More than 80% accuracy</a:t>
+            </a:r>
+            <a:endParaRPr lang="en-US" dirty="0">
+              <a:solidFill>
+                <a:srgbClr val="FF0000"/>
+              </a:solidFill>
+              <a:latin typeface="NexusSerif"/>
+            </a:endParaRPr>
+          </a:p>
+          <a:p>
+            <a:r>
+              <a:rPr lang="en-US" b="0" i="0" dirty="0">
+                <a:solidFill>
+                  <a:srgbClr val="FF0000"/>
+                </a:solidFill>
+                <a:effectLst/>
+                <a:latin typeface="NexusSerif"/>
+              </a:rPr>
+              <a:t>(</a:t>
+            </a:r>
+            <a:r>
+              <a:rPr lang="en-US" b="0" i="0" dirty="0">
+                <a:solidFill>
+                  <a:srgbClr val="FF0000"/>
+                </a:solidFill>
+                <a:effectLst/>
+                <a:latin typeface="Arial" panose="020B0604020202020204" pitchFamily="34" charset="0"/>
+              </a:rPr>
+              <a:t>Froud et. al., </a:t>
+            </a:r>
+            <a:r>
+              <a:rPr lang="en-US" b="0" i="0" dirty="0">
+                <a:solidFill>
+                  <a:srgbClr val="FF0000"/>
+                </a:solidFill>
+                <a:effectLst/>
+                <a:latin typeface="NexusSerif"/>
+              </a:rPr>
+              <a:t>201</a:t>
+            </a:r>
+            <a:r>
+              <a:rPr lang="en-US" dirty="0">
+                <a:solidFill>
+                  <a:srgbClr val="FF0000"/>
+                </a:solidFill>
+                <a:latin typeface="NexusSerif"/>
+              </a:rPr>
+              <a:t>0) </a:t>
+            </a:r>
+            <a:r>
+              <a:rPr lang="en-US" dirty="0"/>
+              <a:t>Stemming and Similarity Measures for Arabic Documents Clustering</a:t>
+            </a:r>
+            <a:endParaRPr lang="en-US" dirty="0">
+              <a:solidFill>
+                <a:srgbClr val="505050"/>
+              </a:solidFill>
+              <a:latin typeface="NexusSerif"/>
+            </a:endParaRPr>
+          </a:p>
+          <a:p>
+            <a:r>
+              <a:rPr lang="en-US" b="0" i="0" dirty="0">
+                <a:solidFill>
+                  <a:srgbClr val="333333"/>
+                </a:solidFill>
+                <a:effectLst/>
+                <a:latin typeface="Arial" panose="020B0604020202020204" pitchFamily="34" charset="0"/>
+              </a:rPr>
+              <a:t>Euclidean Distance, Cosine Similarity, Jaccard Coefficient, Pearson Correlation Coefficient and Averaged </a:t>
+            </a:r>
+            <a:r>
+              <a:rPr lang="en-US" b="0" i="0" dirty="0" err="1">
+                <a:solidFill>
+                  <a:srgbClr val="333333"/>
+                </a:solidFill>
+                <a:effectLst/>
+                <a:latin typeface="Arial" panose="020B0604020202020204" pitchFamily="34" charset="0"/>
+              </a:rPr>
+              <a:t>Kullback-Leibler</a:t>
+            </a:r>
+            <a:r>
+              <a:rPr lang="en-US" b="0" i="0" dirty="0">
+                <a:solidFill>
+                  <a:srgbClr val="333333"/>
+                </a:solidFill>
+                <a:effectLst/>
+                <a:latin typeface="Arial" panose="020B0604020202020204" pitchFamily="34" charset="0"/>
+              </a:rPr>
+              <a:t> Divergence</a:t>
+            </a:r>
+          </a:p>
+          <a:p>
+            <a:r>
+              <a:rPr lang="en-US" b="0" i="0" dirty="0">
+                <a:solidFill>
+                  <a:srgbClr val="333333"/>
+                </a:solidFill>
+                <a:effectLst/>
+                <a:latin typeface="Arial" panose="020B0604020202020204" pitchFamily="34" charset="0"/>
+              </a:rPr>
+              <a:t>Stemming will not yield good results, but helps making the documents smaller and faster to cluster</a:t>
+            </a:r>
+            <a:endParaRPr lang="en-US" dirty="0"/>
+          </a:p>
+        </p:txBody>
+      </p:sp>
+    </p:spTree>
+    <p:extLst>
+      <p:ext uri="{BB962C8B-B14F-4D97-AF65-F5344CB8AC3E}">
+        <p14:creationId xmlns:p14="http://schemas.microsoft.com/office/powerpoint/2010/main" val="1674571232"/>
       </p:ext>
     </p:extLst>
   </p:cSld>
@@ -5040,6 +5449,1465 @@
     <p:extLst>
       <p:ext uri="{BB962C8B-B14F-4D97-AF65-F5344CB8AC3E}">
         <p14:creationId xmlns:p14="http://schemas.microsoft.com/office/powerpoint/2010/main" val="2164070000"/>
+      </p:ext>
+    </p:extLst>
+  </p:cSld>
+  <p:clrMapOvr>
+    <a:masterClrMapping/>
+  </p:clrMapOvr>
+</p:sld>
+</file>
+
+<file path=ppt/slides/slide20.xml><?xml version="1.0" encoding="utf-8"?>
+<p:sld xmlns:a="http://schemas.openxmlformats.org/drawingml/2006/main" xmlns:r="http://schemas.openxmlformats.org/officeDocument/2006/relationships" xmlns:p="http://schemas.openxmlformats.org/presentationml/2006/main">
+  <p:cSld>
+    <p:spTree>
+      <p:nvGrpSpPr>
+        <p:cNvPr id="1" name=""/>
+        <p:cNvGrpSpPr/>
+        <p:nvPr/>
+      </p:nvGrpSpPr>
+      <p:grpSpPr>
+        <a:xfrm>
+          <a:off x="0" y="0"/>
+          <a:ext cx="0" cy="0"/>
+          <a:chOff x="0" y="0"/>
+          <a:chExt cx="0" cy="0"/>
+        </a:xfrm>
+      </p:grpSpPr>
+      <p:sp>
+        <p:nvSpPr>
+          <p:cNvPr id="2" name="Title 1">
+            <a:extLst>
+              <a:ext uri="{FF2B5EF4-FFF2-40B4-BE49-F238E27FC236}">
+                <a16:creationId xmlns:a16="http://schemas.microsoft.com/office/drawing/2014/main" id="{F71B79FD-0FA2-4793-84FE-A0D4AF52FF90}"/>
+              </a:ext>
+            </a:extLst>
+          </p:cNvPr>
+          <p:cNvSpPr>
+            <a:spLocks noGrp="1"/>
+          </p:cNvSpPr>
+          <p:nvPr>
+            <p:ph type="title"/>
+          </p:nvPr>
+        </p:nvSpPr>
+        <p:spPr>
+          <a:xfrm>
+            <a:off x="681135" y="365125"/>
+            <a:ext cx="11206065" cy="1325563"/>
+          </a:xfrm>
+        </p:spPr>
+        <p:txBody>
+          <a:bodyPr/>
+          <a:lstStyle/>
+          <a:p>
+            <a:r>
+              <a:rPr lang="en-US" dirty="0"/>
+              <a:t>Related Work: 3. Docs/News Similarity</a:t>
+            </a:r>
+          </a:p>
+        </p:txBody>
+      </p:sp>
+      <p:sp>
+        <p:nvSpPr>
+          <p:cNvPr id="3" name="Content Placeholder 2">
+            <a:extLst>
+              <a:ext uri="{FF2B5EF4-FFF2-40B4-BE49-F238E27FC236}">
+                <a16:creationId xmlns:a16="http://schemas.microsoft.com/office/drawing/2014/main" id="{12D94D22-8A38-4CB6-AA07-18FB6B3033DA}"/>
+              </a:ext>
+            </a:extLst>
+          </p:cNvPr>
+          <p:cNvSpPr>
+            <a:spLocks noGrp="1"/>
+          </p:cNvSpPr>
+          <p:nvPr>
+            <p:ph idx="1"/>
+          </p:nvPr>
+        </p:nvSpPr>
+        <p:spPr>
+          <a:xfrm>
+            <a:off x="429208" y="1436914"/>
+            <a:ext cx="11457992" cy="5290457"/>
+          </a:xfrm>
+        </p:spPr>
+        <p:txBody>
+          <a:bodyPr>
+            <a:normAutofit fontScale="77500" lnSpcReduction="20000"/>
+          </a:bodyPr>
+          <a:lstStyle/>
+          <a:p>
+            <a:pPr algn="l"/>
+            <a:r>
+              <a:rPr lang="en-US" b="0" i="0" dirty="0">
+                <a:solidFill>
+                  <a:srgbClr val="FF0000"/>
+                </a:solidFill>
+                <a:effectLst/>
+                <a:latin typeface="NexusSerif"/>
+              </a:rPr>
+              <a:t>(</a:t>
+            </a:r>
+            <a:r>
+              <a:rPr lang="en-US" dirty="0" err="1">
+                <a:solidFill>
+                  <a:srgbClr val="FF0000"/>
+                </a:solidFill>
+                <a:latin typeface="Arial" panose="020B0604020202020204" pitchFamily="34" charset="0"/>
+              </a:rPr>
+              <a:t>Selamat</a:t>
+            </a:r>
+            <a:r>
+              <a:rPr lang="en-US" dirty="0">
+                <a:solidFill>
+                  <a:srgbClr val="FF0000"/>
+                </a:solidFill>
+                <a:latin typeface="Arial" panose="020B0604020202020204" pitchFamily="34" charset="0"/>
+              </a:rPr>
+              <a:t> and Ismail 2008)</a:t>
+            </a:r>
+            <a:r>
+              <a:rPr lang="en-US" sz="2800" b="0" i="0" u="none" strike="noStrike" baseline="0" dirty="0">
+                <a:latin typeface="TimesNewRoman"/>
+              </a:rPr>
+              <a:t>: </a:t>
+            </a:r>
+            <a:r>
+              <a:rPr lang="en-US" dirty="0"/>
+              <a:t>Finding English and Translated Arabic Documents Similarities Using GHSOM</a:t>
+            </a:r>
+          </a:p>
+          <a:p>
+            <a:pPr algn="l"/>
+            <a:r>
+              <a:rPr lang="en-US" dirty="0">
+                <a:solidFill>
+                  <a:srgbClr val="505050"/>
+                </a:solidFill>
+                <a:latin typeface="NexusSerif"/>
+              </a:rPr>
+              <a:t>The goal is similar to what I am trying to do.</a:t>
+            </a:r>
+          </a:p>
+          <a:p>
+            <a:pPr algn="l"/>
+            <a:r>
+              <a:rPr lang="en-US" dirty="0">
+                <a:solidFill>
+                  <a:srgbClr val="505050"/>
+                </a:solidFill>
+                <a:latin typeface="NexusSerif"/>
+              </a:rPr>
+              <a:t>Using parallel docs, bi-text, translated version of news stories for training</a:t>
+            </a:r>
+          </a:p>
+          <a:p>
+            <a:pPr algn="l"/>
+            <a:r>
+              <a:rPr lang="en-US" dirty="0">
+                <a:solidFill>
+                  <a:srgbClr val="505050"/>
+                </a:solidFill>
+                <a:latin typeface="NexusSerif"/>
+              </a:rPr>
+              <a:t>Stemming and stop words removal</a:t>
+            </a:r>
+          </a:p>
+          <a:p>
+            <a:pPr algn="l"/>
+            <a:r>
+              <a:rPr lang="en-US" dirty="0">
+                <a:solidFill>
+                  <a:srgbClr val="505050"/>
+                </a:solidFill>
+                <a:latin typeface="NexusSerif"/>
+              </a:rPr>
+              <a:t>Comparing SOM and GHSOM (unsupervised ML)</a:t>
+            </a:r>
+          </a:p>
+          <a:p>
+            <a:pPr algn="l"/>
+            <a:r>
+              <a:rPr lang="en-US" dirty="0">
+                <a:solidFill>
+                  <a:srgbClr val="505050"/>
+                </a:solidFill>
+                <a:latin typeface="NexusSerif"/>
+              </a:rPr>
+              <a:t>News collected from Aljazeera and others</a:t>
+            </a:r>
+          </a:p>
+          <a:p>
+            <a:pPr algn="l"/>
+            <a:r>
+              <a:rPr lang="en-US" dirty="0">
+                <a:solidFill>
+                  <a:srgbClr val="505050"/>
+                </a:solidFill>
+                <a:latin typeface="NexusSerif"/>
+              </a:rPr>
+              <a:t>87% and 93% P and R for SOM and GHSOM respectively</a:t>
+            </a:r>
+          </a:p>
+          <a:p>
+            <a:r>
+              <a:rPr lang="en-US" b="0" i="0" dirty="0">
+                <a:solidFill>
+                  <a:srgbClr val="FF0000"/>
+                </a:solidFill>
+                <a:effectLst/>
+                <a:latin typeface="NexusSerif"/>
+              </a:rPr>
+              <a:t>(</a:t>
+            </a:r>
+            <a:r>
+              <a:rPr lang="en-US" b="0" i="0" dirty="0">
+                <a:solidFill>
+                  <a:srgbClr val="FF0000"/>
+                </a:solidFill>
+                <a:effectLst/>
+                <a:latin typeface="Arial" panose="020B0604020202020204" pitchFamily="34" charset="0"/>
+              </a:rPr>
+              <a:t>Hussein </a:t>
+            </a:r>
+            <a:r>
+              <a:rPr lang="en-US" b="0" i="0" dirty="0">
+                <a:solidFill>
+                  <a:srgbClr val="FF0000"/>
+                </a:solidFill>
+                <a:effectLst/>
+                <a:latin typeface="NexusSerif"/>
+              </a:rPr>
+              <a:t>2015 and 2016</a:t>
+            </a:r>
+            <a:r>
+              <a:rPr lang="en-US" dirty="0">
+                <a:solidFill>
+                  <a:srgbClr val="FF0000"/>
+                </a:solidFill>
+                <a:latin typeface="NexusSerif"/>
+              </a:rPr>
+              <a:t>) </a:t>
+            </a:r>
+          </a:p>
+          <a:p>
+            <a:r>
+              <a:rPr lang="en-US" dirty="0">
+                <a:solidFill>
+                  <a:srgbClr val="FF0000"/>
+                </a:solidFill>
+                <a:latin typeface="NexusSerif"/>
+              </a:rPr>
+              <a:t>2015: </a:t>
+            </a:r>
+            <a:r>
+              <a:rPr lang="en-US" dirty="0"/>
+              <a:t>Arabic Document Similarity Analysis using </a:t>
+            </a:r>
+            <a:r>
+              <a:rPr lang="en-US" dirty="0" err="1"/>
+              <a:t>Ngrams</a:t>
+            </a:r>
+            <a:r>
+              <a:rPr lang="en-US" dirty="0"/>
+              <a:t> and Singular Value Decomposition</a:t>
+            </a:r>
+          </a:p>
+          <a:p>
+            <a:r>
+              <a:rPr lang="en-US" dirty="0">
+                <a:solidFill>
+                  <a:srgbClr val="FF0000"/>
+                </a:solidFill>
+                <a:latin typeface="NexusSerif"/>
+              </a:rPr>
+              <a:t>2016: </a:t>
+            </a:r>
+            <a:r>
+              <a:rPr lang="en-US" dirty="0"/>
+              <a:t>Visualizing Document Similarity Using N-Grams and Latent Semantic Analysis</a:t>
+            </a:r>
+          </a:p>
+          <a:p>
+            <a:r>
+              <a:rPr lang="en-US" dirty="0">
+                <a:solidFill>
+                  <a:srgbClr val="505050"/>
+                </a:solidFill>
+                <a:latin typeface="NexusSerif"/>
+              </a:rPr>
+              <a:t>Uses various methods including TF-IDF, Morphological analyzer, stemming, POS tagging</a:t>
+            </a:r>
+          </a:p>
+          <a:p>
+            <a:r>
+              <a:rPr lang="en-US" dirty="0">
+                <a:solidFill>
+                  <a:srgbClr val="505050"/>
+                </a:solidFill>
+                <a:latin typeface="NexusSerif"/>
+              </a:rPr>
+              <a:t>30 graded students’ assignments answer documents of Kuwait Civilization History Course.</a:t>
+            </a:r>
+          </a:p>
+          <a:p>
+            <a:r>
+              <a:rPr lang="en-US" dirty="0">
+                <a:solidFill>
+                  <a:srgbClr val="505050"/>
+                </a:solidFill>
+                <a:latin typeface="NexusSerif"/>
+              </a:rPr>
+              <a:t>Outperformed Plagiarism checkers for 2-gram and 3-gram</a:t>
+            </a:r>
+          </a:p>
+          <a:p>
+            <a:endParaRPr lang="en-US" dirty="0">
+              <a:solidFill>
+                <a:srgbClr val="505050"/>
+              </a:solidFill>
+              <a:latin typeface="NexusSerif"/>
+            </a:endParaRPr>
+          </a:p>
+        </p:txBody>
+      </p:sp>
+    </p:spTree>
+    <p:extLst>
+      <p:ext uri="{BB962C8B-B14F-4D97-AF65-F5344CB8AC3E}">
+        <p14:creationId xmlns:p14="http://schemas.microsoft.com/office/powerpoint/2010/main" val="3865353623"/>
+      </p:ext>
+    </p:extLst>
+  </p:cSld>
+  <p:clrMapOvr>
+    <a:masterClrMapping/>
+  </p:clrMapOvr>
+</p:sld>
+</file>
+
+<file path=ppt/slides/slide21.xml><?xml version="1.0" encoding="utf-8"?>
+<p:sld xmlns:a="http://schemas.openxmlformats.org/drawingml/2006/main" xmlns:r="http://schemas.openxmlformats.org/officeDocument/2006/relationships" xmlns:p="http://schemas.openxmlformats.org/presentationml/2006/main">
+  <p:cSld>
+    <p:spTree>
+      <p:nvGrpSpPr>
+        <p:cNvPr id="1" name=""/>
+        <p:cNvGrpSpPr/>
+        <p:nvPr/>
+      </p:nvGrpSpPr>
+      <p:grpSpPr>
+        <a:xfrm>
+          <a:off x="0" y="0"/>
+          <a:ext cx="0" cy="0"/>
+          <a:chOff x="0" y="0"/>
+          <a:chExt cx="0" cy="0"/>
+        </a:xfrm>
+      </p:grpSpPr>
+      <p:sp>
+        <p:nvSpPr>
+          <p:cNvPr id="2" name="Title 1">
+            <a:extLst>
+              <a:ext uri="{FF2B5EF4-FFF2-40B4-BE49-F238E27FC236}">
+                <a16:creationId xmlns:a16="http://schemas.microsoft.com/office/drawing/2014/main" id="{F71B79FD-0FA2-4793-84FE-A0D4AF52FF90}"/>
+              </a:ext>
+            </a:extLst>
+          </p:cNvPr>
+          <p:cNvSpPr>
+            <a:spLocks noGrp="1"/>
+          </p:cNvSpPr>
+          <p:nvPr>
+            <p:ph type="title"/>
+          </p:nvPr>
+        </p:nvSpPr>
+        <p:spPr>
+          <a:xfrm>
+            <a:off x="681135" y="365125"/>
+            <a:ext cx="11206065" cy="1325563"/>
+          </a:xfrm>
+        </p:spPr>
+        <p:txBody>
+          <a:bodyPr/>
+          <a:lstStyle/>
+          <a:p>
+            <a:r>
+              <a:rPr lang="en-US" dirty="0"/>
+              <a:t>Related Work: 3. Docs/News Similarity</a:t>
+            </a:r>
+          </a:p>
+        </p:txBody>
+      </p:sp>
+      <p:sp>
+        <p:nvSpPr>
+          <p:cNvPr id="3" name="Content Placeholder 2">
+            <a:extLst>
+              <a:ext uri="{FF2B5EF4-FFF2-40B4-BE49-F238E27FC236}">
+                <a16:creationId xmlns:a16="http://schemas.microsoft.com/office/drawing/2014/main" id="{12D94D22-8A38-4CB6-AA07-18FB6B3033DA}"/>
+              </a:ext>
+            </a:extLst>
+          </p:cNvPr>
+          <p:cNvSpPr>
+            <a:spLocks noGrp="1"/>
+          </p:cNvSpPr>
+          <p:nvPr>
+            <p:ph idx="1"/>
+          </p:nvPr>
+        </p:nvSpPr>
+        <p:spPr>
+          <a:xfrm>
+            <a:off x="429208" y="1436914"/>
+            <a:ext cx="11457992" cy="5290457"/>
+          </a:xfrm>
+        </p:spPr>
+        <p:txBody>
+          <a:bodyPr>
+            <a:normAutofit fontScale="85000" lnSpcReduction="20000"/>
+          </a:bodyPr>
+          <a:lstStyle/>
+          <a:p>
+            <a:pPr algn="l"/>
+            <a:r>
+              <a:rPr lang="en-US" b="0" i="0" dirty="0">
+                <a:solidFill>
+                  <a:srgbClr val="FF0000"/>
+                </a:solidFill>
+                <a:effectLst/>
+                <a:latin typeface="NexusSerif"/>
+              </a:rPr>
+              <a:t>(</a:t>
+            </a:r>
+            <a:r>
+              <a:rPr lang="en-US" dirty="0" err="1">
+                <a:solidFill>
+                  <a:srgbClr val="FF0000"/>
+                </a:solidFill>
+                <a:latin typeface="Arial" panose="020B0604020202020204" pitchFamily="34" charset="0"/>
+              </a:rPr>
+              <a:t>Alzahrani</a:t>
+            </a:r>
+            <a:r>
+              <a:rPr lang="en-US" dirty="0">
+                <a:solidFill>
+                  <a:srgbClr val="FF0000"/>
+                </a:solidFill>
+                <a:latin typeface="Arial" panose="020B0604020202020204" pitchFamily="34" charset="0"/>
+              </a:rPr>
+              <a:t> 2016)</a:t>
+            </a:r>
+            <a:r>
+              <a:rPr lang="en-US" sz="2800" b="0" i="0" u="none" strike="noStrike" baseline="0" dirty="0">
+                <a:latin typeface="TimesNewRoman"/>
+              </a:rPr>
+              <a:t>: </a:t>
+            </a:r>
+            <a:r>
+              <a:rPr lang="en-US" dirty="0"/>
+              <a:t>Cross-Language Semantic Similarity of Arabic-English Short Phrases and Sentences </a:t>
+            </a:r>
+          </a:p>
+          <a:p>
+            <a:pPr algn="l"/>
+            <a:r>
+              <a:rPr lang="en-US" dirty="0">
+                <a:solidFill>
+                  <a:srgbClr val="505050"/>
+                </a:solidFill>
+                <a:latin typeface="NexusSerif"/>
+              </a:rPr>
+              <a:t>Focuses on small documents (sentences)</a:t>
+            </a:r>
+          </a:p>
+          <a:p>
+            <a:pPr algn="l"/>
+            <a:r>
+              <a:rPr lang="en-US" dirty="0">
+                <a:solidFill>
+                  <a:srgbClr val="505050"/>
+                </a:solidFill>
+                <a:latin typeface="NexusSerif"/>
+              </a:rPr>
+              <a:t>Dataset is selected sentences’ pairs from Li et al. (2006) and a constructed benchmark for testing cross-language similarity.</a:t>
+            </a:r>
+          </a:p>
+          <a:p>
+            <a:pPr algn="l"/>
+            <a:r>
+              <a:rPr lang="en-US" dirty="0">
+                <a:solidFill>
+                  <a:srgbClr val="505050"/>
+                </a:solidFill>
+                <a:latin typeface="NexusSerif"/>
+              </a:rPr>
+              <a:t>Uses 2 methods: dictionary translation and MT</a:t>
+            </a:r>
+          </a:p>
+          <a:p>
+            <a:pPr algn="l"/>
+            <a:r>
+              <a:rPr lang="en-US" dirty="0">
+                <a:solidFill>
+                  <a:srgbClr val="505050"/>
+                </a:solidFill>
+                <a:latin typeface="NexusSerif"/>
+              </a:rPr>
+              <a:t>Uses POS tagging, Lemmatization, removes stop words, etc. </a:t>
+            </a:r>
+          </a:p>
+          <a:p>
+            <a:r>
+              <a:rPr lang="en-US" dirty="0">
+                <a:solidFill>
+                  <a:srgbClr val="505050"/>
+                </a:solidFill>
+                <a:latin typeface="NexusSerif"/>
+                <a:hlinkClick r:id="rId2"/>
+              </a:rPr>
+              <a:t>https://thescipub.com/pdf/jcssp.2016.1.18.pdf</a:t>
+            </a:r>
+            <a:endParaRPr lang="en-US" b="0" i="0" dirty="0">
+              <a:solidFill>
+                <a:srgbClr val="FF0000"/>
+              </a:solidFill>
+              <a:effectLst/>
+              <a:latin typeface="NexusSerif"/>
+            </a:endParaRPr>
+          </a:p>
+          <a:p>
+            <a:pPr algn="l"/>
+            <a:r>
+              <a:rPr lang="en-US" b="0" i="0" dirty="0">
+                <a:solidFill>
+                  <a:srgbClr val="FF0000"/>
+                </a:solidFill>
+                <a:effectLst/>
+                <a:latin typeface="NexusSerif"/>
+              </a:rPr>
+              <a:t>(</a:t>
+            </a:r>
+            <a:r>
+              <a:rPr lang="en-US" b="0" i="0" dirty="0" err="1">
+                <a:solidFill>
+                  <a:srgbClr val="FF0000"/>
+                </a:solidFill>
+                <a:effectLst/>
+                <a:latin typeface="Arial" panose="020B0604020202020204" pitchFamily="34" charset="0"/>
+              </a:rPr>
+              <a:t>Kadhem</a:t>
+            </a:r>
+            <a:r>
+              <a:rPr lang="en-US" b="0" i="0" dirty="0">
+                <a:solidFill>
+                  <a:srgbClr val="FF0000"/>
+                </a:solidFill>
+                <a:effectLst/>
+                <a:latin typeface="Arial" panose="020B0604020202020204" pitchFamily="34" charset="0"/>
+              </a:rPr>
+              <a:t> and </a:t>
+            </a:r>
+            <a:r>
+              <a:rPr lang="en-US" dirty="0">
+                <a:solidFill>
+                  <a:srgbClr val="FF0000"/>
+                </a:solidFill>
+                <a:latin typeface="Arial" panose="020B0604020202020204" pitchFamily="34" charset="0"/>
+              </a:rPr>
+              <a:t>Abd </a:t>
+            </a:r>
+            <a:r>
+              <a:rPr lang="en-US" dirty="0" err="1">
+                <a:solidFill>
+                  <a:srgbClr val="FF0000"/>
+                </a:solidFill>
+                <a:latin typeface="Arial" panose="020B0604020202020204" pitchFamily="34" charset="0"/>
+              </a:rPr>
+              <a:t>Alameer</a:t>
+            </a:r>
+            <a:r>
+              <a:rPr lang="en-US" dirty="0">
+                <a:solidFill>
+                  <a:srgbClr val="FF0000"/>
+                </a:solidFill>
+                <a:latin typeface="Arial" panose="020B0604020202020204" pitchFamily="34" charset="0"/>
+              </a:rPr>
+              <a:t> </a:t>
+            </a:r>
+            <a:r>
+              <a:rPr lang="en-US" b="0" i="0" dirty="0">
+                <a:solidFill>
+                  <a:srgbClr val="FF0000"/>
+                </a:solidFill>
+                <a:effectLst/>
+                <a:latin typeface="NexusSerif"/>
+              </a:rPr>
+              <a:t>2017</a:t>
+            </a:r>
+            <a:r>
+              <a:rPr lang="en-US" dirty="0">
+                <a:solidFill>
+                  <a:srgbClr val="FF0000"/>
+                </a:solidFill>
+                <a:latin typeface="NexusSerif"/>
+              </a:rPr>
+              <a:t>) </a:t>
+            </a:r>
+            <a:r>
+              <a:rPr lang="en-US" dirty="0"/>
+              <a:t>Finding the Similarity between Two Arabic Texts</a:t>
+            </a:r>
+          </a:p>
+          <a:p>
+            <a:pPr algn="l"/>
+            <a:r>
+              <a:rPr lang="en-US" dirty="0">
+                <a:solidFill>
+                  <a:srgbClr val="505050"/>
+                </a:solidFill>
+                <a:latin typeface="NexusSerif"/>
+              </a:rPr>
+              <a:t>Sentence level similarity</a:t>
+            </a:r>
+          </a:p>
+          <a:p>
+            <a:r>
+              <a:rPr lang="en-US" dirty="0">
+                <a:solidFill>
+                  <a:srgbClr val="505050"/>
+                </a:solidFill>
+                <a:latin typeface="NexusSerif"/>
+              </a:rPr>
+              <a:t>Hybrid method (Semantic similarity, Cosine similarity, and N-gram Dice’s index)</a:t>
+            </a:r>
+          </a:p>
+          <a:p>
+            <a:r>
+              <a:rPr lang="en-US" dirty="0">
+                <a:solidFill>
+                  <a:srgbClr val="505050"/>
+                </a:solidFill>
+                <a:latin typeface="NexusSerif"/>
+              </a:rPr>
+              <a:t>Dataset consists of a set of Arabic Computer Science terms (manually constructed)</a:t>
+            </a:r>
+          </a:p>
+          <a:p>
+            <a:r>
+              <a:rPr lang="en-US" dirty="0">
+                <a:solidFill>
+                  <a:srgbClr val="505050"/>
+                </a:solidFill>
+                <a:latin typeface="NexusSerif"/>
+              </a:rPr>
+              <a:t>Hybrid method outperformed each method separately</a:t>
+            </a:r>
+          </a:p>
+          <a:p>
+            <a:r>
+              <a:rPr lang="en-US" dirty="0">
+                <a:solidFill>
+                  <a:srgbClr val="505050"/>
+                </a:solidFill>
+                <a:latin typeface="NexusSerif"/>
+                <a:hlinkClick r:id="rId3"/>
+              </a:rPr>
+              <a:t>https://www.iasj.net/iasj/download/e2adce62809b6a3a</a:t>
+            </a:r>
+            <a:endParaRPr lang="en-US" dirty="0">
+              <a:solidFill>
+                <a:srgbClr val="505050"/>
+              </a:solidFill>
+              <a:latin typeface="NexusSerif"/>
+            </a:endParaRPr>
+          </a:p>
+          <a:p>
+            <a:endParaRPr lang="en-US" dirty="0">
+              <a:solidFill>
+                <a:srgbClr val="505050"/>
+              </a:solidFill>
+              <a:latin typeface="NexusSerif"/>
+            </a:endParaRPr>
+          </a:p>
+        </p:txBody>
+      </p:sp>
+    </p:spTree>
+    <p:extLst>
+      <p:ext uri="{BB962C8B-B14F-4D97-AF65-F5344CB8AC3E}">
+        <p14:creationId xmlns:p14="http://schemas.microsoft.com/office/powerpoint/2010/main" val="2605515093"/>
+      </p:ext>
+    </p:extLst>
+  </p:cSld>
+  <p:clrMapOvr>
+    <a:masterClrMapping/>
+  </p:clrMapOvr>
+</p:sld>
+</file>
+
+<file path=ppt/slides/slide22.xml><?xml version="1.0" encoding="utf-8"?>
+<p:sld xmlns:a="http://schemas.openxmlformats.org/drawingml/2006/main" xmlns:r="http://schemas.openxmlformats.org/officeDocument/2006/relationships" xmlns:p="http://schemas.openxmlformats.org/presentationml/2006/main">
+  <p:cSld>
+    <p:spTree>
+      <p:nvGrpSpPr>
+        <p:cNvPr id="1" name=""/>
+        <p:cNvGrpSpPr/>
+        <p:nvPr/>
+      </p:nvGrpSpPr>
+      <p:grpSpPr>
+        <a:xfrm>
+          <a:off x="0" y="0"/>
+          <a:ext cx="0" cy="0"/>
+          <a:chOff x="0" y="0"/>
+          <a:chExt cx="0" cy="0"/>
+        </a:xfrm>
+      </p:grpSpPr>
+      <p:sp>
+        <p:nvSpPr>
+          <p:cNvPr id="2" name="Title 1">
+            <a:extLst>
+              <a:ext uri="{FF2B5EF4-FFF2-40B4-BE49-F238E27FC236}">
+                <a16:creationId xmlns:a16="http://schemas.microsoft.com/office/drawing/2014/main" id="{F71B79FD-0FA2-4793-84FE-A0D4AF52FF90}"/>
+              </a:ext>
+            </a:extLst>
+          </p:cNvPr>
+          <p:cNvSpPr>
+            <a:spLocks noGrp="1"/>
+          </p:cNvSpPr>
+          <p:nvPr>
+            <p:ph type="title"/>
+          </p:nvPr>
+        </p:nvSpPr>
+        <p:spPr>
+          <a:xfrm>
+            <a:off x="681135" y="365125"/>
+            <a:ext cx="11206065" cy="1325563"/>
+          </a:xfrm>
+        </p:spPr>
+        <p:txBody>
+          <a:bodyPr/>
+          <a:lstStyle/>
+          <a:p>
+            <a:r>
+              <a:rPr lang="en-US" dirty="0"/>
+              <a:t>Related Work: 3. Docs/News Similarity</a:t>
+            </a:r>
+          </a:p>
+        </p:txBody>
+      </p:sp>
+      <p:sp>
+        <p:nvSpPr>
+          <p:cNvPr id="3" name="Content Placeholder 2">
+            <a:extLst>
+              <a:ext uri="{FF2B5EF4-FFF2-40B4-BE49-F238E27FC236}">
+                <a16:creationId xmlns:a16="http://schemas.microsoft.com/office/drawing/2014/main" id="{12D94D22-8A38-4CB6-AA07-18FB6B3033DA}"/>
+              </a:ext>
+            </a:extLst>
+          </p:cNvPr>
+          <p:cNvSpPr>
+            <a:spLocks noGrp="1"/>
+          </p:cNvSpPr>
+          <p:nvPr>
+            <p:ph idx="1"/>
+          </p:nvPr>
+        </p:nvSpPr>
+        <p:spPr>
+          <a:xfrm>
+            <a:off x="429208" y="1436914"/>
+            <a:ext cx="11457992" cy="5290457"/>
+          </a:xfrm>
+        </p:spPr>
+        <p:txBody>
+          <a:bodyPr>
+            <a:normAutofit fontScale="70000" lnSpcReduction="20000"/>
+          </a:bodyPr>
+          <a:lstStyle/>
+          <a:p>
+            <a:pPr algn="l"/>
+            <a:r>
+              <a:rPr lang="en-US" b="0" i="0" dirty="0">
+                <a:solidFill>
+                  <a:srgbClr val="FF0000"/>
+                </a:solidFill>
+                <a:effectLst/>
+                <a:latin typeface="NexusSerif"/>
+              </a:rPr>
+              <a:t>(</a:t>
+            </a:r>
+            <a:r>
+              <a:rPr lang="en-US" b="0" i="0" dirty="0" err="1">
+                <a:solidFill>
+                  <a:srgbClr val="FF0000"/>
+                </a:solidFill>
+                <a:effectLst/>
+                <a:latin typeface="NexusSerif"/>
+              </a:rPr>
+              <a:t>Nagoudi</a:t>
+            </a:r>
+            <a:r>
+              <a:rPr lang="en-US" b="0" i="0" dirty="0">
+                <a:solidFill>
+                  <a:srgbClr val="FF0000"/>
+                </a:solidFill>
+                <a:effectLst/>
+                <a:latin typeface="NexusSerif"/>
+              </a:rPr>
+              <a:t> and Schwab </a:t>
+            </a:r>
+            <a:r>
+              <a:rPr lang="en-US" dirty="0">
+                <a:solidFill>
+                  <a:srgbClr val="FF0000"/>
+                </a:solidFill>
+                <a:latin typeface="Arial" panose="020B0604020202020204" pitchFamily="34" charset="0"/>
+              </a:rPr>
+              <a:t>2017)</a:t>
+            </a:r>
+            <a:r>
+              <a:rPr lang="en-US" sz="2800" b="0" i="0" u="none" strike="noStrike" baseline="0" dirty="0">
+                <a:latin typeface="TimesNewRoman"/>
+              </a:rPr>
+              <a:t>: </a:t>
+            </a:r>
+            <a:r>
+              <a:rPr lang="en-US" dirty="0"/>
+              <a:t>Semantic Similarity of Arabic Sentences with Word Embeddings</a:t>
+            </a:r>
+          </a:p>
+          <a:p>
+            <a:r>
+              <a:rPr lang="en-US" dirty="0">
+                <a:solidFill>
+                  <a:srgbClr val="505050"/>
+                </a:solidFill>
+                <a:latin typeface="NexusSerif"/>
+              </a:rPr>
+              <a:t>Sentence level similarity</a:t>
+            </a:r>
+          </a:p>
+          <a:p>
+            <a:pPr algn="l"/>
+            <a:r>
+              <a:rPr lang="en-US" dirty="0">
+                <a:solidFill>
+                  <a:srgbClr val="505050"/>
+                </a:solidFill>
+                <a:latin typeface="NexusSerif"/>
+              </a:rPr>
+              <a:t>750 sentence pairs from Microsoft Research Video Description Corpus translated to Arabic</a:t>
+            </a:r>
+          </a:p>
+          <a:p>
+            <a:pPr algn="l"/>
+            <a:r>
+              <a:rPr lang="en-US" dirty="0">
+                <a:solidFill>
+                  <a:srgbClr val="505050"/>
+                </a:solidFill>
+                <a:latin typeface="NexusSerif"/>
+              </a:rPr>
+              <a:t>Stop-words removed, Letter’s variations are normalized, etc.</a:t>
+            </a:r>
+          </a:p>
+          <a:p>
+            <a:pPr algn="l"/>
+            <a:r>
+              <a:rPr lang="en-US" dirty="0">
+                <a:solidFill>
+                  <a:srgbClr val="505050"/>
+                </a:solidFill>
+                <a:latin typeface="NexusSerif"/>
+              </a:rPr>
+              <a:t>Uses POS tagging</a:t>
+            </a:r>
+          </a:p>
+          <a:p>
+            <a:pPr algn="l"/>
+            <a:r>
+              <a:rPr lang="en-US" dirty="0">
+                <a:solidFill>
+                  <a:srgbClr val="505050"/>
+                </a:solidFill>
+                <a:latin typeface="NexusSerif"/>
+              </a:rPr>
+              <a:t> Not aware of context</a:t>
+            </a:r>
+          </a:p>
+          <a:p>
+            <a:r>
+              <a:rPr lang="en-US" dirty="0">
+                <a:solidFill>
+                  <a:srgbClr val="505050"/>
+                </a:solidFill>
+                <a:latin typeface="NexusSerif"/>
+                <a:hlinkClick r:id="rId2"/>
+              </a:rPr>
+              <a:t>https://aclanthology.org/W17-1303.pdf</a:t>
+            </a:r>
+            <a:endParaRPr lang="en-US" dirty="0">
+              <a:solidFill>
+                <a:srgbClr val="505050"/>
+              </a:solidFill>
+              <a:latin typeface="NexusSerif"/>
+            </a:endParaRPr>
+          </a:p>
+          <a:p>
+            <a:r>
+              <a:rPr lang="en-US" b="0" i="0" dirty="0">
+                <a:solidFill>
+                  <a:srgbClr val="FF0000"/>
+                </a:solidFill>
+                <a:effectLst/>
+                <a:latin typeface="NexusSerif"/>
+              </a:rPr>
+              <a:t>(</a:t>
+            </a:r>
+            <a:r>
+              <a:rPr lang="en-US" dirty="0" err="1">
+                <a:solidFill>
+                  <a:srgbClr val="FF0000"/>
+                </a:solidFill>
+                <a:latin typeface="Arial" panose="020B0604020202020204" pitchFamily="34" charset="0"/>
+              </a:rPr>
+              <a:t>Nagoudi</a:t>
+            </a:r>
+            <a:r>
+              <a:rPr lang="en-US" dirty="0">
+                <a:solidFill>
+                  <a:srgbClr val="FF0000"/>
+                </a:solidFill>
+                <a:latin typeface="Arial" panose="020B0604020202020204" pitchFamily="34" charset="0"/>
+              </a:rPr>
+              <a:t> et. al., </a:t>
+            </a:r>
+            <a:r>
+              <a:rPr lang="en-US" b="0" i="0" dirty="0">
+                <a:solidFill>
+                  <a:srgbClr val="FF0000"/>
+                </a:solidFill>
+                <a:effectLst/>
+                <a:latin typeface="NexusSerif"/>
+              </a:rPr>
+              <a:t>2018</a:t>
+            </a:r>
+            <a:r>
+              <a:rPr lang="en-US" dirty="0">
+                <a:solidFill>
+                  <a:srgbClr val="FF0000"/>
+                </a:solidFill>
+                <a:latin typeface="NexusSerif"/>
+              </a:rPr>
+              <a:t>) </a:t>
+            </a:r>
+            <a:r>
+              <a:rPr lang="en-US" dirty="0"/>
+              <a:t>Word Embedding-Based Approaches for Measuring Semantic Similarity of Arabic-English Sentences</a:t>
+            </a:r>
+          </a:p>
+          <a:p>
+            <a:r>
+              <a:rPr lang="en-US" dirty="0">
+                <a:solidFill>
+                  <a:srgbClr val="505050"/>
+                </a:solidFill>
+                <a:latin typeface="NexusSerif"/>
+              </a:rPr>
+              <a:t>Sentence level similarity</a:t>
+            </a:r>
+          </a:p>
+          <a:p>
+            <a:r>
+              <a:rPr lang="en-US" dirty="0">
+                <a:solidFill>
+                  <a:srgbClr val="505050"/>
+                </a:solidFill>
+                <a:latin typeface="NexusSerif"/>
+              </a:rPr>
+              <a:t>Uses MT to translate English sentences to Arabic then process</a:t>
+            </a:r>
+          </a:p>
+          <a:p>
+            <a:r>
+              <a:rPr lang="en-US" dirty="0">
+                <a:solidFill>
+                  <a:srgbClr val="505050"/>
+                </a:solidFill>
+                <a:latin typeface="NexusSerif"/>
+              </a:rPr>
+              <a:t>2400 sentence pairs examined</a:t>
+            </a:r>
+          </a:p>
+          <a:p>
+            <a:r>
+              <a:rPr lang="en-US" dirty="0">
+                <a:solidFill>
+                  <a:srgbClr val="505050"/>
+                </a:solidFill>
+                <a:latin typeface="NexusSerif"/>
+              </a:rPr>
+              <a:t>Words Alignment, IDF, and POS tagging is used</a:t>
+            </a:r>
+          </a:p>
+          <a:p>
+            <a:r>
+              <a:rPr lang="en-US" dirty="0">
+                <a:solidFill>
+                  <a:srgbClr val="505050"/>
+                </a:solidFill>
+                <a:latin typeface="NexusSerif"/>
+              </a:rPr>
+              <a:t>Ferrero 2017 is related (co-author)</a:t>
+            </a:r>
+          </a:p>
+          <a:p>
+            <a:r>
+              <a:rPr lang="en-US" dirty="0">
+                <a:solidFill>
+                  <a:srgbClr val="505050"/>
+                </a:solidFill>
+                <a:latin typeface="NexusSerif"/>
+                <a:hlinkClick r:id="rId3"/>
+              </a:rPr>
+              <a:t>https://hal.archives-ouvertes.fr/hal-01683494/file/Lecture_Notes_in_Computer_Science__LNCS__2%20%2819%29.pdf</a:t>
+            </a:r>
+            <a:endParaRPr lang="en-US" dirty="0">
+              <a:solidFill>
+                <a:srgbClr val="505050"/>
+              </a:solidFill>
+              <a:latin typeface="NexusSerif"/>
+            </a:endParaRPr>
+          </a:p>
+          <a:p>
+            <a:endParaRPr lang="en-US" dirty="0">
+              <a:solidFill>
+                <a:srgbClr val="505050"/>
+              </a:solidFill>
+              <a:latin typeface="NexusSerif"/>
+            </a:endParaRPr>
+          </a:p>
+          <a:p>
+            <a:endParaRPr lang="en-US" dirty="0">
+              <a:solidFill>
+                <a:srgbClr val="505050"/>
+              </a:solidFill>
+              <a:latin typeface="NexusSerif"/>
+            </a:endParaRPr>
+          </a:p>
+        </p:txBody>
+      </p:sp>
+    </p:spTree>
+    <p:extLst>
+      <p:ext uri="{BB962C8B-B14F-4D97-AF65-F5344CB8AC3E}">
+        <p14:creationId xmlns:p14="http://schemas.microsoft.com/office/powerpoint/2010/main" val="223932497"/>
+      </p:ext>
+    </p:extLst>
+  </p:cSld>
+  <p:clrMapOvr>
+    <a:masterClrMapping/>
+  </p:clrMapOvr>
+</p:sld>
+</file>
+
+<file path=ppt/slides/slide23.xml><?xml version="1.0" encoding="utf-8"?>
+<p:sld xmlns:a="http://schemas.openxmlformats.org/drawingml/2006/main" xmlns:r="http://schemas.openxmlformats.org/officeDocument/2006/relationships" xmlns:p="http://schemas.openxmlformats.org/presentationml/2006/main">
+  <p:cSld>
+    <p:spTree>
+      <p:nvGrpSpPr>
+        <p:cNvPr id="1" name=""/>
+        <p:cNvGrpSpPr/>
+        <p:nvPr/>
+      </p:nvGrpSpPr>
+      <p:grpSpPr>
+        <a:xfrm>
+          <a:off x="0" y="0"/>
+          <a:ext cx="0" cy="0"/>
+          <a:chOff x="0" y="0"/>
+          <a:chExt cx="0" cy="0"/>
+        </a:xfrm>
+      </p:grpSpPr>
+      <p:sp>
+        <p:nvSpPr>
+          <p:cNvPr id="2" name="Title 1">
+            <a:extLst>
+              <a:ext uri="{FF2B5EF4-FFF2-40B4-BE49-F238E27FC236}">
+                <a16:creationId xmlns:a16="http://schemas.microsoft.com/office/drawing/2014/main" id="{F71B79FD-0FA2-4793-84FE-A0D4AF52FF90}"/>
+              </a:ext>
+            </a:extLst>
+          </p:cNvPr>
+          <p:cNvSpPr>
+            <a:spLocks noGrp="1"/>
+          </p:cNvSpPr>
+          <p:nvPr>
+            <p:ph type="title"/>
+          </p:nvPr>
+        </p:nvSpPr>
+        <p:spPr>
+          <a:xfrm>
+            <a:off x="681135" y="365125"/>
+            <a:ext cx="11206065" cy="1325563"/>
+          </a:xfrm>
+        </p:spPr>
+        <p:txBody>
+          <a:bodyPr/>
+          <a:lstStyle/>
+          <a:p>
+            <a:r>
+              <a:rPr lang="en-US" dirty="0"/>
+              <a:t>Related Work: 3. Docs/News Similarity</a:t>
+            </a:r>
+          </a:p>
+        </p:txBody>
+      </p:sp>
+      <p:sp>
+        <p:nvSpPr>
+          <p:cNvPr id="3" name="Content Placeholder 2">
+            <a:extLst>
+              <a:ext uri="{FF2B5EF4-FFF2-40B4-BE49-F238E27FC236}">
+                <a16:creationId xmlns:a16="http://schemas.microsoft.com/office/drawing/2014/main" id="{12D94D22-8A38-4CB6-AA07-18FB6B3033DA}"/>
+              </a:ext>
+            </a:extLst>
+          </p:cNvPr>
+          <p:cNvSpPr>
+            <a:spLocks noGrp="1"/>
+          </p:cNvSpPr>
+          <p:nvPr>
+            <p:ph idx="1"/>
+          </p:nvPr>
+        </p:nvSpPr>
+        <p:spPr>
+          <a:xfrm>
+            <a:off x="429208" y="1436914"/>
+            <a:ext cx="11457992" cy="5290457"/>
+          </a:xfrm>
+        </p:spPr>
+        <p:txBody>
+          <a:bodyPr>
+            <a:normAutofit fontScale="85000" lnSpcReduction="20000"/>
+          </a:bodyPr>
+          <a:lstStyle/>
+          <a:p>
+            <a:pPr algn="l"/>
+            <a:r>
+              <a:rPr lang="en-US" b="0" i="0" dirty="0">
+                <a:solidFill>
+                  <a:srgbClr val="FF0000"/>
+                </a:solidFill>
+                <a:effectLst/>
+                <a:latin typeface="NexusSerif"/>
+              </a:rPr>
+              <a:t>(</a:t>
+            </a:r>
+            <a:r>
+              <a:rPr lang="en-US" b="0" i="0" dirty="0" err="1">
+                <a:solidFill>
+                  <a:srgbClr val="FF0000"/>
+                </a:solidFill>
+                <a:effectLst/>
+                <a:latin typeface="NexusSerif"/>
+              </a:rPr>
+              <a:t>Almarsoomi</a:t>
+            </a:r>
+            <a:r>
+              <a:rPr lang="en-US" b="0" i="0" dirty="0">
+                <a:solidFill>
+                  <a:srgbClr val="FF0000"/>
+                </a:solidFill>
+                <a:effectLst/>
+                <a:latin typeface="NexusSerif"/>
+              </a:rPr>
+              <a:t> et. al., 2013</a:t>
+            </a:r>
+            <a:r>
+              <a:rPr lang="en-US" dirty="0">
+                <a:solidFill>
+                  <a:srgbClr val="FF0000"/>
+                </a:solidFill>
+                <a:latin typeface="Arial" panose="020B0604020202020204" pitchFamily="34" charset="0"/>
+              </a:rPr>
+              <a:t>)</a:t>
+            </a:r>
+            <a:r>
+              <a:rPr lang="en-US" sz="2800" b="0" i="0" u="none" strike="noStrike" baseline="0" dirty="0">
+                <a:latin typeface="TimesNewRoman"/>
+              </a:rPr>
+              <a:t>: </a:t>
+            </a:r>
+            <a:r>
+              <a:rPr lang="en-US" dirty="0"/>
+              <a:t>AWSS: An Algorithm for Measuring Arabic Word Semantic Similarity</a:t>
+            </a:r>
+          </a:p>
+          <a:p>
+            <a:pPr algn="l"/>
+            <a:r>
+              <a:rPr lang="en-US" dirty="0">
+                <a:solidFill>
+                  <a:srgbClr val="505050"/>
+                </a:solidFill>
+                <a:latin typeface="NexusSerif"/>
+              </a:rPr>
+              <a:t>Word level similarity</a:t>
+            </a:r>
+          </a:p>
+          <a:p>
+            <a:pPr algn="l"/>
+            <a:r>
+              <a:rPr lang="en-US" dirty="0">
+                <a:solidFill>
+                  <a:srgbClr val="505050"/>
+                </a:solidFill>
+                <a:latin typeface="NexusSerif"/>
+              </a:rPr>
+              <a:t>It is not closely related to my work. </a:t>
+            </a:r>
+            <a:r>
+              <a:rPr lang="en-US" dirty="0">
+                <a:solidFill>
+                  <a:srgbClr val="505050"/>
+                </a:solidFill>
+                <a:latin typeface="NexusSerif"/>
+                <a:hlinkClick r:id="rId2"/>
+              </a:rPr>
+              <a:t>https://www.researchgate.net/publication/262398174_AWSS_An_Algorithm_for_Measuring_Arabic_Word_Semantic_Similarity</a:t>
+            </a:r>
+            <a:endParaRPr lang="en-US" dirty="0">
+              <a:solidFill>
+                <a:srgbClr val="505050"/>
+              </a:solidFill>
+              <a:latin typeface="NexusSerif"/>
+            </a:endParaRPr>
+          </a:p>
+          <a:p>
+            <a:r>
+              <a:rPr lang="en-US" b="0" i="0" dirty="0">
+                <a:solidFill>
+                  <a:srgbClr val="FF0000"/>
+                </a:solidFill>
+                <a:effectLst/>
+                <a:latin typeface="NexusSerif"/>
+              </a:rPr>
+              <a:t>(Froud</a:t>
+            </a:r>
+            <a:r>
+              <a:rPr lang="en-US" dirty="0">
+                <a:solidFill>
+                  <a:srgbClr val="FF0000"/>
+                </a:solidFill>
+                <a:latin typeface="Arial" panose="020B0604020202020204" pitchFamily="34" charset="0"/>
+              </a:rPr>
+              <a:t> et. al., </a:t>
+            </a:r>
+            <a:r>
+              <a:rPr lang="en-US" b="0" i="0" dirty="0">
+                <a:solidFill>
+                  <a:srgbClr val="FF0000"/>
+                </a:solidFill>
+                <a:effectLst/>
+                <a:latin typeface="NexusSerif"/>
+              </a:rPr>
+              <a:t>2012</a:t>
+            </a:r>
+            <a:r>
+              <a:rPr lang="en-US" dirty="0">
+                <a:solidFill>
+                  <a:srgbClr val="FF0000"/>
+                </a:solidFill>
+                <a:latin typeface="NexusSerif"/>
+              </a:rPr>
+              <a:t>) </a:t>
+            </a:r>
+            <a:r>
+              <a:rPr lang="en-US" dirty="0"/>
+              <a:t>Stemming versus Light Stemming for measuring the similarity between Arabic Words</a:t>
+            </a:r>
+          </a:p>
+          <a:p>
+            <a:pPr algn="l"/>
+            <a:r>
+              <a:rPr lang="en-US" dirty="0">
+                <a:solidFill>
+                  <a:srgbClr val="505050"/>
+                </a:solidFill>
+                <a:latin typeface="NexusSerif"/>
+              </a:rPr>
+              <a:t>Word level similarity</a:t>
+            </a:r>
+          </a:p>
+          <a:p>
+            <a:r>
+              <a:rPr lang="en-US" dirty="0">
+                <a:solidFill>
+                  <a:srgbClr val="505050"/>
+                </a:solidFill>
+                <a:latin typeface="NexusSerif"/>
+              </a:rPr>
+              <a:t>It is not closely related to my work. </a:t>
+            </a:r>
+          </a:p>
+          <a:p>
+            <a:r>
+              <a:rPr lang="en-US" dirty="0">
+                <a:solidFill>
+                  <a:srgbClr val="FF0000"/>
+                </a:solidFill>
+                <a:latin typeface="NexusSerif"/>
+              </a:rPr>
+              <a:t>(</a:t>
+            </a:r>
+            <a:r>
+              <a:rPr lang="en-US" dirty="0" err="1">
+                <a:solidFill>
+                  <a:srgbClr val="FF0000"/>
+                </a:solidFill>
+                <a:latin typeface="NexusSerif"/>
+              </a:rPr>
+              <a:t>Alhawarat</a:t>
+            </a:r>
+            <a:r>
+              <a:rPr lang="en-US" dirty="0">
+                <a:solidFill>
+                  <a:srgbClr val="FF0000"/>
+                </a:solidFill>
+                <a:latin typeface="NexusSerif"/>
+              </a:rPr>
+              <a:t> et. al., 2021): </a:t>
+            </a:r>
+            <a:r>
+              <a:rPr lang="en-US" dirty="0"/>
+              <a:t>Effect of stemming on text similarity for Arabic language at sentence level</a:t>
+            </a:r>
+          </a:p>
+          <a:p>
+            <a:pPr algn="l"/>
+            <a:r>
+              <a:rPr lang="en-US" dirty="0">
+                <a:solidFill>
+                  <a:srgbClr val="505050"/>
+                </a:solidFill>
+                <a:latin typeface="NexusSerif"/>
+              </a:rPr>
+              <a:t>Compares the effect of multiple stemmers on text similarity using SVM, Stochastic Gradient Descent, and Naïve Bayesian</a:t>
+            </a:r>
+          </a:p>
+          <a:p>
+            <a:r>
+              <a:rPr lang="en-US" dirty="0">
+                <a:solidFill>
+                  <a:srgbClr val="505050"/>
+                </a:solidFill>
+                <a:latin typeface="NexusSerif"/>
+              </a:rPr>
+              <a:t>In general, stemming improved similarity results by 7% but some stemmers produced worse results than the original text like Khoja heavy stemmer and </a:t>
+            </a:r>
+            <a:r>
+              <a:rPr lang="en-US" dirty="0" err="1">
+                <a:solidFill>
+                  <a:srgbClr val="505050"/>
+                </a:solidFill>
+                <a:latin typeface="NexusSerif"/>
+              </a:rPr>
+              <a:t>AlKhalil</a:t>
+            </a:r>
+            <a:r>
+              <a:rPr lang="en-US" dirty="0">
+                <a:solidFill>
+                  <a:srgbClr val="505050"/>
+                </a:solidFill>
+                <a:latin typeface="NexusSerif"/>
+              </a:rPr>
+              <a:t> light stemmer.</a:t>
+            </a:r>
+          </a:p>
+          <a:p>
+            <a:endParaRPr lang="en-US" dirty="0"/>
+          </a:p>
+          <a:p>
+            <a:endParaRPr lang="en-US" dirty="0">
+              <a:solidFill>
+                <a:srgbClr val="505050"/>
+              </a:solidFill>
+              <a:latin typeface="NexusSerif"/>
+            </a:endParaRPr>
+          </a:p>
+        </p:txBody>
+      </p:sp>
+    </p:spTree>
+    <p:extLst>
+      <p:ext uri="{BB962C8B-B14F-4D97-AF65-F5344CB8AC3E}">
+        <p14:creationId xmlns:p14="http://schemas.microsoft.com/office/powerpoint/2010/main" val="616691240"/>
+      </p:ext>
+    </p:extLst>
+  </p:cSld>
+  <p:clrMapOvr>
+    <a:masterClrMapping/>
+  </p:clrMapOvr>
+</p:sld>
+</file>
+
+<file path=ppt/slides/slide24.xml><?xml version="1.0" encoding="utf-8"?>
+<p:sld xmlns:a="http://schemas.openxmlformats.org/drawingml/2006/main" xmlns:r="http://schemas.openxmlformats.org/officeDocument/2006/relationships" xmlns:p="http://schemas.openxmlformats.org/presentationml/2006/main">
+  <p:cSld>
+    <p:spTree>
+      <p:nvGrpSpPr>
+        <p:cNvPr id="1" name=""/>
+        <p:cNvGrpSpPr/>
+        <p:nvPr/>
+      </p:nvGrpSpPr>
+      <p:grpSpPr>
+        <a:xfrm>
+          <a:off x="0" y="0"/>
+          <a:ext cx="0" cy="0"/>
+          <a:chOff x="0" y="0"/>
+          <a:chExt cx="0" cy="0"/>
+        </a:xfrm>
+      </p:grpSpPr>
+      <p:sp>
+        <p:nvSpPr>
+          <p:cNvPr id="2" name="Title 1">
+            <a:extLst>
+              <a:ext uri="{FF2B5EF4-FFF2-40B4-BE49-F238E27FC236}">
+                <a16:creationId xmlns:a16="http://schemas.microsoft.com/office/drawing/2014/main" id="{3A86496D-E279-49AF-A52A-6FB73B341038}"/>
+              </a:ext>
+            </a:extLst>
+          </p:cNvPr>
+          <p:cNvSpPr>
+            <a:spLocks noGrp="1"/>
+          </p:cNvSpPr>
+          <p:nvPr>
+            <p:ph type="title"/>
+          </p:nvPr>
+        </p:nvSpPr>
+        <p:spPr/>
+        <p:txBody>
+          <a:bodyPr/>
+          <a:lstStyle/>
+          <a:p>
+            <a:endParaRPr lang="en-US" dirty="0"/>
+          </a:p>
+        </p:txBody>
+      </p:sp>
+      <p:sp>
+        <p:nvSpPr>
+          <p:cNvPr id="7" name="Content Placeholder 6">
+            <a:extLst>
+              <a:ext uri="{FF2B5EF4-FFF2-40B4-BE49-F238E27FC236}">
+                <a16:creationId xmlns:a16="http://schemas.microsoft.com/office/drawing/2014/main" id="{1791AAA2-14E1-4D5D-A97D-205492CBD8CD}"/>
+              </a:ext>
+            </a:extLst>
+          </p:cNvPr>
+          <p:cNvSpPr>
+            <a:spLocks noGrp="1"/>
+          </p:cNvSpPr>
+          <p:nvPr>
+            <p:ph idx="1"/>
+          </p:nvPr>
+        </p:nvSpPr>
+        <p:spPr/>
+        <p:txBody>
+          <a:bodyPr/>
+          <a:lstStyle/>
+          <a:p>
+            <a:pPr algn="l"/>
+            <a:endParaRPr lang="en-US" dirty="0"/>
+          </a:p>
+        </p:txBody>
+      </p:sp>
+    </p:spTree>
+    <p:extLst>
+      <p:ext uri="{BB962C8B-B14F-4D97-AF65-F5344CB8AC3E}">
+        <p14:creationId xmlns:p14="http://schemas.microsoft.com/office/powerpoint/2010/main" val="2987297751"/>
       </p:ext>
     </p:extLst>
   </p:cSld>
@@ -5746,78 +7614,239 @@
             <p:ph type="title"/>
           </p:nvPr>
         </p:nvSpPr>
+        <p:spPr/>
+        <p:txBody>
+          <a:bodyPr/>
+          <a:lstStyle/>
+          <a:p>
+            <a:r>
+              <a:rPr lang="en-US" dirty="0"/>
+              <a:t>Related Work: 2. Arabic Names Normalization</a:t>
+            </a:r>
+          </a:p>
+        </p:txBody>
+      </p:sp>
+      <p:sp>
+        <p:nvSpPr>
+          <p:cNvPr id="3" name="Content Placeholder 2">
+            <a:extLst>
+              <a:ext uri="{FF2B5EF4-FFF2-40B4-BE49-F238E27FC236}">
+                <a16:creationId xmlns:a16="http://schemas.microsoft.com/office/drawing/2014/main" id="{12D94D22-8A38-4CB6-AA07-18FB6B3033DA}"/>
+              </a:ext>
+            </a:extLst>
+          </p:cNvPr>
+          <p:cNvSpPr>
+            <a:spLocks noGrp="1"/>
+          </p:cNvSpPr>
+          <p:nvPr>
+            <p:ph idx="1"/>
+          </p:nvPr>
+        </p:nvSpPr>
         <p:spPr>
           <a:xfrm>
-            <a:off x="681135" y="365125"/>
-            <a:ext cx="11206065" cy="1325563"/>
+            <a:off x="494522" y="1520890"/>
+            <a:ext cx="11541968" cy="5094513"/>
           </a:xfrm>
         </p:spPr>
         <p:txBody>
-          <a:bodyPr/>
-          <a:lstStyle/>
-          <a:p>
-            <a:r>
-              <a:rPr lang="en-US" dirty="0"/>
-              <a:t>Related Work: 3. Docs/News Similarity</a:t>
-            </a:r>
-          </a:p>
-        </p:txBody>
-      </p:sp>
-      <p:sp>
-        <p:nvSpPr>
-          <p:cNvPr id="3" name="Content Placeholder 2">
-            <a:extLst>
-              <a:ext uri="{FF2B5EF4-FFF2-40B4-BE49-F238E27FC236}">
-                <a16:creationId xmlns:a16="http://schemas.microsoft.com/office/drawing/2014/main" id="{12D94D22-8A38-4CB6-AA07-18FB6B3033DA}"/>
-              </a:ext>
-            </a:extLst>
-          </p:cNvPr>
-          <p:cNvSpPr>
-            <a:spLocks noGrp="1"/>
-          </p:cNvSpPr>
-          <p:nvPr>
-            <p:ph idx="1"/>
-          </p:nvPr>
-        </p:nvSpPr>
-        <p:spPr/>
-        <p:txBody>
-          <a:bodyPr/>
-          <a:lstStyle/>
-          <a:p>
-            <a:r>
-              <a:rPr lang="en-US" dirty="0"/>
+          <a:bodyPr>
+            <a:normAutofit fontScale="85000" lnSpcReduction="20000"/>
+          </a:bodyPr>
+          <a:lstStyle/>
+          <a:p>
+            <a:r>
+              <a:rPr lang="en-US" dirty="0">
+                <a:solidFill>
+                  <a:srgbClr val="FF0000"/>
+                </a:solidFill>
+              </a:rPr>
               <a:t>(</a:t>
             </a:r>
             <a:r>
+              <a:rPr lang="en-US" dirty="0" err="1">
+                <a:solidFill>
+                  <a:srgbClr val="FF0000"/>
+                </a:solidFill>
+              </a:rPr>
+              <a:t>Alsorori</a:t>
+            </a:r>
+            <a:r>
+              <a:rPr lang="en-US" dirty="0">
+                <a:solidFill>
+                  <a:srgbClr val="FF0000"/>
+                </a:solidFill>
+              </a:rPr>
+              <a:t> et. al. 2019) </a:t>
+            </a:r>
+            <a:r>
+              <a:rPr lang="en-US" dirty="0"/>
+              <a:t>Developing Algorithm for Matching Arabic Names Entered by Mobile Phone</a:t>
+            </a:r>
+          </a:p>
+          <a:p>
+            <a:r>
+              <a:rPr lang="en-US" dirty="0"/>
+              <a:t>Another paper: An Enhanced Algorithm for Matching Arabic Names Entered by Mobile Phones</a:t>
+            </a:r>
+          </a:p>
+          <a:p>
+            <a:r>
+              <a:rPr lang="en-US" dirty="0"/>
+              <a:t>Uses 3 approaches, </a:t>
+            </a:r>
+            <a:r>
               <a:rPr lang="en-US" dirty="0" err="1"/>
-              <a:t>Alsmadi</a:t>
-            </a:r>
-            <a:r>
-              <a:rPr lang="en-US" dirty="0"/>
-              <a:t> et. al. 2017) Paraphrase identification and semantic text similarity analysis in Arabic news tweets using lexical, syntactic, and semantic features.</a:t>
-            </a:r>
-          </a:p>
-          <a:p>
-            <a:r>
-              <a:rPr lang="en-US" dirty="0"/>
-              <a:t>Uses features extraction, text classification.</a:t>
-            </a:r>
-          </a:p>
-          <a:p>
-            <a:r>
-              <a:rPr lang="en-US" dirty="0"/>
-              <a:t>Maximum Entropy (</a:t>
+              <a:t>soundex</a:t>
+            </a:r>
+            <a:r>
+              <a:rPr lang="en-US" dirty="0"/>
+              <a:t>, keyboard location, and </a:t>
             </a:r>
             <a:r>
               <a:rPr lang="en-US" dirty="0" err="1"/>
-              <a:t>MaxEnt</a:t>
-            </a:r>
-            <a:r>
-              <a:rPr lang="en-US" dirty="0"/>
-              <a:t>) and Support Vector Regression (SVR) classifiers are used.</a:t>
-            </a:r>
-          </a:p>
-          <a:p>
+              <a:t>Levenshtein</a:t>
+            </a:r>
+            <a:r>
+              <a:rPr lang="en-US" dirty="0"/>
+              <a:t> distance (form similarity)</a:t>
+            </a:r>
+          </a:p>
+          <a:p>
+            <a:r>
+              <a:rPr lang="en-US" dirty="0"/>
+              <a:t>Produced better results than </a:t>
+            </a:r>
+            <a:r>
+              <a:rPr lang="en-US" dirty="0" err="1"/>
+              <a:t>Levenshtein</a:t>
+            </a:r>
+            <a:endParaRPr lang="en-US" dirty="0"/>
+          </a:p>
+          <a:p>
+            <a:r>
+              <a:rPr lang="en-US" b="0" i="0" dirty="0">
+                <a:solidFill>
+                  <a:srgbClr val="555555"/>
+                </a:solidFill>
+                <a:effectLst/>
+                <a:latin typeface="Roboto" panose="02000000000000000000" pitchFamily="2" charset="0"/>
+              </a:rPr>
+              <a:t>Geared towards </a:t>
+            </a:r>
+            <a:r>
+              <a:rPr lang="en-US" dirty="0">
+                <a:solidFill>
+                  <a:srgbClr val="555555"/>
+                </a:solidFill>
+                <a:latin typeface="Roboto" panose="02000000000000000000" pitchFamily="2" charset="0"/>
+              </a:rPr>
+              <a:t>supporting spell checkers</a:t>
+            </a:r>
+            <a:endParaRPr lang="en-US" dirty="0"/>
+          </a:p>
+          <a:p>
+            <a:pPr algn="l"/>
+            <a:r>
+              <a:rPr lang="en-US" dirty="0">
+                <a:solidFill>
+                  <a:srgbClr val="FF0000"/>
+                </a:solidFill>
+              </a:rPr>
+              <a:t>(</a:t>
+            </a:r>
+            <a:r>
+              <a:rPr lang="en-US" dirty="0" err="1">
+                <a:solidFill>
+                  <a:srgbClr val="FF0000"/>
+                </a:solidFill>
+              </a:rPr>
+              <a:t>Ghafour</a:t>
+            </a:r>
+            <a:r>
+              <a:rPr lang="en-US" dirty="0">
+                <a:solidFill>
+                  <a:srgbClr val="FF0000"/>
+                </a:solidFill>
+              </a:rPr>
+              <a:t> et al. 2011) </a:t>
+            </a:r>
+            <a:r>
+              <a:rPr lang="en-US" b="0" i="0" dirty="0">
+                <a:solidFill>
+                  <a:srgbClr val="111111"/>
+                </a:solidFill>
+                <a:effectLst/>
+                <a:latin typeface="Roboto" panose="02000000000000000000" pitchFamily="2" charset="0"/>
+              </a:rPr>
+              <a:t>“AEDA: Arabic Edit Distance Algorithm</a:t>
+            </a:r>
+          </a:p>
+          <a:p>
+            <a:pPr algn="l"/>
+            <a:r>
+              <a:rPr lang="en-US" b="0" i="0" dirty="0">
+                <a:solidFill>
+                  <a:srgbClr val="111111"/>
+                </a:solidFill>
+                <a:effectLst/>
+                <a:latin typeface="Roboto" panose="02000000000000000000" pitchFamily="2" charset="0"/>
+              </a:rPr>
+              <a:t>Towards A New Approach for Arabic Name Matching</a:t>
+            </a:r>
+          </a:p>
+          <a:p>
+            <a:pPr algn="l"/>
+            <a:r>
+              <a:rPr lang="en-US" b="0" i="0" dirty="0">
+                <a:solidFill>
+                  <a:srgbClr val="333333"/>
+                </a:solidFill>
+                <a:effectLst/>
+                <a:latin typeface="Roboto" panose="02000000000000000000" pitchFamily="2" charset="0"/>
+              </a:rPr>
+              <a:t>The same as the above paper but it uses the computer keyboard distance between letters instead of mobile phone keyboard distance.</a:t>
+            </a:r>
+          </a:p>
+          <a:p>
+            <a:r>
+              <a:rPr lang="en-US" dirty="0"/>
+              <a:t>Produced better results than </a:t>
+            </a:r>
+            <a:r>
+              <a:rPr lang="en-US" dirty="0" err="1"/>
+              <a:t>Levenshtein</a:t>
+            </a:r>
+            <a:endParaRPr lang="en-US" dirty="0"/>
+          </a:p>
+          <a:p>
+            <a:r>
+              <a:rPr lang="en-US" b="0" i="0" dirty="0">
+                <a:solidFill>
+                  <a:srgbClr val="555555"/>
+                </a:solidFill>
+                <a:effectLst/>
+                <a:latin typeface="Roboto" panose="02000000000000000000" pitchFamily="2" charset="0"/>
+              </a:rPr>
+              <a:t>Geared towards </a:t>
+            </a:r>
+            <a:r>
+              <a:rPr lang="en-US" dirty="0">
+                <a:solidFill>
+                  <a:srgbClr val="555555"/>
+                </a:solidFill>
+                <a:latin typeface="Roboto" panose="02000000000000000000" pitchFamily="2" charset="0"/>
+              </a:rPr>
+              <a:t>supporting spell checkers</a:t>
+            </a:r>
+            <a:br>
+              <a:rPr lang="en-US" b="0" i="0" dirty="0">
+                <a:solidFill>
+                  <a:srgbClr val="555555"/>
+                </a:solidFill>
+                <a:effectLst/>
+                <a:latin typeface="Roboto" panose="02000000000000000000" pitchFamily="2" charset="0"/>
+              </a:rPr>
+            </a:br>
             <a:endParaRPr lang="en-US" dirty="0"/>
           </a:p>
         </p:txBody>
@@ -5825,7 +7854,7 @@
     </p:spTree>
     <p:extLst>
       <p:ext uri="{BB962C8B-B14F-4D97-AF65-F5344CB8AC3E}">
-        <p14:creationId xmlns:p14="http://schemas.microsoft.com/office/powerpoint/2010/main" val="1065778610"/>
+        <p14:creationId xmlns:p14="http://schemas.microsoft.com/office/powerpoint/2010/main" val="1851154774"/>
       </p:ext>
     </p:extLst>
   </p:cSld>
@@ -5901,95 +7930,58 @@
             <p:ph idx="1"/>
           </p:nvPr>
         </p:nvSpPr>
-        <p:spPr>
-          <a:xfrm>
-            <a:off x="838200" y="1576873"/>
-            <a:ext cx="10515600" cy="5150498"/>
-          </a:xfrm>
-        </p:spPr>
-        <p:txBody>
-          <a:bodyPr>
-            <a:normAutofit fontScale="92500" lnSpcReduction="10000"/>
-          </a:bodyPr>
-          <a:lstStyle/>
-          <a:p>
-            <a:r>
-              <a:rPr lang="en-US" dirty="0">
-                <a:solidFill>
-                  <a:srgbClr val="FF0000"/>
-                </a:solidFill>
-              </a:rPr>
-              <a:t>(Langlois et. al. 2018) </a:t>
-            </a:r>
-            <a:r>
-              <a:rPr lang="en-US" dirty="0"/>
-              <a:t>Alignment of comparable documents: Comparison of similarity measures on French–English–Arabic data</a:t>
-            </a:r>
-          </a:p>
-          <a:p>
-            <a:r>
-              <a:rPr lang="en-US" dirty="0"/>
-              <a:t>LSI model trained on comparable documents from Wikipedia and </a:t>
+        <p:spPr/>
+        <p:txBody>
+          <a:bodyPr/>
+          <a:lstStyle/>
+          <a:p>
+            <a:r>
+              <a:rPr lang="en-US" dirty="0">
+                <a:solidFill>
+                  <a:srgbClr val="FF0000"/>
+                </a:solidFill>
+              </a:rPr>
+              <a:t>(</a:t>
+            </a:r>
+            <a:r>
+              <a:rPr lang="en-US" dirty="0" err="1">
+                <a:solidFill>
+                  <a:srgbClr val="FF0000"/>
+                </a:solidFill>
+              </a:rPr>
+              <a:t>Alsmadi</a:t>
+            </a:r>
+            <a:r>
+              <a:rPr lang="en-US" dirty="0">
+                <a:solidFill>
+                  <a:srgbClr val="FF0000"/>
+                </a:solidFill>
+              </a:rPr>
+              <a:t> et. al. 2017) </a:t>
+            </a:r>
+            <a:r>
+              <a:rPr lang="en-US" dirty="0"/>
+              <a:t>Paraphrase identification and semantic text similarity analysis in Arabic news tweets using lexical, syntactic, and semantic features.</a:t>
+            </a:r>
+          </a:p>
+          <a:p>
+            <a:r>
+              <a:rPr lang="en-US" dirty="0"/>
+              <a:t>Uses features extraction, text classification.</a:t>
+            </a:r>
+          </a:p>
+          <a:p>
+            <a:r>
+              <a:rPr lang="en-US" dirty="0"/>
+              <a:t>Maximum Entropy (</a:t>
             </a:r>
             <a:r>
               <a:rPr lang="en-US" dirty="0" err="1"/>
-              <a:t>Euronews</a:t>
-            </a:r>
-            <a:r>
-              <a:rPr lang="en-US" dirty="0"/>
-              <a:t>. It uses (CL-LSI Littman et. al. 1998) and (CL-LSI Saad 2015)</a:t>
-            </a:r>
-          </a:p>
-          <a:p>
-            <a:r>
-              <a:rPr lang="en-US" dirty="0"/>
-              <a:t>Multilingual semantic space, Leverages terms and concepts from documents.</a:t>
-            </a:r>
-          </a:p>
-          <a:p>
-            <a:r>
-              <a:rPr lang="en-US" dirty="0">
-                <a:solidFill>
-                  <a:srgbClr val="FF0000"/>
-                </a:solidFill>
-              </a:rPr>
-              <a:t>(Saad 2015 PhD thesis) </a:t>
-            </a:r>
-            <a:r>
-              <a:rPr lang="en-US" dirty="0"/>
-              <a:t>CL-LSI approach needs a parallel or comparable corpus for training.</a:t>
-            </a:r>
-          </a:p>
-          <a:p>
-            <a:r>
-              <a:rPr lang="en-US" dirty="0"/>
-              <a:t>Dataset is from 2013</a:t>
-            </a:r>
-          </a:p>
-          <a:p>
-            <a:r>
-              <a:rPr lang="en-US" dirty="0"/>
-              <a:t>Downloaded the dataset from Dr. Saad’s link and </a:t>
-            </a:r>
-            <a:r>
-              <a:rPr lang="en-US" dirty="0" err="1"/>
-              <a:t>Github</a:t>
-            </a:r>
-            <a:r>
-              <a:rPr lang="en-US" dirty="0"/>
-              <a:t> account.</a:t>
-            </a:r>
-          </a:p>
-          <a:p>
-            <a:r>
-              <a:rPr lang="en-US" dirty="0"/>
-              <a:t>Only 2 of the dataset files were not corrupted. They are from Wikipedia dumps. The code isn’t available to run on my dataset.</a:t>
-            </a:r>
-          </a:p>
-          <a:p>
-            <a:r>
-              <a:rPr lang="en-US" dirty="0"/>
-              <a:t>305 pairs of documents annotated by hand.</a:t>
+              <a:t>MaxEnt</a:t>
+            </a:r>
+            <a:r>
+              <a:rPr lang="en-US" dirty="0"/>
+              <a:t>) and Support Vector Regression (SVR) classifiers are used.</a:t>
             </a:r>
           </a:p>
           <a:p>
@@ -6000,7 +7992,7 @@
     </p:spTree>
     <p:extLst>
       <p:ext uri="{BB962C8B-B14F-4D97-AF65-F5344CB8AC3E}">
-        <p14:creationId xmlns:p14="http://schemas.microsoft.com/office/powerpoint/2010/main" val="3217132442"/>
+        <p14:creationId xmlns:p14="http://schemas.microsoft.com/office/powerpoint/2010/main" val="1065778610"/>
       </p:ext>
     </p:extLst>
   </p:cSld>
@@ -6084,39 +8076,98 @@
         </p:spPr>
         <p:txBody>
           <a:bodyPr>
-            <a:normAutofit/>
+            <a:normAutofit fontScale="92500" lnSpcReduction="10000"/>
           </a:bodyPr>
           <a:lstStyle/>
           <a:p>
             <a:r>
-              <a:rPr lang="en-US" dirty="0"/>
-              <a:t>(Morin et. al. 2015) LINA: Identifying Comparable Documents from Wikipedia</a:t>
-            </a:r>
-          </a:p>
-          <a:p>
-            <a:r>
-              <a:rPr lang="en-US" dirty="0"/>
-              <a:t>Hapax words are words that occur only once in the document</a:t>
-            </a:r>
-          </a:p>
-          <a:p>
-            <a:r>
-              <a:rPr lang="en-US" dirty="0"/>
-              <a:t>Simple approach: Documents that share the largest amount of hapax words are parallel.</a:t>
-            </a:r>
-          </a:p>
-          <a:p>
-            <a:r>
-              <a:rPr lang="en-US" dirty="0"/>
-              <a:t>The notion is that most hapax words are in practice proper nouns or numerical entities, which are often cognates.</a:t>
-            </a:r>
+              <a:rPr lang="en-US" dirty="0">
+                <a:solidFill>
+                  <a:srgbClr val="FF0000"/>
+                </a:solidFill>
+              </a:rPr>
+              <a:t>(Langlois et. al. 2018) </a:t>
+            </a:r>
+            <a:r>
+              <a:rPr lang="en-US" dirty="0"/>
+              <a:t>Alignment of comparable documents: Comparison of similarity measures on French–English–Arabic data</a:t>
+            </a:r>
+          </a:p>
+          <a:p>
+            <a:r>
+              <a:rPr lang="en-US" dirty="0"/>
+              <a:t>LSI model trained on comparable documents from Wikipedia and </a:t>
+            </a:r>
+            <a:r>
+              <a:rPr lang="en-US" dirty="0" err="1"/>
+              <a:t>Euronews</a:t>
+            </a:r>
+            <a:r>
+              <a:rPr lang="en-US" dirty="0"/>
+              <a:t>. It uses (CL-LSI Littman et. al. 1998) and (CL-LSI Saad 2015)</a:t>
+            </a:r>
+          </a:p>
+          <a:p>
+            <a:r>
+              <a:rPr lang="en-US" dirty="0"/>
+              <a:t>Multilingual semantic space, Leverages terms and concepts from documents.</a:t>
+            </a:r>
+          </a:p>
+          <a:p>
+            <a:r>
+              <a:rPr lang="en-US" dirty="0">
+                <a:solidFill>
+                  <a:srgbClr val="FF0000"/>
+                </a:solidFill>
+              </a:rPr>
+              <a:t>(Saad 2015 PhD thesis) </a:t>
+            </a:r>
+            <a:r>
+              <a:rPr lang="en-US" dirty="0"/>
+              <a:t>CL-LSI approach needs a parallel or comparable corpus for training.</a:t>
+            </a:r>
+          </a:p>
+          <a:p>
+            <a:r>
+              <a:rPr lang="en-US" dirty="0"/>
+              <a:t>Dataset is from 2013</a:t>
+            </a:r>
+          </a:p>
+          <a:p>
+            <a:r>
+              <a:rPr lang="en-US" dirty="0"/>
+              <a:t>Downloaded the dataset from Dr. Saad’s link and </a:t>
+            </a:r>
+            <a:r>
+              <a:rPr lang="en-US" dirty="0" err="1"/>
+              <a:t>Github</a:t>
+            </a:r>
+            <a:r>
+              <a:rPr lang="en-US" dirty="0"/>
+              <a:t> account.</a:t>
+            </a:r>
+          </a:p>
+          <a:p>
+            <a:r>
+              <a:rPr lang="en-US" dirty="0"/>
+              <a:t>Only 2 of the dataset files were not corrupted. They are from Wikipedia dumps. The code isn’t available to run on my dataset.</a:t>
+            </a:r>
+          </a:p>
+          <a:p>
+            <a:r>
+              <a:rPr lang="en-US" dirty="0"/>
+              <a:t>305 pairs of documents annotated by hand.</a:t>
+            </a:r>
+          </a:p>
+          <a:p>
+            <a:endParaRPr lang="en-US" dirty="0"/>
           </a:p>
         </p:txBody>
       </p:sp>
     </p:spTree>
     <p:extLst>
       <p:ext uri="{BB962C8B-B14F-4D97-AF65-F5344CB8AC3E}">
-        <p14:creationId xmlns:p14="http://schemas.microsoft.com/office/powerpoint/2010/main" val="1595877634"/>
+        <p14:creationId xmlns:p14="http://schemas.microsoft.com/office/powerpoint/2010/main" val="3217132442"/>
       </p:ext>
     </p:extLst>
   </p:cSld>

--- a/TPDL 2022 Paper Updates.pptx
+++ b/TPDL 2022 Paper Updates.pptx
@@ -11,24 +11,15 @@
     <p:sldId id="259" r:id="rId8"/>
     <p:sldId id="270" r:id="rId9"/>
     <p:sldId id="260" r:id="rId10"/>
-    <p:sldId id="277" r:id="rId11"/>
-    <p:sldId id="261" r:id="rId12"/>
-    <p:sldId id="263" r:id="rId13"/>
-    <p:sldId id="264" r:id="rId14"/>
-    <p:sldId id="266" r:id="rId15"/>
-    <p:sldId id="267" r:id="rId16"/>
-    <p:sldId id="268" r:id="rId17"/>
-    <p:sldId id="269" r:id="rId18"/>
-    <p:sldId id="272" r:id="rId19"/>
-    <p:sldId id="271" r:id="rId20"/>
-    <p:sldId id="265" r:id="rId21"/>
-    <p:sldId id="274" r:id="rId22"/>
-    <p:sldId id="275" r:id="rId23"/>
-    <p:sldId id="276" r:id="rId24"/>
-    <p:sldId id="278" r:id="rId25"/>
-    <p:sldId id="279" r:id="rId26"/>
-    <p:sldId id="280" r:id="rId27"/>
-    <p:sldId id="273" r:id="rId28"/>
+    <p:sldId id="261" r:id="rId11"/>
+    <p:sldId id="263" r:id="rId12"/>
+    <p:sldId id="264" r:id="rId13"/>
+    <p:sldId id="266" r:id="rId14"/>
+    <p:sldId id="267" r:id="rId15"/>
+    <p:sldId id="268" r:id="rId16"/>
+    <p:sldId id="269" r:id="rId17"/>
+    <p:sldId id="265" r:id="rId18"/>
+    <p:sldId id="271" r:id="rId19"/>
   </p:sldIdLst>
   <p:sldSz cx="12192000" cy="6858000"/>
   <p:notesSz cx="6858000" cy="9144000"/>
@@ -282,7 +273,7 @@
           <a:p>
             <a:fld id="{262ADD7D-9AC9-427E-9EE9-A3B073E45964}" type="datetimeFigureOut">
               <a:rPr lang="en-US" smtClean="0"/>
-              <a:t>4/13/2022</a:t>
+              <a:t>3/30/2022</a:t>
             </a:fld>
             <a:endParaRPr lang="en-US"/>
           </a:p>
@@ -480,7 +471,7 @@
           <a:p>
             <a:fld id="{262ADD7D-9AC9-427E-9EE9-A3B073E45964}" type="datetimeFigureOut">
               <a:rPr lang="en-US" smtClean="0"/>
-              <a:t>4/13/2022</a:t>
+              <a:t>3/30/2022</a:t>
             </a:fld>
             <a:endParaRPr lang="en-US"/>
           </a:p>
@@ -688,7 +679,7 @@
           <a:p>
             <a:fld id="{262ADD7D-9AC9-427E-9EE9-A3B073E45964}" type="datetimeFigureOut">
               <a:rPr lang="en-US" smtClean="0"/>
-              <a:t>4/13/2022</a:t>
+              <a:t>3/30/2022</a:t>
             </a:fld>
             <a:endParaRPr lang="en-US"/>
           </a:p>
@@ -886,7 +877,7 @@
           <a:p>
             <a:fld id="{262ADD7D-9AC9-427E-9EE9-A3B073E45964}" type="datetimeFigureOut">
               <a:rPr lang="en-US" smtClean="0"/>
-              <a:t>4/13/2022</a:t>
+              <a:t>3/30/2022</a:t>
             </a:fld>
             <a:endParaRPr lang="en-US"/>
           </a:p>
@@ -1161,7 +1152,7 @@
           <a:p>
             <a:fld id="{262ADD7D-9AC9-427E-9EE9-A3B073E45964}" type="datetimeFigureOut">
               <a:rPr lang="en-US" smtClean="0"/>
-              <a:t>4/13/2022</a:t>
+              <a:t>3/30/2022</a:t>
             </a:fld>
             <a:endParaRPr lang="en-US"/>
           </a:p>
@@ -1426,7 +1417,7 @@
           <a:p>
             <a:fld id="{262ADD7D-9AC9-427E-9EE9-A3B073E45964}" type="datetimeFigureOut">
               <a:rPr lang="en-US" smtClean="0"/>
-              <a:t>4/13/2022</a:t>
+              <a:t>3/30/2022</a:t>
             </a:fld>
             <a:endParaRPr lang="en-US"/>
           </a:p>
@@ -1838,7 +1829,7 @@
           <a:p>
             <a:fld id="{262ADD7D-9AC9-427E-9EE9-A3B073E45964}" type="datetimeFigureOut">
               <a:rPr lang="en-US" smtClean="0"/>
-              <a:t>4/13/2022</a:t>
+              <a:t>3/30/2022</a:t>
             </a:fld>
             <a:endParaRPr lang="en-US"/>
           </a:p>
@@ -1979,7 +1970,7 @@
           <a:p>
             <a:fld id="{262ADD7D-9AC9-427E-9EE9-A3B073E45964}" type="datetimeFigureOut">
               <a:rPr lang="en-US" smtClean="0"/>
-              <a:t>4/13/2022</a:t>
+              <a:t>3/30/2022</a:t>
             </a:fld>
             <a:endParaRPr lang="en-US"/>
           </a:p>
@@ -2092,7 +2083,7 @@
           <a:p>
             <a:fld id="{262ADD7D-9AC9-427E-9EE9-A3B073E45964}" type="datetimeFigureOut">
               <a:rPr lang="en-US" smtClean="0"/>
-              <a:t>4/13/2022</a:t>
+              <a:t>3/30/2022</a:t>
             </a:fld>
             <a:endParaRPr lang="en-US"/>
           </a:p>
@@ -2403,7 +2394,7 @@
           <a:p>
             <a:fld id="{262ADD7D-9AC9-427E-9EE9-A3B073E45964}" type="datetimeFigureOut">
               <a:rPr lang="en-US" smtClean="0"/>
-              <a:t>4/13/2022</a:t>
+              <a:t>3/30/2022</a:t>
             </a:fld>
             <a:endParaRPr lang="en-US"/>
           </a:p>
@@ -2691,7 +2682,7 @@
           <a:p>
             <a:fld id="{262ADD7D-9AC9-427E-9EE9-A3B073E45964}" type="datetimeFigureOut">
               <a:rPr lang="en-US" smtClean="0"/>
-              <a:t>4/13/2022</a:t>
+              <a:t>3/30/2022</a:t>
             </a:fld>
             <a:endParaRPr lang="en-US"/>
           </a:p>
@@ -2932,7 +2923,7 @@
           <a:p>
             <a:fld id="{262ADD7D-9AC9-427E-9EE9-A3B073E45964}" type="datetimeFigureOut">
               <a:rPr lang="en-US" smtClean="0"/>
-              <a:t>4/13/2022</a:t>
+              <a:t>3/30/2022</a:t>
             </a:fld>
             <a:endParaRPr lang="en-US"/>
           </a:p>
@@ -3492,47 +3483,57 @@
         </p:spPr>
         <p:txBody>
           <a:bodyPr>
-            <a:normAutofit/>
+            <a:normAutofit lnSpcReduction="10000"/>
           </a:bodyPr>
           <a:lstStyle/>
           <a:p>
             <a:r>
-              <a:rPr lang="en-US" dirty="0">
-                <a:solidFill>
-                  <a:srgbClr val="FF0000"/>
-                </a:solidFill>
-              </a:rPr>
-              <a:t>(Morin et. al. 2015) </a:t>
-            </a:r>
-            <a:r>
-              <a:rPr lang="en-US" dirty="0"/>
-              <a:t>LINA: Identifying Comparable Documents from Wikipedia</a:t>
-            </a:r>
-          </a:p>
-          <a:p>
-            <a:r>
-              <a:rPr lang="en-US" dirty="0"/>
-              <a:t>Hapax words are words that occur only once in the document</a:t>
-            </a:r>
-          </a:p>
-          <a:p>
-            <a:r>
-              <a:rPr lang="en-US" dirty="0"/>
-              <a:t>Simple approach: Documents that share the largest amount of hapax words are parallel.</a:t>
-            </a:r>
-          </a:p>
-          <a:p>
-            <a:r>
-              <a:rPr lang="en-US" dirty="0"/>
-              <a:t>The notion is that most hapax words are in practice proper nouns or numerical entities, which are often cognates.</a:t>
-            </a:r>
+              <a:rPr lang="en-US" dirty="0"/>
+              <a:t>(</a:t>
+            </a:r>
+            <a:r>
+              <a:rPr lang="en-US" dirty="0" err="1"/>
+              <a:t>Awajan</a:t>
+            </a:r>
+            <a:r>
+              <a:rPr lang="en-US" dirty="0"/>
+              <a:t> 2015): Semantic similarity based approach for reducing Arabic texts dimensionality (full text is not available)</a:t>
+            </a:r>
+          </a:p>
+          <a:p>
+            <a:r>
+              <a:rPr lang="en-US" dirty="0"/>
+              <a:t>The purpose is to summarize a large document</a:t>
+            </a:r>
+          </a:p>
+          <a:p>
+            <a:r>
+              <a:rPr lang="en-US" dirty="0"/>
+              <a:t>The proposed method uses the distributional semantics to build the word-context matrix representing the distribution of words across contexts and to transform the text into a vector space model representation based on word semantic similarity. The linguistic features of the Arabic language, in addition to the semantic information extracted from different lexical-semantic resources such as Arabic WordNet and named entities’ gazetteers are used to improve the text representation and to create word clusters of similar and related words. Distributional similarity measures have been used to capture the words’ semantic similarity and to create clusters of similar words.</a:t>
+            </a:r>
+            <a:endParaRPr lang="en-US" b="0" i="0" dirty="0">
+              <a:solidFill>
+                <a:srgbClr val="333333"/>
+              </a:solidFill>
+              <a:effectLst/>
+              <a:latin typeface="Georgia" panose="02040502050405020303" pitchFamily="18" charset="0"/>
+            </a:endParaRPr>
+          </a:p>
+          <a:p>
+            <a:endParaRPr lang="en-US" dirty="0"/>
+          </a:p>
+          <a:p>
+            <a:pPr marL="0" indent="0">
+              <a:buNone/>
+            </a:pPr>
+            <a:endParaRPr lang="en-US" dirty="0"/>
           </a:p>
         </p:txBody>
       </p:sp>
     </p:spTree>
     <p:extLst>
       <p:ext uri="{BB962C8B-B14F-4D97-AF65-F5344CB8AC3E}">
-        <p14:creationId xmlns:p14="http://schemas.microsoft.com/office/powerpoint/2010/main" val="1595877634"/>
+        <p14:creationId xmlns:p14="http://schemas.microsoft.com/office/powerpoint/2010/main" val="2255522199"/>
       </p:ext>
     </p:extLst>
   </p:cSld>
@@ -3621,50 +3622,26 @@
           <a:lstStyle/>
           <a:p>
             <a:r>
-              <a:rPr lang="en-US" dirty="0">
-                <a:solidFill>
-                  <a:srgbClr val="FF0000"/>
-                </a:solidFill>
-              </a:rPr>
-              <a:t>(</a:t>
-            </a:r>
-            <a:r>
-              <a:rPr lang="en-US" dirty="0" err="1">
-                <a:solidFill>
-                  <a:srgbClr val="FF0000"/>
-                </a:solidFill>
-              </a:rPr>
-              <a:t>Awajan</a:t>
-            </a:r>
-            <a:r>
-              <a:rPr lang="en-US" dirty="0">
-                <a:solidFill>
-                  <a:srgbClr val="FF0000"/>
-                </a:solidFill>
-              </a:rPr>
-              <a:t> 2015) </a:t>
-            </a:r>
-            <a:r>
-              <a:rPr lang="en-US" dirty="0"/>
-              <a:t>Semantic similarity-based approach for reducing Arabic texts dimensionality </a:t>
-            </a:r>
-          </a:p>
-          <a:p>
-            <a:r>
-              <a:rPr lang="en-US" dirty="0"/>
-              <a:t>file:///C:/Users/hhallak/Desktop/s10772-015-9284-6.pdf </a:t>
-            </a:r>
-          </a:p>
-          <a:p>
-            <a:r>
-              <a:rPr lang="en-US" dirty="0"/>
-              <a:t>The purpose is to summarize a large document</a:t>
-            </a:r>
-          </a:p>
-          <a:p>
-            <a:r>
-              <a:rPr lang="en-US" dirty="0"/>
-              <a:t>Nes extracted using a simple method (gazetteer)</a:t>
+              <a:rPr lang="en-US" dirty="0"/>
+              <a:t>(Soori et. al. 2013): Text Similarity Based on Data Compression in Arabic</a:t>
+            </a:r>
+          </a:p>
+          <a:p>
+            <a:r>
+              <a:rPr lang="en-US" dirty="0"/>
+              <a:t>Uses Lempel Ziv comparison algorithm</a:t>
+            </a:r>
+          </a:p>
+          <a:p>
+            <a:r>
+              <a:rPr lang="en-US" dirty="0"/>
+              <a:t>The text itself is the dictionary.</a:t>
+            </a:r>
+          </a:p>
+          <a:p>
+            <a:r>
+              <a:rPr lang="en-US" dirty="0"/>
+              <a:t>Later occurrences of a string are replaced by numbers indicating where it occurred before and its length.</a:t>
             </a:r>
           </a:p>
           <a:p>
@@ -3676,31 +3653,16 @@
           <a:p>
             <a:r>
               <a:rPr lang="en-US" dirty="0"/>
-              <a:t>Distributional semantics is used to build word-context matrix representing the distribution of words across contexts</a:t>
-            </a:r>
-          </a:p>
-          <a:p>
-            <a:r>
-              <a:rPr lang="en-US" dirty="0"/>
-              <a:t>Convert text to a vector space model VSM</a:t>
-            </a:r>
-          </a:p>
-          <a:p>
-            <a:endParaRPr lang="en-US" b="0" i="0" dirty="0">
-              <a:solidFill>
-                <a:srgbClr val="333333"/>
-              </a:solidFill>
-              <a:effectLst/>
-              <a:latin typeface="Georgia" panose="02040502050405020303" pitchFamily="18" charset="0"/>
-            </a:endParaRPr>
-          </a:p>
-          <a:p>
-            <a:endParaRPr lang="en-US" dirty="0"/>
-          </a:p>
-          <a:p>
-            <a:pPr marL="0" indent="0">
-              <a:buNone/>
-            </a:pPr>
+              <a:t>K-gram based (K is the threshold for words’ sequences matching)</a:t>
+            </a:r>
+          </a:p>
+          <a:p>
+            <a:r>
+              <a:rPr lang="en-US" dirty="0"/>
+              <a:t>Only operates on Arabic docs</a:t>
+            </a:r>
+          </a:p>
+          <a:p>
             <a:endParaRPr lang="en-US" dirty="0"/>
           </a:p>
         </p:txBody>
@@ -3708,7 +3670,7 @@
     </p:spTree>
     <p:extLst>
       <p:ext uri="{BB962C8B-B14F-4D97-AF65-F5344CB8AC3E}">
-        <p14:creationId xmlns:p14="http://schemas.microsoft.com/office/powerpoint/2010/main" val="2255522199"/>
+        <p14:creationId xmlns:p14="http://schemas.microsoft.com/office/powerpoint/2010/main" val="1640308326"/>
       </p:ext>
     </p:extLst>
   </p:cSld>
@@ -3792,68 +3754,73 @@
         </p:spPr>
         <p:txBody>
           <a:bodyPr>
-            <a:normAutofit/>
+            <a:normAutofit lnSpcReduction="10000"/>
           </a:bodyPr>
           <a:lstStyle/>
           <a:p>
             <a:r>
-              <a:rPr lang="en-US" dirty="0">
-                <a:solidFill>
-                  <a:srgbClr val="FF0000"/>
-                </a:solidFill>
-              </a:rPr>
-              <a:t>(Soori et. al. 2013) </a:t>
-            </a:r>
-            <a:r>
-              <a:rPr lang="en-US" dirty="0"/>
-              <a:t>Text Similarity Based on Data Compression in Arabic</a:t>
-            </a:r>
-          </a:p>
-          <a:p>
-            <a:r>
-              <a:rPr lang="en-US" dirty="0"/>
-              <a:t>Uses Lempel Ziv comparison algorithm</a:t>
-            </a:r>
-          </a:p>
-          <a:p>
-            <a:r>
-              <a:rPr lang="en-US" dirty="0"/>
-              <a:t>The text itself is the dictionary.</a:t>
-            </a:r>
-          </a:p>
-          <a:p>
-            <a:r>
-              <a:rPr lang="en-US" dirty="0"/>
-              <a:t>Later occurrences of a string are replaced by numbers indicating where it occurred before and its length.</a:t>
-            </a:r>
-          </a:p>
-          <a:p>
-            <a:r>
-              <a:rPr lang="en-US" dirty="0"/>
-              <a:t>Stop words are removed</a:t>
-            </a:r>
-          </a:p>
-          <a:p>
-            <a:r>
-              <a:rPr lang="en-US" dirty="0"/>
-              <a:t>K-gram based (K is the threshold for words’ sequences matching)</a:t>
-            </a:r>
-          </a:p>
-          <a:p>
-            <a:r>
-              <a:rPr lang="en-US" dirty="0"/>
-              <a:t>Only operates on Arabic docs</a:t>
-            </a:r>
-          </a:p>
-          <a:p>
-            <a:endParaRPr lang="en-US" dirty="0"/>
+              <a:rPr lang="en-US" dirty="0"/>
+              <a:t>(Al-</a:t>
+            </a:r>
+            <a:r>
+              <a:rPr lang="en-US" dirty="0" err="1"/>
+              <a:t>Radaideh</a:t>
+            </a:r>
+            <a:r>
+              <a:rPr lang="en-US" dirty="0"/>
+              <a:t> and </a:t>
+            </a:r>
+            <a:r>
+              <a:rPr lang="en-US" dirty="0" err="1"/>
+              <a:t>Afif</a:t>
+            </a:r>
+            <a:r>
+              <a:rPr lang="en-US" dirty="0"/>
+              <a:t>  2009): ARABIC TEXT SUMMARIZATION USING AGGREGATE SIMILARITY</a:t>
+            </a:r>
+          </a:p>
+          <a:p>
+            <a:r>
+              <a:rPr lang="en-US" dirty="0"/>
+              <a:t>Divide the document into sentences then tokenize.</a:t>
+            </a:r>
+          </a:p>
+          <a:p>
+            <a:r>
+              <a:rPr lang="en-US" dirty="0"/>
+              <a:t>Extract nouns</a:t>
+            </a:r>
+          </a:p>
+          <a:p>
+            <a:r>
+              <a:rPr lang="en-US" dirty="0"/>
+              <a:t>Compute the similarity between each sentence and the whole document based on the similarity between the noun frequency in the sentence and the document using the Inner Product.</a:t>
+            </a:r>
+          </a:p>
+          <a:p>
+            <a:r>
+              <a:rPr lang="en-US" dirty="0"/>
+              <a:t>The summation of all similarities of every sentence (for all nouns in it) represents an Aggregate similarity</a:t>
+            </a:r>
+          </a:p>
+          <a:p>
+            <a:r>
+              <a:rPr lang="en-US" dirty="0"/>
+              <a:t>Based on a user-defined threshold, select the sentences that will be the summary.</a:t>
+            </a:r>
+          </a:p>
+          <a:p>
+            <a:r>
+              <a:rPr lang="en-US" dirty="0"/>
+              <a:t>Works on Arabic docs</a:t>
+            </a:r>
           </a:p>
         </p:txBody>
       </p:sp>
     </p:spTree>
     <p:extLst>
       <p:ext uri="{BB962C8B-B14F-4D97-AF65-F5344CB8AC3E}">
-        <p14:creationId xmlns:p14="http://schemas.microsoft.com/office/powerpoint/2010/main" val="1640308326"/>
+        <p14:creationId xmlns:p14="http://schemas.microsoft.com/office/powerpoint/2010/main" val="1538710970"/>
       </p:ext>
     </p:extLst>
   </p:cSld>
@@ -3937,7 +3904,7 @@
         </p:spPr>
         <p:txBody>
           <a:bodyPr>
-            <a:normAutofit lnSpcReduction="10000"/>
+            <a:normAutofit/>
           </a:bodyPr>
           <a:lstStyle/>
           <a:p>
@@ -3947,7 +3914,7 @@
                   <a:srgbClr val="FF0000"/>
                 </a:solidFill>
               </a:rPr>
-              <a:t>(Al-</a:t>
+              <a:t>(</a:t>
             </a:r>
             <a:r>
               <a:rPr lang="en-US" dirty="0" err="1">
@@ -3955,7 +3922,7 @@
                   <a:srgbClr val="FF0000"/>
                 </a:solidFill>
               </a:rPr>
-              <a:t>Radaideh</a:t>
+              <a:t>Zweigenbaum</a:t>
             </a:r>
             <a:r>
               <a:rPr lang="en-US" dirty="0">
@@ -3963,63 +3930,80 @@
                   <a:srgbClr val="FF0000"/>
                 </a:solidFill>
               </a:rPr>
-              <a:t> and </a:t>
-            </a:r>
-            <a:r>
-              <a:rPr lang="en-US" dirty="0" err="1">
-                <a:solidFill>
-                  <a:srgbClr val="FF0000"/>
-                </a:solidFill>
-              </a:rPr>
-              <a:t>Afif</a:t>
-            </a:r>
+              <a:t> et. al. 2018) </a:t>
+            </a:r>
+            <a:r>
+              <a:rPr lang="en-US" dirty="0"/>
+              <a:t>Overview of the Third BUCC Shared Task: Spotting Parallel Sentences in Comparable Corpora</a:t>
+            </a:r>
+          </a:p>
+          <a:p>
+            <a:r>
+              <a:rPr lang="en-US" dirty="0"/>
+              <a:t>Arabic isn’t one of the 5 selected languages (English, Chinese, German, French, and Russian)</a:t>
+            </a:r>
+          </a:p>
+          <a:p>
             <a:r>
               <a:rPr lang="en-US" dirty="0">
                 <a:solidFill>
                   <a:srgbClr val="FF0000"/>
                 </a:solidFill>
               </a:rPr>
-              <a:t>  2009) </a:t>
-            </a:r>
-            <a:r>
-              <a:rPr lang="en-US" dirty="0"/>
-              <a:t>ARABIC TEXT SUMMARIZATION USING AGGREGATE SIMILARITY</a:t>
-            </a:r>
-          </a:p>
-          <a:p>
-            <a:r>
-              <a:rPr lang="en-US" dirty="0"/>
-              <a:t>Divide the document into sentences then tokenize.</a:t>
-            </a:r>
-          </a:p>
-          <a:p>
-            <a:r>
-              <a:rPr lang="en-US" dirty="0"/>
-              <a:t>Extract nouns</a:t>
-            </a:r>
-          </a:p>
-          <a:p>
-            <a:r>
-              <a:rPr lang="en-US" dirty="0"/>
-              <a:t>Compute the similarity between each sentence and the whole document based on the similarity between the noun frequency in the sentence and the document using the Inner Product.</a:t>
-            </a:r>
-          </a:p>
-          <a:p>
-            <a:r>
-              <a:rPr lang="en-US" dirty="0"/>
-              <a:t>The summation of all similarities of every sentence (for all nouns in it) represents an Aggregate similarity</a:t>
-            </a:r>
-          </a:p>
-          <a:p>
-            <a:r>
-              <a:rPr lang="en-US" dirty="0"/>
-              <a:t>Based on a user-defined threshold, select the sentences that will be the summary.</a:t>
-            </a:r>
-          </a:p>
-          <a:p>
-            <a:r>
-              <a:rPr lang="en-US" dirty="0"/>
-              <a:t>Works on Arabic docs</a:t>
+              <a:t>(Saad et. al. 2013) </a:t>
+            </a:r>
+            <a:r>
+              <a:rPr lang="en-US" b="0" i="0" dirty="0">
+                <a:solidFill>
+                  <a:srgbClr val="111111"/>
+                </a:solidFill>
+                <a:effectLst/>
+                <a:latin typeface="Roboto" panose="02000000000000000000" pitchFamily="2" charset="0"/>
+              </a:rPr>
+              <a:t>Extracting Comparable Articles from Wikipedia and Measuring their </a:t>
+            </a:r>
+            <a:r>
+              <a:rPr lang="en-US" b="0" i="0" dirty="0" err="1">
+                <a:solidFill>
+                  <a:srgbClr val="111111"/>
+                </a:solidFill>
+                <a:effectLst/>
+                <a:latin typeface="Roboto" panose="02000000000000000000" pitchFamily="2" charset="0"/>
+              </a:rPr>
+              <a:t>Comparabilities</a:t>
+            </a:r>
+            <a:endParaRPr lang="en-US" b="0" i="0" dirty="0">
+              <a:solidFill>
+                <a:srgbClr val="111111"/>
+              </a:solidFill>
+              <a:effectLst/>
+              <a:latin typeface="Roboto" panose="02000000000000000000" pitchFamily="2" charset="0"/>
+            </a:endParaRPr>
+          </a:p>
+          <a:p>
+            <a:r>
+              <a:rPr lang="en-US" dirty="0"/>
+              <a:t>Basically, the same as his PhD thesis</a:t>
+            </a:r>
+          </a:p>
+          <a:p>
+            <a:r>
+              <a:rPr lang="en-US" dirty="0"/>
+              <a:t>Multilingual document representation model based on </a:t>
+            </a:r>
+            <a:r>
+              <a:rPr lang="en-US" dirty="0" err="1"/>
+              <a:t>wordNet</a:t>
+            </a:r>
+            <a:r>
+              <a:rPr lang="en-US" dirty="0"/>
+              <a:t> dictionary. We also apply Latent Semantic Indexing (LSI)</a:t>
+            </a:r>
+          </a:p>
+          <a:p>
+            <a:r>
+              <a:rPr lang="en-US" dirty="0"/>
+              <a:t>Binary and cosine similarity</a:t>
             </a:r>
           </a:p>
         </p:txBody>
@@ -4027,7 +4011,7 @@
     </p:spTree>
     <p:extLst>
       <p:ext uri="{BB962C8B-B14F-4D97-AF65-F5344CB8AC3E}">
-        <p14:creationId xmlns:p14="http://schemas.microsoft.com/office/powerpoint/2010/main" val="1538710970"/>
+        <p14:creationId xmlns:p14="http://schemas.microsoft.com/office/powerpoint/2010/main" val="753362141"/>
       </p:ext>
     </p:extLst>
   </p:cSld>
@@ -4116,101 +4100,33 @@
           <a:lstStyle/>
           <a:p>
             <a:r>
-              <a:rPr lang="en-US" dirty="0">
-                <a:solidFill>
-                  <a:srgbClr val="FF0000"/>
-                </a:solidFill>
-              </a:rPr>
+              <a:rPr lang="en-US" dirty="0"/>
               <a:t>(</a:t>
             </a:r>
             <a:r>
-              <a:rPr lang="en-US" dirty="0" err="1">
-                <a:solidFill>
-                  <a:srgbClr val="FF0000"/>
-                </a:solidFill>
-              </a:rPr>
-              <a:t>Zweigenbaum</a:t>
-            </a:r>
-            <a:r>
-              <a:rPr lang="en-US" dirty="0">
-                <a:solidFill>
-                  <a:srgbClr val="FF0000"/>
-                </a:solidFill>
-              </a:rPr>
-              <a:t> et. al. 2018) </a:t>
-            </a:r>
-            <a:r>
-              <a:rPr lang="en-US" dirty="0"/>
-              <a:t>Overview of the Third BUCC Shared Task: Spotting Parallel Sentences in Comparable Corpora</a:t>
-            </a:r>
-          </a:p>
-          <a:p>
-            <a:r>
-              <a:rPr lang="en-US" dirty="0"/>
-              <a:t>Arabic isn’t one of the 5 selected languages (English, Chinese, German, French, and Russian)</a:t>
-            </a:r>
-          </a:p>
-          <a:p>
-            <a:r>
-              <a:rPr lang="en-US" dirty="0">
-                <a:solidFill>
-                  <a:srgbClr val="FF0000"/>
-                </a:solidFill>
-              </a:rPr>
-              <a:t>(Saad et. al. 2013) </a:t>
-            </a:r>
-            <a:r>
-              <a:rPr lang="en-US" b="0" i="0" dirty="0">
-                <a:solidFill>
-                  <a:srgbClr val="111111"/>
-                </a:solidFill>
-                <a:effectLst/>
-                <a:latin typeface="Roboto" panose="02000000000000000000" pitchFamily="2" charset="0"/>
-              </a:rPr>
-              <a:t>Extracting Comparable Articles from Wikipedia and Measuring their </a:t>
-            </a:r>
-            <a:r>
-              <a:rPr lang="en-US" b="0" i="0" dirty="0" err="1">
-                <a:solidFill>
-                  <a:srgbClr val="111111"/>
-                </a:solidFill>
-                <a:effectLst/>
-                <a:latin typeface="Roboto" panose="02000000000000000000" pitchFamily="2" charset="0"/>
-              </a:rPr>
-              <a:t>Comparabilities</a:t>
-            </a:r>
-            <a:endParaRPr lang="en-US" b="0" i="0" dirty="0">
-              <a:solidFill>
-                <a:srgbClr val="111111"/>
-              </a:solidFill>
-              <a:effectLst/>
-              <a:latin typeface="Roboto" panose="02000000000000000000" pitchFamily="2" charset="0"/>
-            </a:endParaRPr>
-          </a:p>
-          <a:p>
-            <a:r>
-              <a:rPr lang="en-US" dirty="0"/>
-              <a:t>Basically, the same as his PhD thesis</a:t>
-            </a:r>
-          </a:p>
-          <a:p>
-            <a:r>
-              <a:rPr lang="en-US" dirty="0"/>
-              <a:t>Multilingual document representation model based on </a:t>
-            </a:r>
-            <a:r>
               <a:rPr lang="en-US" dirty="0" err="1"/>
-              <a:t>wordNet</a:t>
-            </a:r>
-            <a:r>
-              <a:rPr lang="en-US" dirty="0"/>
-              <a:t> dictionary. We also apply Latent Semantic Indexing (LSI)</a:t>
-            </a:r>
-          </a:p>
-          <a:p>
-            <a:r>
-              <a:rPr lang="en-US" dirty="0"/>
-              <a:t>Binary and cosine similarity</a:t>
+              <a:t>Alian</a:t>
+            </a:r>
+            <a:r>
+              <a:rPr lang="en-US" dirty="0"/>
+              <a:t> and </a:t>
+            </a:r>
+            <a:r>
+              <a:rPr lang="en-US" dirty="0" err="1"/>
+              <a:t>Awajan</a:t>
+            </a:r>
+            <a:r>
+              <a:rPr lang="en-US" dirty="0"/>
+              <a:t> 2018): Arabic Semantic Similarity Approaches – Review</a:t>
+            </a:r>
+          </a:p>
+          <a:p>
+            <a:endParaRPr lang="en-US" dirty="0"/>
+          </a:p>
+          <a:p>
+            <a:r>
+              <a:rPr lang="en-US" dirty="0"/>
+              <a:t>Have not read this paper yet.</a:t>
             </a:r>
           </a:p>
         </p:txBody>
@@ -4218,7 +4134,7 @@
     </p:spTree>
     <p:extLst>
       <p:ext uri="{BB962C8B-B14F-4D97-AF65-F5344CB8AC3E}">
-        <p14:creationId xmlns:p14="http://schemas.microsoft.com/office/powerpoint/2010/main" val="753362141"/>
+        <p14:creationId xmlns:p14="http://schemas.microsoft.com/office/powerpoint/2010/main" val="2407600856"/>
       </p:ext>
     </p:extLst>
   </p:cSld>
@@ -4250,7 +4166,7 @@
           <p:cNvPr id="2" name="Title 1">
             <a:extLst>
               <a:ext uri="{FF2B5EF4-FFF2-40B4-BE49-F238E27FC236}">
-                <a16:creationId xmlns:a16="http://schemas.microsoft.com/office/drawing/2014/main" id="{F71B79FD-0FA2-4793-84FE-A0D4AF52FF90}"/>
+                <a16:creationId xmlns:a16="http://schemas.microsoft.com/office/drawing/2014/main" id="{19EC342C-AA3C-4648-98BE-FD6C7F164C39}"/>
               </a:ext>
             </a:extLst>
           </p:cNvPr>
@@ -4261,19 +4177,14 @@
             <p:ph type="title"/>
           </p:nvPr>
         </p:nvSpPr>
-        <p:spPr>
-          <a:xfrm>
-            <a:off x="681135" y="365125"/>
-            <a:ext cx="11206065" cy="1325563"/>
-          </a:xfrm>
-        </p:spPr>
-        <p:txBody>
-          <a:bodyPr/>
-          <a:lstStyle/>
-          <a:p>
-            <a:r>
-              <a:rPr lang="en-US" dirty="0"/>
-              <a:t>Related Work: 3. Docs/News Similarity</a:t>
+        <p:spPr/>
+        <p:txBody>
+          <a:bodyPr/>
+          <a:lstStyle/>
+          <a:p>
+            <a:r>
+              <a:rPr lang="en-US" dirty="0"/>
+              <a:t>Next</a:t>
             </a:r>
           </a:p>
         </p:txBody>
@@ -4283,7 +4194,7 @@
           <p:cNvPr id="3" name="Content Placeholder 2">
             <a:extLst>
               <a:ext uri="{FF2B5EF4-FFF2-40B4-BE49-F238E27FC236}">
-                <a16:creationId xmlns:a16="http://schemas.microsoft.com/office/drawing/2014/main" id="{12D94D22-8A38-4CB6-AA07-18FB6B3033DA}"/>
+                <a16:creationId xmlns:a16="http://schemas.microsoft.com/office/drawing/2014/main" id="{5767A250-7175-4F3F-8FB6-89C751B09A20}"/>
               </a:ext>
             </a:extLst>
           </p:cNvPr>
@@ -4294,301 +4205,10 @@
             <p:ph idx="1"/>
           </p:nvPr>
         </p:nvSpPr>
-        <p:spPr>
-          <a:xfrm>
-            <a:off x="838200" y="1576873"/>
-            <a:ext cx="10515600" cy="5150498"/>
-          </a:xfrm>
-        </p:spPr>
-        <p:txBody>
-          <a:bodyPr>
-            <a:normAutofit fontScale="92500" lnSpcReduction="10000"/>
-          </a:bodyPr>
-          <a:lstStyle/>
-          <a:p>
-            <a:r>
-              <a:rPr lang="en-US" dirty="0">
-                <a:solidFill>
-                  <a:srgbClr val="FF0000"/>
-                </a:solidFill>
-              </a:rPr>
-              <a:t>(Fouad and </a:t>
-            </a:r>
-            <a:r>
-              <a:rPr lang="en-US" dirty="0" err="1">
-                <a:solidFill>
-                  <a:srgbClr val="FF0000"/>
-                </a:solidFill>
-              </a:rPr>
-              <a:t>Atyah</a:t>
-            </a:r>
-            <a:r>
-              <a:rPr lang="en-US" dirty="0">
-                <a:solidFill>
-                  <a:srgbClr val="FF0000"/>
-                </a:solidFill>
-              </a:rPr>
-              <a:t> 2018) </a:t>
-            </a:r>
-            <a:r>
-              <a:rPr lang="en-US" dirty="0"/>
-              <a:t>Efficient Topic Detection System for Online Arabic News</a:t>
-            </a:r>
-          </a:p>
-          <a:p>
-            <a:r>
-              <a:rPr lang="en-US" dirty="0"/>
-              <a:t>Uses different classification methods. Utilizing the Information Gain, for feature selection and the Naïve Bayes algorithm produced the best results. </a:t>
-            </a:r>
-          </a:p>
-          <a:p>
-            <a:r>
-              <a:rPr lang="en-US" dirty="0"/>
-              <a:t>The aim is to automate the work in the news agencies</a:t>
-            </a:r>
-          </a:p>
-          <a:p>
-            <a:r>
-              <a:rPr lang="en-US" dirty="0">
-                <a:solidFill>
-                  <a:srgbClr val="FF0000"/>
-                </a:solidFill>
-              </a:rPr>
-              <a:t>(Thompson and Bowerman 2017) </a:t>
-            </a:r>
-            <a:r>
-              <a:rPr lang="en-US" dirty="0"/>
-              <a:t>Detecting Cross-Lingual Plagiarism Using Simulated Word Embeddings</a:t>
-            </a:r>
-          </a:p>
-          <a:p>
-            <a:r>
-              <a:rPr lang="en-US" dirty="0"/>
-              <a:t>Does it by predicting an Internet Translator output (with </a:t>
-            </a:r>
-            <a:r>
-              <a:rPr lang="en-US" dirty="0" err="1"/>
-              <a:t>Synnonyms</a:t>
-            </a:r>
-            <a:r>
-              <a:rPr lang="en-US" dirty="0"/>
-              <a:t>)</a:t>
-            </a:r>
-          </a:p>
-          <a:p>
-            <a:r>
-              <a:rPr lang="en-US" dirty="0"/>
-              <a:t>Does not require a parallel/comparable corpus or an internet translator</a:t>
-            </a:r>
-          </a:p>
-          <a:p>
-            <a:r>
-              <a:rPr lang="en-US" dirty="0"/>
-              <a:t>Uses Google Translate to build a dictionary, then build an offline MTM</a:t>
-            </a:r>
-          </a:p>
-          <a:p>
-            <a:r>
-              <a:rPr lang="en-US" dirty="0"/>
-              <a:t>Uses Word2vec and BOW</a:t>
-            </a:r>
-          </a:p>
-          <a:p>
-            <a:r>
-              <a:rPr lang="en-US" dirty="0"/>
-              <a:t>https://arxiv.org/ftp/arxiv/papers/1712/1712.10190.pdf</a:t>
-            </a:r>
-          </a:p>
-          <a:p>
-            <a:endParaRPr lang="en-US" dirty="0"/>
-          </a:p>
-        </p:txBody>
-      </p:sp>
-    </p:spTree>
-    <p:extLst>
-      <p:ext uri="{BB962C8B-B14F-4D97-AF65-F5344CB8AC3E}">
-        <p14:creationId xmlns:p14="http://schemas.microsoft.com/office/powerpoint/2010/main" val="2949273229"/>
-      </p:ext>
-    </p:extLst>
-  </p:cSld>
-  <p:clrMapOvr>
-    <a:masterClrMapping/>
-  </p:clrMapOvr>
-</p:sld>
-</file>
-
-<file path=ppt/slides/slide16.xml><?xml version="1.0" encoding="utf-8"?>
-<p:sld xmlns:a="http://schemas.openxmlformats.org/drawingml/2006/main" xmlns:r="http://schemas.openxmlformats.org/officeDocument/2006/relationships" xmlns:p="http://schemas.openxmlformats.org/presentationml/2006/main">
-  <p:cSld>
-    <p:spTree>
-      <p:nvGrpSpPr>
-        <p:cNvPr id="1" name=""/>
-        <p:cNvGrpSpPr/>
-        <p:nvPr/>
-      </p:nvGrpSpPr>
-      <p:grpSpPr>
-        <a:xfrm>
-          <a:off x="0" y="0"/>
-          <a:ext cx="0" cy="0"/>
-          <a:chOff x="0" y="0"/>
-          <a:chExt cx="0" cy="0"/>
-        </a:xfrm>
-      </p:grpSpPr>
-      <p:sp>
-        <p:nvSpPr>
-          <p:cNvPr id="2" name="Title 1">
-            <a:extLst>
-              <a:ext uri="{FF2B5EF4-FFF2-40B4-BE49-F238E27FC236}">
-                <a16:creationId xmlns:a16="http://schemas.microsoft.com/office/drawing/2014/main" id="{19EC342C-AA3C-4648-98BE-FD6C7F164C39}"/>
-              </a:ext>
-            </a:extLst>
-          </p:cNvPr>
-          <p:cNvSpPr>
-            <a:spLocks noGrp="1"/>
-          </p:cNvSpPr>
-          <p:nvPr>
-            <p:ph type="title"/>
-          </p:nvPr>
-        </p:nvSpPr>
         <p:spPr/>
         <p:txBody>
           <a:bodyPr/>
           <a:lstStyle/>
-          <a:p>
-            <a:r>
-              <a:rPr lang="en-US" dirty="0"/>
-              <a:t>Related Work: 3. Docs/News Similarity</a:t>
-            </a:r>
-          </a:p>
-        </p:txBody>
-      </p:sp>
-      <p:sp>
-        <p:nvSpPr>
-          <p:cNvPr id="3" name="Content Placeholder 2">
-            <a:extLst>
-              <a:ext uri="{FF2B5EF4-FFF2-40B4-BE49-F238E27FC236}">
-                <a16:creationId xmlns:a16="http://schemas.microsoft.com/office/drawing/2014/main" id="{5767A250-7175-4F3F-8FB6-89C751B09A20}"/>
-              </a:ext>
-            </a:extLst>
-          </p:cNvPr>
-          <p:cNvSpPr>
-            <a:spLocks noGrp="1"/>
-          </p:cNvSpPr>
-          <p:nvPr>
-            <p:ph idx="1"/>
-          </p:nvPr>
-        </p:nvSpPr>
-        <p:spPr>
-          <a:xfrm>
-            <a:off x="345233" y="1408922"/>
-            <a:ext cx="11336694" cy="5169160"/>
-          </a:xfrm>
-        </p:spPr>
-        <p:txBody>
-          <a:bodyPr>
-            <a:normAutofit lnSpcReduction="10000"/>
-          </a:bodyPr>
-          <a:lstStyle/>
-          <a:p>
-            <a:r>
-              <a:rPr lang="en-US" dirty="0">
-                <a:solidFill>
-                  <a:srgbClr val="FF0000"/>
-                </a:solidFill>
-              </a:rPr>
-              <a:t>(</a:t>
-            </a:r>
-            <a:r>
-              <a:rPr lang="en-US" dirty="0" err="1">
-                <a:solidFill>
-                  <a:srgbClr val="FF0000"/>
-                </a:solidFill>
-              </a:rPr>
-              <a:t>Kanan</a:t>
-            </a:r>
-            <a:r>
-              <a:rPr lang="en-US" dirty="0">
-                <a:solidFill>
-                  <a:srgbClr val="FF0000"/>
-                </a:solidFill>
-              </a:rPr>
-              <a:t> 2015 Ph.D. Dissertation) </a:t>
-            </a:r>
-            <a:r>
-              <a:rPr lang="en-US" b="0" i="0" dirty="0">
-                <a:solidFill>
-                  <a:srgbClr val="111111"/>
-                </a:solidFill>
-                <a:effectLst/>
-                <a:latin typeface="Roboto" panose="02000000000000000000" pitchFamily="2" charset="0"/>
-              </a:rPr>
-              <a:t>Arabic News Text Classification and Summarization: A Case of the Electronic Library Institute </a:t>
-            </a:r>
-            <a:r>
-              <a:rPr lang="en-US" b="0" i="0" dirty="0" err="1">
-                <a:solidFill>
-                  <a:srgbClr val="111111"/>
-                </a:solidFill>
-                <a:effectLst/>
-                <a:latin typeface="Roboto" panose="02000000000000000000" pitchFamily="2" charset="0"/>
-              </a:rPr>
-              <a:t>SeerQ</a:t>
-            </a:r>
-            <a:r>
-              <a:rPr lang="en-US" b="0" i="0" dirty="0">
-                <a:solidFill>
-                  <a:srgbClr val="111111"/>
-                </a:solidFill>
-                <a:effectLst/>
-                <a:latin typeface="Roboto" panose="02000000000000000000" pitchFamily="2" charset="0"/>
-              </a:rPr>
-              <a:t> (ELISQ)</a:t>
-            </a:r>
-          </a:p>
-          <a:p>
-            <a:r>
-              <a:rPr lang="en-US" dirty="0"/>
-              <a:t>Introduced a new light stemmer for Arabic</a:t>
-            </a:r>
-          </a:p>
-          <a:p>
-            <a:r>
-              <a:rPr lang="en-US" dirty="0"/>
-              <a:t>Built a taxonomy for Arabic news</a:t>
-            </a:r>
-          </a:p>
-          <a:p>
-            <a:r>
-              <a:rPr lang="en-US" dirty="0"/>
-              <a:t>Automatic classification (Binary SVM produced best results)</a:t>
-            </a:r>
-          </a:p>
-          <a:p>
-            <a:r>
-              <a:rPr lang="en-US" dirty="0"/>
-              <a:t>Add labels to articles from taxonomy (metadata)</a:t>
-            </a:r>
-          </a:p>
-          <a:p>
-            <a:r>
-              <a:rPr lang="en-US" dirty="0"/>
-              <a:t>Due to the lack of high quality Arabic NER tools, two new tools were constructed: </a:t>
-            </a:r>
-            <a:r>
-              <a:rPr lang="en-US" dirty="0" err="1"/>
-              <a:t>RenA</a:t>
-            </a:r>
-            <a:r>
-              <a:rPr lang="en-US" dirty="0"/>
-              <a:t> for Arabic NER, and ALDA for Arabic topic extraction (using the Latent Dirichlet Algorithm)</a:t>
-            </a:r>
-          </a:p>
-          <a:p>
-            <a:r>
-              <a:rPr lang="en-US" dirty="0"/>
-              <a:t>https://www.proquest.com/openview/891d08260d65ff8175ab3582c219398a/1?pq-origsite=gscholar&amp;cbl=18750</a:t>
-            </a:r>
-          </a:p>
           <a:p>
             <a:endParaRPr lang="en-US" dirty="0"/>
           </a:p>
@@ -4598,710 +4218,6 @@
     <p:extLst>
       <p:ext uri="{BB962C8B-B14F-4D97-AF65-F5344CB8AC3E}">
         <p14:creationId xmlns:p14="http://schemas.microsoft.com/office/powerpoint/2010/main" val="2923181437"/>
-      </p:ext>
-    </p:extLst>
-  </p:cSld>
-  <p:clrMapOvr>
-    <a:masterClrMapping/>
-  </p:clrMapOvr>
-</p:sld>
-</file>
-
-<file path=ppt/slides/slide17.xml><?xml version="1.0" encoding="utf-8"?>
-<p:sld xmlns:a="http://schemas.openxmlformats.org/drawingml/2006/main" xmlns:r="http://schemas.openxmlformats.org/officeDocument/2006/relationships" xmlns:p="http://schemas.openxmlformats.org/presentationml/2006/main">
-  <p:cSld>
-    <p:spTree>
-      <p:nvGrpSpPr>
-        <p:cNvPr id="1" name=""/>
-        <p:cNvGrpSpPr/>
-        <p:nvPr/>
-      </p:nvGrpSpPr>
-      <p:grpSpPr>
-        <a:xfrm>
-          <a:off x="0" y="0"/>
-          <a:ext cx="0" cy="0"/>
-          <a:chOff x="0" y="0"/>
-          <a:chExt cx="0" cy="0"/>
-        </a:xfrm>
-      </p:grpSpPr>
-      <p:sp>
-        <p:nvSpPr>
-          <p:cNvPr id="2" name="Title 1">
-            <a:extLst>
-              <a:ext uri="{FF2B5EF4-FFF2-40B4-BE49-F238E27FC236}">
-                <a16:creationId xmlns:a16="http://schemas.microsoft.com/office/drawing/2014/main" id="{F71B79FD-0FA2-4793-84FE-A0D4AF52FF90}"/>
-              </a:ext>
-            </a:extLst>
-          </p:cNvPr>
-          <p:cNvSpPr>
-            <a:spLocks noGrp="1"/>
-          </p:cNvSpPr>
-          <p:nvPr>
-            <p:ph type="title"/>
-          </p:nvPr>
-        </p:nvSpPr>
-        <p:spPr>
-          <a:xfrm>
-            <a:off x="681135" y="365125"/>
-            <a:ext cx="11206065" cy="1325563"/>
-          </a:xfrm>
-        </p:spPr>
-        <p:txBody>
-          <a:bodyPr/>
-          <a:lstStyle/>
-          <a:p>
-            <a:r>
-              <a:rPr lang="en-US" dirty="0"/>
-              <a:t>Related Work: 3. Docs/News Similarity</a:t>
-            </a:r>
-          </a:p>
-        </p:txBody>
-      </p:sp>
-      <p:sp>
-        <p:nvSpPr>
-          <p:cNvPr id="3" name="Content Placeholder 2">
-            <a:extLst>
-              <a:ext uri="{FF2B5EF4-FFF2-40B4-BE49-F238E27FC236}">
-                <a16:creationId xmlns:a16="http://schemas.microsoft.com/office/drawing/2014/main" id="{12D94D22-8A38-4CB6-AA07-18FB6B3033DA}"/>
-              </a:ext>
-            </a:extLst>
-          </p:cNvPr>
-          <p:cNvSpPr>
-            <a:spLocks noGrp="1"/>
-          </p:cNvSpPr>
-          <p:nvPr>
-            <p:ph idx="1"/>
-          </p:nvPr>
-        </p:nvSpPr>
-        <p:spPr>
-          <a:xfrm>
-            <a:off x="550505" y="1576872"/>
-            <a:ext cx="11206065" cy="5281127"/>
-          </a:xfrm>
-        </p:spPr>
-        <p:txBody>
-          <a:bodyPr>
-            <a:normAutofit fontScale="92500" lnSpcReduction="20000"/>
-          </a:bodyPr>
-          <a:lstStyle/>
-          <a:p>
-            <a:r>
-              <a:rPr lang="en-US" dirty="0"/>
-              <a:t>(</a:t>
-            </a:r>
-            <a:r>
-              <a:rPr lang="en-US" dirty="0" err="1"/>
-              <a:t>Alian</a:t>
-            </a:r>
-            <a:r>
-              <a:rPr lang="en-US" dirty="0"/>
-              <a:t> and </a:t>
-            </a:r>
-            <a:r>
-              <a:rPr lang="en-US" dirty="0" err="1"/>
-              <a:t>Awajan</a:t>
-            </a:r>
-            <a:r>
-              <a:rPr lang="en-US" dirty="0"/>
-              <a:t> 2018): Arabic Semantic Similarity Approaches – Review</a:t>
-            </a:r>
-          </a:p>
-          <a:p>
-            <a:r>
-              <a:rPr lang="en-US" dirty="0"/>
-              <a:t>file:///C:/Users/hhallak/Downloads/arabicsemanticsimilarityapproaches-review%20(1).pdf</a:t>
-            </a:r>
-          </a:p>
-          <a:p>
-            <a:r>
-              <a:rPr lang="en-US" dirty="0">
-                <a:solidFill>
-                  <a:srgbClr val="FF0000"/>
-                </a:solidFill>
-              </a:rPr>
-              <a:t>(Ehsan et al., 2016) </a:t>
-            </a:r>
-            <a:r>
-              <a:rPr lang="en-US" dirty="0"/>
-              <a:t>Using a dictionary and n-gram alignment to improve fine-grained cross-language plagiarism detection</a:t>
-            </a:r>
-          </a:p>
-          <a:p>
-            <a:r>
-              <a:rPr lang="en-US" dirty="0"/>
-              <a:t>https://dl.acm.org/doi/pdf/10.1145/2960811.2960817</a:t>
-            </a:r>
-          </a:p>
-          <a:p>
-            <a:endParaRPr lang="en-US" dirty="0"/>
-          </a:p>
-          <a:p>
-            <a:r>
-              <a:rPr lang="en-US" dirty="0">
-                <a:solidFill>
-                  <a:srgbClr val="FF0000"/>
-                </a:solidFill>
-              </a:rPr>
-              <a:t>(Ferrero et al., 2017) </a:t>
-            </a:r>
-            <a:r>
-              <a:rPr lang="en-US" dirty="0"/>
-              <a:t>Using Word Embedding for Cross Language Plagiarism Detection</a:t>
-            </a:r>
-          </a:p>
-          <a:p>
-            <a:r>
-              <a:rPr lang="en-US" dirty="0"/>
-              <a:t>Uses Machine Translation to construct part of the dataset</a:t>
-            </a:r>
-          </a:p>
-          <a:p>
-            <a:r>
-              <a:rPr lang="en-US" dirty="0">
-                <a:solidFill>
-                  <a:srgbClr val="FF0000"/>
-                </a:solidFill>
-              </a:rPr>
-              <a:t>(</a:t>
-            </a:r>
-            <a:r>
-              <a:rPr lang="en-US" dirty="0" err="1">
-                <a:solidFill>
-                  <a:srgbClr val="FF0000"/>
-                </a:solidFill>
-              </a:rPr>
-              <a:t>Barrón</a:t>
-            </a:r>
-            <a:r>
-              <a:rPr lang="en-US" dirty="0">
-                <a:solidFill>
-                  <a:srgbClr val="FF0000"/>
-                </a:solidFill>
-              </a:rPr>
-              <a:t>-Cedeño et al., 2013) </a:t>
-            </a:r>
-            <a:r>
-              <a:rPr lang="en-US" dirty="0"/>
-              <a:t>Plagiarism Meets Paraphrasing: Insights for the Next Generation in Automatic Plagiarism Detection</a:t>
-            </a:r>
-          </a:p>
-          <a:p>
-            <a:r>
-              <a:rPr lang="en-US" dirty="0"/>
-              <a:t>Using Machine Translation (Google Translate) outperformed all other plagiarism detection methods</a:t>
-            </a:r>
-          </a:p>
-        </p:txBody>
-      </p:sp>
-    </p:spTree>
-    <p:extLst>
-      <p:ext uri="{BB962C8B-B14F-4D97-AF65-F5344CB8AC3E}">
-        <p14:creationId xmlns:p14="http://schemas.microsoft.com/office/powerpoint/2010/main" val="2407600856"/>
-      </p:ext>
-    </p:extLst>
-  </p:cSld>
-  <p:clrMapOvr>
-    <a:masterClrMapping/>
-  </p:clrMapOvr>
-</p:sld>
-</file>
-
-<file path=ppt/slides/slide18.xml><?xml version="1.0" encoding="utf-8"?>
-<p:sld xmlns:a="http://schemas.openxmlformats.org/drawingml/2006/main" xmlns:r="http://schemas.openxmlformats.org/officeDocument/2006/relationships" xmlns:p="http://schemas.openxmlformats.org/presentationml/2006/main">
-  <p:cSld>
-    <p:spTree>
-      <p:nvGrpSpPr>
-        <p:cNvPr id="1" name=""/>
-        <p:cNvGrpSpPr/>
-        <p:nvPr/>
-      </p:nvGrpSpPr>
-      <p:grpSpPr>
-        <a:xfrm>
-          <a:off x="0" y="0"/>
-          <a:ext cx="0" cy="0"/>
-          <a:chOff x="0" y="0"/>
-          <a:chExt cx="0" cy="0"/>
-        </a:xfrm>
-      </p:grpSpPr>
-      <p:sp>
-        <p:nvSpPr>
-          <p:cNvPr id="2" name="Title 1">
-            <a:extLst>
-              <a:ext uri="{FF2B5EF4-FFF2-40B4-BE49-F238E27FC236}">
-                <a16:creationId xmlns:a16="http://schemas.microsoft.com/office/drawing/2014/main" id="{F71B79FD-0FA2-4793-84FE-A0D4AF52FF90}"/>
-              </a:ext>
-            </a:extLst>
-          </p:cNvPr>
-          <p:cNvSpPr>
-            <a:spLocks noGrp="1"/>
-          </p:cNvSpPr>
-          <p:nvPr>
-            <p:ph type="title"/>
-          </p:nvPr>
-        </p:nvSpPr>
-        <p:spPr>
-          <a:xfrm>
-            <a:off x="681135" y="365125"/>
-            <a:ext cx="11206065" cy="1325563"/>
-          </a:xfrm>
-        </p:spPr>
-        <p:txBody>
-          <a:bodyPr/>
-          <a:lstStyle/>
-          <a:p>
-            <a:r>
-              <a:rPr lang="en-US" dirty="0"/>
-              <a:t>Related Work: 3. Docs/News Similarity</a:t>
-            </a:r>
-          </a:p>
-        </p:txBody>
-      </p:sp>
-      <p:sp>
-        <p:nvSpPr>
-          <p:cNvPr id="3" name="Content Placeholder 2">
-            <a:extLst>
-              <a:ext uri="{FF2B5EF4-FFF2-40B4-BE49-F238E27FC236}">
-                <a16:creationId xmlns:a16="http://schemas.microsoft.com/office/drawing/2014/main" id="{12D94D22-8A38-4CB6-AA07-18FB6B3033DA}"/>
-              </a:ext>
-            </a:extLst>
-          </p:cNvPr>
-          <p:cNvSpPr>
-            <a:spLocks noGrp="1"/>
-          </p:cNvSpPr>
-          <p:nvPr>
-            <p:ph idx="1"/>
-          </p:nvPr>
-        </p:nvSpPr>
-        <p:spPr>
-          <a:xfrm>
-            <a:off x="838200" y="1576873"/>
-            <a:ext cx="10515600" cy="5150498"/>
-          </a:xfrm>
-        </p:spPr>
-        <p:txBody>
-          <a:bodyPr>
-            <a:normAutofit/>
-          </a:bodyPr>
-          <a:lstStyle/>
-          <a:p>
-            <a:r>
-              <a:rPr lang="en-US" b="0" i="0" dirty="0">
-                <a:solidFill>
-                  <a:srgbClr val="FF0000"/>
-                </a:solidFill>
-                <a:effectLst/>
-                <a:latin typeface="NexusSerif"/>
-              </a:rPr>
-              <a:t>(</a:t>
-            </a:r>
-            <a:r>
-              <a:rPr lang="en-US" b="0" i="0" dirty="0" err="1">
-                <a:solidFill>
-                  <a:srgbClr val="FF0000"/>
-                </a:solidFill>
-                <a:effectLst/>
-                <a:latin typeface="NexusSans"/>
-              </a:rPr>
-              <a:t>Sree</a:t>
-            </a:r>
-            <a:r>
-              <a:rPr lang="en-US" b="0" i="0" dirty="0">
-                <a:solidFill>
-                  <a:srgbClr val="FF0000"/>
-                </a:solidFill>
-                <a:effectLst/>
-                <a:latin typeface="NexusSans"/>
-              </a:rPr>
-              <a:t> Ram Kiran Nag et. al. 2021) </a:t>
-            </a:r>
-            <a:r>
-              <a:rPr lang="en-US" b="0" i="0" dirty="0">
-                <a:solidFill>
-                  <a:srgbClr val="505050"/>
-                </a:solidFill>
-                <a:effectLst/>
-                <a:latin typeface="NexusSerif"/>
-              </a:rPr>
-              <a:t>Comparative and experimental study in identifying the similarity between languages for plagiarism detection and efficient language translation</a:t>
-            </a:r>
-          </a:p>
-          <a:p>
-            <a:r>
-              <a:rPr lang="en-US" dirty="0">
-                <a:solidFill>
-                  <a:srgbClr val="505050"/>
-                </a:solidFill>
-                <a:latin typeface="NexusSerif"/>
-              </a:rPr>
-              <a:t>Full text: file:///C:/Users/hhallak/Desktop/kirannag2021.pdf</a:t>
-            </a:r>
-          </a:p>
-          <a:p>
-            <a:r>
-              <a:rPr lang="en-US" b="0" i="0" dirty="0">
-                <a:solidFill>
-                  <a:srgbClr val="FF0000"/>
-                </a:solidFill>
-                <a:effectLst/>
-                <a:latin typeface="NexusSerif"/>
-              </a:rPr>
-              <a:t>(</a:t>
-            </a:r>
-            <a:r>
-              <a:rPr lang="en-US" b="0" i="0" dirty="0">
-                <a:solidFill>
-                  <a:srgbClr val="FF0000"/>
-                </a:solidFill>
-                <a:effectLst/>
-                <a:latin typeface="Arial" panose="020B0604020202020204" pitchFamily="34" charset="0"/>
-              </a:rPr>
-              <a:t>Abu </a:t>
-            </a:r>
-            <a:r>
-              <a:rPr lang="en-US" b="0" i="0" dirty="0" err="1">
-                <a:solidFill>
-                  <a:srgbClr val="FF0000"/>
-                </a:solidFill>
-                <a:effectLst/>
-                <a:latin typeface="Arial" panose="020B0604020202020204" pitchFamily="34" charset="0"/>
-              </a:rPr>
-              <a:t>Kwaik</a:t>
-            </a:r>
-            <a:r>
-              <a:rPr lang="en-US" b="0" i="0" dirty="0">
-                <a:solidFill>
-                  <a:srgbClr val="FF0000"/>
-                </a:solidFill>
-                <a:effectLst/>
-                <a:latin typeface="NexusSerif"/>
-              </a:rPr>
-              <a:t> 20</a:t>
-            </a:r>
-            <a:r>
-              <a:rPr lang="en-US" dirty="0">
-                <a:solidFill>
-                  <a:srgbClr val="FF0000"/>
-                </a:solidFill>
-                <a:latin typeface="NexusSerif"/>
-              </a:rPr>
-              <a:t>20) </a:t>
-            </a:r>
-            <a:r>
-              <a:rPr lang="en-US" dirty="0">
-                <a:solidFill>
-                  <a:srgbClr val="505050"/>
-                </a:solidFill>
-                <a:latin typeface="NexusSerif"/>
-              </a:rPr>
-              <a:t>An Arabic Tweets Sentiment Analysis Dataset (ATSAD) using Distant Supervision and Self Training</a:t>
-            </a:r>
-          </a:p>
-          <a:p>
-            <a:r>
-              <a:rPr lang="en-US" b="0" i="0" dirty="0">
-                <a:solidFill>
-                  <a:srgbClr val="505050"/>
-                </a:solidFill>
-                <a:effectLst/>
-                <a:latin typeface="NexusSerif"/>
-              </a:rPr>
-              <a:t>Might be good for future work (identifying positive and negative news articles).</a:t>
-            </a:r>
-          </a:p>
-          <a:p>
-            <a:endParaRPr lang="en-US" dirty="0"/>
-          </a:p>
-        </p:txBody>
-      </p:sp>
-    </p:spTree>
-    <p:extLst>
-      <p:ext uri="{BB962C8B-B14F-4D97-AF65-F5344CB8AC3E}">
-        <p14:creationId xmlns:p14="http://schemas.microsoft.com/office/powerpoint/2010/main" val="1932319547"/>
-      </p:ext>
-    </p:extLst>
-  </p:cSld>
-  <p:clrMapOvr>
-    <a:masterClrMapping/>
-  </p:clrMapOvr>
-</p:sld>
-</file>
-
-<file path=ppt/slides/slide19.xml><?xml version="1.0" encoding="utf-8"?>
-<p:sld xmlns:a="http://schemas.openxmlformats.org/drawingml/2006/main" xmlns:r="http://schemas.openxmlformats.org/officeDocument/2006/relationships" xmlns:p="http://schemas.openxmlformats.org/presentationml/2006/main">
-  <p:cSld>
-    <p:spTree>
-      <p:nvGrpSpPr>
-        <p:cNvPr id="1" name=""/>
-        <p:cNvGrpSpPr/>
-        <p:nvPr/>
-      </p:nvGrpSpPr>
-      <p:grpSpPr>
-        <a:xfrm>
-          <a:off x="0" y="0"/>
-          <a:ext cx="0" cy="0"/>
-          <a:chOff x="0" y="0"/>
-          <a:chExt cx="0" cy="0"/>
-        </a:xfrm>
-      </p:grpSpPr>
-      <p:sp>
-        <p:nvSpPr>
-          <p:cNvPr id="2" name="Title 1">
-            <a:extLst>
-              <a:ext uri="{FF2B5EF4-FFF2-40B4-BE49-F238E27FC236}">
-                <a16:creationId xmlns:a16="http://schemas.microsoft.com/office/drawing/2014/main" id="{F71B79FD-0FA2-4793-84FE-A0D4AF52FF90}"/>
-              </a:ext>
-            </a:extLst>
-          </p:cNvPr>
-          <p:cNvSpPr>
-            <a:spLocks noGrp="1"/>
-          </p:cNvSpPr>
-          <p:nvPr>
-            <p:ph type="title"/>
-          </p:nvPr>
-        </p:nvSpPr>
-        <p:spPr>
-          <a:xfrm>
-            <a:off x="681135" y="365125"/>
-            <a:ext cx="11206065" cy="1325563"/>
-          </a:xfrm>
-        </p:spPr>
-        <p:txBody>
-          <a:bodyPr/>
-          <a:lstStyle/>
-          <a:p>
-            <a:r>
-              <a:rPr lang="en-US" dirty="0"/>
-              <a:t>Related Work: 3. Docs/News Similarity</a:t>
-            </a:r>
-          </a:p>
-        </p:txBody>
-      </p:sp>
-      <p:sp>
-        <p:nvSpPr>
-          <p:cNvPr id="3" name="Content Placeholder 2">
-            <a:extLst>
-              <a:ext uri="{FF2B5EF4-FFF2-40B4-BE49-F238E27FC236}">
-                <a16:creationId xmlns:a16="http://schemas.microsoft.com/office/drawing/2014/main" id="{12D94D22-8A38-4CB6-AA07-18FB6B3033DA}"/>
-              </a:ext>
-            </a:extLst>
-          </p:cNvPr>
-          <p:cNvSpPr>
-            <a:spLocks noGrp="1"/>
-          </p:cNvSpPr>
-          <p:nvPr>
-            <p:ph idx="1"/>
-          </p:nvPr>
-        </p:nvSpPr>
-        <p:spPr>
-          <a:xfrm>
-            <a:off x="838200" y="1576873"/>
-            <a:ext cx="10515600" cy="5150498"/>
-          </a:xfrm>
-        </p:spPr>
-        <p:txBody>
-          <a:bodyPr>
-            <a:normAutofit lnSpcReduction="10000"/>
-          </a:bodyPr>
-          <a:lstStyle/>
-          <a:p>
-            <a:pPr algn="l"/>
-            <a:r>
-              <a:rPr lang="en-US" b="0" i="0" dirty="0">
-                <a:solidFill>
-                  <a:srgbClr val="FF0000"/>
-                </a:solidFill>
-                <a:effectLst/>
-                <a:latin typeface="NexusSerif"/>
-              </a:rPr>
-              <a:t>(</a:t>
-            </a:r>
-            <a:r>
-              <a:rPr lang="en-US" dirty="0">
-                <a:solidFill>
-                  <a:srgbClr val="FF0000"/>
-                </a:solidFill>
-                <a:latin typeface="Arial" panose="020B0604020202020204" pitchFamily="34" charset="0"/>
-              </a:rPr>
-              <a:t>Al-</a:t>
-            </a:r>
-            <a:r>
-              <a:rPr lang="en-US" dirty="0" err="1">
-                <a:solidFill>
-                  <a:srgbClr val="FF0000"/>
-                </a:solidFill>
-                <a:latin typeface="Arial" panose="020B0604020202020204" pitchFamily="34" charset="0"/>
-              </a:rPr>
-              <a:t>Rahmani</a:t>
-            </a:r>
-            <a:r>
-              <a:rPr lang="en-US" dirty="0">
-                <a:solidFill>
-                  <a:srgbClr val="FF0000"/>
-                </a:solidFill>
-                <a:latin typeface="Arial" panose="020B0604020202020204" pitchFamily="34" charset="0"/>
-              </a:rPr>
-              <a:t> and Mustafa 2012)</a:t>
-            </a:r>
-            <a:r>
-              <a:rPr lang="en-US" sz="2800" b="0" i="0" u="none" strike="noStrike" baseline="0" dirty="0">
-                <a:latin typeface="TimesNewRoman"/>
-              </a:rPr>
-              <a:t>: </a:t>
-            </a:r>
-            <a:r>
-              <a:rPr lang="en-US" dirty="0">
-                <a:solidFill>
-                  <a:srgbClr val="505050"/>
-                </a:solidFill>
-                <a:latin typeface="NexusSerif"/>
-              </a:rPr>
-              <a:t>N-Gram-Based Techniques for Arabic Text Document Matching; Case Study: Courses Accreditation</a:t>
-            </a:r>
-          </a:p>
-          <a:p>
-            <a:pPr algn="l"/>
-            <a:r>
-              <a:rPr lang="en-US" dirty="0">
-                <a:solidFill>
-                  <a:srgbClr val="505050"/>
-                </a:solidFill>
-                <a:latin typeface="NexusSerif"/>
-              </a:rPr>
-              <a:t>Dice’s similarity, bi-gram word-based and document-based</a:t>
-            </a:r>
-          </a:p>
-          <a:p>
-            <a:pPr algn="l"/>
-            <a:r>
-              <a:rPr lang="en-US" dirty="0">
-                <a:solidFill>
-                  <a:srgbClr val="505050"/>
-                </a:solidFill>
-                <a:latin typeface="NexusSerif"/>
-              </a:rPr>
-              <a:t>104 course descriptions and 30 course descriptions</a:t>
-            </a:r>
-          </a:p>
-          <a:p>
-            <a:pPr algn="l"/>
-            <a:r>
-              <a:rPr lang="en-US" dirty="0">
-                <a:solidFill>
-                  <a:srgbClr val="505050"/>
-                </a:solidFill>
-                <a:latin typeface="NexusSerif"/>
-              </a:rPr>
-              <a:t>More than 80% accuracy</a:t>
-            </a:r>
-            <a:endParaRPr lang="en-US" dirty="0">
-              <a:solidFill>
-                <a:srgbClr val="FF0000"/>
-              </a:solidFill>
-              <a:latin typeface="NexusSerif"/>
-            </a:endParaRPr>
-          </a:p>
-          <a:p>
-            <a:r>
-              <a:rPr lang="en-US" b="0" i="0" dirty="0">
-                <a:solidFill>
-                  <a:srgbClr val="FF0000"/>
-                </a:solidFill>
-                <a:effectLst/>
-                <a:latin typeface="NexusSerif"/>
-              </a:rPr>
-              <a:t>(</a:t>
-            </a:r>
-            <a:r>
-              <a:rPr lang="en-US" b="0" i="0" dirty="0">
-                <a:solidFill>
-                  <a:srgbClr val="FF0000"/>
-                </a:solidFill>
-                <a:effectLst/>
-                <a:latin typeface="Arial" panose="020B0604020202020204" pitchFamily="34" charset="0"/>
-              </a:rPr>
-              <a:t>Froud et. al., </a:t>
-            </a:r>
-            <a:r>
-              <a:rPr lang="en-US" b="0" i="0" dirty="0">
-                <a:solidFill>
-                  <a:srgbClr val="FF0000"/>
-                </a:solidFill>
-                <a:effectLst/>
-                <a:latin typeface="NexusSerif"/>
-              </a:rPr>
-              <a:t>201</a:t>
-            </a:r>
-            <a:r>
-              <a:rPr lang="en-US" dirty="0">
-                <a:solidFill>
-                  <a:srgbClr val="FF0000"/>
-                </a:solidFill>
-                <a:latin typeface="NexusSerif"/>
-              </a:rPr>
-              <a:t>0) </a:t>
-            </a:r>
-            <a:r>
-              <a:rPr lang="en-US" dirty="0"/>
-              <a:t>Stemming and Similarity Measures for Arabic Documents Clustering</a:t>
-            </a:r>
-            <a:endParaRPr lang="en-US" dirty="0">
-              <a:solidFill>
-                <a:srgbClr val="505050"/>
-              </a:solidFill>
-              <a:latin typeface="NexusSerif"/>
-            </a:endParaRPr>
-          </a:p>
-          <a:p>
-            <a:r>
-              <a:rPr lang="en-US" b="0" i="0" dirty="0">
-                <a:solidFill>
-                  <a:srgbClr val="333333"/>
-                </a:solidFill>
-                <a:effectLst/>
-                <a:latin typeface="Arial" panose="020B0604020202020204" pitchFamily="34" charset="0"/>
-              </a:rPr>
-              <a:t>Euclidean Distance, Cosine Similarity, Jaccard Coefficient, Pearson Correlation Coefficient and Averaged </a:t>
-            </a:r>
-            <a:r>
-              <a:rPr lang="en-US" b="0" i="0" dirty="0" err="1">
-                <a:solidFill>
-                  <a:srgbClr val="333333"/>
-                </a:solidFill>
-                <a:effectLst/>
-                <a:latin typeface="Arial" panose="020B0604020202020204" pitchFamily="34" charset="0"/>
-              </a:rPr>
-              <a:t>Kullback-Leibler</a:t>
-            </a:r>
-            <a:r>
-              <a:rPr lang="en-US" b="0" i="0" dirty="0">
-                <a:solidFill>
-                  <a:srgbClr val="333333"/>
-                </a:solidFill>
-                <a:effectLst/>
-                <a:latin typeface="Arial" panose="020B0604020202020204" pitchFamily="34" charset="0"/>
-              </a:rPr>
-              <a:t> Divergence</a:t>
-            </a:r>
-          </a:p>
-          <a:p>
-            <a:r>
-              <a:rPr lang="en-US" b="0" i="0" dirty="0">
-                <a:solidFill>
-                  <a:srgbClr val="333333"/>
-                </a:solidFill>
-                <a:effectLst/>
-                <a:latin typeface="Arial" panose="020B0604020202020204" pitchFamily="34" charset="0"/>
-              </a:rPr>
-              <a:t>Stemming will not yield good results, but helps making the documents smaller and faster to cluster</a:t>
-            </a:r>
-            <a:endParaRPr lang="en-US" dirty="0"/>
-          </a:p>
-        </p:txBody>
-      </p:sp>
-    </p:spTree>
-    <p:extLst>
-      <p:ext uri="{BB962C8B-B14F-4D97-AF65-F5344CB8AC3E}">
-        <p14:creationId xmlns:p14="http://schemas.microsoft.com/office/powerpoint/2010/main" val="1674571232"/>
       </p:ext>
     </p:extLst>
   </p:cSld>
@@ -5449,1465 +4365,6 @@
     <p:extLst>
       <p:ext uri="{BB962C8B-B14F-4D97-AF65-F5344CB8AC3E}">
         <p14:creationId xmlns:p14="http://schemas.microsoft.com/office/powerpoint/2010/main" val="2164070000"/>
-      </p:ext>
-    </p:extLst>
-  </p:cSld>
-  <p:clrMapOvr>
-    <a:masterClrMapping/>
-  </p:clrMapOvr>
-</p:sld>
-</file>
-
-<file path=ppt/slides/slide20.xml><?xml version="1.0" encoding="utf-8"?>
-<p:sld xmlns:a="http://schemas.openxmlformats.org/drawingml/2006/main" xmlns:r="http://schemas.openxmlformats.org/officeDocument/2006/relationships" xmlns:p="http://schemas.openxmlformats.org/presentationml/2006/main">
-  <p:cSld>
-    <p:spTree>
-      <p:nvGrpSpPr>
-        <p:cNvPr id="1" name=""/>
-        <p:cNvGrpSpPr/>
-        <p:nvPr/>
-      </p:nvGrpSpPr>
-      <p:grpSpPr>
-        <a:xfrm>
-          <a:off x="0" y="0"/>
-          <a:ext cx="0" cy="0"/>
-          <a:chOff x="0" y="0"/>
-          <a:chExt cx="0" cy="0"/>
-        </a:xfrm>
-      </p:grpSpPr>
-      <p:sp>
-        <p:nvSpPr>
-          <p:cNvPr id="2" name="Title 1">
-            <a:extLst>
-              <a:ext uri="{FF2B5EF4-FFF2-40B4-BE49-F238E27FC236}">
-                <a16:creationId xmlns:a16="http://schemas.microsoft.com/office/drawing/2014/main" id="{F71B79FD-0FA2-4793-84FE-A0D4AF52FF90}"/>
-              </a:ext>
-            </a:extLst>
-          </p:cNvPr>
-          <p:cNvSpPr>
-            <a:spLocks noGrp="1"/>
-          </p:cNvSpPr>
-          <p:nvPr>
-            <p:ph type="title"/>
-          </p:nvPr>
-        </p:nvSpPr>
-        <p:spPr>
-          <a:xfrm>
-            <a:off x="681135" y="365125"/>
-            <a:ext cx="11206065" cy="1325563"/>
-          </a:xfrm>
-        </p:spPr>
-        <p:txBody>
-          <a:bodyPr/>
-          <a:lstStyle/>
-          <a:p>
-            <a:r>
-              <a:rPr lang="en-US" dirty="0"/>
-              <a:t>Related Work: 3. Docs/News Similarity</a:t>
-            </a:r>
-          </a:p>
-        </p:txBody>
-      </p:sp>
-      <p:sp>
-        <p:nvSpPr>
-          <p:cNvPr id="3" name="Content Placeholder 2">
-            <a:extLst>
-              <a:ext uri="{FF2B5EF4-FFF2-40B4-BE49-F238E27FC236}">
-                <a16:creationId xmlns:a16="http://schemas.microsoft.com/office/drawing/2014/main" id="{12D94D22-8A38-4CB6-AA07-18FB6B3033DA}"/>
-              </a:ext>
-            </a:extLst>
-          </p:cNvPr>
-          <p:cNvSpPr>
-            <a:spLocks noGrp="1"/>
-          </p:cNvSpPr>
-          <p:nvPr>
-            <p:ph idx="1"/>
-          </p:nvPr>
-        </p:nvSpPr>
-        <p:spPr>
-          <a:xfrm>
-            <a:off x="429208" y="1436914"/>
-            <a:ext cx="11457992" cy="5290457"/>
-          </a:xfrm>
-        </p:spPr>
-        <p:txBody>
-          <a:bodyPr>
-            <a:normAutofit fontScale="77500" lnSpcReduction="20000"/>
-          </a:bodyPr>
-          <a:lstStyle/>
-          <a:p>
-            <a:pPr algn="l"/>
-            <a:r>
-              <a:rPr lang="en-US" b="0" i="0" dirty="0">
-                <a:solidFill>
-                  <a:srgbClr val="FF0000"/>
-                </a:solidFill>
-                <a:effectLst/>
-                <a:latin typeface="NexusSerif"/>
-              </a:rPr>
-              <a:t>(</a:t>
-            </a:r>
-            <a:r>
-              <a:rPr lang="en-US" dirty="0" err="1">
-                <a:solidFill>
-                  <a:srgbClr val="FF0000"/>
-                </a:solidFill>
-                <a:latin typeface="Arial" panose="020B0604020202020204" pitchFamily="34" charset="0"/>
-              </a:rPr>
-              <a:t>Selamat</a:t>
-            </a:r>
-            <a:r>
-              <a:rPr lang="en-US" dirty="0">
-                <a:solidFill>
-                  <a:srgbClr val="FF0000"/>
-                </a:solidFill>
-                <a:latin typeface="Arial" panose="020B0604020202020204" pitchFamily="34" charset="0"/>
-              </a:rPr>
-              <a:t> and Ismail 2008)</a:t>
-            </a:r>
-            <a:r>
-              <a:rPr lang="en-US" sz="2800" b="0" i="0" u="none" strike="noStrike" baseline="0" dirty="0">
-                <a:latin typeface="TimesNewRoman"/>
-              </a:rPr>
-              <a:t>: </a:t>
-            </a:r>
-            <a:r>
-              <a:rPr lang="en-US" dirty="0"/>
-              <a:t>Finding English and Translated Arabic Documents Similarities Using GHSOM</a:t>
-            </a:r>
-          </a:p>
-          <a:p>
-            <a:pPr algn="l"/>
-            <a:r>
-              <a:rPr lang="en-US" dirty="0">
-                <a:solidFill>
-                  <a:srgbClr val="505050"/>
-                </a:solidFill>
-                <a:latin typeface="NexusSerif"/>
-              </a:rPr>
-              <a:t>The goal is similar to what I am trying to do.</a:t>
-            </a:r>
-          </a:p>
-          <a:p>
-            <a:pPr algn="l"/>
-            <a:r>
-              <a:rPr lang="en-US" dirty="0">
-                <a:solidFill>
-                  <a:srgbClr val="505050"/>
-                </a:solidFill>
-                <a:latin typeface="NexusSerif"/>
-              </a:rPr>
-              <a:t>Using parallel docs, bi-text, translated version of news stories for training</a:t>
-            </a:r>
-          </a:p>
-          <a:p>
-            <a:pPr algn="l"/>
-            <a:r>
-              <a:rPr lang="en-US" dirty="0">
-                <a:solidFill>
-                  <a:srgbClr val="505050"/>
-                </a:solidFill>
-                <a:latin typeface="NexusSerif"/>
-              </a:rPr>
-              <a:t>Stemming and stop words removal</a:t>
-            </a:r>
-          </a:p>
-          <a:p>
-            <a:pPr algn="l"/>
-            <a:r>
-              <a:rPr lang="en-US" dirty="0">
-                <a:solidFill>
-                  <a:srgbClr val="505050"/>
-                </a:solidFill>
-                <a:latin typeface="NexusSerif"/>
-              </a:rPr>
-              <a:t>Comparing SOM and GHSOM (unsupervised ML)</a:t>
-            </a:r>
-          </a:p>
-          <a:p>
-            <a:pPr algn="l"/>
-            <a:r>
-              <a:rPr lang="en-US" dirty="0">
-                <a:solidFill>
-                  <a:srgbClr val="505050"/>
-                </a:solidFill>
-                <a:latin typeface="NexusSerif"/>
-              </a:rPr>
-              <a:t>News collected from Aljazeera and others</a:t>
-            </a:r>
-          </a:p>
-          <a:p>
-            <a:pPr algn="l"/>
-            <a:r>
-              <a:rPr lang="en-US" dirty="0">
-                <a:solidFill>
-                  <a:srgbClr val="505050"/>
-                </a:solidFill>
-                <a:latin typeface="NexusSerif"/>
-              </a:rPr>
-              <a:t>87% and 93% P and R for SOM and GHSOM respectively</a:t>
-            </a:r>
-          </a:p>
-          <a:p>
-            <a:r>
-              <a:rPr lang="en-US" b="0" i="0" dirty="0">
-                <a:solidFill>
-                  <a:srgbClr val="FF0000"/>
-                </a:solidFill>
-                <a:effectLst/>
-                <a:latin typeface="NexusSerif"/>
-              </a:rPr>
-              <a:t>(</a:t>
-            </a:r>
-            <a:r>
-              <a:rPr lang="en-US" b="0" i="0" dirty="0">
-                <a:solidFill>
-                  <a:srgbClr val="FF0000"/>
-                </a:solidFill>
-                <a:effectLst/>
-                <a:latin typeface="Arial" panose="020B0604020202020204" pitchFamily="34" charset="0"/>
-              </a:rPr>
-              <a:t>Hussein </a:t>
-            </a:r>
-            <a:r>
-              <a:rPr lang="en-US" b="0" i="0" dirty="0">
-                <a:solidFill>
-                  <a:srgbClr val="FF0000"/>
-                </a:solidFill>
-                <a:effectLst/>
-                <a:latin typeface="NexusSerif"/>
-              </a:rPr>
-              <a:t>2015 and 2016</a:t>
-            </a:r>
-            <a:r>
-              <a:rPr lang="en-US" dirty="0">
-                <a:solidFill>
-                  <a:srgbClr val="FF0000"/>
-                </a:solidFill>
-                <a:latin typeface="NexusSerif"/>
-              </a:rPr>
-              <a:t>) </a:t>
-            </a:r>
-          </a:p>
-          <a:p>
-            <a:r>
-              <a:rPr lang="en-US" dirty="0">
-                <a:solidFill>
-                  <a:srgbClr val="FF0000"/>
-                </a:solidFill>
-                <a:latin typeface="NexusSerif"/>
-              </a:rPr>
-              <a:t>2015: </a:t>
-            </a:r>
-            <a:r>
-              <a:rPr lang="en-US" dirty="0"/>
-              <a:t>Arabic Document Similarity Analysis using </a:t>
-            </a:r>
-            <a:r>
-              <a:rPr lang="en-US" dirty="0" err="1"/>
-              <a:t>Ngrams</a:t>
-            </a:r>
-            <a:r>
-              <a:rPr lang="en-US" dirty="0"/>
-              <a:t> and Singular Value Decomposition</a:t>
-            </a:r>
-          </a:p>
-          <a:p>
-            <a:r>
-              <a:rPr lang="en-US" dirty="0">
-                <a:solidFill>
-                  <a:srgbClr val="FF0000"/>
-                </a:solidFill>
-                <a:latin typeface="NexusSerif"/>
-              </a:rPr>
-              <a:t>2016: </a:t>
-            </a:r>
-            <a:r>
-              <a:rPr lang="en-US" dirty="0"/>
-              <a:t>Visualizing Document Similarity Using N-Grams and Latent Semantic Analysis</a:t>
-            </a:r>
-          </a:p>
-          <a:p>
-            <a:r>
-              <a:rPr lang="en-US" dirty="0">
-                <a:solidFill>
-                  <a:srgbClr val="505050"/>
-                </a:solidFill>
-                <a:latin typeface="NexusSerif"/>
-              </a:rPr>
-              <a:t>Uses various methods including TF-IDF, Morphological analyzer, stemming, POS tagging</a:t>
-            </a:r>
-          </a:p>
-          <a:p>
-            <a:r>
-              <a:rPr lang="en-US" dirty="0">
-                <a:solidFill>
-                  <a:srgbClr val="505050"/>
-                </a:solidFill>
-                <a:latin typeface="NexusSerif"/>
-              </a:rPr>
-              <a:t>30 graded students’ assignments answer documents of Kuwait Civilization History Course.</a:t>
-            </a:r>
-          </a:p>
-          <a:p>
-            <a:r>
-              <a:rPr lang="en-US" dirty="0">
-                <a:solidFill>
-                  <a:srgbClr val="505050"/>
-                </a:solidFill>
-                <a:latin typeface="NexusSerif"/>
-              </a:rPr>
-              <a:t>Outperformed Plagiarism checkers for 2-gram and 3-gram</a:t>
-            </a:r>
-          </a:p>
-          <a:p>
-            <a:endParaRPr lang="en-US" dirty="0">
-              <a:solidFill>
-                <a:srgbClr val="505050"/>
-              </a:solidFill>
-              <a:latin typeface="NexusSerif"/>
-            </a:endParaRPr>
-          </a:p>
-        </p:txBody>
-      </p:sp>
-    </p:spTree>
-    <p:extLst>
-      <p:ext uri="{BB962C8B-B14F-4D97-AF65-F5344CB8AC3E}">
-        <p14:creationId xmlns:p14="http://schemas.microsoft.com/office/powerpoint/2010/main" val="3865353623"/>
-      </p:ext>
-    </p:extLst>
-  </p:cSld>
-  <p:clrMapOvr>
-    <a:masterClrMapping/>
-  </p:clrMapOvr>
-</p:sld>
-</file>
-
-<file path=ppt/slides/slide21.xml><?xml version="1.0" encoding="utf-8"?>
-<p:sld xmlns:a="http://schemas.openxmlformats.org/drawingml/2006/main" xmlns:r="http://schemas.openxmlformats.org/officeDocument/2006/relationships" xmlns:p="http://schemas.openxmlformats.org/presentationml/2006/main">
-  <p:cSld>
-    <p:spTree>
-      <p:nvGrpSpPr>
-        <p:cNvPr id="1" name=""/>
-        <p:cNvGrpSpPr/>
-        <p:nvPr/>
-      </p:nvGrpSpPr>
-      <p:grpSpPr>
-        <a:xfrm>
-          <a:off x="0" y="0"/>
-          <a:ext cx="0" cy="0"/>
-          <a:chOff x="0" y="0"/>
-          <a:chExt cx="0" cy="0"/>
-        </a:xfrm>
-      </p:grpSpPr>
-      <p:sp>
-        <p:nvSpPr>
-          <p:cNvPr id="2" name="Title 1">
-            <a:extLst>
-              <a:ext uri="{FF2B5EF4-FFF2-40B4-BE49-F238E27FC236}">
-                <a16:creationId xmlns:a16="http://schemas.microsoft.com/office/drawing/2014/main" id="{F71B79FD-0FA2-4793-84FE-A0D4AF52FF90}"/>
-              </a:ext>
-            </a:extLst>
-          </p:cNvPr>
-          <p:cNvSpPr>
-            <a:spLocks noGrp="1"/>
-          </p:cNvSpPr>
-          <p:nvPr>
-            <p:ph type="title"/>
-          </p:nvPr>
-        </p:nvSpPr>
-        <p:spPr>
-          <a:xfrm>
-            <a:off x="681135" y="365125"/>
-            <a:ext cx="11206065" cy="1325563"/>
-          </a:xfrm>
-        </p:spPr>
-        <p:txBody>
-          <a:bodyPr/>
-          <a:lstStyle/>
-          <a:p>
-            <a:r>
-              <a:rPr lang="en-US" dirty="0"/>
-              <a:t>Related Work: 3. Docs/News Similarity</a:t>
-            </a:r>
-          </a:p>
-        </p:txBody>
-      </p:sp>
-      <p:sp>
-        <p:nvSpPr>
-          <p:cNvPr id="3" name="Content Placeholder 2">
-            <a:extLst>
-              <a:ext uri="{FF2B5EF4-FFF2-40B4-BE49-F238E27FC236}">
-                <a16:creationId xmlns:a16="http://schemas.microsoft.com/office/drawing/2014/main" id="{12D94D22-8A38-4CB6-AA07-18FB6B3033DA}"/>
-              </a:ext>
-            </a:extLst>
-          </p:cNvPr>
-          <p:cNvSpPr>
-            <a:spLocks noGrp="1"/>
-          </p:cNvSpPr>
-          <p:nvPr>
-            <p:ph idx="1"/>
-          </p:nvPr>
-        </p:nvSpPr>
-        <p:spPr>
-          <a:xfrm>
-            <a:off x="429208" y="1436914"/>
-            <a:ext cx="11457992" cy="5290457"/>
-          </a:xfrm>
-        </p:spPr>
-        <p:txBody>
-          <a:bodyPr>
-            <a:normAutofit fontScale="85000" lnSpcReduction="20000"/>
-          </a:bodyPr>
-          <a:lstStyle/>
-          <a:p>
-            <a:pPr algn="l"/>
-            <a:r>
-              <a:rPr lang="en-US" b="0" i="0" dirty="0">
-                <a:solidFill>
-                  <a:srgbClr val="FF0000"/>
-                </a:solidFill>
-                <a:effectLst/>
-                <a:latin typeface="NexusSerif"/>
-              </a:rPr>
-              <a:t>(</a:t>
-            </a:r>
-            <a:r>
-              <a:rPr lang="en-US" dirty="0" err="1">
-                <a:solidFill>
-                  <a:srgbClr val="FF0000"/>
-                </a:solidFill>
-                <a:latin typeface="Arial" panose="020B0604020202020204" pitchFamily="34" charset="0"/>
-              </a:rPr>
-              <a:t>Alzahrani</a:t>
-            </a:r>
-            <a:r>
-              <a:rPr lang="en-US" dirty="0">
-                <a:solidFill>
-                  <a:srgbClr val="FF0000"/>
-                </a:solidFill>
-                <a:latin typeface="Arial" panose="020B0604020202020204" pitchFamily="34" charset="0"/>
-              </a:rPr>
-              <a:t> 2016)</a:t>
-            </a:r>
-            <a:r>
-              <a:rPr lang="en-US" sz="2800" b="0" i="0" u="none" strike="noStrike" baseline="0" dirty="0">
-                <a:latin typeface="TimesNewRoman"/>
-              </a:rPr>
-              <a:t>: </a:t>
-            </a:r>
-            <a:r>
-              <a:rPr lang="en-US" dirty="0"/>
-              <a:t>Cross-Language Semantic Similarity of Arabic-English Short Phrases and Sentences </a:t>
-            </a:r>
-          </a:p>
-          <a:p>
-            <a:pPr algn="l"/>
-            <a:r>
-              <a:rPr lang="en-US" dirty="0">
-                <a:solidFill>
-                  <a:srgbClr val="505050"/>
-                </a:solidFill>
-                <a:latin typeface="NexusSerif"/>
-              </a:rPr>
-              <a:t>Focuses on small documents (sentences)</a:t>
-            </a:r>
-          </a:p>
-          <a:p>
-            <a:pPr algn="l"/>
-            <a:r>
-              <a:rPr lang="en-US" dirty="0">
-                <a:solidFill>
-                  <a:srgbClr val="505050"/>
-                </a:solidFill>
-                <a:latin typeface="NexusSerif"/>
-              </a:rPr>
-              <a:t>Dataset is selected sentences’ pairs from Li et al. (2006) and a constructed benchmark for testing cross-language similarity.</a:t>
-            </a:r>
-          </a:p>
-          <a:p>
-            <a:pPr algn="l"/>
-            <a:r>
-              <a:rPr lang="en-US" dirty="0">
-                <a:solidFill>
-                  <a:srgbClr val="505050"/>
-                </a:solidFill>
-                <a:latin typeface="NexusSerif"/>
-              </a:rPr>
-              <a:t>Uses 2 methods: dictionary translation and MT</a:t>
-            </a:r>
-          </a:p>
-          <a:p>
-            <a:pPr algn="l"/>
-            <a:r>
-              <a:rPr lang="en-US" dirty="0">
-                <a:solidFill>
-                  <a:srgbClr val="505050"/>
-                </a:solidFill>
-                <a:latin typeface="NexusSerif"/>
-              </a:rPr>
-              <a:t>Uses POS tagging, Lemmatization, removes stop words, etc. </a:t>
-            </a:r>
-          </a:p>
-          <a:p>
-            <a:r>
-              <a:rPr lang="en-US" dirty="0">
-                <a:solidFill>
-                  <a:srgbClr val="505050"/>
-                </a:solidFill>
-                <a:latin typeface="NexusSerif"/>
-                <a:hlinkClick r:id="rId2"/>
-              </a:rPr>
-              <a:t>https://thescipub.com/pdf/jcssp.2016.1.18.pdf</a:t>
-            </a:r>
-            <a:endParaRPr lang="en-US" b="0" i="0" dirty="0">
-              <a:solidFill>
-                <a:srgbClr val="FF0000"/>
-              </a:solidFill>
-              <a:effectLst/>
-              <a:latin typeface="NexusSerif"/>
-            </a:endParaRPr>
-          </a:p>
-          <a:p>
-            <a:pPr algn="l"/>
-            <a:r>
-              <a:rPr lang="en-US" b="0" i="0" dirty="0">
-                <a:solidFill>
-                  <a:srgbClr val="FF0000"/>
-                </a:solidFill>
-                <a:effectLst/>
-                <a:latin typeface="NexusSerif"/>
-              </a:rPr>
-              <a:t>(</a:t>
-            </a:r>
-            <a:r>
-              <a:rPr lang="en-US" b="0" i="0" dirty="0" err="1">
-                <a:solidFill>
-                  <a:srgbClr val="FF0000"/>
-                </a:solidFill>
-                <a:effectLst/>
-                <a:latin typeface="Arial" panose="020B0604020202020204" pitchFamily="34" charset="0"/>
-              </a:rPr>
-              <a:t>Kadhem</a:t>
-            </a:r>
-            <a:r>
-              <a:rPr lang="en-US" b="0" i="0" dirty="0">
-                <a:solidFill>
-                  <a:srgbClr val="FF0000"/>
-                </a:solidFill>
-                <a:effectLst/>
-                <a:latin typeface="Arial" panose="020B0604020202020204" pitchFamily="34" charset="0"/>
-              </a:rPr>
-              <a:t> and </a:t>
-            </a:r>
-            <a:r>
-              <a:rPr lang="en-US" dirty="0">
-                <a:solidFill>
-                  <a:srgbClr val="FF0000"/>
-                </a:solidFill>
-                <a:latin typeface="Arial" panose="020B0604020202020204" pitchFamily="34" charset="0"/>
-              </a:rPr>
-              <a:t>Abd </a:t>
-            </a:r>
-            <a:r>
-              <a:rPr lang="en-US" dirty="0" err="1">
-                <a:solidFill>
-                  <a:srgbClr val="FF0000"/>
-                </a:solidFill>
-                <a:latin typeface="Arial" panose="020B0604020202020204" pitchFamily="34" charset="0"/>
-              </a:rPr>
-              <a:t>Alameer</a:t>
-            </a:r>
-            <a:r>
-              <a:rPr lang="en-US" dirty="0">
-                <a:solidFill>
-                  <a:srgbClr val="FF0000"/>
-                </a:solidFill>
-                <a:latin typeface="Arial" panose="020B0604020202020204" pitchFamily="34" charset="0"/>
-              </a:rPr>
-              <a:t> </a:t>
-            </a:r>
-            <a:r>
-              <a:rPr lang="en-US" b="0" i="0" dirty="0">
-                <a:solidFill>
-                  <a:srgbClr val="FF0000"/>
-                </a:solidFill>
-                <a:effectLst/>
-                <a:latin typeface="NexusSerif"/>
-              </a:rPr>
-              <a:t>2017</a:t>
-            </a:r>
-            <a:r>
-              <a:rPr lang="en-US" dirty="0">
-                <a:solidFill>
-                  <a:srgbClr val="FF0000"/>
-                </a:solidFill>
-                <a:latin typeface="NexusSerif"/>
-              </a:rPr>
-              <a:t>) </a:t>
-            </a:r>
-            <a:r>
-              <a:rPr lang="en-US" dirty="0"/>
-              <a:t>Finding the Similarity between Two Arabic Texts</a:t>
-            </a:r>
-          </a:p>
-          <a:p>
-            <a:pPr algn="l"/>
-            <a:r>
-              <a:rPr lang="en-US" dirty="0">
-                <a:solidFill>
-                  <a:srgbClr val="505050"/>
-                </a:solidFill>
-                <a:latin typeface="NexusSerif"/>
-              </a:rPr>
-              <a:t>Sentence level similarity</a:t>
-            </a:r>
-          </a:p>
-          <a:p>
-            <a:r>
-              <a:rPr lang="en-US" dirty="0">
-                <a:solidFill>
-                  <a:srgbClr val="505050"/>
-                </a:solidFill>
-                <a:latin typeface="NexusSerif"/>
-              </a:rPr>
-              <a:t>Hybrid method (Semantic similarity, Cosine similarity, and N-gram Dice’s index)</a:t>
-            </a:r>
-          </a:p>
-          <a:p>
-            <a:r>
-              <a:rPr lang="en-US" dirty="0">
-                <a:solidFill>
-                  <a:srgbClr val="505050"/>
-                </a:solidFill>
-                <a:latin typeface="NexusSerif"/>
-              </a:rPr>
-              <a:t>Dataset consists of a set of Arabic Computer Science terms (manually constructed)</a:t>
-            </a:r>
-          </a:p>
-          <a:p>
-            <a:r>
-              <a:rPr lang="en-US" dirty="0">
-                <a:solidFill>
-                  <a:srgbClr val="505050"/>
-                </a:solidFill>
-                <a:latin typeface="NexusSerif"/>
-              </a:rPr>
-              <a:t>Hybrid method outperformed each method separately</a:t>
-            </a:r>
-          </a:p>
-          <a:p>
-            <a:r>
-              <a:rPr lang="en-US" dirty="0">
-                <a:solidFill>
-                  <a:srgbClr val="505050"/>
-                </a:solidFill>
-                <a:latin typeface="NexusSerif"/>
-                <a:hlinkClick r:id="rId3"/>
-              </a:rPr>
-              <a:t>https://www.iasj.net/iasj/download/e2adce62809b6a3a</a:t>
-            </a:r>
-            <a:endParaRPr lang="en-US" dirty="0">
-              <a:solidFill>
-                <a:srgbClr val="505050"/>
-              </a:solidFill>
-              <a:latin typeface="NexusSerif"/>
-            </a:endParaRPr>
-          </a:p>
-          <a:p>
-            <a:endParaRPr lang="en-US" dirty="0">
-              <a:solidFill>
-                <a:srgbClr val="505050"/>
-              </a:solidFill>
-              <a:latin typeface="NexusSerif"/>
-            </a:endParaRPr>
-          </a:p>
-        </p:txBody>
-      </p:sp>
-    </p:spTree>
-    <p:extLst>
-      <p:ext uri="{BB962C8B-B14F-4D97-AF65-F5344CB8AC3E}">
-        <p14:creationId xmlns:p14="http://schemas.microsoft.com/office/powerpoint/2010/main" val="2605515093"/>
-      </p:ext>
-    </p:extLst>
-  </p:cSld>
-  <p:clrMapOvr>
-    <a:masterClrMapping/>
-  </p:clrMapOvr>
-</p:sld>
-</file>
-
-<file path=ppt/slides/slide22.xml><?xml version="1.0" encoding="utf-8"?>
-<p:sld xmlns:a="http://schemas.openxmlformats.org/drawingml/2006/main" xmlns:r="http://schemas.openxmlformats.org/officeDocument/2006/relationships" xmlns:p="http://schemas.openxmlformats.org/presentationml/2006/main">
-  <p:cSld>
-    <p:spTree>
-      <p:nvGrpSpPr>
-        <p:cNvPr id="1" name=""/>
-        <p:cNvGrpSpPr/>
-        <p:nvPr/>
-      </p:nvGrpSpPr>
-      <p:grpSpPr>
-        <a:xfrm>
-          <a:off x="0" y="0"/>
-          <a:ext cx="0" cy="0"/>
-          <a:chOff x="0" y="0"/>
-          <a:chExt cx="0" cy="0"/>
-        </a:xfrm>
-      </p:grpSpPr>
-      <p:sp>
-        <p:nvSpPr>
-          <p:cNvPr id="2" name="Title 1">
-            <a:extLst>
-              <a:ext uri="{FF2B5EF4-FFF2-40B4-BE49-F238E27FC236}">
-                <a16:creationId xmlns:a16="http://schemas.microsoft.com/office/drawing/2014/main" id="{F71B79FD-0FA2-4793-84FE-A0D4AF52FF90}"/>
-              </a:ext>
-            </a:extLst>
-          </p:cNvPr>
-          <p:cNvSpPr>
-            <a:spLocks noGrp="1"/>
-          </p:cNvSpPr>
-          <p:nvPr>
-            <p:ph type="title"/>
-          </p:nvPr>
-        </p:nvSpPr>
-        <p:spPr>
-          <a:xfrm>
-            <a:off x="681135" y="365125"/>
-            <a:ext cx="11206065" cy="1325563"/>
-          </a:xfrm>
-        </p:spPr>
-        <p:txBody>
-          <a:bodyPr/>
-          <a:lstStyle/>
-          <a:p>
-            <a:r>
-              <a:rPr lang="en-US" dirty="0"/>
-              <a:t>Related Work: 3. Docs/News Similarity</a:t>
-            </a:r>
-          </a:p>
-        </p:txBody>
-      </p:sp>
-      <p:sp>
-        <p:nvSpPr>
-          <p:cNvPr id="3" name="Content Placeholder 2">
-            <a:extLst>
-              <a:ext uri="{FF2B5EF4-FFF2-40B4-BE49-F238E27FC236}">
-                <a16:creationId xmlns:a16="http://schemas.microsoft.com/office/drawing/2014/main" id="{12D94D22-8A38-4CB6-AA07-18FB6B3033DA}"/>
-              </a:ext>
-            </a:extLst>
-          </p:cNvPr>
-          <p:cNvSpPr>
-            <a:spLocks noGrp="1"/>
-          </p:cNvSpPr>
-          <p:nvPr>
-            <p:ph idx="1"/>
-          </p:nvPr>
-        </p:nvSpPr>
-        <p:spPr>
-          <a:xfrm>
-            <a:off x="429208" y="1436914"/>
-            <a:ext cx="11457992" cy="5290457"/>
-          </a:xfrm>
-        </p:spPr>
-        <p:txBody>
-          <a:bodyPr>
-            <a:normAutofit fontScale="70000" lnSpcReduction="20000"/>
-          </a:bodyPr>
-          <a:lstStyle/>
-          <a:p>
-            <a:pPr algn="l"/>
-            <a:r>
-              <a:rPr lang="en-US" b="0" i="0" dirty="0">
-                <a:solidFill>
-                  <a:srgbClr val="FF0000"/>
-                </a:solidFill>
-                <a:effectLst/>
-                <a:latin typeface="NexusSerif"/>
-              </a:rPr>
-              <a:t>(</a:t>
-            </a:r>
-            <a:r>
-              <a:rPr lang="en-US" b="0" i="0" dirty="0" err="1">
-                <a:solidFill>
-                  <a:srgbClr val="FF0000"/>
-                </a:solidFill>
-                <a:effectLst/>
-                <a:latin typeface="NexusSerif"/>
-              </a:rPr>
-              <a:t>Nagoudi</a:t>
-            </a:r>
-            <a:r>
-              <a:rPr lang="en-US" b="0" i="0" dirty="0">
-                <a:solidFill>
-                  <a:srgbClr val="FF0000"/>
-                </a:solidFill>
-                <a:effectLst/>
-                <a:latin typeface="NexusSerif"/>
-              </a:rPr>
-              <a:t> and Schwab </a:t>
-            </a:r>
-            <a:r>
-              <a:rPr lang="en-US" dirty="0">
-                <a:solidFill>
-                  <a:srgbClr val="FF0000"/>
-                </a:solidFill>
-                <a:latin typeface="Arial" panose="020B0604020202020204" pitchFamily="34" charset="0"/>
-              </a:rPr>
-              <a:t>2017)</a:t>
-            </a:r>
-            <a:r>
-              <a:rPr lang="en-US" sz="2800" b="0" i="0" u="none" strike="noStrike" baseline="0" dirty="0">
-                <a:latin typeface="TimesNewRoman"/>
-              </a:rPr>
-              <a:t>: </a:t>
-            </a:r>
-            <a:r>
-              <a:rPr lang="en-US" dirty="0"/>
-              <a:t>Semantic Similarity of Arabic Sentences with Word Embeddings</a:t>
-            </a:r>
-          </a:p>
-          <a:p>
-            <a:r>
-              <a:rPr lang="en-US" dirty="0">
-                <a:solidFill>
-                  <a:srgbClr val="505050"/>
-                </a:solidFill>
-                <a:latin typeface="NexusSerif"/>
-              </a:rPr>
-              <a:t>Sentence level similarity</a:t>
-            </a:r>
-          </a:p>
-          <a:p>
-            <a:pPr algn="l"/>
-            <a:r>
-              <a:rPr lang="en-US" dirty="0">
-                <a:solidFill>
-                  <a:srgbClr val="505050"/>
-                </a:solidFill>
-                <a:latin typeface="NexusSerif"/>
-              </a:rPr>
-              <a:t>750 sentence pairs from Microsoft Research Video Description Corpus translated to Arabic</a:t>
-            </a:r>
-          </a:p>
-          <a:p>
-            <a:pPr algn="l"/>
-            <a:r>
-              <a:rPr lang="en-US" dirty="0">
-                <a:solidFill>
-                  <a:srgbClr val="505050"/>
-                </a:solidFill>
-                <a:latin typeface="NexusSerif"/>
-              </a:rPr>
-              <a:t>Stop-words removed, Letter’s variations are normalized, etc.</a:t>
-            </a:r>
-          </a:p>
-          <a:p>
-            <a:pPr algn="l"/>
-            <a:r>
-              <a:rPr lang="en-US" dirty="0">
-                <a:solidFill>
-                  <a:srgbClr val="505050"/>
-                </a:solidFill>
-                <a:latin typeface="NexusSerif"/>
-              </a:rPr>
-              <a:t>Uses POS tagging</a:t>
-            </a:r>
-          </a:p>
-          <a:p>
-            <a:pPr algn="l"/>
-            <a:r>
-              <a:rPr lang="en-US" dirty="0">
-                <a:solidFill>
-                  <a:srgbClr val="505050"/>
-                </a:solidFill>
-                <a:latin typeface="NexusSerif"/>
-              </a:rPr>
-              <a:t> Not aware of context</a:t>
-            </a:r>
-          </a:p>
-          <a:p>
-            <a:r>
-              <a:rPr lang="en-US" dirty="0">
-                <a:solidFill>
-                  <a:srgbClr val="505050"/>
-                </a:solidFill>
-                <a:latin typeface="NexusSerif"/>
-                <a:hlinkClick r:id="rId2"/>
-              </a:rPr>
-              <a:t>https://aclanthology.org/W17-1303.pdf</a:t>
-            </a:r>
-            <a:endParaRPr lang="en-US" dirty="0">
-              <a:solidFill>
-                <a:srgbClr val="505050"/>
-              </a:solidFill>
-              <a:latin typeface="NexusSerif"/>
-            </a:endParaRPr>
-          </a:p>
-          <a:p>
-            <a:r>
-              <a:rPr lang="en-US" b="0" i="0" dirty="0">
-                <a:solidFill>
-                  <a:srgbClr val="FF0000"/>
-                </a:solidFill>
-                <a:effectLst/>
-                <a:latin typeface="NexusSerif"/>
-              </a:rPr>
-              <a:t>(</a:t>
-            </a:r>
-            <a:r>
-              <a:rPr lang="en-US" dirty="0" err="1">
-                <a:solidFill>
-                  <a:srgbClr val="FF0000"/>
-                </a:solidFill>
-                <a:latin typeface="Arial" panose="020B0604020202020204" pitchFamily="34" charset="0"/>
-              </a:rPr>
-              <a:t>Nagoudi</a:t>
-            </a:r>
-            <a:r>
-              <a:rPr lang="en-US" dirty="0">
-                <a:solidFill>
-                  <a:srgbClr val="FF0000"/>
-                </a:solidFill>
-                <a:latin typeface="Arial" panose="020B0604020202020204" pitchFamily="34" charset="0"/>
-              </a:rPr>
-              <a:t> et. al., </a:t>
-            </a:r>
-            <a:r>
-              <a:rPr lang="en-US" b="0" i="0" dirty="0">
-                <a:solidFill>
-                  <a:srgbClr val="FF0000"/>
-                </a:solidFill>
-                <a:effectLst/>
-                <a:latin typeface="NexusSerif"/>
-              </a:rPr>
-              <a:t>2018</a:t>
-            </a:r>
-            <a:r>
-              <a:rPr lang="en-US" dirty="0">
-                <a:solidFill>
-                  <a:srgbClr val="FF0000"/>
-                </a:solidFill>
-                <a:latin typeface="NexusSerif"/>
-              </a:rPr>
-              <a:t>) </a:t>
-            </a:r>
-            <a:r>
-              <a:rPr lang="en-US" dirty="0"/>
-              <a:t>Word Embedding-Based Approaches for Measuring Semantic Similarity of Arabic-English Sentences</a:t>
-            </a:r>
-          </a:p>
-          <a:p>
-            <a:r>
-              <a:rPr lang="en-US" dirty="0">
-                <a:solidFill>
-                  <a:srgbClr val="505050"/>
-                </a:solidFill>
-                <a:latin typeface="NexusSerif"/>
-              </a:rPr>
-              <a:t>Sentence level similarity</a:t>
-            </a:r>
-          </a:p>
-          <a:p>
-            <a:r>
-              <a:rPr lang="en-US" dirty="0">
-                <a:solidFill>
-                  <a:srgbClr val="505050"/>
-                </a:solidFill>
-                <a:latin typeface="NexusSerif"/>
-              </a:rPr>
-              <a:t>Uses MT to translate English sentences to Arabic then process</a:t>
-            </a:r>
-          </a:p>
-          <a:p>
-            <a:r>
-              <a:rPr lang="en-US" dirty="0">
-                <a:solidFill>
-                  <a:srgbClr val="505050"/>
-                </a:solidFill>
-                <a:latin typeface="NexusSerif"/>
-              </a:rPr>
-              <a:t>2400 sentence pairs examined</a:t>
-            </a:r>
-          </a:p>
-          <a:p>
-            <a:r>
-              <a:rPr lang="en-US" dirty="0">
-                <a:solidFill>
-                  <a:srgbClr val="505050"/>
-                </a:solidFill>
-                <a:latin typeface="NexusSerif"/>
-              </a:rPr>
-              <a:t>Words Alignment, IDF, and POS tagging is used</a:t>
-            </a:r>
-          </a:p>
-          <a:p>
-            <a:r>
-              <a:rPr lang="en-US" dirty="0">
-                <a:solidFill>
-                  <a:srgbClr val="505050"/>
-                </a:solidFill>
-                <a:latin typeface="NexusSerif"/>
-              </a:rPr>
-              <a:t>Ferrero 2017 is related (co-author)</a:t>
-            </a:r>
-          </a:p>
-          <a:p>
-            <a:r>
-              <a:rPr lang="en-US" dirty="0">
-                <a:solidFill>
-                  <a:srgbClr val="505050"/>
-                </a:solidFill>
-                <a:latin typeface="NexusSerif"/>
-                <a:hlinkClick r:id="rId3"/>
-              </a:rPr>
-              <a:t>https://hal.archives-ouvertes.fr/hal-01683494/file/Lecture_Notes_in_Computer_Science__LNCS__2%20%2819%29.pdf</a:t>
-            </a:r>
-            <a:endParaRPr lang="en-US" dirty="0">
-              <a:solidFill>
-                <a:srgbClr val="505050"/>
-              </a:solidFill>
-              <a:latin typeface="NexusSerif"/>
-            </a:endParaRPr>
-          </a:p>
-          <a:p>
-            <a:endParaRPr lang="en-US" dirty="0">
-              <a:solidFill>
-                <a:srgbClr val="505050"/>
-              </a:solidFill>
-              <a:latin typeface="NexusSerif"/>
-            </a:endParaRPr>
-          </a:p>
-          <a:p>
-            <a:endParaRPr lang="en-US" dirty="0">
-              <a:solidFill>
-                <a:srgbClr val="505050"/>
-              </a:solidFill>
-              <a:latin typeface="NexusSerif"/>
-            </a:endParaRPr>
-          </a:p>
-        </p:txBody>
-      </p:sp>
-    </p:spTree>
-    <p:extLst>
-      <p:ext uri="{BB962C8B-B14F-4D97-AF65-F5344CB8AC3E}">
-        <p14:creationId xmlns:p14="http://schemas.microsoft.com/office/powerpoint/2010/main" val="223932497"/>
-      </p:ext>
-    </p:extLst>
-  </p:cSld>
-  <p:clrMapOvr>
-    <a:masterClrMapping/>
-  </p:clrMapOvr>
-</p:sld>
-</file>
-
-<file path=ppt/slides/slide23.xml><?xml version="1.0" encoding="utf-8"?>
-<p:sld xmlns:a="http://schemas.openxmlformats.org/drawingml/2006/main" xmlns:r="http://schemas.openxmlformats.org/officeDocument/2006/relationships" xmlns:p="http://schemas.openxmlformats.org/presentationml/2006/main">
-  <p:cSld>
-    <p:spTree>
-      <p:nvGrpSpPr>
-        <p:cNvPr id="1" name=""/>
-        <p:cNvGrpSpPr/>
-        <p:nvPr/>
-      </p:nvGrpSpPr>
-      <p:grpSpPr>
-        <a:xfrm>
-          <a:off x="0" y="0"/>
-          <a:ext cx="0" cy="0"/>
-          <a:chOff x="0" y="0"/>
-          <a:chExt cx="0" cy="0"/>
-        </a:xfrm>
-      </p:grpSpPr>
-      <p:sp>
-        <p:nvSpPr>
-          <p:cNvPr id="2" name="Title 1">
-            <a:extLst>
-              <a:ext uri="{FF2B5EF4-FFF2-40B4-BE49-F238E27FC236}">
-                <a16:creationId xmlns:a16="http://schemas.microsoft.com/office/drawing/2014/main" id="{F71B79FD-0FA2-4793-84FE-A0D4AF52FF90}"/>
-              </a:ext>
-            </a:extLst>
-          </p:cNvPr>
-          <p:cNvSpPr>
-            <a:spLocks noGrp="1"/>
-          </p:cNvSpPr>
-          <p:nvPr>
-            <p:ph type="title"/>
-          </p:nvPr>
-        </p:nvSpPr>
-        <p:spPr>
-          <a:xfrm>
-            <a:off x="681135" y="365125"/>
-            <a:ext cx="11206065" cy="1325563"/>
-          </a:xfrm>
-        </p:spPr>
-        <p:txBody>
-          <a:bodyPr/>
-          <a:lstStyle/>
-          <a:p>
-            <a:r>
-              <a:rPr lang="en-US" dirty="0"/>
-              <a:t>Related Work: 3. Docs/News Similarity</a:t>
-            </a:r>
-          </a:p>
-        </p:txBody>
-      </p:sp>
-      <p:sp>
-        <p:nvSpPr>
-          <p:cNvPr id="3" name="Content Placeholder 2">
-            <a:extLst>
-              <a:ext uri="{FF2B5EF4-FFF2-40B4-BE49-F238E27FC236}">
-                <a16:creationId xmlns:a16="http://schemas.microsoft.com/office/drawing/2014/main" id="{12D94D22-8A38-4CB6-AA07-18FB6B3033DA}"/>
-              </a:ext>
-            </a:extLst>
-          </p:cNvPr>
-          <p:cNvSpPr>
-            <a:spLocks noGrp="1"/>
-          </p:cNvSpPr>
-          <p:nvPr>
-            <p:ph idx="1"/>
-          </p:nvPr>
-        </p:nvSpPr>
-        <p:spPr>
-          <a:xfrm>
-            <a:off x="429208" y="1436914"/>
-            <a:ext cx="11457992" cy="5290457"/>
-          </a:xfrm>
-        </p:spPr>
-        <p:txBody>
-          <a:bodyPr>
-            <a:normAutofit fontScale="85000" lnSpcReduction="20000"/>
-          </a:bodyPr>
-          <a:lstStyle/>
-          <a:p>
-            <a:pPr algn="l"/>
-            <a:r>
-              <a:rPr lang="en-US" b="0" i="0" dirty="0">
-                <a:solidFill>
-                  <a:srgbClr val="FF0000"/>
-                </a:solidFill>
-                <a:effectLst/>
-                <a:latin typeface="NexusSerif"/>
-              </a:rPr>
-              <a:t>(</a:t>
-            </a:r>
-            <a:r>
-              <a:rPr lang="en-US" b="0" i="0" dirty="0" err="1">
-                <a:solidFill>
-                  <a:srgbClr val="FF0000"/>
-                </a:solidFill>
-                <a:effectLst/>
-                <a:latin typeface="NexusSerif"/>
-              </a:rPr>
-              <a:t>Almarsoomi</a:t>
-            </a:r>
-            <a:r>
-              <a:rPr lang="en-US" b="0" i="0" dirty="0">
-                <a:solidFill>
-                  <a:srgbClr val="FF0000"/>
-                </a:solidFill>
-                <a:effectLst/>
-                <a:latin typeface="NexusSerif"/>
-              </a:rPr>
-              <a:t> et. al., 2013</a:t>
-            </a:r>
-            <a:r>
-              <a:rPr lang="en-US" dirty="0">
-                <a:solidFill>
-                  <a:srgbClr val="FF0000"/>
-                </a:solidFill>
-                <a:latin typeface="Arial" panose="020B0604020202020204" pitchFamily="34" charset="0"/>
-              </a:rPr>
-              <a:t>)</a:t>
-            </a:r>
-            <a:r>
-              <a:rPr lang="en-US" sz="2800" b="0" i="0" u="none" strike="noStrike" baseline="0" dirty="0">
-                <a:latin typeface="TimesNewRoman"/>
-              </a:rPr>
-              <a:t>: </a:t>
-            </a:r>
-            <a:r>
-              <a:rPr lang="en-US" dirty="0"/>
-              <a:t>AWSS: An Algorithm for Measuring Arabic Word Semantic Similarity</a:t>
-            </a:r>
-          </a:p>
-          <a:p>
-            <a:pPr algn="l"/>
-            <a:r>
-              <a:rPr lang="en-US" dirty="0">
-                <a:solidFill>
-                  <a:srgbClr val="505050"/>
-                </a:solidFill>
-                <a:latin typeface="NexusSerif"/>
-              </a:rPr>
-              <a:t>Word level similarity</a:t>
-            </a:r>
-          </a:p>
-          <a:p>
-            <a:pPr algn="l"/>
-            <a:r>
-              <a:rPr lang="en-US" dirty="0">
-                <a:solidFill>
-                  <a:srgbClr val="505050"/>
-                </a:solidFill>
-                <a:latin typeface="NexusSerif"/>
-              </a:rPr>
-              <a:t>It is not closely related to my work. </a:t>
-            </a:r>
-            <a:r>
-              <a:rPr lang="en-US" dirty="0">
-                <a:solidFill>
-                  <a:srgbClr val="505050"/>
-                </a:solidFill>
-                <a:latin typeface="NexusSerif"/>
-                <a:hlinkClick r:id="rId2"/>
-              </a:rPr>
-              <a:t>https://www.researchgate.net/publication/262398174_AWSS_An_Algorithm_for_Measuring_Arabic_Word_Semantic_Similarity</a:t>
-            </a:r>
-            <a:endParaRPr lang="en-US" dirty="0">
-              <a:solidFill>
-                <a:srgbClr val="505050"/>
-              </a:solidFill>
-              <a:latin typeface="NexusSerif"/>
-            </a:endParaRPr>
-          </a:p>
-          <a:p>
-            <a:r>
-              <a:rPr lang="en-US" b="0" i="0" dirty="0">
-                <a:solidFill>
-                  <a:srgbClr val="FF0000"/>
-                </a:solidFill>
-                <a:effectLst/>
-                <a:latin typeface="NexusSerif"/>
-              </a:rPr>
-              <a:t>(Froud</a:t>
-            </a:r>
-            <a:r>
-              <a:rPr lang="en-US" dirty="0">
-                <a:solidFill>
-                  <a:srgbClr val="FF0000"/>
-                </a:solidFill>
-                <a:latin typeface="Arial" panose="020B0604020202020204" pitchFamily="34" charset="0"/>
-              </a:rPr>
-              <a:t> et. al., </a:t>
-            </a:r>
-            <a:r>
-              <a:rPr lang="en-US" b="0" i="0" dirty="0">
-                <a:solidFill>
-                  <a:srgbClr val="FF0000"/>
-                </a:solidFill>
-                <a:effectLst/>
-                <a:latin typeface="NexusSerif"/>
-              </a:rPr>
-              <a:t>2012</a:t>
-            </a:r>
-            <a:r>
-              <a:rPr lang="en-US" dirty="0">
-                <a:solidFill>
-                  <a:srgbClr val="FF0000"/>
-                </a:solidFill>
-                <a:latin typeface="NexusSerif"/>
-              </a:rPr>
-              <a:t>) </a:t>
-            </a:r>
-            <a:r>
-              <a:rPr lang="en-US" dirty="0"/>
-              <a:t>Stemming versus Light Stemming for measuring the similarity between Arabic Words</a:t>
-            </a:r>
-          </a:p>
-          <a:p>
-            <a:pPr algn="l"/>
-            <a:r>
-              <a:rPr lang="en-US" dirty="0">
-                <a:solidFill>
-                  <a:srgbClr val="505050"/>
-                </a:solidFill>
-                <a:latin typeface="NexusSerif"/>
-              </a:rPr>
-              <a:t>Word level similarity</a:t>
-            </a:r>
-          </a:p>
-          <a:p>
-            <a:r>
-              <a:rPr lang="en-US" dirty="0">
-                <a:solidFill>
-                  <a:srgbClr val="505050"/>
-                </a:solidFill>
-                <a:latin typeface="NexusSerif"/>
-              </a:rPr>
-              <a:t>It is not closely related to my work. </a:t>
-            </a:r>
-          </a:p>
-          <a:p>
-            <a:r>
-              <a:rPr lang="en-US" dirty="0">
-                <a:solidFill>
-                  <a:srgbClr val="FF0000"/>
-                </a:solidFill>
-                <a:latin typeface="NexusSerif"/>
-              </a:rPr>
-              <a:t>(</a:t>
-            </a:r>
-            <a:r>
-              <a:rPr lang="en-US" dirty="0" err="1">
-                <a:solidFill>
-                  <a:srgbClr val="FF0000"/>
-                </a:solidFill>
-                <a:latin typeface="NexusSerif"/>
-              </a:rPr>
-              <a:t>Alhawarat</a:t>
-            </a:r>
-            <a:r>
-              <a:rPr lang="en-US" dirty="0">
-                <a:solidFill>
-                  <a:srgbClr val="FF0000"/>
-                </a:solidFill>
-                <a:latin typeface="NexusSerif"/>
-              </a:rPr>
-              <a:t> et. al., 2021): </a:t>
-            </a:r>
-            <a:r>
-              <a:rPr lang="en-US" dirty="0"/>
-              <a:t>Effect of stemming on text similarity for Arabic language at sentence level</a:t>
-            </a:r>
-          </a:p>
-          <a:p>
-            <a:pPr algn="l"/>
-            <a:r>
-              <a:rPr lang="en-US" dirty="0">
-                <a:solidFill>
-                  <a:srgbClr val="505050"/>
-                </a:solidFill>
-                <a:latin typeface="NexusSerif"/>
-              </a:rPr>
-              <a:t>Compares the effect of multiple stemmers on text similarity using SVM, Stochastic Gradient Descent, and Naïve Bayesian</a:t>
-            </a:r>
-          </a:p>
-          <a:p>
-            <a:r>
-              <a:rPr lang="en-US" dirty="0">
-                <a:solidFill>
-                  <a:srgbClr val="505050"/>
-                </a:solidFill>
-                <a:latin typeface="NexusSerif"/>
-              </a:rPr>
-              <a:t>In general, stemming improved similarity results by 7% but some stemmers produced worse results than the original text like Khoja heavy stemmer and </a:t>
-            </a:r>
-            <a:r>
-              <a:rPr lang="en-US" dirty="0" err="1">
-                <a:solidFill>
-                  <a:srgbClr val="505050"/>
-                </a:solidFill>
-                <a:latin typeface="NexusSerif"/>
-              </a:rPr>
-              <a:t>AlKhalil</a:t>
-            </a:r>
-            <a:r>
-              <a:rPr lang="en-US" dirty="0">
-                <a:solidFill>
-                  <a:srgbClr val="505050"/>
-                </a:solidFill>
-                <a:latin typeface="NexusSerif"/>
-              </a:rPr>
-              <a:t> light stemmer.</a:t>
-            </a:r>
-          </a:p>
-          <a:p>
-            <a:endParaRPr lang="en-US" dirty="0"/>
-          </a:p>
-          <a:p>
-            <a:endParaRPr lang="en-US" dirty="0">
-              <a:solidFill>
-                <a:srgbClr val="505050"/>
-              </a:solidFill>
-              <a:latin typeface="NexusSerif"/>
-            </a:endParaRPr>
-          </a:p>
-        </p:txBody>
-      </p:sp>
-    </p:spTree>
-    <p:extLst>
-      <p:ext uri="{BB962C8B-B14F-4D97-AF65-F5344CB8AC3E}">
-        <p14:creationId xmlns:p14="http://schemas.microsoft.com/office/powerpoint/2010/main" val="616691240"/>
-      </p:ext>
-    </p:extLst>
-  </p:cSld>
-  <p:clrMapOvr>
-    <a:masterClrMapping/>
-  </p:clrMapOvr>
-</p:sld>
-</file>
-
-<file path=ppt/slides/slide24.xml><?xml version="1.0" encoding="utf-8"?>
-<p:sld xmlns:a="http://schemas.openxmlformats.org/drawingml/2006/main" xmlns:r="http://schemas.openxmlformats.org/officeDocument/2006/relationships" xmlns:p="http://schemas.openxmlformats.org/presentationml/2006/main">
-  <p:cSld>
-    <p:spTree>
-      <p:nvGrpSpPr>
-        <p:cNvPr id="1" name=""/>
-        <p:cNvGrpSpPr/>
-        <p:nvPr/>
-      </p:nvGrpSpPr>
-      <p:grpSpPr>
-        <a:xfrm>
-          <a:off x="0" y="0"/>
-          <a:ext cx="0" cy="0"/>
-          <a:chOff x="0" y="0"/>
-          <a:chExt cx="0" cy="0"/>
-        </a:xfrm>
-      </p:grpSpPr>
-      <p:sp>
-        <p:nvSpPr>
-          <p:cNvPr id="2" name="Title 1">
-            <a:extLst>
-              <a:ext uri="{FF2B5EF4-FFF2-40B4-BE49-F238E27FC236}">
-                <a16:creationId xmlns:a16="http://schemas.microsoft.com/office/drawing/2014/main" id="{3A86496D-E279-49AF-A52A-6FB73B341038}"/>
-              </a:ext>
-            </a:extLst>
-          </p:cNvPr>
-          <p:cNvSpPr>
-            <a:spLocks noGrp="1"/>
-          </p:cNvSpPr>
-          <p:nvPr>
-            <p:ph type="title"/>
-          </p:nvPr>
-        </p:nvSpPr>
-        <p:spPr/>
-        <p:txBody>
-          <a:bodyPr/>
-          <a:lstStyle/>
-          <a:p>
-            <a:endParaRPr lang="en-US" dirty="0"/>
-          </a:p>
-        </p:txBody>
-      </p:sp>
-      <p:sp>
-        <p:nvSpPr>
-          <p:cNvPr id="7" name="Content Placeholder 6">
-            <a:extLst>
-              <a:ext uri="{FF2B5EF4-FFF2-40B4-BE49-F238E27FC236}">
-                <a16:creationId xmlns:a16="http://schemas.microsoft.com/office/drawing/2014/main" id="{1791AAA2-14E1-4D5D-A97D-205492CBD8CD}"/>
-              </a:ext>
-            </a:extLst>
-          </p:cNvPr>
-          <p:cNvSpPr>
-            <a:spLocks noGrp="1"/>
-          </p:cNvSpPr>
-          <p:nvPr>
-            <p:ph idx="1"/>
-          </p:nvPr>
-        </p:nvSpPr>
-        <p:spPr/>
-        <p:txBody>
-          <a:bodyPr/>
-          <a:lstStyle/>
-          <a:p>
-            <a:pPr algn="l"/>
-            <a:endParaRPr lang="en-US" dirty="0"/>
-          </a:p>
-        </p:txBody>
-      </p:sp>
-    </p:spTree>
-    <p:extLst>
-      <p:ext uri="{BB962C8B-B14F-4D97-AF65-F5344CB8AC3E}">
-        <p14:creationId xmlns:p14="http://schemas.microsoft.com/office/powerpoint/2010/main" val="2987297751"/>
       </p:ext>
     </p:extLst>
   </p:cSld>
@@ -7614,239 +5071,78 @@
             <p:ph type="title"/>
           </p:nvPr>
         </p:nvSpPr>
-        <p:spPr/>
-        <p:txBody>
-          <a:bodyPr/>
-          <a:lstStyle/>
-          <a:p>
-            <a:r>
-              <a:rPr lang="en-US" dirty="0"/>
-              <a:t>Related Work: 2. Arabic Names Normalization</a:t>
-            </a:r>
-          </a:p>
-        </p:txBody>
-      </p:sp>
-      <p:sp>
-        <p:nvSpPr>
-          <p:cNvPr id="3" name="Content Placeholder 2">
-            <a:extLst>
-              <a:ext uri="{FF2B5EF4-FFF2-40B4-BE49-F238E27FC236}">
-                <a16:creationId xmlns:a16="http://schemas.microsoft.com/office/drawing/2014/main" id="{12D94D22-8A38-4CB6-AA07-18FB6B3033DA}"/>
-              </a:ext>
-            </a:extLst>
-          </p:cNvPr>
-          <p:cNvSpPr>
-            <a:spLocks noGrp="1"/>
-          </p:cNvSpPr>
-          <p:nvPr>
-            <p:ph idx="1"/>
-          </p:nvPr>
-        </p:nvSpPr>
         <p:spPr>
           <a:xfrm>
-            <a:off x="494522" y="1520890"/>
-            <a:ext cx="11541968" cy="5094513"/>
+            <a:off x="681135" y="365125"/>
+            <a:ext cx="11206065" cy="1325563"/>
           </a:xfrm>
         </p:spPr>
         <p:txBody>
-          <a:bodyPr>
-            <a:normAutofit fontScale="85000" lnSpcReduction="20000"/>
-          </a:bodyPr>
-          <a:lstStyle/>
-          <a:p>
-            <a:r>
-              <a:rPr lang="en-US" dirty="0">
-                <a:solidFill>
-                  <a:srgbClr val="FF0000"/>
-                </a:solidFill>
-              </a:rPr>
+          <a:bodyPr/>
+          <a:lstStyle/>
+          <a:p>
+            <a:r>
+              <a:rPr lang="en-US" dirty="0"/>
+              <a:t>Related Work: 3. Docs/News Similarity</a:t>
+            </a:r>
+          </a:p>
+        </p:txBody>
+      </p:sp>
+      <p:sp>
+        <p:nvSpPr>
+          <p:cNvPr id="3" name="Content Placeholder 2">
+            <a:extLst>
+              <a:ext uri="{FF2B5EF4-FFF2-40B4-BE49-F238E27FC236}">
+                <a16:creationId xmlns:a16="http://schemas.microsoft.com/office/drawing/2014/main" id="{12D94D22-8A38-4CB6-AA07-18FB6B3033DA}"/>
+              </a:ext>
+            </a:extLst>
+          </p:cNvPr>
+          <p:cNvSpPr>
+            <a:spLocks noGrp="1"/>
+          </p:cNvSpPr>
+          <p:nvPr>
+            <p:ph idx="1"/>
+          </p:nvPr>
+        </p:nvSpPr>
+        <p:spPr/>
+        <p:txBody>
+          <a:bodyPr/>
+          <a:lstStyle/>
+          <a:p>
+            <a:r>
+              <a:rPr lang="en-US" dirty="0"/>
               <a:t>(</a:t>
             </a:r>
             <a:r>
-              <a:rPr lang="en-US" dirty="0" err="1">
-                <a:solidFill>
-                  <a:srgbClr val="FF0000"/>
-                </a:solidFill>
-              </a:rPr>
-              <a:t>Alsorori</a:t>
-            </a:r>
-            <a:r>
-              <a:rPr lang="en-US" dirty="0">
-                <a:solidFill>
-                  <a:srgbClr val="FF0000"/>
-                </a:solidFill>
-              </a:rPr>
-              <a:t> et. al. 2019) </a:t>
-            </a:r>
-            <a:r>
-              <a:rPr lang="en-US" dirty="0"/>
-              <a:t>Developing Algorithm for Matching Arabic Names Entered by Mobile Phone</a:t>
-            </a:r>
-          </a:p>
-          <a:p>
-            <a:r>
-              <a:rPr lang="en-US" dirty="0"/>
-              <a:t>Another paper: An Enhanced Algorithm for Matching Arabic Names Entered by Mobile Phones</a:t>
-            </a:r>
-          </a:p>
-          <a:p>
-            <a:r>
-              <a:rPr lang="en-US" dirty="0"/>
-              <a:t>Uses 3 approaches, </a:t>
-            </a:r>
-            <a:r>
               <a:rPr lang="en-US" dirty="0" err="1"/>
-              <a:t>soundex</a:t>
-            </a:r>
-            <a:r>
-              <a:rPr lang="en-US" dirty="0"/>
-              <a:t>, keyboard location, and </a:t>
+              <a:t>Alsmadi</a:t>
+            </a:r>
+            <a:r>
+              <a:rPr lang="en-US" dirty="0"/>
+              <a:t> et. al. 2017) Paraphrase identification and semantic text similarity analysis in Arabic news tweets using lexical, syntactic, and semantic features.</a:t>
+            </a:r>
+          </a:p>
+          <a:p>
+            <a:r>
+              <a:rPr lang="en-US" dirty="0"/>
+              <a:t>Uses features extraction, text classification.</a:t>
+            </a:r>
+          </a:p>
+          <a:p>
+            <a:r>
+              <a:rPr lang="en-US" dirty="0"/>
+              <a:t>Maximum Entropy (</a:t>
             </a:r>
             <a:r>
               <a:rPr lang="en-US" dirty="0" err="1"/>
-              <a:t>Levenshtein</a:t>
-            </a:r>
-            <a:r>
-              <a:rPr lang="en-US" dirty="0"/>
-              <a:t> distance (form similarity)</a:t>
-            </a:r>
-          </a:p>
-          <a:p>
-            <a:r>
-              <a:rPr lang="en-US" dirty="0"/>
-              <a:t>Produced better results than </a:t>
-            </a:r>
-            <a:r>
-              <a:rPr lang="en-US" dirty="0" err="1"/>
-              <a:t>Levenshtein</a:t>
-            </a:r>
-            <a:endParaRPr lang="en-US" dirty="0"/>
-          </a:p>
-          <a:p>
-            <a:r>
-              <a:rPr lang="en-US" b="0" i="0" dirty="0">
-                <a:solidFill>
-                  <a:srgbClr val="555555"/>
-                </a:solidFill>
-                <a:effectLst/>
-                <a:latin typeface="Roboto" panose="02000000000000000000" pitchFamily="2" charset="0"/>
-              </a:rPr>
-              <a:t>Geared towards </a:t>
-            </a:r>
-            <a:r>
-              <a:rPr lang="en-US" dirty="0">
-                <a:solidFill>
-                  <a:srgbClr val="555555"/>
-                </a:solidFill>
-                <a:latin typeface="Roboto" panose="02000000000000000000" pitchFamily="2" charset="0"/>
-              </a:rPr>
-              <a:t>supporting spell checkers</a:t>
-            </a:r>
-            <a:endParaRPr lang="en-US" dirty="0"/>
-          </a:p>
-          <a:p>
-            <a:pPr algn="l"/>
-            <a:r>
-              <a:rPr lang="en-US" dirty="0">
-                <a:solidFill>
-                  <a:srgbClr val="FF0000"/>
-                </a:solidFill>
-              </a:rPr>
-              <a:t>(</a:t>
-            </a:r>
-            <a:r>
-              <a:rPr lang="en-US" dirty="0" err="1">
-                <a:solidFill>
-                  <a:srgbClr val="FF0000"/>
-                </a:solidFill>
-              </a:rPr>
-              <a:t>Ghafour</a:t>
-            </a:r>
-            <a:r>
-              <a:rPr lang="en-US" dirty="0">
-                <a:solidFill>
-                  <a:srgbClr val="FF0000"/>
-                </a:solidFill>
-              </a:rPr>
-              <a:t> et al. 2011) </a:t>
-            </a:r>
-            <a:r>
-              <a:rPr lang="en-US" b="0" i="0" dirty="0">
-                <a:solidFill>
-                  <a:srgbClr val="111111"/>
-                </a:solidFill>
-                <a:effectLst/>
-                <a:latin typeface="Roboto" panose="02000000000000000000" pitchFamily="2" charset="0"/>
-              </a:rPr>
-              <a:t>“AEDA: Arabic Edit Distance Algorithm</a:t>
-            </a:r>
-          </a:p>
-          <a:p>
-            <a:pPr algn="l"/>
-            <a:r>
-              <a:rPr lang="en-US" b="0" i="0" dirty="0">
-                <a:solidFill>
-                  <a:srgbClr val="111111"/>
-                </a:solidFill>
-                <a:effectLst/>
-                <a:latin typeface="Roboto" panose="02000000000000000000" pitchFamily="2" charset="0"/>
-              </a:rPr>
-              <a:t>Towards A New Approach for Arabic Name Matching</a:t>
-            </a:r>
-          </a:p>
-          <a:p>
-            <a:pPr algn="l"/>
-            <a:r>
-              <a:rPr lang="en-US" b="0" i="0" dirty="0">
-                <a:solidFill>
-                  <a:srgbClr val="333333"/>
-                </a:solidFill>
-                <a:effectLst/>
-                <a:latin typeface="Roboto" panose="02000000000000000000" pitchFamily="2" charset="0"/>
-              </a:rPr>
-              <a:t>The same as the above paper but it uses the computer keyboard distance between letters instead of mobile phone keyboard distance.</a:t>
-            </a:r>
-          </a:p>
-          <a:p>
-            <a:r>
-              <a:rPr lang="en-US" dirty="0"/>
-              <a:t>Produced better results than </a:t>
-            </a:r>
-            <a:r>
-              <a:rPr lang="en-US" dirty="0" err="1"/>
-              <a:t>Levenshtein</a:t>
-            </a:r>
-            <a:endParaRPr lang="en-US" dirty="0"/>
-          </a:p>
-          <a:p>
-            <a:r>
-              <a:rPr lang="en-US" b="0" i="0" dirty="0">
-                <a:solidFill>
-                  <a:srgbClr val="555555"/>
-                </a:solidFill>
-                <a:effectLst/>
-                <a:latin typeface="Roboto" panose="02000000000000000000" pitchFamily="2" charset="0"/>
-              </a:rPr>
-              <a:t>Geared towards </a:t>
-            </a:r>
-            <a:r>
-              <a:rPr lang="en-US" dirty="0">
-                <a:solidFill>
-                  <a:srgbClr val="555555"/>
-                </a:solidFill>
-                <a:latin typeface="Roboto" panose="02000000000000000000" pitchFamily="2" charset="0"/>
-              </a:rPr>
-              <a:t>supporting spell checkers</a:t>
-            </a:r>
-            <a:br>
-              <a:rPr lang="en-US" b="0" i="0" dirty="0">
-                <a:solidFill>
-                  <a:srgbClr val="555555"/>
-                </a:solidFill>
-                <a:effectLst/>
-                <a:latin typeface="Roboto" panose="02000000000000000000" pitchFamily="2" charset="0"/>
-              </a:rPr>
-            </a:br>
+              <a:t>MaxEnt</a:t>
+            </a:r>
+            <a:r>
+              <a:rPr lang="en-US" dirty="0"/>
+              <a:t>) and Support Vector Regression (SVR) classifiers are used.</a:t>
+            </a:r>
+          </a:p>
+          <a:p>
             <a:endParaRPr lang="en-US" dirty="0"/>
           </a:p>
         </p:txBody>
@@ -7854,7 +5150,7 @@
     </p:spTree>
     <p:extLst>
       <p:ext uri="{BB962C8B-B14F-4D97-AF65-F5344CB8AC3E}">
-        <p14:creationId xmlns:p14="http://schemas.microsoft.com/office/powerpoint/2010/main" val="1851154774"/>
+        <p14:creationId xmlns:p14="http://schemas.microsoft.com/office/powerpoint/2010/main" val="1065778610"/>
       </p:ext>
     </p:extLst>
   </p:cSld>
@@ -7930,9 +5226,16 @@
             <p:ph idx="1"/>
           </p:nvPr>
         </p:nvSpPr>
-        <p:spPr/>
-        <p:txBody>
-          <a:bodyPr/>
+        <p:spPr>
+          <a:xfrm>
+            <a:off x="838200" y="1576873"/>
+            <a:ext cx="10515600" cy="5150498"/>
+          </a:xfrm>
+        </p:spPr>
+        <p:txBody>
+          <a:bodyPr>
+            <a:normAutofit fontScale="92500" lnSpcReduction="10000"/>
+          </a:bodyPr>
           <a:lstStyle/>
           <a:p>
             <a:r>
@@ -7941,47 +5244,77 @@
                   <a:srgbClr val="FF0000"/>
                 </a:solidFill>
               </a:rPr>
-              <a:t>(</a:t>
-            </a:r>
-            <a:r>
-              <a:rPr lang="en-US" dirty="0" err="1">
-                <a:solidFill>
-                  <a:srgbClr val="FF0000"/>
-                </a:solidFill>
-              </a:rPr>
-              <a:t>Alsmadi</a:t>
-            </a:r>
+              <a:t>(Langlois et. al. 2018) </a:t>
+            </a:r>
+            <a:r>
+              <a:rPr lang="en-US" dirty="0"/>
+              <a:t>Alignment of comparable documents: Comparison of similarity measures on French–English–Arabic data</a:t>
+            </a:r>
+          </a:p>
+          <a:p>
+            <a:r>
+              <a:rPr lang="en-US" dirty="0"/>
+              <a:t>LSI model trained on comparable documents from Wikipedia and </a:t>
+            </a:r>
+            <a:r>
+              <a:rPr lang="en-US" dirty="0" err="1"/>
+              <a:t>Euronews</a:t>
+            </a:r>
+            <a:r>
+              <a:rPr lang="en-US" dirty="0"/>
+              <a:t>. It uses (CL-LSI Littman et. al. 1998) and (CL-LSI Saad 2015)</a:t>
+            </a:r>
+          </a:p>
+          <a:p>
+            <a:r>
+              <a:rPr lang="en-US" dirty="0"/>
+              <a:t>Multilingual semantic space, Leverages terms and concepts from documents.</a:t>
+            </a:r>
+          </a:p>
+          <a:p>
             <a:r>
               <a:rPr lang="en-US" dirty="0">
                 <a:solidFill>
                   <a:srgbClr val="FF0000"/>
                 </a:solidFill>
               </a:rPr>
-              <a:t> et. al. 2017) </a:t>
-            </a:r>
-            <a:r>
-              <a:rPr lang="en-US" dirty="0"/>
-              <a:t>Paraphrase identification and semantic text similarity analysis in Arabic news tweets using lexical, syntactic, and semantic features.</a:t>
-            </a:r>
-          </a:p>
-          <a:p>
-            <a:r>
-              <a:rPr lang="en-US" dirty="0"/>
-              <a:t>Uses features extraction, text classification.</a:t>
-            </a:r>
-          </a:p>
-          <a:p>
-            <a:r>
-              <a:rPr lang="en-US" dirty="0"/>
-              <a:t>Maximum Entropy (</a:t>
+              <a:t>(Saad 2015 PhD thesis) </a:t>
+            </a:r>
+            <a:r>
+              <a:rPr lang="en-US" dirty="0"/>
+              <a:t>CL-LSI approach needs a parallel or comparable corpus for training.</a:t>
+            </a:r>
+          </a:p>
+          <a:p>
+            <a:r>
+              <a:rPr lang="en-US" dirty="0"/>
+              <a:t>Dataset is from 2013</a:t>
+            </a:r>
+          </a:p>
+          <a:p>
+            <a:r>
+              <a:rPr lang="en-US" dirty="0"/>
+              <a:t>Downloaded the dataset from Dr. Saad’s link and </a:t>
             </a:r>
             <a:r>
               <a:rPr lang="en-US" dirty="0" err="1"/>
-              <a:t>MaxEnt</a:t>
-            </a:r>
-            <a:r>
-              <a:rPr lang="en-US" dirty="0"/>
-              <a:t>) and Support Vector Regression (SVR) classifiers are used.</a:t>
+              <a:t>Github</a:t>
+            </a:r>
+            <a:r>
+              <a:rPr lang="en-US" dirty="0"/>
+              <a:t> account.</a:t>
+            </a:r>
+          </a:p>
+          <a:p>
+            <a:r>
+              <a:rPr lang="en-US" dirty="0"/>
+              <a:t>Only 2 of the dataset files were not corrupted. They are from Wikipedia dumps. The code isn’t available to run on my dataset.</a:t>
+            </a:r>
+          </a:p>
+          <a:p>
+            <a:r>
+              <a:rPr lang="en-US" dirty="0"/>
+              <a:t>305 pairs of documents annotated by hand.</a:t>
             </a:r>
           </a:p>
           <a:p>
@@ -7992,7 +5325,7 @@
     </p:spTree>
     <p:extLst>
       <p:ext uri="{BB962C8B-B14F-4D97-AF65-F5344CB8AC3E}">
-        <p14:creationId xmlns:p14="http://schemas.microsoft.com/office/powerpoint/2010/main" val="1065778610"/>
+        <p14:creationId xmlns:p14="http://schemas.microsoft.com/office/powerpoint/2010/main" val="3217132442"/>
       </p:ext>
     </p:extLst>
   </p:cSld>
@@ -8076,98 +5409,39 @@
         </p:spPr>
         <p:txBody>
           <a:bodyPr>
-            <a:normAutofit fontScale="92500" lnSpcReduction="10000"/>
+            <a:normAutofit/>
           </a:bodyPr>
           <a:lstStyle/>
           <a:p>
             <a:r>
-              <a:rPr lang="en-US" dirty="0">
-                <a:solidFill>
-                  <a:srgbClr val="FF0000"/>
-                </a:solidFill>
-              </a:rPr>
-              <a:t>(Langlois et. al. 2018) </a:t>
-            </a:r>
-            <a:r>
-              <a:rPr lang="en-US" dirty="0"/>
-              <a:t>Alignment of comparable documents: Comparison of similarity measures on French–English–Arabic data</a:t>
-            </a:r>
-          </a:p>
-          <a:p>
-            <a:r>
-              <a:rPr lang="en-US" dirty="0"/>
-              <a:t>LSI model trained on comparable documents from Wikipedia and </a:t>
-            </a:r>
-            <a:r>
-              <a:rPr lang="en-US" dirty="0" err="1"/>
-              <a:t>Euronews</a:t>
-            </a:r>
-            <a:r>
-              <a:rPr lang="en-US" dirty="0"/>
-              <a:t>. It uses (CL-LSI Littman et. al. 1998) and (CL-LSI Saad 2015)</a:t>
-            </a:r>
-          </a:p>
-          <a:p>
-            <a:r>
-              <a:rPr lang="en-US" dirty="0"/>
-              <a:t>Multilingual semantic space, Leverages terms and concepts from documents.</a:t>
-            </a:r>
-          </a:p>
-          <a:p>
-            <a:r>
-              <a:rPr lang="en-US" dirty="0">
-                <a:solidFill>
-                  <a:srgbClr val="FF0000"/>
-                </a:solidFill>
-              </a:rPr>
-              <a:t>(Saad 2015 PhD thesis) </a:t>
-            </a:r>
-            <a:r>
-              <a:rPr lang="en-US" dirty="0"/>
-              <a:t>CL-LSI approach needs a parallel or comparable corpus for training.</a:t>
-            </a:r>
-          </a:p>
-          <a:p>
-            <a:r>
-              <a:rPr lang="en-US" dirty="0"/>
-              <a:t>Dataset is from 2013</a:t>
-            </a:r>
-          </a:p>
-          <a:p>
-            <a:r>
-              <a:rPr lang="en-US" dirty="0"/>
-              <a:t>Downloaded the dataset from Dr. Saad’s link and </a:t>
-            </a:r>
-            <a:r>
-              <a:rPr lang="en-US" dirty="0" err="1"/>
-              <a:t>Github</a:t>
-            </a:r>
-            <a:r>
-              <a:rPr lang="en-US" dirty="0"/>
-              <a:t> account.</a:t>
-            </a:r>
-          </a:p>
-          <a:p>
-            <a:r>
-              <a:rPr lang="en-US" dirty="0"/>
-              <a:t>Only 2 of the dataset files were not corrupted. They are from Wikipedia dumps. The code isn’t available to run on my dataset.</a:t>
-            </a:r>
-          </a:p>
-          <a:p>
-            <a:r>
-              <a:rPr lang="en-US" dirty="0"/>
-              <a:t>305 pairs of documents annotated by hand.</a:t>
-            </a:r>
-          </a:p>
-          <a:p>
-            <a:endParaRPr lang="en-US" dirty="0"/>
+              <a:rPr lang="en-US" dirty="0"/>
+              <a:t>(Morin et. al. 2015) LINA: Identifying Comparable Documents from Wikipedia</a:t>
+            </a:r>
+          </a:p>
+          <a:p>
+            <a:r>
+              <a:rPr lang="en-US" dirty="0"/>
+              <a:t>Hapax words are words that occur only once in the document</a:t>
+            </a:r>
+          </a:p>
+          <a:p>
+            <a:r>
+              <a:rPr lang="en-US" dirty="0"/>
+              <a:t>Simple approach: Documents that share the largest amount of hapax words are parallel.</a:t>
+            </a:r>
+          </a:p>
+          <a:p>
+            <a:r>
+              <a:rPr lang="en-US" dirty="0"/>
+              <a:t>The notion is that most hapax words are in practice proper nouns or numerical entities, which are often cognates.</a:t>
+            </a:r>
           </a:p>
         </p:txBody>
       </p:sp>
     </p:spTree>
     <p:extLst>
       <p:ext uri="{BB962C8B-B14F-4D97-AF65-F5344CB8AC3E}">
-        <p14:creationId xmlns:p14="http://schemas.microsoft.com/office/powerpoint/2010/main" val="3217132442"/>
+        <p14:creationId xmlns:p14="http://schemas.microsoft.com/office/powerpoint/2010/main" val="1595877634"/>
       </p:ext>
     </p:extLst>
   </p:cSld>
@@ -8473,21 +5747,6 @@
 </file>
 
 <file path=customXml/item1.xml><?xml version="1.0" encoding="utf-8"?>
-<?mso-contentType ?>
-<FormTemplates xmlns="http://schemas.microsoft.com/sharepoint/v3/contenttype/forms">
-  <Display>DocumentLibraryForm</Display>
-  <Edit>DocumentLibraryForm</Edit>
-  <New>DocumentLibraryForm</New>
-</FormTemplates>
-</file>
-
-<file path=customXml/item2.xml><?xml version="1.0" encoding="utf-8"?>
-<p:properties xmlns:p="http://schemas.microsoft.com/office/2006/metadata/properties" xmlns:xsi="http://www.w3.org/2001/XMLSchema-instance" xmlns:pc="http://schemas.microsoft.com/office/infopath/2007/PartnerControls">
-  <documentManagement/>
-</p:properties>
-</file>
-
-<file path=customXml/item3.xml><?xml version="1.0" encoding="utf-8"?>
 <ct:contentTypeSchema xmlns:ct="http://schemas.microsoft.com/office/2006/metadata/contentType" xmlns:ma="http://schemas.microsoft.com/office/2006/metadata/properties/metaAttributes" ct:_="" ma:_="" ma:contentTypeName="Document" ma:contentTypeID="0x01010004C3F8400CC5404D9942C3D2BC8BC1AB" ma:contentTypeVersion="4" ma:contentTypeDescription="Create a new document." ma:contentTypeScope="" ma:versionID="71d26f7c8883baeea37a747ce5f5e451">
   <xsd:schema xmlns:xsd="http://www.w3.org/2001/XMLSchema" xmlns:xs="http://www.w3.org/2001/XMLSchema" xmlns:p="http://schemas.microsoft.com/office/2006/metadata/properties" xmlns:ns3="aa32075b-1e88-4829-a2bc-3855f047b83d" targetNamespace="http://schemas.microsoft.com/office/2006/metadata/properties" ma:root="true" ma:fieldsID="c25db40ac8a98218e4889caad6c13d3b" ns3:_="">
     <xsd:import namespace="aa32075b-1e88-4829-a2bc-3855f047b83d"/>
@@ -8633,10 +5892,35 @@
 </ct:contentTypeSchema>
 </file>
 
+<file path=customXml/item2.xml><?xml version="1.0" encoding="utf-8"?>
+<p:properties xmlns:p="http://schemas.microsoft.com/office/2006/metadata/properties" xmlns:xsi="http://www.w3.org/2001/XMLSchema-instance" xmlns:pc="http://schemas.microsoft.com/office/infopath/2007/PartnerControls">
+  <documentManagement/>
+</p:properties>
+</file>
+
+<file path=customXml/item3.xml><?xml version="1.0" encoding="utf-8"?>
+<?mso-contentType ?>
+<FormTemplates xmlns="http://schemas.microsoft.com/sharepoint/v3/contenttype/forms">
+  <Display>DocumentLibraryForm</Display>
+  <Edit>DocumentLibraryForm</Edit>
+  <New>DocumentLibraryForm</New>
+</FormTemplates>
+</file>
+
 <file path=customXml/itemProps1.xml><?xml version="1.0" encoding="utf-8"?>
-<ds:datastoreItem xmlns:ds="http://schemas.openxmlformats.org/officeDocument/2006/customXml" ds:itemID="{76019AA6-1587-4CBD-B078-2ECC0C894026}">
+<ds:datastoreItem xmlns:ds="http://schemas.openxmlformats.org/officeDocument/2006/customXml" ds:itemID="{B46BF919-8AAC-4A31-A2A6-B9DC79163B78}">
   <ds:schemaRefs>
-    <ds:schemaRef ds:uri="http://schemas.microsoft.com/sharepoint/v3/contenttype/forms"/>
+    <ds:schemaRef ds:uri="http://schemas.microsoft.com/office/2006/metadata/contentType"/>
+    <ds:schemaRef ds:uri="http://schemas.microsoft.com/office/2006/metadata/properties/metaAttributes"/>
+    <ds:schemaRef ds:uri="http://www.w3.org/2001/XMLSchema"/>
+    <ds:schemaRef ds:uri="http://schemas.microsoft.com/office/2006/metadata/properties"/>
+    <ds:schemaRef ds:uri="aa32075b-1e88-4829-a2bc-3855f047b83d"/>
+    <ds:schemaRef ds:uri="http://schemas.microsoft.com/office/2006/documentManagement/types"/>
+    <ds:schemaRef ds:uri="http://schemas.microsoft.com/office/infopath/2007/PartnerControls"/>
+    <ds:schemaRef ds:uri="http://schemas.openxmlformats.org/package/2006/metadata/core-properties"/>
+    <ds:schemaRef ds:uri="http://purl.org/dc/elements/1.1/"/>
+    <ds:schemaRef ds:uri="http://purl.org/dc/terms/"/>
+    <ds:schemaRef ds:uri="http://schemas.microsoft.com/internal/obd"/>
   </ds:schemaRefs>
 </ds:datastoreItem>
 </file>
@@ -8658,19 +5942,9 @@
 </file>
 
 <file path=customXml/itemProps3.xml><?xml version="1.0" encoding="utf-8"?>
-<ds:datastoreItem xmlns:ds="http://schemas.openxmlformats.org/officeDocument/2006/customXml" ds:itemID="{B46BF919-8AAC-4A31-A2A6-B9DC79163B78}">
+<ds:datastoreItem xmlns:ds="http://schemas.openxmlformats.org/officeDocument/2006/customXml" ds:itemID="{76019AA6-1587-4CBD-B078-2ECC0C894026}">
   <ds:schemaRefs>
-    <ds:schemaRef ds:uri="http://schemas.microsoft.com/office/2006/metadata/contentType"/>
-    <ds:schemaRef ds:uri="http://schemas.microsoft.com/office/2006/metadata/properties/metaAttributes"/>
-    <ds:schemaRef ds:uri="http://www.w3.org/2001/XMLSchema"/>
-    <ds:schemaRef ds:uri="http://schemas.microsoft.com/office/2006/metadata/properties"/>
-    <ds:schemaRef ds:uri="aa32075b-1e88-4829-a2bc-3855f047b83d"/>
-    <ds:schemaRef ds:uri="http://schemas.microsoft.com/office/2006/documentManagement/types"/>
-    <ds:schemaRef ds:uri="http://schemas.microsoft.com/office/infopath/2007/PartnerControls"/>
-    <ds:schemaRef ds:uri="http://schemas.openxmlformats.org/package/2006/metadata/core-properties"/>
-    <ds:schemaRef ds:uri="http://purl.org/dc/elements/1.1/"/>
-    <ds:schemaRef ds:uri="http://purl.org/dc/terms/"/>
-    <ds:schemaRef ds:uri="http://schemas.microsoft.com/internal/obd"/>
+    <ds:schemaRef ds:uri="http://schemas.microsoft.com/sharepoint/v3/contenttype/forms"/>
   </ds:schemaRefs>
 </ds:datastoreItem>
 </file>